--- a/EventDrivenArchitectureWorkshop.pptx
+++ b/EventDrivenArchitectureWorkshop.pptx
@@ -139,6 +139,11 @@
       </a:defRPr>
     </a:lvl9pPr>
   </p:defaultTextStyle>
+  <p:extLst>
+    <p:ext uri="{EFAFB233-063F-42B5-8137-9DF3F51BA10A}">
+      <p15:sldGuideLst xmlns:p15="http://schemas.microsoft.com/office/powerpoint/2012/main"/>
+    </p:ext>
+  </p:extLst>
 </p:presentation>
 </file>
 
@@ -3202,10 +3207,39 @@
               <a:rPr lang="en-US" dirty="0" smtClean="0"/>
               <a:t>System has to be taken down during deployments and deployments occasionally fail because of uncoordinated changes across development teams</a:t>
             </a:r>
-            <a:endParaRPr lang="en-US" dirty="0" smtClean="0"/>
-          </a:p>
-        </p:txBody>
-      </p:sp>
+          </a:p>
+        </p:txBody>
+      </p:sp>
+      <p:pic>
+        <p:nvPicPr>
+          <p:cNvPr id="4" name="Picture 3"/>
+          <p:cNvPicPr>
+            <a:picLocks noChangeAspect="1"/>
+          </p:cNvPicPr>
+          <p:nvPr/>
+        </p:nvPicPr>
+        <p:blipFill>
+          <a:blip r:embed="rId2" cstate="print">
+            <a:extLst>
+              <a:ext uri="{28A0092B-C50C-407E-A947-70E740481C1C}">
+                <a14:useLocalDpi xmlns:a14="http://schemas.microsoft.com/office/drawing/2010/main" val="0"/>
+              </a:ext>
+            </a:extLst>
+          </a:blip>
+          <a:stretch>
+            <a:fillRect/>
+          </a:stretch>
+        </p:blipFill>
+        <p:spPr>
+          <a:xfrm>
+            <a:off x="9135291" y="292047"/>
+            <a:ext cx="2455817" cy="1381224"/>
+          </a:xfrm>
+          <a:prstGeom prst="rect">
+            <a:avLst/>
+          </a:prstGeom>
+        </p:spPr>
+      </p:pic>
     </p:spTree>
     <p:extLst>
       <p:ext uri="{BB962C8B-B14F-4D97-AF65-F5344CB8AC3E}">
@@ -3338,10 +3372,39 @@
               <a:rPr lang="en-US" dirty="0" smtClean="0"/>
               <a:t>Decouple components and teams</a:t>
             </a:r>
-            <a:endParaRPr lang="en-US" dirty="0" smtClean="0"/>
-          </a:p>
-        </p:txBody>
-      </p:sp>
+          </a:p>
+        </p:txBody>
+      </p:sp>
+      <p:pic>
+        <p:nvPicPr>
+          <p:cNvPr id="4" name="Picture 3"/>
+          <p:cNvPicPr>
+            <a:picLocks noChangeAspect="1"/>
+          </p:cNvPicPr>
+          <p:nvPr/>
+        </p:nvPicPr>
+        <p:blipFill>
+          <a:blip r:embed="rId2" cstate="print">
+            <a:extLst>
+              <a:ext uri="{28A0092B-C50C-407E-A947-70E740481C1C}">
+                <a14:useLocalDpi xmlns:a14="http://schemas.microsoft.com/office/drawing/2010/main" val="0"/>
+              </a:ext>
+            </a:extLst>
+          </a:blip>
+          <a:stretch>
+            <a:fillRect/>
+          </a:stretch>
+        </p:blipFill>
+        <p:spPr>
+          <a:xfrm>
+            <a:off x="9135291" y="292047"/>
+            <a:ext cx="2455817" cy="1381224"/>
+          </a:xfrm>
+          <a:prstGeom prst="rect">
+            <a:avLst/>
+          </a:prstGeom>
+        </p:spPr>
+      </p:pic>
     </p:spTree>
     <p:extLst>
       <p:ext uri="{BB962C8B-B14F-4D97-AF65-F5344CB8AC3E}">
@@ -3487,10 +3550,39 @@
               <a:rPr lang="en-US" b="1" i="1" dirty="0" smtClean="0"/>
               <a:t>materialized views</a:t>
             </a:r>
-            <a:endParaRPr lang="en-US" b="1" i="1" dirty="0" smtClean="0"/>
-          </a:p>
-        </p:txBody>
-      </p:sp>
+          </a:p>
+        </p:txBody>
+      </p:sp>
+      <p:pic>
+        <p:nvPicPr>
+          <p:cNvPr id="4" name="Picture 3"/>
+          <p:cNvPicPr>
+            <a:picLocks noChangeAspect="1"/>
+          </p:cNvPicPr>
+          <p:nvPr/>
+        </p:nvPicPr>
+        <p:blipFill>
+          <a:blip r:embed="rId2" cstate="print">
+            <a:extLst>
+              <a:ext uri="{28A0092B-C50C-407E-A947-70E740481C1C}">
+                <a14:useLocalDpi xmlns:a14="http://schemas.microsoft.com/office/drawing/2010/main" val="0"/>
+              </a:ext>
+            </a:extLst>
+          </a:blip>
+          <a:stretch>
+            <a:fillRect/>
+          </a:stretch>
+        </p:blipFill>
+        <p:spPr>
+          <a:xfrm>
+            <a:off x="9135291" y="292047"/>
+            <a:ext cx="2455817" cy="1381224"/>
+          </a:xfrm>
+          <a:prstGeom prst="rect">
+            <a:avLst/>
+          </a:prstGeom>
+        </p:spPr>
+      </p:pic>
     </p:spTree>
     <p:extLst>
       <p:ext uri="{BB962C8B-B14F-4D97-AF65-F5344CB8AC3E}">
@@ -3877,11 +3969,7 @@
             <a:pPr algn="ctr"/>
             <a:r>
               <a:rPr lang="en-US" dirty="0" smtClean="0"/>
-              <a:t>Auto </a:t>
-            </a:r>
-            <a:r>
-              <a:rPr lang="en-US" dirty="0" smtClean="0"/>
-              <a:t>Approval</a:t>
+              <a:t>Auto Approval</a:t>
             </a:r>
           </a:p>
           <a:p>
@@ -4941,6 +5029,36 @@
           </a:p>
         </p:txBody>
       </p:sp>
+      <p:pic>
+        <p:nvPicPr>
+          <p:cNvPr id="36" name="Picture 35"/>
+          <p:cNvPicPr>
+            <a:picLocks noChangeAspect="1"/>
+          </p:cNvPicPr>
+          <p:nvPr/>
+        </p:nvPicPr>
+        <p:blipFill>
+          <a:blip r:embed="rId2" cstate="print">
+            <a:extLst>
+              <a:ext uri="{28A0092B-C50C-407E-A947-70E740481C1C}">
+                <a14:useLocalDpi xmlns:a14="http://schemas.microsoft.com/office/drawing/2010/main" val="0"/>
+              </a:ext>
+            </a:extLst>
+          </a:blip>
+          <a:stretch>
+            <a:fillRect/>
+          </a:stretch>
+        </p:blipFill>
+        <p:spPr>
+          <a:xfrm>
+            <a:off x="9135291" y="292047"/>
+            <a:ext cx="2455817" cy="1381224"/>
+          </a:xfrm>
+          <a:prstGeom prst="rect">
+            <a:avLst/>
+          </a:prstGeom>
+        </p:spPr>
+      </p:pic>
     </p:spTree>
     <p:extLst>
       <p:ext uri="{BB962C8B-B14F-4D97-AF65-F5344CB8AC3E}">
@@ -5128,7 +5246,6 @@
               <a:rPr lang="en-US" b="1" i="1" dirty="0" smtClean="0"/>
               <a:t>event stream</a:t>
             </a:r>
-            <a:endParaRPr lang="en-US" b="1" i="1" dirty="0" smtClean="0"/>
           </a:p>
         </p:txBody>
       </p:sp>
@@ -5447,7 +5564,7 @@
         <p:spPr/>
         <p:txBody>
           <a:bodyPr>
-            <a:normAutofit fontScale="77500" lnSpcReduction="20000"/>
+            <a:normAutofit fontScale="85000" lnSpcReduction="20000"/>
           </a:bodyPr>
           <a:lstStyle/>
           <a:p>
@@ -5733,7 +5850,6 @@
               <a:rPr lang="en-US" dirty="0" smtClean="0"/>
               <a:t>Key terms</a:t>
             </a:r>
-            <a:endParaRPr lang="en-US" dirty="0" smtClean="0"/>
           </a:p>
         </p:txBody>
       </p:sp>
@@ -5966,7 +6082,6 @@
               <a:rPr lang="en-US" dirty="0" smtClean="0"/>
               <a:t>Create Shared Access Policy for publisher</a:t>
             </a:r>
-            <a:endParaRPr lang="en-US" dirty="0" smtClean="0"/>
           </a:p>
         </p:txBody>
       </p:sp>
@@ -6271,7 +6386,6 @@
               <a:rPr lang="en-US" dirty="0" smtClean="0"/>
               <a:t>Later exercises will demonstrate asynchronous messaging and scalability</a:t>
             </a:r>
-            <a:endParaRPr lang="en-US" dirty="0" smtClean="0"/>
           </a:p>
         </p:txBody>
       </p:sp>
@@ -7455,7 +7569,6 @@
               <a:rPr lang="en-US" dirty="0" smtClean="0"/>
               <a:t> ??? Application and deployed as ???</a:t>
             </a:r>
-            <a:endParaRPr lang="en-US" dirty="0" smtClean="0"/>
           </a:p>
         </p:txBody>
       </p:sp>
@@ -8210,7 +8323,6 @@
               <a:rPr lang="en-US" dirty="0" smtClean="0"/>
               <a:t>Request router subscribes to document topic, updates request, and sends update to UI</a:t>
             </a:r>
-            <a:endParaRPr lang="en-US" dirty="0" smtClean="0"/>
           </a:p>
         </p:txBody>
       </p:sp>
@@ -8450,7 +8562,6 @@
               <a:rPr lang="en-US" dirty="0" smtClean="0"/>
               <a:t>??? Should be something that just consumes existing event/s</a:t>
             </a:r>
-            <a:endParaRPr lang="en-US" dirty="0" smtClean="0"/>
           </a:p>
         </p:txBody>
       </p:sp>
@@ -8717,7 +8828,6 @@
               <a:rPr lang="en-US" dirty="0" smtClean="0"/>
               <a:t>Delete resources</a:t>
             </a:r>
-            <a:endParaRPr lang="en-US" dirty="0" smtClean="0"/>
           </a:p>
         </p:txBody>
       </p:sp>
@@ -9173,6 +9283,36 @@
           </a:p>
         </p:txBody>
       </p:sp>
+      <p:pic>
+        <p:nvPicPr>
+          <p:cNvPr id="2" name="Picture 1"/>
+          <p:cNvPicPr>
+            <a:picLocks noChangeAspect="1"/>
+          </p:cNvPicPr>
+          <p:nvPr/>
+        </p:nvPicPr>
+        <p:blipFill>
+          <a:blip r:embed="rId2" cstate="print">
+            <a:extLst>
+              <a:ext uri="{28A0092B-C50C-407E-A947-70E740481C1C}">
+                <a14:useLocalDpi xmlns:a14="http://schemas.microsoft.com/office/drawing/2010/main" val="0"/>
+              </a:ext>
+            </a:extLst>
+          </a:blip>
+          <a:stretch>
+            <a:fillRect/>
+          </a:stretch>
+        </p:blipFill>
+        <p:spPr>
+          <a:xfrm>
+            <a:off x="9135291" y="292047"/>
+            <a:ext cx="2455817" cy="1381224"/>
+          </a:xfrm>
+          <a:prstGeom prst="rect">
+            <a:avLst/>
+          </a:prstGeom>
+        </p:spPr>
+      </p:pic>
     </p:spTree>
     <p:extLst>
       <p:ext uri="{BB962C8B-B14F-4D97-AF65-F5344CB8AC3E}">
@@ -9506,11 +9646,7 @@
             <a:pPr algn="ctr"/>
             <a:r>
               <a:rPr lang="en-US" dirty="0" smtClean="0"/>
-              <a:t>Auto </a:t>
-            </a:r>
-            <a:r>
-              <a:rPr lang="en-US" dirty="0" smtClean="0"/>
-              <a:t>Approval Service</a:t>
+              <a:t>Auto Approval Service</a:t>
             </a:r>
             <a:endParaRPr lang="en-US" dirty="0"/>
           </a:p>
@@ -9554,11 +9690,7 @@
             <a:pPr algn="ctr"/>
             <a:r>
               <a:rPr lang="en-US" dirty="0" smtClean="0"/>
-              <a:t>Routing </a:t>
-            </a:r>
-            <a:r>
-              <a:rPr lang="en-US" dirty="0" smtClean="0"/>
-              <a:t>Service</a:t>
+              <a:t>Routing Service</a:t>
             </a:r>
             <a:endParaRPr lang="en-US" dirty="0"/>
           </a:p>
@@ -10075,6 +10207,36 @@
           </a:fontRef>
         </p:style>
       </p:cxnSp>
+      <p:pic>
+        <p:nvPicPr>
+          <p:cNvPr id="21" name="Picture 20"/>
+          <p:cNvPicPr>
+            <a:picLocks noChangeAspect="1"/>
+          </p:cNvPicPr>
+          <p:nvPr/>
+        </p:nvPicPr>
+        <p:blipFill>
+          <a:blip r:embed="rId2" cstate="print">
+            <a:extLst>
+              <a:ext uri="{28A0092B-C50C-407E-A947-70E740481C1C}">
+                <a14:useLocalDpi xmlns:a14="http://schemas.microsoft.com/office/drawing/2010/main" val="0"/>
+              </a:ext>
+            </a:extLst>
+          </a:blip>
+          <a:stretch>
+            <a:fillRect/>
+          </a:stretch>
+        </p:blipFill>
+        <p:spPr>
+          <a:xfrm>
+            <a:off x="9135291" y="292047"/>
+            <a:ext cx="2455817" cy="1381224"/>
+          </a:xfrm>
+          <a:prstGeom prst="rect">
+            <a:avLst/>
+          </a:prstGeom>
+        </p:spPr>
+      </p:pic>
     </p:spTree>
     <p:extLst>
       <p:ext uri="{BB962C8B-B14F-4D97-AF65-F5344CB8AC3E}">

--- a/EventDrivenArchitectureWorkshop.pptx
+++ b/EventDrivenArchitectureWorkshop.pptx
@@ -33,14 +33,26 @@
     <p:sldId id="281" r:id="rId27"/>
     <p:sldId id="282" r:id="rId28"/>
     <p:sldId id="283" r:id="rId29"/>
-    <p:sldId id="284" r:id="rId30"/>
-    <p:sldId id="285" r:id="rId31"/>
-    <p:sldId id="286" r:id="rId32"/>
-    <p:sldId id="287" r:id="rId33"/>
-    <p:sldId id="288" r:id="rId34"/>
-    <p:sldId id="289" r:id="rId35"/>
-    <p:sldId id="290" r:id="rId36"/>
-    <p:sldId id="291" r:id="rId37"/>
+    <p:sldId id="286" r:id="rId30"/>
+    <p:sldId id="305" r:id="rId31"/>
+    <p:sldId id="294" r:id="rId32"/>
+    <p:sldId id="295" r:id="rId33"/>
+    <p:sldId id="297" r:id="rId34"/>
+    <p:sldId id="296" r:id="rId35"/>
+    <p:sldId id="300" r:id="rId36"/>
+    <p:sldId id="298" r:id="rId37"/>
+    <p:sldId id="301" r:id="rId38"/>
+    <p:sldId id="303" r:id="rId39"/>
+    <p:sldId id="304" r:id="rId40"/>
+    <p:sldId id="299" r:id="rId41"/>
+    <p:sldId id="284" r:id="rId42"/>
+    <p:sldId id="285" r:id="rId43"/>
+    <p:sldId id="292" r:id="rId44"/>
+    <p:sldId id="287" r:id="rId45"/>
+    <p:sldId id="288" r:id="rId46"/>
+    <p:sldId id="289" r:id="rId47"/>
+    <p:sldId id="290" r:id="rId48"/>
+    <p:sldId id="291" r:id="rId49"/>
   </p:sldIdLst>
   <p:sldSz cx="12192000" cy="6858000"/>
   <p:notesSz cx="6858000" cy="9144000"/>
@@ -278,7 +290,7 @@
           <a:p>
             <a:fld id="{0B5D536D-AE8C-4EAC-8CEB-B18A64A144B4}" type="datetimeFigureOut">
               <a:rPr lang="en-US" smtClean="0"/>
-              <a:t>9/6/2021</a:t>
+              <a:t>9/11/2021</a:t>
             </a:fld>
             <a:endParaRPr lang="en-US"/>
           </a:p>
@@ -448,7 +460,7 @@
           <a:p>
             <a:fld id="{0B5D536D-AE8C-4EAC-8CEB-B18A64A144B4}" type="datetimeFigureOut">
               <a:rPr lang="en-US" smtClean="0"/>
-              <a:t>9/6/2021</a:t>
+              <a:t>9/11/2021</a:t>
             </a:fld>
             <a:endParaRPr lang="en-US"/>
           </a:p>
@@ -628,7 +640,7 @@
           <a:p>
             <a:fld id="{0B5D536D-AE8C-4EAC-8CEB-B18A64A144B4}" type="datetimeFigureOut">
               <a:rPr lang="en-US" smtClean="0"/>
-              <a:t>9/6/2021</a:t>
+              <a:t>9/11/2021</a:t>
             </a:fld>
             <a:endParaRPr lang="en-US"/>
           </a:p>
@@ -798,7 +810,7 @@
           <a:p>
             <a:fld id="{0B5D536D-AE8C-4EAC-8CEB-B18A64A144B4}" type="datetimeFigureOut">
               <a:rPr lang="en-US" smtClean="0"/>
-              <a:t>9/6/2021</a:t>
+              <a:t>9/11/2021</a:t>
             </a:fld>
             <a:endParaRPr lang="en-US"/>
           </a:p>
@@ -1044,7 +1056,7 @@
           <a:p>
             <a:fld id="{0B5D536D-AE8C-4EAC-8CEB-B18A64A144B4}" type="datetimeFigureOut">
               <a:rPr lang="en-US" smtClean="0"/>
-              <a:t>9/6/2021</a:t>
+              <a:t>9/11/2021</a:t>
             </a:fld>
             <a:endParaRPr lang="en-US"/>
           </a:p>
@@ -1276,7 +1288,7 @@
           <a:p>
             <a:fld id="{0B5D536D-AE8C-4EAC-8CEB-B18A64A144B4}" type="datetimeFigureOut">
               <a:rPr lang="en-US" smtClean="0"/>
-              <a:t>9/6/2021</a:t>
+              <a:t>9/11/2021</a:t>
             </a:fld>
             <a:endParaRPr lang="en-US"/>
           </a:p>
@@ -1643,7 +1655,7 @@
           <a:p>
             <a:fld id="{0B5D536D-AE8C-4EAC-8CEB-B18A64A144B4}" type="datetimeFigureOut">
               <a:rPr lang="en-US" smtClean="0"/>
-              <a:t>9/6/2021</a:t>
+              <a:t>9/11/2021</a:t>
             </a:fld>
             <a:endParaRPr lang="en-US"/>
           </a:p>
@@ -1761,7 +1773,7 @@
           <a:p>
             <a:fld id="{0B5D536D-AE8C-4EAC-8CEB-B18A64A144B4}" type="datetimeFigureOut">
               <a:rPr lang="en-US" smtClean="0"/>
-              <a:t>9/6/2021</a:t>
+              <a:t>9/11/2021</a:t>
             </a:fld>
             <a:endParaRPr lang="en-US"/>
           </a:p>
@@ -1856,7 +1868,7 @@
           <a:p>
             <a:fld id="{0B5D536D-AE8C-4EAC-8CEB-B18A64A144B4}" type="datetimeFigureOut">
               <a:rPr lang="en-US" smtClean="0"/>
-              <a:t>9/6/2021</a:t>
+              <a:t>9/11/2021</a:t>
             </a:fld>
             <a:endParaRPr lang="en-US"/>
           </a:p>
@@ -2133,7 +2145,7 @@
           <a:p>
             <a:fld id="{0B5D536D-AE8C-4EAC-8CEB-B18A64A144B4}" type="datetimeFigureOut">
               <a:rPr lang="en-US" smtClean="0"/>
-              <a:t>9/6/2021</a:t>
+              <a:t>9/11/2021</a:t>
             </a:fld>
             <a:endParaRPr lang="en-US"/>
           </a:p>
@@ -2386,7 +2398,7 @@
           <a:p>
             <a:fld id="{0B5D536D-AE8C-4EAC-8CEB-B18A64A144B4}" type="datetimeFigureOut">
               <a:rPr lang="en-US" smtClean="0"/>
-              <a:t>9/6/2021</a:t>
+              <a:t>9/11/2021</a:t>
             </a:fld>
             <a:endParaRPr lang="en-US"/>
           </a:p>
@@ -2599,7 +2611,7 @@
           <a:p>
             <a:fld id="{0B5D536D-AE8C-4EAC-8CEB-B18A64A144B4}" type="datetimeFigureOut">
               <a:rPr lang="en-US" smtClean="0"/>
-              <a:t>9/6/2021</a:t>
+              <a:t>9/11/2021</a:t>
             </a:fld>
             <a:endParaRPr lang="en-US"/>
           </a:p>
@@ -3287,7 +3299,15 @@
           <a:p>
             <a:r>
               <a:rPr lang="en-US" dirty="0" smtClean="0"/>
-              <a:t>Goals or Event-Driven System</a:t>
+              <a:t>Goals </a:t>
+            </a:r>
+            <a:r>
+              <a:rPr lang="en-US" dirty="0" smtClean="0"/>
+              <a:t>of </a:t>
+            </a:r>
+            <a:r>
+              <a:rPr lang="en-US" dirty="0" smtClean="0"/>
+              <a:t>Event-Driven System</a:t>
             </a:r>
             <a:endParaRPr lang="en-US" dirty="0"/>
           </a:p>
@@ -5023,7 +5043,11 @@
           <a:p>
             <a:r>
               <a:rPr lang="en-US" dirty="0" smtClean="0"/>
-              <a:t>Final Solution</a:t>
+              <a:t>Final </a:t>
+            </a:r>
+            <a:r>
+              <a:rPr lang="en-US" dirty="0" smtClean="0"/>
+              <a:t>Solution</a:t>
             </a:r>
             <a:endParaRPr lang="en-US" dirty="0"/>
           </a:p>
@@ -5296,7 +5320,11 @@
           <a:p>
             <a:r>
               <a:rPr lang="en-US" dirty="0" smtClean="0"/>
-              <a:t>User Story 1</a:t>
+              <a:t>User Story </a:t>
+            </a:r>
+            <a:r>
+              <a:rPr lang="en-US" dirty="0" smtClean="0"/>
+              <a:t>1-1</a:t>
             </a:r>
             <a:endParaRPr lang="en-US" dirty="0"/>
           </a:p>
@@ -5473,7 +5501,15 @@
           <a:p>
             <a:r>
               <a:rPr lang="en-US" dirty="0" smtClean="0"/>
-              <a:t>User Story 1: Design</a:t>
+              <a:t>User Story </a:t>
+            </a:r>
+            <a:r>
+              <a:rPr lang="en-US" dirty="0" smtClean="0"/>
+              <a:t>1-1: </a:t>
+            </a:r>
+            <a:r>
+              <a:rPr lang="en-US" dirty="0" smtClean="0"/>
+              <a:t>Design</a:t>
             </a:r>
             <a:endParaRPr lang="en-US" dirty="0"/>
           </a:p>
@@ -5996,7 +6032,15 @@
             </a:r>
             <a:r>
               <a:rPr lang="en-US" dirty="0" smtClean="0"/>
-              <a:t>ask 1: Create Azure </a:t>
+              <a:t>ask </a:t>
+            </a:r>
+            <a:r>
+              <a:rPr lang="en-US" dirty="0" smtClean="0"/>
+              <a:t>1-1: </a:t>
+            </a:r>
+            <a:r>
+              <a:rPr lang="en-US" dirty="0" smtClean="0"/>
+              <a:t>Create Azure </a:t>
             </a:r>
             <a:r>
               <a:rPr lang="en-US" dirty="0"/>
@@ -6136,7 +6180,15 @@
             </a:r>
             <a:r>
               <a:rPr lang="en-US" dirty="0" smtClean="0"/>
-              <a:t>ask 2: Provider Transfer </a:t>
+              <a:t>ask </a:t>
+            </a:r>
+            <a:r>
+              <a:rPr lang="en-US" dirty="0" smtClean="0"/>
+              <a:t>1-2</a:t>
+            </a:r>
+            <a:r>
+              <a:rPr lang="en-US" dirty="0" smtClean="0"/>
+              <a:t>: Provider Transfer </a:t>
             </a:r>
             <a:r>
               <a:rPr lang="en-US" dirty="0"/>
@@ -6956,7 +7008,7 @@
           <a:p>
             <a:r>
               <a:rPr lang="en-US" dirty="0" smtClean="0"/>
-              <a:t>Manual Approval Process</a:t>
+              <a:t>Routing Service</a:t>
             </a:r>
             <a:endParaRPr lang="en-US" dirty="0"/>
           </a:p>
@@ -7808,7 +7860,7 @@
       </p:grpSpPr>
       <p:sp>
         <p:nvSpPr>
-          <p:cNvPr id="2" name="Title 1"/>
+          <p:cNvPr id="4" name="Title 3"/>
           <p:cNvSpPr>
             <a:spLocks noGrp="1"/>
           </p:cNvSpPr>
@@ -7823,7 +7875,7 @@
           <a:p>
             <a:r>
               <a:rPr lang="en-US" dirty="0" smtClean="0"/>
-              <a:t>Azure App Service</a:t>
+              <a:t>Sprint 4</a:t>
             </a:r>
             <a:endParaRPr lang="en-US" dirty="0"/>
           </a:p>
@@ -7831,86 +7883,22 @@
       </p:sp>
       <p:sp>
         <p:nvSpPr>
-          <p:cNvPr id="3" name="Content Placeholder 2"/>
-          <p:cNvSpPr>
-            <a:spLocks noGrp="1"/>
-          </p:cNvSpPr>
-          <p:nvPr>
-            <p:ph idx="1"/>
-          </p:nvPr>
-        </p:nvSpPr>
-        <p:spPr/>
-        <p:txBody>
-          <a:bodyPr>
-            <a:normAutofit lnSpcReduction="10000"/>
-          </a:bodyPr>
-          <a:lstStyle/>
-          <a:p>
-            <a:r>
-              <a:rPr lang="en-US" dirty="0" smtClean="0"/>
-              <a:t>Azure’s PaaS option for hosting applications and containers</a:t>
-            </a:r>
-          </a:p>
-          <a:p>
-            <a:endParaRPr lang="en-US" dirty="0" smtClean="0"/>
-          </a:p>
-          <a:p>
-            <a:r>
-              <a:rPr lang="en-US" dirty="0" smtClean="0"/>
-              <a:t>Key terms</a:t>
-            </a:r>
-          </a:p>
-          <a:p>
-            <a:pPr lvl="1"/>
-            <a:r>
-              <a:rPr lang="en-US" dirty="0" smtClean="0"/>
-              <a:t>App Service Plan</a:t>
-            </a:r>
-          </a:p>
-          <a:p>
-            <a:pPr lvl="1"/>
-            <a:endParaRPr lang="en-US" dirty="0" smtClean="0"/>
-          </a:p>
-          <a:p>
-            <a:r>
-              <a:rPr lang="en-US" dirty="0" smtClean="0"/>
-              <a:t>Features</a:t>
-            </a:r>
-          </a:p>
-          <a:p>
-            <a:pPr lvl="1"/>
-            <a:r>
-              <a:rPr lang="en-US" dirty="0" smtClean="0"/>
-              <a:t>Reliable</a:t>
-            </a:r>
-          </a:p>
-          <a:p>
-            <a:pPr lvl="1"/>
-            <a:r>
-              <a:rPr lang="en-US" dirty="0" smtClean="0"/>
-              <a:t>Scalable</a:t>
-            </a:r>
-          </a:p>
-          <a:p>
-            <a:pPr lvl="1"/>
-            <a:r>
-              <a:rPr lang="en-US" dirty="0" smtClean="0"/>
-              <a:t>CI/CI integration</a:t>
-            </a:r>
-          </a:p>
-          <a:p>
-            <a:pPr lvl="1"/>
-            <a:r>
-              <a:rPr lang="en-US" dirty="0" smtClean="0"/>
-              <a:t>Great integration for </a:t>
-            </a:r>
-            <a:r>
-              <a:rPr lang="en-US" dirty="0" err="1" smtClean="0"/>
-              <a:t>ASP.Net</a:t>
-            </a:r>
-            <a:r>
-              <a:rPr lang="en-US" dirty="0" smtClean="0"/>
-              <a:t> applications</a:t>
+          <p:cNvPr id="5" name="Text Placeholder 4"/>
+          <p:cNvSpPr>
+            <a:spLocks noGrp="1"/>
+          </p:cNvSpPr>
+          <p:nvPr>
+            <p:ph type="body" idx="1"/>
+          </p:nvPr>
+        </p:nvSpPr>
+        <p:spPr/>
+        <p:txBody>
+          <a:bodyPr/>
+          <a:lstStyle/>
+          <a:p>
+            <a:r>
+              <a:rPr lang="en-US" dirty="0" smtClean="0"/>
+              <a:t>UI for Manual Decisions</a:t>
             </a:r>
             <a:endParaRPr lang="en-US" dirty="0"/>
           </a:p>
@@ -7919,7 +7907,7 @@
     </p:spTree>
     <p:extLst>
       <p:ext uri="{BB962C8B-B14F-4D97-AF65-F5344CB8AC3E}">
-        <p14:creationId xmlns:p14="http://schemas.microsoft.com/office/powerpoint/2010/main" val="3900644337"/>
+        <p14:creationId xmlns:p14="http://schemas.microsoft.com/office/powerpoint/2010/main" val="3811699319"/>
       </p:ext>
     </p:extLst>
   </p:cSld>
@@ -8048,7 +8036,7 @@
       </p:grpSpPr>
       <p:sp>
         <p:nvSpPr>
-          <p:cNvPr id="2" name="Title 1"/>
+          <p:cNvPr id="4" name="Title 3"/>
           <p:cNvSpPr>
             <a:spLocks noGrp="1"/>
           </p:cNvSpPr>
@@ -8063,7 +8051,7 @@
           <a:p>
             <a:r>
               <a:rPr lang="en-US" dirty="0" smtClean="0"/>
-              <a:t>Sprint 3: Summary</a:t>
+              <a:t>To Do</a:t>
             </a:r>
             <a:endParaRPr lang="en-US" dirty="0"/>
           </a:p>
@@ -8071,7 +8059,7 @@
       </p:sp>
       <p:sp>
         <p:nvSpPr>
-          <p:cNvPr id="3" name="Content Placeholder 2"/>
+          <p:cNvPr id="5" name="Content Placeholder 4"/>
           <p:cNvSpPr>
             <a:spLocks noGrp="1"/>
           </p:cNvSpPr>
@@ -8086,40 +8074,24 @@
           <a:p>
             <a:r>
               <a:rPr lang="en-US" dirty="0" smtClean="0"/>
-              <a:t>Infrastructure as a Service (IaaS) vs Platform as a Service (PaaS)</a:t>
+              <a:t>Starting point</a:t>
             </a:r>
           </a:p>
           <a:p>
             <a:pPr lvl="1"/>
             <a:r>
               <a:rPr lang="en-US" dirty="0" smtClean="0"/>
-              <a:t>Azure App Plan and Azure App services are PaaS options</a:t>
+              <a:t>UI with a hard-coded, but dynamic request</a:t>
             </a:r>
           </a:p>
           <a:p>
             <a:pPr lvl="1"/>
-            <a:r>
-              <a:rPr lang="en-US" dirty="0" smtClean="0"/>
-              <a:t>Instantiating Virtual Machines is IaaS alternative to PaaS</a:t>
-            </a:r>
-          </a:p>
-          <a:p>
-            <a:pPr lvl="1"/>
-            <a:r>
-              <a:rPr lang="en-US" dirty="0" smtClean="0"/>
-              <a:t>Neither option requires difficult procurement process</a:t>
-            </a:r>
-          </a:p>
-          <a:p>
-            <a:endParaRPr lang="en-US" dirty="0" smtClean="0"/>
-          </a:p>
-          <a:p>
-            <a:endParaRPr lang="en-US" dirty="0" smtClean="0"/>
-          </a:p>
-          <a:p>
-            <a:r>
-              <a:rPr lang="en-US" dirty="0" smtClean="0"/>
-              <a:t>Request / response pattern</a:t>
+            <a:endParaRPr lang="en-US" dirty="0"/>
+          </a:p>
+          <a:p>
+            <a:r>
+              <a:rPr lang="en-US" dirty="0" smtClean="0"/>
+              <a:t>Walk </a:t>
             </a:r>
             <a:endParaRPr lang="en-US" dirty="0"/>
           </a:p>
@@ -8128,7 +8100,7 @@
     </p:spTree>
     <p:extLst>
       <p:ext uri="{BB962C8B-B14F-4D97-AF65-F5344CB8AC3E}">
-        <p14:creationId xmlns:p14="http://schemas.microsoft.com/office/powerpoint/2010/main" val="397920848"/>
+        <p14:creationId xmlns:p14="http://schemas.microsoft.com/office/powerpoint/2010/main" val="3643911036"/>
       </p:ext>
     </p:extLst>
   </p:cSld>
@@ -8157,7 +8129,7 @@
       </p:grpSpPr>
       <p:sp>
         <p:nvSpPr>
-          <p:cNvPr id="4" name="Title 3"/>
+          <p:cNvPr id="2" name="Title 1"/>
           <p:cNvSpPr>
             <a:spLocks noGrp="1"/>
           </p:cNvSpPr>
@@ -8172,7 +8144,15 @@
           <a:p>
             <a:r>
               <a:rPr lang="en-US" dirty="0" smtClean="0"/>
-              <a:t>Sprint 4</a:t>
+              <a:t>User Story </a:t>
+            </a:r>
+            <a:r>
+              <a:rPr lang="en-US" dirty="0"/>
+              <a:t>4</a:t>
+            </a:r>
+            <a:r>
+              <a:rPr lang="en-US" dirty="0" smtClean="0"/>
+              <a:t>-1</a:t>
             </a:r>
             <a:endParaRPr lang="en-US" dirty="0"/>
           </a:p>
@@ -8180,31 +8160,93 @@
       </p:sp>
       <p:sp>
         <p:nvSpPr>
-          <p:cNvPr id="5" name="Text Placeholder 4"/>
-          <p:cNvSpPr>
-            <a:spLocks noGrp="1"/>
-          </p:cNvSpPr>
-          <p:nvPr>
-            <p:ph type="body" idx="1"/>
-          </p:nvPr>
-        </p:nvSpPr>
-        <p:spPr/>
-        <p:txBody>
-          <a:bodyPr/>
-          <a:lstStyle/>
-          <a:p>
-            <a:r>
-              <a:rPr lang="en-US" dirty="0" smtClean="0"/>
-              <a:t>Add a dashboard</a:t>
-            </a:r>
-            <a:endParaRPr lang="en-US" dirty="0"/>
+          <p:cNvPr id="3" name="Content Placeholder 2"/>
+          <p:cNvSpPr>
+            <a:spLocks noGrp="1"/>
+          </p:cNvSpPr>
+          <p:nvPr>
+            <p:ph idx="1"/>
+          </p:nvPr>
+        </p:nvSpPr>
+        <p:spPr/>
+        <p:txBody>
+          <a:bodyPr>
+            <a:normAutofit/>
+          </a:bodyPr>
+          <a:lstStyle/>
+          <a:p>
+            <a:pPr marL="0" indent="0">
+              <a:buNone/>
+            </a:pPr>
+            <a:r>
+              <a:rPr lang="en-US" dirty="0" smtClean="0"/>
+              <a:t>As a TAH </a:t>
+            </a:r>
+            <a:r>
+              <a:rPr lang="en-US" dirty="0" smtClean="0"/>
+              <a:t>physician</a:t>
+            </a:r>
+            <a:r>
+              <a:rPr lang="en-US" dirty="0" smtClean="0"/>
+              <a:t>, I need to be able to view requests that have not been automatically approved so that I can determine if they should be approved or not.</a:t>
+            </a:r>
+          </a:p>
+          <a:p>
+            <a:pPr marL="0" indent="0">
+              <a:buNone/>
+            </a:pPr>
+            <a:endParaRPr lang="en-US" dirty="0" smtClean="0"/>
+          </a:p>
+          <a:p>
+            <a:pPr marL="0" indent="0">
+              <a:buNone/>
+            </a:pPr>
+            <a:r>
+              <a:rPr lang="en-US" dirty="0" smtClean="0"/>
+              <a:t>Acceptance </a:t>
+            </a:r>
+            <a:r>
+              <a:rPr lang="en-US" dirty="0" smtClean="0"/>
+              <a:t>Criteria</a:t>
+            </a:r>
+          </a:p>
+          <a:p>
+            <a:pPr marL="457200" indent="-457200">
+              <a:buFont typeface="+mj-lt"/>
+              <a:buAutoNum type="arabicPeriod"/>
+            </a:pPr>
+            <a:r>
+              <a:rPr lang="en-US" dirty="0" smtClean="0"/>
+              <a:t>Retrieve a request that has not been automatically approved</a:t>
+            </a:r>
+          </a:p>
+          <a:p>
+            <a:pPr marL="457200" indent="-457200">
+              <a:buFont typeface="+mj-lt"/>
+              <a:buAutoNum type="arabicPeriod"/>
+            </a:pPr>
+            <a:r>
+              <a:rPr lang="en-US" dirty="0" smtClean="0"/>
+              <a:t>View request details</a:t>
+            </a:r>
+          </a:p>
+          <a:p>
+            <a:pPr marL="457200" indent="-457200">
+              <a:buFont typeface="+mj-lt"/>
+              <a:buAutoNum type="arabicPeriod"/>
+            </a:pPr>
+            <a:r>
+              <a:rPr lang="en-US" dirty="0" smtClean="0"/>
+              <a:t>Approve or disapprove the request</a:t>
+            </a:r>
+            <a:endParaRPr lang="en-US" dirty="0" smtClean="0"/>
           </a:p>
         </p:txBody>
       </p:sp>
     </p:spTree>
     <p:extLst>
       <p:ext uri="{BB962C8B-B14F-4D97-AF65-F5344CB8AC3E}">
-        <p14:creationId xmlns:p14="http://schemas.microsoft.com/office/powerpoint/2010/main" val="3811699319"/>
+        <p14:creationId xmlns:p14="http://schemas.microsoft.com/office/powerpoint/2010/main" val="3081871758"/>
       </p:ext>
     </p:extLst>
   </p:cSld>
@@ -8215,6 +8257,1497 @@
 </file>
 
 <file path=ppt/slides/slide32.xml><?xml version="1.0" encoding="utf-8"?>
+<p:sld xmlns:a="http://schemas.openxmlformats.org/drawingml/2006/main" xmlns:r="http://schemas.openxmlformats.org/officeDocument/2006/relationships" xmlns:p="http://schemas.openxmlformats.org/presentationml/2006/main">
+  <p:cSld>
+    <p:spTree>
+      <p:nvGrpSpPr>
+        <p:cNvPr id="1" name=""/>
+        <p:cNvGrpSpPr/>
+        <p:nvPr/>
+      </p:nvGrpSpPr>
+      <p:grpSpPr>
+        <a:xfrm>
+          <a:off x="0" y="0"/>
+          <a:ext cx="0" cy="0"/>
+          <a:chOff x="0" y="0"/>
+          <a:chExt cx="0" cy="0"/>
+        </a:xfrm>
+      </p:grpSpPr>
+      <p:sp>
+        <p:nvSpPr>
+          <p:cNvPr id="2" name="Title 1"/>
+          <p:cNvSpPr>
+            <a:spLocks noGrp="1"/>
+          </p:cNvSpPr>
+          <p:nvPr>
+            <p:ph type="title"/>
+          </p:nvPr>
+        </p:nvSpPr>
+        <p:spPr/>
+        <p:txBody>
+          <a:bodyPr/>
+          <a:lstStyle/>
+          <a:p>
+            <a:r>
+              <a:rPr lang="en-US" dirty="0"/>
+              <a:t>User Story </a:t>
+            </a:r>
+            <a:r>
+              <a:rPr lang="en-US" dirty="0" smtClean="0"/>
+              <a:t>4-1: Current Status</a:t>
+            </a:r>
+            <a:endParaRPr lang="en-US" dirty="0"/>
+          </a:p>
+        </p:txBody>
+      </p:sp>
+      <p:sp>
+        <p:nvSpPr>
+          <p:cNvPr id="3" name="Content Placeholder 2"/>
+          <p:cNvSpPr>
+            <a:spLocks noGrp="1"/>
+          </p:cNvSpPr>
+          <p:nvPr>
+            <p:ph idx="1"/>
+          </p:nvPr>
+        </p:nvSpPr>
+        <p:spPr/>
+        <p:txBody>
+          <a:bodyPr>
+            <a:normAutofit/>
+          </a:bodyPr>
+          <a:lstStyle/>
+          <a:p>
+            <a:r>
+              <a:rPr lang="en-US" dirty="0" smtClean="0"/>
+              <a:t>UI already exists</a:t>
+            </a:r>
+            <a:r>
+              <a:rPr lang="en-US" dirty="0"/>
+              <a:t> </a:t>
+            </a:r>
+            <a:r>
+              <a:rPr lang="en-US" dirty="0" smtClean="0"/>
+              <a:t>with the ability to view a static request for service. </a:t>
+            </a:r>
+          </a:p>
+          <a:p>
+            <a:pPr lvl="1"/>
+            <a:r>
+              <a:rPr lang="en-US" dirty="0" smtClean="0"/>
+              <a:t>It does not have the ability to retrieve a request from the routing service.</a:t>
+            </a:r>
+          </a:p>
+          <a:p>
+            <a:pPr lvl="1"/>
+            <a:endParaRPr lang="en-US" dirty="0" smtClean="0"/>
+          </a:p>
+          <a:p>
+            <a:r>
+              <a:rPr lang="en-US" dirty="0" smtClean="0"/>
+              <a:t>UI developed in </a:t>
+            </a:r>
+            <a:r>
+              <a:rPr lang="en-US" dirty="0" err="1" smtClean="0"/>
+              <a:t>Blazor</a:t>
+            </a:r>
+            <a:r>
+              <a:rPr lang="en-US" dirty="0" smtClean="0"/>
+              <a:t>, but </a:t>
+            </a:r>
+            <a:r>
+              <a:rPr lang="en-US" dirty="0" err="1" smtClean="0"/>
+              <a:t>Blazor</a:t>
+            </a:r>
+            <a:r>
+              <a:rPr lang="en-US" dirty="0" smtClean="0"/>
+              <a:t> knowledge not required. </a:t>
+            </a:r>
+          </a:p>
+          <a:p>
+            <a:pPr lvl="1"/>
+            <a:r>
+              <a:rPr lang="en-US" dirty="0" err="1" smtClean="0"/>
+              <a:t>Blazor</a:t>
+            </a:r>
+            <a:r>
+              <a:rPr lang="en-US" dirty="0" smtClean="0"/>
+              <a:t> is a Microsoft ASP.NET tool for creating web UIs with C# instead of JavaScript, but can easily call JavaScript APIs and libraries.</a:t>
+            </a:r>
+          </a:p>
+          <a:p>
+            <a:pPr marL="0" indent="0">
+              <a:buNone/>
+            </a:pPr>
+            <a:endParaRPr lang="en-US" dirty="0" smtClean="0"/>
+          </a:p>
+        </p:txBody>
+      </p:sp>
+    </p:spTree>
+    <p:extLst>
+      <p:ext uri="{BB962C8B-B14F-4D97-AF65-F5344CB8AC3E}">
+        <p14:creationId xmlns:p14="http://schemas.microsoft.com/office/powerpoint/2010/main" val="1987503314"/>
+      </p:ext>
+    </p:extLst>
+  </p:cSld>
+  <p:clrMapOvr>
+    <a:masterClrMapping/>
+  </p:clrMapOvr>
+</p:sld>
+</file>
+
+<file path=ppt/slides/slide33.xml><?xml version="1.0" encoding="utf-8"?>
+<p:sld xmlns:a="http://schemas.openxmlformats.org/drawingml/2006/main" xmlns:r="http://schemas.openxmlformats.org/officeDocument/2006/relationships" xmlns:p="http://schemas.openxmlformats.org/presentationml/2006/main">
+  <p:cSld>
+    <p:spTree>
+      <p:nvGrpSpPr>
+        <p:cNvPr id="1" name=""/>
+        <p:cNvGrpSpPr/>
+        <p:nvPr/>
+      </p:nvGrpSpPr>
+      <p:grpSpPr>
+        <a:xfrm>
+          <a:off x="0" y="0"/>
+          <a:ext cx="0" cy="0"/>
+          <a:chOff x="0" y="0"/>
+          <a:chExt cx="0" cy="0"/>
+        </a:xfrm>
+      </p:grpSpPr>
+      <p:sp>
+        <p:nvSpPr>
+          <p:cNvPr id="2" name="Title 1"/>
+          <p:cNvSpPr>
+            <a:spLocks noGrp="1"/>
+          </p:cNvSpPr>
+          <p:nvPr>
+            <p:ph type="title"/>
+          </p:nvPr>
+        </p:nvSpPr>
+        <p:spPr/>
+        <p:txBody>
+          <a:bodyPr/>
+          <a:lstStyle/>
+          <a:p>
+            <a:r>
+              <a:rPr lang="en-US" dirty="0" smtClean="0"/>
+              <a:t>Command vs Event</a:t>
+            </a:r>
+            <a:endParaRPr lang="en-US" dirty="0"/>
+          </a:p>
+        </p:txBody>
+      </p:sp>
+      <p:sp>
+        <p:nvSpPr>
+          <p:cNvPr id="3" name="Content Placeholder 2"/>
+          <p:cNvSpPr>
+            <a:spLocks noGrp="1"/>
+          </p:cNvSpPr>
+          <p:nvPr>
+            <p:ph idx="1"/>
+          </p:nvPr>
+        </p:nvSpPr>
+        <p:spPr/>
+        <p:txBody>
+          <a:bodyPr/>
+          <a:lstStyle/>
+          <a:p>
+            <a:r>
+              <a:rPr lang="en-US" b="1" i="1" dirty="0" smtClean="0"/>
+              <a:t>Event</a:t>
+            </a:r>
+            <a:r>
+              <a:rPr lang="en-US" dirty="0" smtClean="0"/>
+              <a:t> is something that has already occurred in the system</a:t>
+            </a:r>
+          </a:p>
+          <a:p>
+            <a:endParaRPr lang="en-US" dirty="0" smtClean="0"/>
+          </a:p>
+          <a:p>
+            <a:r>
+              <a:rPr lang="en-US" b="1" i="1" dirty="0" smtClean="0"/>
+              <a:t>Command</a:t>
+            </a:r>
+            <a:r>
+              <a:rPr lang="en-US" dirty="0" smtClean="0"/>
+              <a:t> is something that someone or some component needs to be done and typically expects some form of response</a:t>
+            </a:r>
+          </a:p>
+          <a:p>
+            <a:pPr lvl="1"/>
+            <a:r>
+              <a:rPr lang="en-US" dirty="0" smtClean="0"/>
+              <a:t>The execution of a command can generate many events</a:t>
+            </a:r>
+            <a:endParaRPr lang="en-US" dirty="0"/>
+          </a:p>
+        </p:txBody>
+      </p:sp>
+    </p:spTree>
+    <p:extLst>
+      <p:ext uri="{BB962C8B-B14F-4D97-AF65-F5344CB8AC3E}">
+        <p14:creationId xmlns:p14="http://schemas.microsoft.com/office/powerpoint/2010/main" val="2153873207"/>
+      </p:ext>
+    </p:extLst>
+  </p:cSld>
+  <p:clrMapOvr>
+    <a:masterClrMapping/>
+  </p:clrMapOvr>
+</p:sld>
+</file>
+
+<file path=ppt/slides/slide34.xml><?xml version="1.0" encoding="utf-8"?>
+<p:sld xmlns:a="http://schemas.openxmlformats.org/drawingml/2006/main" xmlns:r="http://schemas.openxmlformats.org/officeDocument/2006/relationships" xmlns:p="http://schemas.openxmlformats.org/presentationml/2006/main">
+  <p:cSld>
+    <p:spTree>
+      <p:nvGrpSpPr>
+        <p:cNvPr id="1" name=""/>
+        <p:cNvGrpSpPr/>
+        <p:nvPr/>
+      </p:nvGrpSpPr>
+      <p:grpSpPr>
+        <a:xfrm>
+          <a:off x="0" y="0"/>
+          <a:ext cx="0" cy="0"/>
+          <a:chOff x="0" y="0"/>
+          <a:chExt cx="0" cy="0"/>
+        </a:xfrm>
+      </p:grpSpPr>
+      <p:sp>
+        <p:nvSpPr>
+          <p:cNvPr id="2" name="Title 1"/>
+          <p:cNvSpPr>
+            <a:spLocks noGrp="1"/>
+          </p:cNvSpPr>
+          <p:nvPr>
+            <p:ph type="title"/>
+          </p:nvPr>
+        </p:nvSpPr>
+        <p:spPr/>
+        <p:txBody>
+          <a:bodyPr/>
+          <a:lstStyle/>
+          <a:p>
+            <a:r>
+              <a:rPr lang="en-US" dirty="0"/>
+              <a:t>User Story </a:t>
+            </a:r>
+            <a:r>
+              <a:rPr lang="en-US" dirty="0" smtClean="0"/>
+              <a:t>4-1: Design</a:t>
+            </a:r>
+            <a:endParaRPr lang="en-US" dirty="0"/>
+          </a:p>
+        </p:txBody>
+      </p:sp>
+      <p:sp>
+        <p:nvSpPr>
+          <p:cNvPr id="3" name="Content Placeholder 2"/>
+          <p:cNvSpPr>
+            <a:spLocks noGrp="1"/>
+          </p:cNvSpPr>
+          <p:nvPr>
+            <p:ph idx="1"/>
+          </p:nvPr>
+        </p:nvSpPr>
+        <p:spPr/>
+        <p:txBody>
+          <a:bodyPr>
+            <a:normAutofit/>
+          </a:bodyPr>
+          <a:lstStyle/>
+          <a:p>
+            <a:endParaRPr lang="en-US" dirty="0" smtClean="0"/>
+          </a:p>
+          <a:p>
+            <a:endParaRPr lang="en-US" dirty="0"/>
+          </a:p>
+          <a:p>
+            <a:endParaRPr lang="en-US" dirty="0" smtClean="0"/>
+          </a:p>
+          <a:p>
+            <a:endParaRPr lang="en-US" dirty="0"/>
+          </a:p>
+          <a:p>
+            <a:endParaRPr lang="en-US" dirty="0" smtClean="0"/>
+          </a:p>
+        </p:txBody>
+      </p:sp>
+      <p:pic>
+        <p:nvPicPr>
+          <p:cNvPr id="4" name="Picture 3"/>
+          <p:cNvPicPr>
+            <a:picLocks noChangeAspect="1"/>
+          </p:cNvPicPr>
+          <p:nvPr/>
+        </p:nvPicPr>
+        <p:blipFill>
+          <a:blip r:embed="rId2"/>
+          <a:stretch>
+            <a:fillRect/>
+          </a:stretch>
+        </p:blipFill>
+        <p:spPr>
+          <a:xfrm>
+            <a:off x="3472681" y="1455556"/>
+            <a:ext cx="5270726" cy="5167193"/>
+          </a:xfrm>
+          <a:prstGeom prst="rect">
+            <a:avLst/>
+          </a:prstGeom>
+        </p:spPr>
+      </p:pic>
+    </p:spTree>
+    <p:extLst>
+      <p:ext uri="{BB962C8B-B14F-4D97-AF65-F5344CB8AC3E}">
+        <p14:creationId xmlns:p14="http://schemas.microsoft.com/office/powerpoint/2010/main" val="1582362788"/>
+      </p:ext>
+    </p:extLst>
+  </p:cSld>
+  <p:clrMapOvr>
+    <a:masterClrMapping/>
+  </p:clrMapOvr>
+</p:sld>
+</file>
+
+<file path=ppt/slides/slide35.xml><?xml version="1.0" encoding="utf-8"?>
+<p:sld xmlns:a="http://schemas.openxmlformats.org/drawingml/2006/main" xmlns:r="http://schemas.openxmlformats.org/officeDocument/2006/relationships" xmlns:p="http://schemas.openxmlformats.org/presentationml/2006/main">
+  <p:cSld>
+    <p:spTree>
+      <p:nvGrpSpPr>
+        <p:cNvPr id="1" name=""/>
+        <p:cNvGrpSpPr/>
+        <p:nvPr/>
+      </p:nvGrpSpPr>
+      <p:grpSpPr>
+        <a:xfrm>
+          <a:off x="0" y="0"/>
+          <a:ext cx="0" cy="0"/>
+          <a:chOff x="0" y="0"/>
+          <a:chExt cx="0" cy="0"/>
+        </a:xfrm>
+      </p:grpSpPr>
+      <p:sp>
+        <p:nvSpPr>
+          <p:cNvPr id="2" name="Title 1"/>
+          <p:cNvSpPr>
+            <a:spLocks noGrp="1"/>
+          </p:cNvSpPr>
+          <p:nvPr>
+            <p:ph type="title"/>
+          </p:nvPr>
+        </p:nvSpPr>
+        <p:spPr/>
+        <p:txBody>
+          <a:bodyPr/>
+          <a:lstStyle/>
+          <a:p>
+            <a:r>
+              <a:rPr lang="en-US" dirty="0"/>
+              <a:t>User Story </a:t>
+            </a:r>
+            <a:r>
+              <a:rPr lang="en-US" dirty="0" smtClean="0"/>
+              <a:t>4-1: Design Details</a:t>
+            </a:r>
+            <a:endParaRPr lang="en-US" dirty="0"/>
+          </a:p>
+        </p:txBody>
+      </p:sp>
+      <p:sp>
+        <p:nvSpPr>
+          <p:cNvPr id="3" name="Content Placeholder 2"/>
+          <p:cNvSpPr>
+            <a:spLocks noGrp="1"/>
+          </p:cNvSpPr>
+          <p:nvPr>
+            <p:ph idx="1"/>
+          </p:nvPr>
+        </p:nvSpPr>
+        <p:spPr/>
+        <p:txBody>
+          <a:bodyPr>
+            <a:normAutofit/>
+          </a:bodyPr>
+          <a:lstStyle/>
+          <a:p>
+            <a:r>
+              <a:rPr lang="en-US" dirty="0" smtClean="0"/>
+              <a:t>Just as we’re doing with service-to-service communications, we’re going to use </a:t>
+            </a:r>
+            <a:r>
+              <a:rPr lang="en-US" dirty="0" err="1" smtClean="0"/>
+              <a:t>async</a:t>
+            </a:r>
+            <a:r>
+              <a:rPr lang="en-US" dirty="0" smtClean="0"/>
+              <a:t> messaging to make a request from the UI to retrieve a request for the user.</a:t>
+            </a:r>
+          </a:p>
+          <a:p>
+            <a:pPr lvl="1"/>
+            <a:r>
+              <a:rPr lang="en-US" dirty="0" smtClean="0"/>
+              <a:t>Send a </a:t>
+            </a:r>
+            <a:r>
+              <a:rPr lang="en-US" i="1" dirty="0" smtClean="0"/>
+              <a:t>command</a:t>
+            </a:r>
+            <a:r>
+              <a:rPr lang="en-US" dirty="0" smtClean="0"/>
+              <a:t> to a new Azure Hub called </a:t>
+            </a:r>
+            <a:r>
+              <a:rPr lang="en-US" i="1" dirty="0" err="1" smtClean="0"/>
+              <a:t>getRequest</a:t>
+            </a:r>
+            <a:r>
+              <a:rPr lang="en-US" dirty="0" smtClean="0"/>
+              <a:t> to get the next request for the current user from the Routing Service. </a:t>
+            </a:r>
+          </a:p>
+          <a:p>
+            <a:pPr lvl="1"/>
+            <a:r>
+              <a:rPr lang="en-US" dirty="0" smtClean="0"/>
+              <a:t>The response will come on another new Hub called </a:t>
+            </a:r>
+            <a:r>
+              <a:rPr lang="en-US" i="1" dirty="0" err="1" smtClean="0"/>
+              <a:t>requestAssigned</a:t>
+            </a:r>
+            <a:r>
+              <a:rPr lang="en-US" dirty="0" smtClean="0"/>
+              <a:t>.</a:t>
+            </a:r>
+          </a:p>
+          <a:p>
+            <a:endParaRPr lang="en-US" dirty="0" smtClean="0"/>
+          </a:p>
+          <a:p>
+            <a:r>
+              <a:rPr lang="en-US" dirty="0" smtClean="0"/>
+              <a:t>When the user makes a decision on a request, we’ll send an event to the </a:t>
+            </a:r>
+            <a:r>
+              <a:rPr lang="en-US" i="1" dirty="0" err="1" smtClean="0"/>
+              <a:t>requestDecided</a:t>
+            </a:r>
+            <a:r>
+              <a:rPr lang="en-US" dirty="0"/>
+              <a:t> </a:t>
+            </a:r>
+            <a:r>
+              <a:rPr lang="en-US" dirty="0" smtClean="0"/>
+              <a:t>we’re already using from the Auto Approval service.</a:t>
+            </a:r>
+          </a:p>
+        </p:txBody>
+      </p:sp>
+    </p:spTree>
+    <p:extLst>
+      <p:ext uri="{BB962C8B-B14F-4D97-AF65-F5344CB8AC3E}">
+        <p14:creationId xmlns:p14="http://schemas.microsoft.com/office/powerpoint/2010/main" val="3247998469"/>
+      </p:ext>
+    </p:extLst>
+  </p:cSld>
+  <p:clrMapOvr>
+    <a:masterClrMapping/>
+  </p:clrMapOvr>
+</p:sld>
+</file>
+
+<file path=ppt/slides/slide36.xml><?xml version="1.0" encoding="utf-8"?>
+<p:sld xmlns:a="http://schemas.openxmlformats.org/drawingml/2006/main" xmlns:r="http://schemas.openxmlformats.org/officeDocument/2006/relationships" xmlns:p="http://schemas.openxmlformats.org/presentationml/2006/main">
+  <p:cSld>
+    <p:spTree>
+      <p:nvGrpSpPr>
+        <p:cNvPr id="1" name=""/>
+        <p:cNvGrpSpPr/>
+        <p:nvPr/>
+      </p:nvGrpSpPr>
+      <p:grpSpPr>
+        <a:xfrm>
+          <a:off x="0" y="0"/>
+          <a:ext cx="0" cy="0"/>
+          <a:chOff x="0" y="0"/>
+          <a:chExt cx="0" cy="0"/>
+        </a:xfrm>
+      </p:grpSpPr>
+      <p:sp>
+        <p:nvSpPr>
+          <p:cNvPr id="2" name="Title 1"/>
+          <p:cNvSpPr>
+            <a:spLocks noGrp="1"/>
+          </p:cNvSpPr>
+          <p:nvPr>
+            <p:ph type="title"/>
+          </p:nvPr>
+        </p:nvSpPr>
+        <p:spPr/>
+        <p:txBody>
+          <a:bodyPr/>
+          <a:lstStyle/>
+          <a:p>
+            <a:r>
+              <a:rPr lang="en-US" dirty="0"/>
+              <a:t>T</a:t>
+            </a:r>
+            <a:r>
+              <a:rPr lang="en-US" dirty="0" smtClean="0"/>
+              <a:t>ask </a:t>
+            </a:r>
+            <a:r>
+              <a:rPr lang="en-US" dirty="0"/>
+              <a:t>4</a:t>
+            </a:r>
+            <a:r>
+              <a:rPr lang="en-US" dirty="0" smtClean="0"/>
+              <a:t>-1: </a:t>
+            </a:r>
+            <a:r>
+              <a:rPr lang="en-US" dirty="0" smtClean="0"/>
+              <a:t>Create Azure </a:t>
+            </a:r>
+            <a:r>
+              <a:rPr lang="en-US" dirty="0"/>
+              <a:t>E</a:t>
+            </a:r>
+            <a:r>
+              <a:rPr lang="en-US" dirty="0" smtClean="0"/>
+              <a:t>vent </a:t>
+            </a:r>
+            <a:r>
+              <a:rPr lang="en-US" dirty="0"/>
+              <a:t>H</a:t>
+            </a:r>
+            <a:r>
+              <a:rPr lang="en-US" dirty="0" smtClean="0"/>
+              <a:t>ub</a:t>
+            </a:r>
+            <a:endParaRPr lang="en-US" dirty="0"/>
+          </a:p>
+        </p:txBody>
+      </p:sp>
+      <p:sp>
+        <p:nvSpPr>
+          <p:cNvPr id="3" name="Content Placeholder 2"/>
+          <p:cNvSpPr>
+            <a:spLocks noGrp="1"/>
+          </p:cNvSpPr>
+          <p:nvPr>
+            <p:ph idx="1"/>
+          </p:nvPr>
+        </p:nvSpPr>
+        <p:spPr/>
+        <p:txBody>
+          <a:bodyPr/>
+          <a:lstStyle/>
+          <a:p>
+            <a:r>
+              <a:rPr lang="en-US" i="1" dirty="0" smtClean="0"/>
+              <a:t>Similar to Task 1-1</a:t>
+            </a:r>
+            <a:endParaRPr lang="en-US" i="1" dirty="0" smtClean="0"/>
+          </a:p>
+          <a:p>
+            <a:endParaRPr lang="en-US" dirty="0" smtClean="0"/>
+          </a:p>
+          <a:p>
+            <a:r>
+              <a:rPr lang="en-US" dirty="0" smtClean="0"/>
+              <a:t>Create </a:t>
+            </a:r>
+            <a:r>
+              <a:rPr lang="en-US" i="1" dirty="0" err="1" smtClean="0"/>
+              <a:t>getRequest</a:t>
+            </a:r>
+            <a:r>
+              <a:rPr lang="en-US" dirty="0" smtClean="0"/>
+              <a:t> Azure hub</a:t>
+            </a:r>
+            <a:endParaRPr lang="en-US" dirty="0" smtClean="0"/>
+          </a:p>
+          <a:p>
+            <a:endParaRPr lang="en-US" dirty="0" smtClean="0"/>
+          </a:p>
+          <a:p>
+            <a:r>
+              <a:rPr lang="en-US" dirty="0" smtClean="0"/>
+              <a:t>Create Shared Access Policy for publisher</a:t>
+            </a:r>
+          </a:p>
+        </p:txBody>
+      </p:sp>
+    </p:spTree>
+    <p:extLst>
+      <p:ext uri="{BB962C8B-B14F-4D97-AF65-F5344CB8AC3E}">
+        <p14:creationId xmlns:p14="http://schemas.microsoft.com/office/powerpoint/2010/main" val="2266380328"/>
+      </p:ext>
+    </p:extLst>
+  </p:cSld>
+  <p:clrMapOvr>
+    <a:masterClrMapping/>
+  </p:clrMapOvr>
+</p:sld>
+</file>
+
+<file path=ppt/slides/slide37.xml><?xml version="1.0" encoding="utf-8"?>
+<p:sld xmlns:a="http://schemas.openxmlformats.org/drawingml/2006/main" xmlns:r="http://schemas.openxmlformats.org/officeDocument/2006/relationships" xmlns:p="http://schemas.openxmlformats.org/presentationml/2006/main">
+  <p:cSld>
+    <p:spTree>
+      <p:nvGrpSpPr>
+        <p:cNvPr id="1" name=""/>
+        <p:cNvGrpSpPr/>
+        <p:nvPr/>
+      </p:nvGrpSpPr>
+      <p:grpSpPr>
+        <a:xfrm>
+          <a:off x="0" y="0"/>
+          <a:ext cx="0" cy="0"/>
+          <a:chOff x="0" y="0"/>
+          <a:chExt cx="0" cy="0"/>
+        </a:xfrm>
+      </p:grpSpPr>
+      <p:sp>
+        <p:nvSpPr>
+          <p:cNvPr id="2" name="Title 1"/>
+          <p:cNvSpPr>
+            <a:spLocks noGrp="1"/>
+          </p:cNvSpPr>
+          <p:nvPr>
+            <p:ph type="title"/>
+          </p:nvPr>
+        </p:nvSpPr>
+        <p:spPr/>
+        <p:txBody>
+          <a:bodyPr/>
+          <a:lstStyle/>
+          <a:p>
+            <a:r>
+              <a:rPr lang="en-US" dirty="0"/>
+              <a:t>T</a:t>
+            </a:r>
+            <a:r>
+              <a:rPr lang="en-US" dirty="0" smtClean="0"/>
+              <a:t>ask </a:t>
+            </a:r>
+            <a:r>
+              <a:rPr lang="en-US" dirty="0" smtClean="0"/>
+              <a:t>4</a:t>
+            </a:r>
+            <a:r>
+              <a:rPr lang="en-US" dirty="0" smtClean="0"/>
+              <a:t>-2: Update UI to Get Next Request</a:t>
+            </a:r>
+            <a:endParaRPr lang="en-US" dirty="0"/>
+          </a:p>
+        </p:txBody>
+      </p:sp>
+      <p:sp>
+        <p:nvSpPr>
+          <p:cNvPr id="3" name="Content Placeholder 2"/>
+          <p:cNvSpPr>
+            <a:spLocks noGrp="1"/>
+          </p:cNvSpPr>
+          <p:nvPr>
+            <p:ph idx="1"/>
+          </p:nvPr>
+        </p:nvSpPr>
+        <p:spPr/>
+        <p:txBody>
+          <a:bodyPr/>
+          <a:lstStyle/>
+          <a:p>
+            <a:r>
+              <a:rPr lang="en-US" dirty="0" smtClean="0"/>
+              <a:t>Install </a:t>
+            </a:r>
+            <a:r>
+              <a:rPr lang="en-US" dirty="0" err="1" smtClean="0"/>
+              <a:t>Azure.Messaging.EventHubs.Producer</a:t>
+            </a:r>
+            <a:r>
+              <a:rPr lang="en-US" smtClean="0"/>
+              <a:t> </a:t>
+            </a:r>
+            <a:endParaRPr lang="en-US"/>
+          </a:p>
+          <a:p>
+            <a:endParaRPr lang="en-US" dirty="0" smtClean="0"/>
+          </a:p>
+        </p:txBody>
+      </p:sp>
+    </p:spTree>
+    <p:extLst>
+      <p:ext uri="{BB962C8B-B14F-4D97-AF65-F5344CB8AC3E}">
+        <p14:creationId xmlns:p14="http://schemas.microsoft.com/office/powerpoint/2010/main" val="3789345674"/>
+      </p:ext>
+    </p:extLst>
+  </p:cSld>
+  <p:clrMapOvr>
+    <a:masterClrMapping/>
+  </p:clrMapOvr>
+</p:sld>
+</file>
+
+<file path=ppt/slides/slide38.xml><?xml version="1.0" encoding="utf-8"?>
+<p:sld xmlns:a="http://schemas.openxmlformats.org/drawingml/2006/main" xmlns:r="http://schemas.openxmlformats.org/officeDocument/2006/relationships" xmlns:p="http://schemas.openxmlformats.org/presentationml/2006/main">
+  <p:cSld>
+    <p:spTree>
+      <p:nvGrpSpPr>
+        <p:cNvPr id="1" name=""/>
+        <p:cNvGrpSpPr/>
+        <p:nvPr/>
+      </p:nvGrpSpPr>
+      <p:grpSpPr>
+        <a:xfrm>
+          <a:off x="0" y="0"/>
+          <a:ext cx="0" cy="0"/>
+          <a:chOff x="0" y="0"/>
+          <a:chExt cx="0" cy="0"/>
+        </a:xfrm>
+      </p:grpSpPr>
+      <p:sp>
+        <p:nvSpPr>
+          <p:cNvPr id="2" name="Title 1"/>
+          <p:cNvSpPr>
+            <a:spLocks noGrp="1"/>
+          </p:cNvSpPr>
+          <p:nvPr>
+            <p:ph type="title"/>
+          </p:nvPr>
+        </p:nvSpPr>
+        <p:spPr/>
+        <p:txBody>
+          <a:bodyPr/>
+          <a:lstStyle/>
+          <a:p>
+            <a:r>
+              <a:rPr lang="en-US" dirty="0"/>
+              <a:t>T</a:t>
+            </a:r>
+            <a:r>
+              <a:rPr lang="en-US" dirty="0" smtClean="0"/>
+              <a:t>ask </a:t>
+            </a:r>
+            <a:r>
+              <a:rPr lang="en-US" dirty="0" smtClean="0"/>
+              <a:t>4</a:t>
+            </a:r>
+            <a:r>
+              <a:rPr lang="en-US" dirty="0" smtClean="0"/>
+              <a:t>-3: </a:t>
+            </a:r>
+            <a:r>
+              <a:rPr lang="en-US" dirty="0" smtClean="0"/>
+              <a:t>Create </a:t>
+            </a:r>
+            <a:r>
+              <a:rPr lang="en-US" i="1" dirty="0" err="1" smtClean="0"/>
+              <a:t>requestAssigned</a:t>
+            </a:r>
+            <a:r>
+              <a:rPr lang="en-US" dirty="0" smtClean="0"/>
+              <a:t> Hub</a:t>
+            </a:r>
+            <a:endParaRPr lang="en-US" dirty="0"/>
+          </a:p>
+        </p:txBody>
+      </p:sp>
+      <p:sp>
+        <p:nvSpPr>
+          <p:cNvPr id="3" name="Content Placeholder 2"/>
+          <p:cNvSpPr>
+            <a:spLocks noGrp="1"/>
+          </p:cNvSpPr>
+          <p:nvPr>
+            <p:ph idx="1"/>
+          </p:nvPr>
+        </p:nvSpPr>
+        <p:spPr/>
+        <p:txBody>
+          <a:bodyPr/>
+          <a:lstStyle/>
+          <a:p>
+            <a:r>
+              <a:rPr lang="en-US" dirty="0" smtClean="0"/>
+              <a:t>Create </a:t>
+            </a:r>
+            <a:r>
+              <a:rPr lang="en-US" i="1" dirty="0" err="1" smtClean="0"/>
+              <a:t>requestAssigned</a:t>
+            </a:r>
+            <a:r>
+              <a:rPr lang="en-US" dirty="0" smtClean="0"/>
+              <a:t> Azure hub</a:t>
+            </a:r>
+            <a:endParaRPr lang="en-US" dirty="0" smtClean="0"/>
+          </a:p>
+          <a:p>
+            <a:endParaRPr lang="en-US" dirty="0" smtClean="0"/>
+          </a:p>
+          <a:p>
+            <a:r>
+              <a:rPr lang="en-US" dirty="0" smtClean="0"/>
+              <a:t>Create Shared Access Policy for publisher</a:t>
+            </a:r>
+          </a:p>
+        </p:txBody>
+      </p:sp>
+    </p:spTree>
+    <p:extLst>
+      <p:ext uri="{BB962C8B-B14F-4D97-AF65-F5344CB8AC3E}">
+        <p14:creationId xmlns:p14="http://schemas.microsoft.com/office/powerpoint/2010/main" val="1412090588"/>
+      </p:ext>
+    </p:extLst>
+  </p:cSld>
+  <p:clrMapOvr>
+    <a:masterClrMapping/>
+  </p:clrMapOvr>
+</p:sld>
+</file>
+
+<file path=ppt/slides/slide39.xml><?xml version="1.0" encoding="utf-8"?>
+<p:sld xmlns:a="http://schemas.openxmlformats.org/drawingml/2006/main" xmlns:r="http://schemas.openxmlformats.org/officeDocument/2006/relationships" xmlns:p="http://schemas.openxmlformats.org/presentationml/2006/main">
+  <p:cSld>
+    <p:spTree>
+      <p:nvGrpSpPr>
+        <p:cNvPr id="1" name=""/>
+        <p:cNvGrpSpPr/>
+        <p:nvPr/>
+      </p:nvGrpSpPr>
+      <p:grpSpPr>
+        <a:xfrm>
+          <a:off x="0" y="0"/>
+          <a:ext cx="0" cy="0"/>
+          <a:chOff x="0" y="0"/>
+          <a:chExt cx="0" cy="0"/>
+        </a:xfrm>
+      </p:grpSpPr>
+      <p:sp>
+        <p:nvSpPr>
+          <p:cNvPr id="2" name="Title 1"/>
+          <p:cNvSpPr>
+            <a:spLocks noGrp="1"/>
+          </p:cNvSpPr>
+          <p:nvPr>
+            <p:ph type="title"/>
+          </p:nvPr>
+        </p:nvSpPr>
+        <p:spPr/>
+        <p:txBody>
+          <a:bodyPr/>
+          <a:lstStyle/>
+          <a:p>
+            <a:r>
+              <a:rPr lang="en-US" dirty="0"/>
+              <a:t>T</a:t>
+            </a:r>
+            <a:r>
+              <a:rPr lang="en-US" dirty="0" smtClean="0"/>
+              <a:t>ask </a:t>
+            </a:r>
+            <a:r>
+              <a:rPr lang="en-US" dirty="0" smtClean="0"/>
+              <a:t>4</a:t>
+            </a:r>
+            <a:r>
+              <a:rPr lang="en-US" dirty="0" smtClean="0"/>
+              <a:t>-4: Update UI to Display Assigned Request</a:t>
+            </a:r>
+            <a:endParaRPr lang="en-US" dirty="0"/>
+          </a:p>
+        </p:txBody>
+      </p:sp>
+      <p:sp>
+        <p:nvSpPr>
+          <p:cNvPr id="3" name="Content Placeholder 2"/>
+          <p:cNvSpPr>
+            <a:spLocks noGrp="1"/>
+          </p:cNvSpPr>
+          <p:nvPr>
+            <p:ph idx="1"/>
+          </p:nvPr>
+        </p:nvSpPr>
+        <p:spPr/>
+        <p:txBody>
+          <a:bodyPr/>
+          <a:lstStyle/>
+          <a:p>
+            <a:endParaRPr lang="en-US" dirty="0" smtClean="0"/>
+          </a:p>
+        </p:txBody>
+      </p:sp>
+    </p:spTree>
+    <p:extLst>
+      <p:ext uri="{BB962C8B-B14F-4D97-AF65-F5344CB8AC3E}">
+        <p14:creationId xmlns:p14="http://schemas.microsoft.com/office/powerpoint/2010/main" val="235141703"/>
+      </p:ext>
+    </p:extLst>
+  </p:cSld>
+  <p:clrMapOvr>
+    <a:masterClrMapping/>
+  </p:clrMapOvr>
+</p:sld>
+</file>
+
+<file path=ppt/slides/slide4.xml><?xml version="1.0" encoding="utf-8"?>
+<p:sld xmlns:a="http://schemas.openxmlformats.org/drawingml/2006/main" xmlns:r="http://schemas.openxmlformats.org/officeDocument/2006/relationships" xmlns:p="http://schemas.openxmlformats.org/presentationml/2006/main">
+  <p:cSld>
+    <p:spTree>
+      <p:nvGrpSpPr>
+        <p:cNvPr id="1" name=""/>
+        <p:cNvGrpSpPr/>
+        <p:nvPr/>
+      </p:nvGrpSpPr>
+      <p:grpSpPr>
+        <a:xfrm>
+          <a:off x="0" y="0"/>
+          <a:ext cx="0" cy="0"/>
+          <a:chOff x="0" y="0"/>
+          <a:chExt cx="0" cy="0"/>
+        </a:xfrm>
+      </p:grpSpPr>
+      <p:sp>
+        <p:nvSpPr>
+          <p:cNvPr id="4" name="Title 3"/>
+          <p:cNvSpPr>
+            <a:spLocks noGrp="1"/>
+          </p:cNvSpPr>
+          <p:nvPr>
+            <p:ph type="title"/>
+          </p:nvPr>
+        </p:nvSpPr>
+        <p:spPr/>
+        <p:txBody>
+          <a:bodyPr/>
+          <a:lstStyle/>
+          <a:p>
+            <a:r>
+              <a:rPr lang="en-US" dirty="0" smtClean="0"/>
+              <a:t>What are we going to learn?</a:t>
+            </a:r>
+            <a:endParaRPr lang="en-US" dirty="0"/>
+          </a:p>
+        </p:txBody>
+      </p:sp>
+      <p:sp>
+        <p:nvSpPr>
+          <p:cNvPr id="5" name="Content Placeholder 4"/>
+          <p:cNvSpPr>
+            <a:spLocks noGrp="1"/>
+          </p:cNvSpPr>
+          <p:nvPr>
+            <p:ph idx="1"/>
+          </p:nvPr>
+        </p:nvSpPr>
+        <p:spPr/>
+        <p:txBody>
+          <a:bodyPr/>
+          <a:lstStyle/>
+          <a:p>
+            <a:r>
+              <a:rPr lang="en-US" dirty="0" smtClean="0"/>
+              <a:t>Event-driven architecture (EDA) design concepts</a:t>
+            </a:r>
+          </a:p>
+          <a:p>
+            <a:endParaRPr lang="en-US" dirty="0" smtClean="0"/>
+          </a:p>
+          <a:p>
+            <a:r>
+              <a:rPr lang="en-US" dirty="0" smtClean="0"/>
+              <a:t>How to use EDA to improve your solutions</a:t>
+            </a:r>
+          </a:p>
+          <a:p>
+            <a:endParaRPr lang="en-US" dirty="0" smtClean="0"/>
+          </a:p>
+          <a:p>
+            <a:r>
+              <a:rPr lang="en-US" dirty="0" smtClean="0"/>
+              <a:t>How to implement an EDA solution on Azure</a:t>
+            </a:r>
+            <a:endParaRPr lang="en-US" dirty="0"/>
+          </a:p>
+        </p:txBody>
+      </p:sp>
+    </p:spTree>
+    <p:extLst>
+      <p:ext uri="{BB962C8B-B14F-4D97-AF65-F5344CB8AC3E}">
+        <p14:creationId xmlns:p14="http://schemas.microsoft.com/office/powerpoint/2010/main" val="171633761"/>
+      </p:ext>
+    </p:extLst>
+  </p:cSld>
+  <p:clrMapOvr>
+    <a:masterClrMapping/>
+  </p:clrMapOvr>
+</p:sld>
+</file>
+
+<file path=ppt/slides/slide40.xml><?xml version="1.0" encoding="utf-8"?>
+<p:sld xmlns:a="http://schemas.openxmlformats.org/drawingml/2006/main" xmlns:r="http://schemas.openxmlformats.org/officeDocument/2006/relationships" xmlns:p="http://schemas.openxmlformats.org/presentationml/2006/main">
+  <p:cSld>
+    <p:spTree>
+      <p:nvGrpSpPr>
+        <p:cNvPr id="1" name=""/>
+        <p:cNvGrpSpPr/>
+        <p:nvPr/>
+      </p:nvGrpSpPr>
+      <p:grpSpPr>
+        <a:xfrm>
+          <a:off x="0" y="0"/>
+          <a:ext cx="0" cy="0"/>
+          <a:chOff x="0" y="0"/>
+          <a:chExt cx="0" cy="0"/>
+        </a:xfrm>
+      </p:grpSpPr>
+      <p:sp>
+        <p:nvSpPr>
+          <p:cNvPr id="2" name="Title 1"/>
+          <p:cNvSpPr>
+            <a:spLocks noGrp="1"/>
+          </p:cNvSpPr>
+          <p:nvPr>
+            <p:ph type="title"/>
+          </p:nvPr>
+        </p:nvSpPr>
+        <p:spPr/>
+        <p:txBody>
+          <a:bodyPr/>
+          <a:lstStyle/>
+          <a:p>
+            <a:r>
+              <a:rPr lang="en-US" dirty="0" smtClean="0"/>
+              <a:t>Sprint </a:t>
+            </a:r>
+            <a:r>
+              <a:rPr lang="en-US" dirty="0"/>
+              <a:t>4</a:t>
+            </a:r>
+            <a:r>
+              <a:rPr lang="en-US" dirty="0" smtClean="0"/>
+              <a:t>: </a:t>
+            </a:r>
+            <a:r>
+              <a:rPr lang="en-US" dirty="0" smtClean="0"/>
+              <a:t>Retrospective</a:t>
+            </a:r>
+            <a:endParaRPr lang="en-US" dirty="0"/>
+          </a:p>
+        </p:txBody>
+      </p:sp>
+      <p:sp>
+        <p:nvSpPr>
+          <p:cNvPr id="3" name="Content Placeholder 2"/>
+          <p:cNvSpPr>
+            <a:spLocks noGrp="1"/>
+          </p:cNvSpPr>
+          <p:nvPr>
+            <p:ph idx="1"/>
+          </p:nvPr>
+        </p:nvSpPr>
+        <p:spPr/>
+        <p:txBody>
+          <a:bodyPr>
+            <a:normAutofit fontScale="85000" lnSpcReduction="20000"/>
+          </a:bodyPr>
+          <a:lstStyle/>
+          <a:p>
+            <a:r>
+              <a:rPr lang="en-US" dirty="0" smtClean="0"/>
+              <a:t>We now have an end-to-end solution for managing requests for health-care services.</a:t>
+            </a:r>
+          </a:p>
+          <a:p>
+            <a:endParaRPr lang="en-US" dirty="0"/>
+          </a:p>
+          <a:p>
+            <a:r>
+              <a:rPr lang="en-US" dirty="0"/>
+              <a:t>A</a:t>
+            </a:r>
+            <a:r>
+              <a:rPr lang="en-US" dirty="0" smtClean="0"/>
+              <a:t>synchronous messaging can be used with the UI, just as it is for service-to-service communications.</a:t>
+            </a:r>
+          </a:p>
+          <a:p>
+            <a:endParaRPr lang="en-US" dirty="0"/>
+          </a:p>
+          <a:p>
+            <a:r>
+              <a:rPr lang="en-US" dirty="0" smtClean="0"/>
+              <a:t>Asynchronous messaging can include requests and responses in addition to event notifications.</a:t>
+            </a:r>
+          </a:p>
+          <a:p>
+            <a:pPr lvl="1"/>
+            <a:r>
+              <a:rPr lang="en-US" dirty="0" smtClean="0"/>
+              <a:t>In comparison to real-time request/response, such as HTTP, managing expected responses requires a different approach</a:t>
+            </a:r>
+          </a:p>
+          <a:p>
+            <a:pPr lvl="1"/>
+            <a:endParaRPr lang="en-US" dirty="0"/>
+          </a:p>
+          <a:p>
+            <a:r>
+              <a:rPr lang="en-US" dirty="0" smtClean="0"/>
+              <a:t>There can be multiple publishers of a single event.</a:t>
+            </a:r>
+          </a:p>
+          <a:p>
+            <a:pPr lvl="1"/>
+            <a:r>
+              <a:rPr lang="en-US" dirty="0" smtClean="0"/>
+              <a:t>Consider a field to identify publisher</a:t>
+            </a:r>
+            <a:endParaRPr lang="en-US" dirty="0" smtClean="0"/>
+          </a:p>
+        </p:txBody>
+      </p:sp>
+    </p:spTree>
+    <p:extLst>
+      <p:ext uri="{BB962C8B-B14F-4D97-AF65-F5344CB8AC3E}">
+        <p14:creationId xmlns:p14="http://schemas.microsoft.com/office/powerpoint/2010/main" val="2605596683"/>
+      </p:ext>
+    </p:extLst>
+  </p:cSld>
+  <p:clrMapOvr>
+    <a:masterClrMapping/>
+  </p:clrMapOvr>
+</p:sld>
+</file>
+
+<file path=ppt/slides/slide41.xml><?xml version="1.0" encoding="utf-8"?>
+<p:sld xmlns:a="http://schemas.openxmlformats.org/drawingml/2006/main" xmlns:r="http://schemas.openxmlformats.org/officeDocument/2006/relationships" xmlns:p="http://schemas.openxmlformats.org/presentationml/2006/main">
+  <p:cSld>
+    <p:spTree>
+      <p:nvGrpSpPr>
+        <p:cNvPr id="1" name=""/>
+        <p:cNvGrpSpPr/>
+        <p:nvPr/>
+      </p:nvGrpSpPr>
+      <p:grpSpPr>
+        <a:xfrm>
+          <a:off x="0" y="0"/>
+          <a:ext cx="0" cy="0"/>
+          <a:chOff x="0" y="0"/>
+          <a:chExt cx="0" cy="0"/>
+        </a:xfrm>
+      </p:grpSpPr>
+      <p:sp>
+        <p:nvSpPr>
+          <p:cNvPr id="2" name="Title 1"/>
+          <p:cNvSpPr>
+            <a:spLocks noGrp="1"/>
+          </p:cNvSpPr>
+          <p:nvPr>
+            <p:ph type="title"/>
+          </p:nvPr>
+        </p:nvSpPr>
+        <p:spPr/>
+        <p:txBody>
+          <a:bodyPr/>
+          <a:lstStyle/>
+          <a:p>
+            <a:r>
+              <a:rPr lang="en-US" dirty="0" smtClean="0"/>
+              <a:t>Azure App Service</a:t>
+            </a:r>
+            <a:endParaRPr lang="en-US" dirty="0"/>
+          </a:p>
+        </p:txBody>
+      </p:sp>
+      <p:sp>
+        <p:nvSpPr>
+          <p:cNvPr id="3" name="Content Placeholder 2"/>
+          <p:cNvSpPr>
+            <a:spLocks noGrp="1"/>
+          </p:cNvSpPr>
+          <p:nvPr>
+            <p:ph idx="1"/>
+          </p:nvPr>
+        </p:nvSpPr>
+        <p:spPr/>
+        <p:txBody>
+          <a:bodyPr>
+            <a:normAutofit lnSpcReduction="10000"/>
+          </a:bodyPr>
+          <a:lstStyle/>
+          <a:p>
+            <a:r>
+              <a:rPr lang="en-US" dirty="0" smtClean="0"/>
+              <a:t>Azure’s PaaS option for hosting applications and containers</a:t>
+            </a:r>
+          </a:p>
+          <a:p>
+            <a:endParaRPr lang="en-US" dirty="0" smtClean="0"/>
+          </a:p>
+          <a:p>
+            <a:r>
+              <a:rPr lang="en-US" dirty="0" smtClean="0"/>
+              <a:t>Key terms</a:t>
+            </a:r>
+          </a:p>
+          <a:p>
+            <a:pPr lvl="1"/>
+            <a:r>
+              <a:rPr lang="en-US" dirty="0" smtClean="0"/>
+              <a:t>App Service Plan</a:t>
+            </a:r>
+          </a:p>
+          <a:p>
+            <a:pPr lvl="1"/>
+            <a:endParaRPr lang="en-US" dirty="0" smtClean="0"/>
+          </a:p>
+          <a:p>
+            <a:r>
+              <a:rPr lang="en-US" dirty="0" smtClean="0"/>
+              <a:t>Features</a:t>
+            </a:r>
+          </a:p>
+          <a:p>
+            <a:pPr lvl="1"/>
+            <a:r>
+              <a:rPr lang="en-US" dirty="0" smtClean="0"/>
+              <a:t>Reliable</a:t>
+            </a:r>
+          </a:p>
+          <a:p>
+            <a:pPr lvl="1"/>
+            <a:r>
+              <a:rPr lang="en-US" dirty="0" smtClean="0"/>
+              <a:t>Scalable</a:t>
+            </a:r>
+          </a:p>
+          <a:p>
+            <a:pPr lvl="1"/>
+            <a:r>
+              <a:rPr lang="en-US" dirty="0" smtClean="0"/>
+              <a:t>CI/CI integration</a:t>
+            </a:r>
+          </a:p>
+          <a:p>
+            <a:pPr lvl="1"/>
+            <a:r>
+              <a:rPr lang="en-US" dirty="0" smtClean="0"/>
+              <a:t>Great integration for </a:t>
+            </a:r>
+            <a:r>
+              <a:rPr lang="en-US" dirty="0" err="1" smtClean="0"/>
+              <a:t>ASP.Net</a:t>
+            </a:r>
+            <a:r>
+              <a:rPr lang="en-US" dirty="0" smtClean="0"/>
+              <a:t> applications</a:t>
+            </a:r>
+            <a:endParaRPr lang="en-US" dirty="0"/>
+          </a:p>
+        </p:txBody>
+      </p:sp>
+    </p:spTree>
+    <p:extLst>
+      <p:ext uri="{BB962C8B-B14F-4D97-AF65-F5344CB8AC3E}">
+        <p14:creationId xmlns:p14="http://schemas.microsoft.com/office/powerpoint/2010/main" val="3900644337"/>
+      </p:ext>
+    </p:extLst>
+  </p:cSld>
+  <p:clrMapOvr>
+    <a:masterClrMapping/>
+  </p:clrMapOvr>
+</p:sld>
+</file>
+
+<file path=ppt/slides/slide42.xml><?xml version="1.0" encoding="utf-8"?>
+<p:sld xmlns:a="http://schemas.openxmlformats.org/drawingml/2006/main" xmlns:r="http://schemas.openxmlformats.org/officeDocument/2006/relationships" xmlns:p="http://schemas.openxmlformats.org/presentationml/2006/main">
+  <p:cSld>
+    <p:spTree>
+      <p:nvGrpSpPr>
+        <p:cNvPr id="1" name=""/>
+        <p:cNvGrpSpPr/>
+        <p:nvPr/>
+      </p:nvGrpSpPr>
+      <p:grpSpPr>
+        <a:xfrm>
+          <a:off x="0" y="0"/>
+          <a:ext cx="0" cy="0"/>
+          <a:chOff x="0" y="0"/>
+          <a:chExt cx="0" cy="0"/>
+        </a:xfrm>
+      </p:grpSpPr>
+      <p:sp>
+        <p:nvSpPr>
+          <p:cNvPr id="2" name="Title 1"/>
+          <p:cNvSpPr>
+            <a:spLocks noGrp="1"/>
+          </p:cNvSpPr>
+          <p:nvPr>
+            <p:ph type="title"/>
+          </p:nvPr>
+        </p:nvSpPr>
+        <p:spPr/>
+        <p:txBody>
+          <a:bodyPr/>
+          <a:lstStyle/>
+          <a:p>
+            <a:r>
+              <a:rPr lang="en-US" dirty="0" smtClean="0"/>
+              <a:t>Sprint 3: Summary</a:t>
+            </a:r>
+            <a:endParaRPr lang="en-US" dirty="0"/>
+          </a:p>
+        </p:txBody>
+      </p:sp>
+      <p:sp>
+        <p:nvSpPr>
+          <p:cNvPr id="3" name="Content Placeholder 2"/>
+          <p:cNvSpPr>
+            <a:spLocks noGrp="1"/>
+          </p:cNvSpPr>
+          <p:nvPr>
+            <p:ph idx="1"/>
+          </p:nvPr>
+        </p:nvSpPr>
+        <p:spPr/>
+        <p:txBody>
+          <a:bodyPr/>
+          <a:lstStyle/>
+          <a:p>
+            <a:r>
+              <a:rPr lang="en-US" dirty="0" smtClean="0"/>
+              <a:t>Infrastructure as a Service (IaaS) vs Platform as a Service (PaaS)</a:t>
+            </a:r>
+          </a:p>
+          <a:p>
+            <a:pPr lvl="1"/>
+            <a:r>
+              <a:rPr lang="en-US" dirty="0" smtClean="0"/>
+              <a:t>Azure App Plan and Azure App services are PaaS options</a:t>
+            </a:r>
+          </a:p>
+          <a:p>
+            <a:pPr lvl="1"/>
+            <a:r>
+              <a:rPr lang="en-US" dirty="0" smtClean="0"/>
+              <a:t>Instantiating Virtual Machines is IaaS alternative to PaaS</a:t>
+            </a:r>
+          </a:p>
+          <a:p>
+            <a:pPr lvl="1"/>
+            <a:r>
+              <a:rPr lang="en-US" dirty="0" smtClean="0"/>
+              <a:t>Neither option requires difficult procurement process</a:t>
+            </a:r>
+          </a:p>
+          <a:p>
+            <a:endParaRPr lang="en-US" dirty="0" smtClean="0"/>
+          </a:p>
+          <a:p>
+            <a:endParaRPr lang="en-US" dirty="0" smtClean="0"/>
+          </a:p>
+          <a:p>
+            <a:r>
+              <a:rPr lang="en-US" dirty="0" smtClean="0"/>
+              <a:t>Request / response pattern</a:t>
+            </a:r>
+            <a:endParaRPr lang="en-US" dirty="0"/>
+          </a:p>
+        </p:txBody>
+      </p:sp>
+    </p:spTree>
+    <p:extLst>
+      <p:ext uri="{BB962C8B-B14F-4D97-AF65-F5344CB8AC3E}">
+        <p14:creationId xmlns:p14="http://schemas.microsoft.com/office/powerpoint/2010/main" val="397920848"/>
+      </p:ext>
+    </p:extLst>
+  </p:cSld>
+  <p:clrMapOvr>
+    <a:masterClrMapping/>
+  </p:clrMapOvr>
+</p:sld>
+</file>
+
+<file path=ppt/slides/slide43.xml><?xml version="1.0" encoding="utf-8"?>
+<p:sld xmlns:a="http://schemas.openxmlformats.org/drawingml/2006/main" xmlns:r="http://schemas.openxmlformats.org/officeDocument/2006/relationships" xmlns:p="http://schemas.openxmlformats.org/presentationml/2006/main">
+  <p:cSld>
+    <p:spTree>
+      <p:nvGrpSpPr>
+        <p:cNvPr id="1" name=""/>
+        <p:cNvGrpSpPr/>
+        <p:nvPr/>
+      </p:nvGrpSpPr>
+      <p:grpSpPr>
+        <a:xfrm>
+          <a:off x="0" y="0"/>
+          <a:ext cx="0" cy="0"/>
+          <a:chOff x="0" y="0"/>
+          <a:chExt cx="0" cy="0"/>
+        </a:xfrm>
+      </p:grpSpPr>
+      <p:sp>
+        <p:nvSpPr>
+          <p:cNvPr id="2" name="Title 1"/>
+          <p:cNvSpPr>
+            <a:spLocks noGrp="1"/>
+          </p:cNvSpPr>
+          <p:nvPr>
+            <p:ph type="title"/>
+          </p:nvPr>
+        </p:nvSpPr>
+        <p:spPr/>
+        <p:txBody>
+          <a:bodyPr/>
+          <a:lstStyle/>
+          <a:p>
+            <a:r>
+              <a:rPr lang="en-US" dirty="0" smtClean="0"/>
+              <a:t>Sprint 5</a:t>
+            </a:r>
+            <a:endParaRPr lang="en-US" dirty="0"/>
+          </a:p>
+        </p:txBody>
+      </p:sp>
+      <p:sp>
+        <p:nvSpPr>
+          <p:cNvPr id="3" name="Text Placeholder 2"/>
+          <p:cNvSpPr>
+            <a:spLocks noGrp="1"/>
+          </p:cNvSpPr>
+          <p:nvPr>
+            <p:ph type="body" idx="1"/>
+          </p:nvPr>
+        </p:nvSpPr>
+        <p:spPr/>
+        <p:txBody>
+          <a:bodyPr/>
+          <a:lstStyle/>
+          <a:p>
+            <a:r>
+              <a:rPr lang="en-US" dirty="0" smtClean="0"/>
+              <a:t>New Feature - Dashboard</a:t>
+            </a:r>
+            <a:endParaRPr lang="en-US" dirty="0"/>
+          </a:p>
+        </p:txBody>
+      </p:sp>
+    </p:spTree>
+    <p:extLst>
+      <p:ext uri="{BB962C8B-B14F-4D97-AF65-F5344CB8AC3E}">
+        <p14:creationId xmlns:p14="http://schemas.microsoft.com/office/powerpoint/2010/main" val="1151348957"/>
+      </p:ext>
+    </p:extLst>
+  </p:cSld>
+  <p:clrMapOvr>
+    <a:masterClrMapping/>
+  </p:clrMapOvr>
+</p:sld>
+</file>
+
+<file path=ppt/slides/slide44.xml><?xml version="1.0" encoding="utf-8"?>
 <p:sld xmlns:a="http://schemas.openxmlformats.org/drawingml/2006/main" xmlns:r="http://schemas.openxmlformats.org/officeDocument/2006/relationships" xmlns:p="http://schemas.openxmlformats.org/presentationml/2006/main">
   <p:cSld>
     <p:spTree>
@@ -8503,7 +10036,7 @@
 </p:sld>
 </file>
 
-<file path=ppt/slides/slide33.xml><?xml version="1.0" encoding="utf-8"?>
+<file path=ppt/slides/slide45.xml><?xml version="1.0" encoding="utf-8"?>
 <p:sld xmlns:a="http://schemas.openxmlformats.org/drawingml/2006/main" xmlns:r="http://schemas.openxmlformats.org/officeDocument/2006/relationships" xmlns:p="http://schemas.openxmlformats.org/presentationml/2006/main">
   <p:cSld>
     <p:spTree>
@@ -8578,7 +10111,7 @@
 </p:sld>
 </file>
 
-<file path=ppt/slides/slide34.xml><?xml version="1.0" encoding="utf-8"?>
+<file path=ppt/slides/slide46.xml><?xml version="1.0" encoding="utf-8"?>
 <p:sld xmlns:a="http://schemas.openxmlformats.org/drawingml/2006/main" xmlns:r="http://schemas.openxmlformats.org/officeDocument/2006/relationships" xmlns:p="http://schemas.openxmlformats.org/presentationml/2006/main">
   <p:cSld>
     <p:spTree>
@@ -8688,7 +10221,7 @@
 </p:sld>
 </file>
 
-<file path=ppt/slides/slide35.xml><?xml version="1.0" encoding="utf-8"?>
+<file path=ppt/slides/slide47.xml><?xml version="1.0" encoding="utf-8"?>
 <p:sld xmlns:a="http://schemas.openxmlformats.org/drawingml/2006/main" xmlns:r="http://schemas.openxmlformats.org/officeDocument/2006/relationships" xmlns:p="http://schemas.openxmlformats.org/presentationml/2006/main">
   <p:cSld>
     <p:spTree>
@@ -8760,7 +10293,7 @@
 </p:sld>
 </file>
 
-<file path=ppt/slides/slide36.xml><?xml version="1.0" encoding="utf-8"?>
+<file path=ppt/slides/slide48.xml><?xml version="1.0" encoding="utf-8"?>
 <p:sld xmlns:a="http://schemas.openxmlformats.org/drawingml/2006/main" xmlns:r="http://schemas.openxmlformats.org/officeDocument/2006/relationships" xmlns:p="http://schemas.openxmlformats.org/presentationml/2006/main">
   <p:cSld>
     <p:spTree>
@@ -8835,100 +10368,6 @@
     <p:extLst>
       <p:ext uri="{BB962C8B-B14F-4D97-AF65-F5344CB8AC3E}">
         <p14:creationId xmlns:p14="http://schemas.microsoft.com/office/powerpoint/2010/main" val="3733458452"/>
-      </p:ext>
-    </p:extLst>
-  </p:cSld>
-  <p:clrMapOvr>
-    <a:masterClrMapping/>
-  </p:clrMapOvr>
-</p:sld>
-</file>
-
-<file path=ppt/slides/slide4.xml><?xml version="1.0" encoding="utf-8"?>
-<p:sld xmlns:a="http://schemas.openxmlformats.org/drawingml/2006/main" xmlns:r="http://schemas.openxmlformats.org/officeDocument/2006/relationships" xmlns:p="http://schemas.openxmlformats.org/presentationml/2006/main">
-  <p:cSld>
-    <p:spTree>
-      <p:nvGrpSpPr>
-        <p:cNvPr id="1" name=""/>
-        <p:cNvGrpSpPr/>
-        <p:nvPr/>
-      </p:nvGrpSpPr>
-      <p:grpSpPr>
-        <a:xfrm>
-          <a:off x="0" y="0"/>
-          <a:ext cx="0" cy="0"/>
-          <a:chOff x="0" y="0"/>
-          <a:chExt cx="0" cy="0"/>
-        </a:xfrm>
-      </p:grpSpPr>
-      <p:sp>
-        <p:nvSpPr>
-          <p:cNvPr id="4" name="Title 3"/>
-          <p:cNvSpPr>
-            <a:spLocks noGrp="1"/>
-          </p:cNvSpPr>
-          <p:nvPr>
-            <p:ph type="title"/>
-          </p:nvPr>
-        </p:nvSpPr>
-        <p:spPr/>
-        <p:txBody>
-          <a:bodyPr/>
-          <a:lstStyle/>
-          <a:p>
-            <a:r>
-              <a:rPr lang="en-US" dirty="0" smtClean="0"/>
-              <a:t>What are we going to learn?</a:t>
-            </a:r>
-            <a:endParaRPr lang="en-US" dirty="0"/>
-          </a:p>
-        </p:txBody>
-      </p:sp>
-      <p:sp>
-        <p:nvSpPr>
-          <p:cNvPr id="5" name="Content Placeholder 4"/>
-          <p:cNvSpPr>
-            <a:spLocks noGrp="1"/>
-          </p:cNvSpPr>
-          <p:nvPr>
-            <p:ph idx="1"/>
-          </p:nvPr>
-        </p:nvSpPr>
-        <p:spPr/>
-        <p:txBody>
-          <a:bodyPr/>
-          <a:lstStyle/>
-          <a:p>
-            <a:r>
-              <a:rPr lang="en-US" dirty="0" smtClean="0"/>
-              <a:t>Event-driven architecture (EDA) design concepts</a:t>
-            </a:r>
-          </a:p>
-          <a:p>
-            <a:endParaRPr lang="en-US" dirty="0" smtClean="0"/>
-          </a:p>
-          <a:p>
-            <a:r>
-              <a:rPr lang="en-US" dirty="0" smtClean="0"/>
-              <a:t>How to use EDA to improve your solutions</a:t>
-            </a:r>
-          </a:p>
-          <a:p>
-            <a:endParaRPr lang="en-US" dirty="0" smtClean="0"/>
-          </a:p>
-          <a:p>
-            <a:r>
-              <a:rPr lang="en-US" dirty="0" smtClean="0"/>
-              <a:t>How to implement an EDA solution on Azure</a:t>
-            </a:r>
-            <a:endParaRPr lang="en-US" dirty="0"/>
-          </a:p>
-        </p:txBody>
-      </p:sp>
-    </p:spTree>
-    <p:extLst>
-      <p:ext uri="{BB962C8B-B14F-4D97-AF65-F5344CB8AC3E}">
-        <p14:creationId xmlns:p14="http://schemas.microsoft.com/office/powerpoint/2010/main" val="171633761"/>
       </p:ext>
     </p:extLst>
   </p:cSld>

--- a/EventDrivenArchitectureWorkshop.pptx
+++ b/EventDrivenArchitectureWorkshop.pptx
@@ -8,51 +8,58 @@
     <p:sldId id="256" r:id="rId2"/>
     <p:sldId id="257" r:id="rId3"/>
     <p:sldId id="258" r:id="rId4"/>
-    <p:sldId id="259" r:id="rId5"/>
-    <p:sldId id="260" r:id="rId6"/>
-    <p:sldId id="261" r:id="rId7"/>
-    <p:sldId id="263" r:id="rId8"/>
-    <p:sldId id="264" r:id="rId9"/>
-    <p:sldId id="265" r:id="rId10"/>
-    <p:sldId id="266" r:id="rId11"/>
-    <p:sldId id="267" r:id="rId12"/>
-    <p:sldId id="268" r:id="rId13"/>
-    <p:sldId id="262" r:id="rId14"/>
-    <p:sldId id="269" r:id="rId15"/>
-    <p:sldId id="270" r:id="rId16"/>
-    <p:sldId id="271" r:id="rId17"/>
-    <p:sldId id="272" r:id="rId18"/>
-    <p:sldId id="273" r:id="rId19"/>
-    <p:sldId id="274" r:id="rId20"/>
-    <p:sldId id="275" r:id="rId21"/>
-    <p:sldId id="276" r:id="rId22"/>
-    <p:sldId id="277" r:id="rId23"/>
-    <p:sldId id="278" r:id="rId24"/>
-    <p:sldId id="279" r:id="rId25"/>
-    <p:sldId id="280" r:id="rId26"/>
-    <p:sldId id="281" r:id="rId27"/>
-    <p:sldId id="282" r:id="rId28"/>
-    <p:sldId id="283" r:id="rId29"/>
-    <p:sldId id="286" r:id="rId30"/>
-    <p:sldId id="305" r:id="rId31"/>
-    <p:sldId id="294" r:id="rId32"/>
-    <p:sldId id="295" r:id="rId33"/>
-    <p:sldId id="297" r:id="rId34"/>
-    <p:sldId id="296" r:id="rId35"/>
-    <p:sldId id="300" r:id="rId36"/>
-    <p:sldId id="298" r:id="rId37"/>
-    <p:sldId id="301" r:id="rId38"/>
-    <p:sldId id="303" r:id="rId39"/>
-    <p:sldId id="304" r:id="rId40"/>
-    <p:sldId id="299" r:id="rId41"/>
-    <p:sldId id="284" r:id="rId42"/>
-    <p:sldId id="285" r:id="rId43"/>
-    <p:sldId id="292" r:id="rId44"/>
-    <p:sldId id="287" r:id="rId45"/>
-    <p:sldId id="288" r:id="rId46"/>
-    <p:sldId id="289" r:id="rId47"/>
-    <p:sldId id="290" r:id="rId48"/>
-    <p:sldId id="291" r:id="rId49"/>
+    <p:sldId id="309" r:id="rId5"/>
+    <p:sldId id="259" r:id="rId6"/>
+    <p:sldId id="260" r:id="rId7"/>
+    <p:sldId id="261" r:id="rId8"/>
+    <p:sldId id="263" r:id="rId9"/>
+    <p:sldId id="264" r:id="rId10"/>
+    <p:sldId id="265" r:id="rId11"/>
+    <p:sldId id="266" r:id="rId12"/>
+    <p:sldId id="267" r:id="rId13"/>
+    <p:sldId id="268" r:id="rId14"/>
+    <p:sldId id="262" r:id="rId15"/>
+    <p:sldId id="269" r:id="rId16"/>
+    <p:sldId id="306" r:id="rId17"/>
+    <p:sldId id="270" r:id="rId18"/>
+    <p:sldId id="271" r:id="rId19"/>
+    <p:sldId id="272" r:id="rId20"/>
+    <p:sldId id="273" r:id="rId21"/>
+    <p:sldId id="274" r:id="rId22"/>
+    <p:sldId id="275" r:id="rId23"/>
+    <p:sldId id="276" r:id="rId24"/>
+    <p:sldId id="277" r:id="rId25"/>
+    <p:sldId id="278" r:id="rId26"/>
+    <p:sldId id="307" r:id="rId27"/>
+    <p:sldId id="279" r:id="rId28"/>
+    <p:sldId id="280" r:id="rId29"/>
+    <p:sldId id="281" r:id="rId30"/>
+    <p:sldId id="308" r:id="rId31"/>
+    <p:sldId id="282" r:id="rId32"/>
+    <p:sldId id="283" r:id="rId33"/>
+    <p:sldId id="286" r:id="rId34"/>
+    <p:sldId id="305" r:id="rId35"/>
+    <p:sldId id="294" r:id="rId36"/>
+    <p:sldId id="295" r:id="rId37"/>
+    <p:sldId id="297" r:id="rId38"/>
+    <p:sldId id="296" r:id="rId39"/>
+    <p:sldId id="300" r:id="rId40"/>
+    <p:sldId id="298" r:id="rId41"/>
+    <p:sldId id="301" r:id="rId42"/>
+    <p:sldId id="303" r:id="rId43"/>
+    <p:sldId id="304" r:id="rId44"/>
+    <p:sldId id="299" r:id="rId45"/>
+    <p:sldId id="284" r:id="rId46"/>
+    <p:sldId id="285" r:id="rId47"/>
+    <p:sldId id="292" r:id="rId48"/>
+    <p:sldId id="287" r:id="rId49"/>
+    <p:sldId id="288" r:id="rId50"/>
+    <p:sldId id="289" r:id="rId51"/>
+    <p:sldId id="290" r:id="rId52"/>
+    <p:sldId id="291" r:id="rId53"/>
+    <p:sldId id="310" r:id="rId54"/>
+    <p:sldId id="311" r:id="rId55"/>
+    <p:sldId id="312" r:id="rId56"/>
   </p:sldIdLst>
   <p:sldSz cx="12192000" cy="6858000"/>
   <p:notesSz cx="6858000" cy="9144000"/>
@@ -290,7 +297,7 @@
           <a:p>
             <a:fld id="{0B5D536D-AE8C-4EAC-8CEB-B18A64A144B4}" type="datetimeFigureOut">
               <a:rPr lang="en-US" smtClean="0"/>
-              <a:t>9/11/2021</a:t>
+              <a:t>9/13/2021</a:t>
             </a:fld>
             <a:endParaRPr lang="en-US"/>
           </a:p>
@@ -460,7 +467,7 @@
           <a:p>
             <a:fld id="{0B5D536D-AE8C-4EAC-8CEB-B18A64A144B4}" type="datetimeFigureOut">
               <a:rPr lang="en-US" smtClean="0"/>
-              <a:t>9/11/2021</a:t>
+              <a:t>9/13/2021</a:t>
             </a:fld>
             <a:endParaRPr lang="en-US"/>
           </a:p>
@@ -640,7 +647,7 @@
           <a:p>
             <a:fld id="{0B5D536D-AE8C-4EAC-8CEB-B18A64A144B4}" type="datetimeFigureOut">
               <a:rPr lang="en-US" smtClean="0"/>
-              <a:t>9/11/2021</a:t>
+              <a:t>9/13/2021</a:t>
             </a:fld>
             <a:endParaRPr lang="en-US"/>
           </a:p>
@@ -810,7 +817,7 @@
           <a:p>
             <a:fld id="{0B5D536D-AE8C-4EAC-8CEB-B18A64A144B4}" type="datetimeFigureOut">
               <a:rPr lang="en-US" smtClean="0"/>
-              <a:t>9/11/2021</a:t>
+              <a:t>9/13/2021</a:t>
             </a:fld>
             <a:endParaRPr lang="en-US"/>
           </a:p>
@@ -1056,7 +1063,7 @@
           <a:p>
             <a:fld id="{0B5D536D-AE8C-4EAC-8CEB-B18A64A144B4}" type="datetimeFigureOut">
               <a:rPr lang="en-US" smtClean="0"/>
-              <a:t>9/11/2021</a:t>
+              <a:t>9/13/2021</a:t>
             </a:fld>
             <a:endParaRPr lang="en-US"/>
           </a:p>
@@ -1288,7 +1295,7 @@
           <a:p>
             <a:fld id="{0B5D536D-AE8C-4EAC-8CEB-B18A64A144B4}" type="datetimeFigureOut">
               <a:rPr lang="en-US" smtClean="0"/>
-              <a:t>9/11/2021</a:t>
+              <a:t>9/13/2021</a:t>
             </a:fld>
             <a:endParaRPr lang="en-US"/>
           </a:p>
@@ -1655,7 +1662,7 @@
           <a:p>
             <a:fld id="{0B5D536D-AE8C-4EAC-8CEB-B18A64A144B4}" type="datetimeFigureOut">
               <a:rPr lang="en-US" smtClean="0"/>
-              <a:t>9/11/2021</a:t>
+              <a:t>9/13/2021</a:t>
             </a:fld>
             <a:endParaRPr lang="en-US"/>
           </a:p>
@@ -1773,7 +1780,7 @@
           <a:p>
             <a:fld id="{0B5D536D-AE8C-4EAC-8CEB-B18A64A144B4}" type="datetimeFigureOut">
               <a:rPr lang="en-US" smtClean="0"/>
-              <a:t>9/11/2021</a:t>
+              <a:t>9/13/2021</a:t>
             </a:fld>
             <a:endParaRPr lang="en-US"/>
           </a:p>
@@ -1868,7 +1875,7 @@
           <a:p>
             <a:fld id="{0B5D536D-AE8C-4EAC-8CEB-B18A64A144B4}" type="datetimeFigureOut">
               <a:rPr lang="en-US" smtClean="0"/>
-              <a:t>9/11/2021</a:t>
+              <a:t>9/13/2021</a:t>
             </a:fld>
             <a:endParaRPr lang="en-US"/>
           </a:p>
@@ -2145,7 +2152,7 @@
           <a:p>
             <a:fld id="{0B5D536D-AE8C-4EAC-8CEB-B18A64A144B4}" type="datetimeFigureOut">
               <a:rPr lang="en-US" smtClean="0"/>
-              <a:t>9/11/2021</a:t>
+              <a:t>9/13/2021</a:t>
             </a:fld>
             <a:endParaRPr lang="en-US"/>
           </a:p>
@@ -2398,7 +2405,7 @@
           <a:p>
             <a:fld id="{0B5D536D-AE8C-4EAC-8CEB-B18A64A144B4}" type="datetimeFigureOut">
               <a:rPr lang="en-US" smtClean="0"/>
-              <a:t>9/11/2021</a:t>
+              <a:t>9/13/2021</a:t>
             </a:fld>
             <a:endParaRPr lang="en-US"/>
           </a:p>
@@ -2611,7 +2618,7 @@
           <a:p>
             <a:fld id="{0B5D536D-AE8C-4EAC-8CEB-B18A64A144B4}" type="datetimeFigureOut">
               <a:rPr lang="en-US" smtClean="0"/>
-              <a:t>9/11/2021</a:t>
+              <a:t>9/13/2021</a:t>
             </a:fld>
             <a:endParaRPr lang="en-US"/>
           </a:p>
@@ -3117,6 +3124,930 @@
           <a:p>
             <a:r>
               <a:rPr lang="en-US" dirty="0" smtClean="0"/>
+              <a:t>Current Solution</a:t>
+            </a:r>
+            <a:endParaRPr lang="en-US" dirty="0"/>
+          </a:p>
+        </p:txBody>
+      </p:sp>
+      <p:sp>
+        <p:nvSpPr>
+          <p:cNvPr id="4" name="Content Placeholder 2"/>
+          <p:cNvSpPr txBox="1">
+            <a:spLocks/>
+          </p:cNvSpPr>
+          <p:nvPr/>
+        </p:nvSpPr>
+        <p:spPr>
+          <a:xfrm>
+            <a:off x="1069848" y="2121408"/>
+            <a:ext cx="10058400" cy="4050792"/>
+          </a:xfrm>
+          <a:prstGeom prst="rect">
+            <a:avLst/>
+          </a:prstGeom>
+        </p:spPr>
+        <p:txBody>
+          <a:bodyPr vert="horz" lIns="91440" tIns="45720" rIns="91440" bIns="45720" rtlCol="0">
+            <a:normAutofit/>
+          </a:bodyPr>
+          <a:lstStyle>
+            <a:lvl1pPr marL="228600" indent="-228600" algn="l" defTabSz="914400" rtl="0" eaLnBrk="1" latinLnBrk="0" hangingPunct="1">
+              <a:lnSpc>
+                <a:spcPct val="90000"/>
+              </a:lnSpc>
+              <a:spcBef>
+                <a:spcPts val="1000"/>
+              </a:spcBef>
+              <a:buFont typeface="Arial" panose="020B0604020202020204" pitchFamily="34" charset="0"/>
+              <a:buChar char="•"/>
+              <a:defRPr sz="2800" kern="1200">
+                <a:solidFill>
+                  <a:schemeClr val="tx1"/>
+                </a:solidFill>
+                <a:latin typeface="+mn-lt"/>
+                <a:ea typeface="+mn-ea"/>
+                <a:cs typeface="+mn-cs"/>
+              </a:defRPr>
+            </a:lvl1pPr>
+            <a:lvl2pPr marL="685800" indent="-228600" algn="l" defTabSz="914400" rtl="0" eaLnBrk="1" latinLnBrk="0" hangingPunct="1">
+              <a:lnSpc>
+                <a:spcPct val="90000"/>
+              </a:lnSpc>
+              <a:spcBef>
+                <a:spcPts val="500"/>
+              </a:spcBef>
+              <a:buFont typeface="Arial" panose="020B0604020202020204" pitchFamily="34" charset="0"/>
+              <a:buChar char="•"/>
+              <a:defRPr sz="2400" kern="1200">
+                <a:solidFill>
+                  <a:schemeClr val="tx1"/>
+                </a:solidFill>
+                <a:latin typeface="+mn-lt"/>
+                <a:ea typeface="+mn-ea"/>
+                <a:cs typeface="+mn-cs"/>
+              </a:defRPr>
+            </a:lvl2pPr>
+            <a:lvl3pPr marL="1143000" indent="-228600" algn="l" defTabSz="914400" rtl="0" eaLnBrk="1" latinLnBrk="0" hangingPunct="1">
+              <a:lnSpc>
+                <a:spcPct val="90000"/>
+              </a:lnSpc>
+              <a:spcBef>
+                <a:spcPts val="500"/>
+              </a:spcBef>
+              <a:buFont typeface="Arial" panose="020B0604020202020204" pitchFamily="34" charset="0"/>
+              <a:buChar char="•"/>
+              <a:defRPr sz="2000" kern="1200">
+                <a:solidFill>
+                  <a:schemeClr val="tx1"/>
+                </a:solidFill>
+                <a:latin typeface="+mn-lt"/>
+                <a:ea typeface="+mn-ea"/>
+                <a:cs typeface="+mn-cs"/>
+              </a:defRPr>
+            </a:lvl3pPr>
+            <a:lvl4pPr marL="1600200" indent="-228600" algn="l" defTabSz="914400" rtl="0" eaLnBrk="1" latinLnBrk="0" hangingPunct="1">
+              <a:lnSpc>
+                <a:spcPct val="90000"/>
+              </a:lnSpc>
+              <a:spcBef>
+                <a:spcPts val="500"/>
+              </a:spcBef>
+              <a:buFont typeface="Arial" panose="020B0604020202020204" pitchFamily="34" charset="0"/>
+              <a:buChar char="•"/>
+              <a:defRPr sz="1800" kern="1200">
+                <a:solidFill>
+                  <a:schemeClr val="tx1"/>
+                </a:solidFill>
+                <a:latin typeface="+mn-lt"/>
+                <a:ea typeface="+mn-ea"/>
+                <a:cs typeface="+mn-cs"/>
+              </a:defRPr>
+            </a:lvl4pPr>
+            <a:lvl5pPr marL="2057400" indent="-228600" algn="l" defTabSz="914400" rtl="0" eaLnBrk="1" latinLnBrk="0" hangingPunct="1">
+              <a:lnSpc>
+                <a:spcPct val="90000"/>
+              </a:lnSpc>
+              <a:spcBef>
+                <a:spcPts val="500"/>
+              </a:spcBef>
+              <a:buFont typeface="Arial" panose="020B0604020202020204" pitchFamily="34" charset="0"/>
+              <a:buChar char="•"/>
+              <a:defRPr sz="1800" kern="1200">
+                <a:solidFill>
+                  <a:schemeClr val="tx1"/>
+                </a:solidFill>
+                <a:latin typeface="+mn-lt"/>
+                <a:ea typeface="+mn-ea"/>
+                <a:cs typeface="+mn-cs"/>
+              </a:defRPr>
+            </a:lvl5pPr>
+            <a:lvl6pPr marL="2514600" indent="-228600" algn="l" defTabSz="914400" rtl="0" eaLnBrk="1" latinLnBrk="0" hangingPunct="1">
+              <a:lnSpc>
+                <a:spcPct val="90000"/>
+              </a:lnSpc>
+              <a:spcBef>
+                <a:spcPts val="500"/>
+              </a:spcBef>
+              <a:buFont typeface="Arial" panose="020B0604020202020204" pitchFamily="34" charset="0"/>
+              <a:buChar char="•"/>
+              <a:defRPr sz="1800" kern="1200">
+                <a:solidFill>
+                  <a:schemeClr val="tx1"/>
+                </a:solidFill>
+                <a:latin typeface="+mn-lt"/>
+                <a:ea typeface="+mn-ea"/>
+                <a:cs typeface="+mn-cs"/>
+              </a:defRPr>
+            </a:lvl6pPr>
+            <a:lvl7pPr marL="2971800" indent="-228600" algn="l" defTabSz="914400" rtl="0" eaLnBrk="1" latinLnBrk="0" hangingPunct="1">
+              <a:lnSpc>
+                <a:spcPct val="90000"/>
+              </a:lnSpc>
+              <a:spcBef>
+                <a:spcPts val="500"/>
+              </a:spcBef>
+              <a:buFont typeface="Arial" panose="020B0604020202020204" pitchFamily="34" charset="0"/>
+              <a:buChar char="•"/>
+              <a:defRPr sz="1800" kern="1200">
+                <a:solidFill>
+                  <a:schemeClr val="tx1"/>
+                </a:solidFill>
+                <a:latin typeface="+mn-lt"/>
+                <a:ea typeface="+mn-ea"/>
+                <a:cs typeface="+mn-cs"/>
+              </a:defRPr>
+            </a:lvl7pPr>
+            <a:lvl8pPr marL="3429000" indent="-228600" algn="l" defTabSz="914400" rtl="0" eaLnBrk="1" latinLnBrk="0" hangingPunct="1">
+              <a:lnSpc>
+                <a:spcPct val="90000"/>
+              </a:lnSpc>
+              <a:spcBef>
+                <a:spcPts val="500"/>
+              </a:spcBef>
+              <a:buFont typeface="Arial" panose="020B0604020202020204" pitchFamily="34" charset="0"/>
+              <a:buChar char="•"/>
+              <a:defRPr sz="1800" kern="1200">
+                <a:solidFill>
+                  <a:schemeClr val="tx1"/>
+                </a:solidFill>
+                <a:latin typeface="+mn-lt"/>
+                <a:ea typeface="+mn-ea"/>
+                <a:cs typeface="+mn-cs"/>
+              </a:defRPr>
+            </a:lvl8pPr>
+            <a:lvl9pPr marL="3886200" indent="-228600" algn="l" defTabSz="914400" rtl="0" eaLnBrk="1" latinLnBrk="0" hangingPunct="1">
+              <a:lnSpc>
+                <a:spcPct val="90000"/>
+              </a:lnSpc>
+              <a:spcBef>
+                <a:spcPts val="500"/>
+              </a:spcBef>
+              <a:buFont typeface="Arial" panose="020B0604020202020204" pitchFamily="34" charset="0"/>
+              <a:buChar char="•"/>
+              <a:defRPr sz="1800" kern="1200">
+                <a:solidFill>
+                  <a:schemeClr val="tx1"/>
+                </a:solidFill>
+                <a:latin typeface="+mn-lt"/>
+                <a:ea typeface="+mn-ea"/>
+                <a:cs typeface="+mn-cs"/>
+              </a:defRPr>
+            </a:lvl9pPr>
+          </a:lstStyle>
+          <a:p>
+            <a:pPr marL="0" indent="0">
+              <a:buFont typeface="Arial" panose="020B0604020202020204" pitchFamily="34" charset="0"/>
+              <a:buNone/>
+            </a:pPr>
+            <a:r>
+              <a:rPr lang="en-US" smtClean="0"/>
+              <a:t> </a:t>
+            </a:r>
+            <a:endParaRPr lang="en-US" dirty="0"/>
+          </a:p>
+        </p:txBody>
+      </p:sp>
+      <p:sp>
+        <p:nvSpPr>
+          <p:cNvPr id="5" name="Rectangle 4"/>
+          <p:cNvSpPr/>
+          <p:nvPr/>
+        </p:nvSpPr>
+        <p:spPr>
+          <a:xfrm>
+            <a:off x="3872453" y="4038945"/>
+            <a:ext cx="1212783" cy="933650"/>
+          </a:xfrm>
+          <a:prstGeom prst="rect">
+            <a:avLst/>
+          </a:prstGeom>
+        </p:spPr>
+        <p:style>
+          <a:lnRef idx="2">
+            <a:schemeClr val="accent1">
+              <a:shade val="50000"/>
+            </a:schemeClr>
+          </a:lnRef>
+          <a:fillRef idx="1">
+            <a:schemeClr val="accent1"/>
+          </a:fillRef>
+          <a:effectRef idx="0">
+            <a:schemeClr val="accent1"/>
+          </a:effectRef>
+          <a:fontRef idx="minor">
+            <a:schemeClr val="lt1"/>
+          </a:fontRef>
+        </p:style>
+        <p:txBody>
+          <a:bodyPr rtlCol="0" anchor="ctr"/>
+          <a:lstStyle/>
+          <a:p>
+            <a:pPr algn="ctr"/>
+            <a:r>
+              <a:rPr lang="en-US" dirty="0" smtClean="0"/>
+              <a:t>Provider Transfer Service</a:t>
+            </a:r>
+            <a:endParaRPr lang="en-US" dirty="0"/>
+          </a:p>
+        </p:txBody>
+      </p:sp>
+      <p:sp>
+        <p:nvSpPr>
+          <p:cNvPr id="6" name="Rectangle 5"/>
+          <p:cNvSpPr/>
+          <p:nvPr/>
+        </p:nvSpPr>
+        <p:spPr>
+          <a:xfrm>
+            <a:off x="7124388" y="2115979"/>
+            <a:ext cx="1212783" cy="933650"/>
+          </a:xfrm>
+          <a:prstGeom prst="rect">
+            <a:avLst/>
+          </a:prstGeom>
+        </p:spPr>
+        <p:style>
+          <a:lnRef idx="2">
+            <a:schemeClr val="accent1">
+              <a:shade val="50000"/>
+            </a:schemeClr>
+          </a:lnRef>
+          <a:fillRef idx="1">
+            <a:schemeClr val="accent1"/>
+          </a:fillRef>
+          <a:effectRef idx="0">
+            <a:schemeClr val="accent1"/>
+          </a:effectRef>
+          <a:fontRef idx="minor">
+            <a:schemeClr val="lt1"/>
+          </a:fontRef>
+        </p:style>
+        <p:txBody>
+          <a:bodyPr rtlCol="0" anchor="ctr"/>
+          <a:lstStyle/>
+          <a:p>
+            <a:pPr algn="ctr"/>
+            <a:r>
+              <a:rPr lang="en-US" dirty="0" smtClean="0"/>
+              <a:t>Auto Approval Service</a:t>
+            </a:r>
+            <a:endParaRPr lang="en-US" dirty="0"/>
+          </a:p>
+        </p:txBody>
+      </p:sp>
+      <p:sp>
+        <p:nvSpPr>
+          <p:cNvPr id="7" name="Rectangle 6"/>
+          <p:cNvSpPr/>
+          <p:nvPr/>
+        </p:nvSpPr>
+        <p:spPr>
+          <a:xfrm>
+            <a:off x="10093153" y="2121408"/>
+            <a:ext cx="1212783" cy="933650"/>
+          </a:xfrm>
+          <a:prstGeom prst="rect">
+            <a:avLst/>
+          </a:prstGeom>
+        </p:spPr>
+        <p:style>
+          <a:lnRef idx="2">
+            <a:schemeClr val="accent1">
+              <a:shade val="50000"/>
+            </a:schemeClr>
+          </a:lnRef>
+          <a:fillRef idx="1">
+            <a:schemeClr val="accent1"/>
+          </a:fillRef>
+          <a:effectRef idx="0">
+            <a:schemeClr val="accent1"/>
+          </a:effectRef>
+          <a:fontRef idx="minor">
+            <a:schemeClr val="lt1"/>
+          </a:fontRef>
+        </p:style>
+        <p:txBody>
+          <a:bodyPr rtlCol="0" anchor="ctr"/>
+          <a:lstStyle/>
+          <a:p>
+            <a:pPr algn="ctr"/>
+            <a:r>
+              <a:rPr lang="en-US" dirty="0" smtClean="0"/>
+              <a:t>Routing Service</a:t>
+            </a:r>
+            <a:endParaRPr lang="en-US" dirty="0"/>
+          </a:p>
+        </p:txBody>
+      </p:sp>
+      <p:sp>
+        <p:nvSpPr>
+          <p:cNvPr id="8" name="Rectangle 7"/>
+          <p:cNvSpPr/>
+          <p:nvPr/>
+        </p:nvSpPr>
+        <p:spPr>
+          <a:xfrm>
+            <a:off x="10093152" y="5336396"/>
+            <a:ext cx="1212783" cy="933650"/>
+          </a:xfrm>
+          <a:prstGeom prst="rect">
+            <a:avLst/>
+          </a:prstGeom>
+        </p:spPr>
+        <p:style>
+          <a:lnRef idx="2">
+            <a:schemeClr val="accent1">
+              <a:shade val="50000"/>
+            </a:schemeClr>
+          </a:lnRef>
+          <a:fillRef idx="1">
+            <a:schemeClr val="accent1"/>
+          </a:fillRef>
+          <a:effectRef idx="0">
+            <a:schemeClr val="accent1"/>
+          </a:effectRef>
+          <a:fontRef idx="minor">
+            <a:schemeClr val="lt1"/>
+          </a:fontRef>
+        </p:style>
+        <p:txBody>
+          <a:bodyPr rtlCol="0" anchor="ctr"/>
+          <a:lstStyle/>
+          <a:p>
+            <a:pPr algn="ctr"/>
+            <a:r>
+              <a:rPr lang="en-US" dirty="0" smtClean="0"/>
+              <a:t>User Interface</a:t>
+            </a:r>
+            <a:endParaRPr lang="en-US" dirty="0"/>
+          </a:p>
+        </p:txBody>
+      </p:sp>
+      <p:sp>
+        <p:nvSpPr>
+          <p:cNvPr id="9" name="Can 8"/>
+          <p:cNvSpPr/>
+          <p:nvPr/>
+        </p:nvSpPr>
+        <p:spPr>
+          <a:xfrm>
+            <a:off x="6875864" y="3977850"/>
+            <a:ext cx="1709831" cy="1055840"/>
+          </a:xfrm>
+          <a:prstGeom prst="can">
+            <a:avLst/>
+          </a:prstGeom>
+        </p:spPr>
+        <p:style>
+          <a:lnRef idx="2">
+            <a:schemeClr val="accent1">
+              <a:shade val="50000"/>
+            </a:schemeClr>
+          </a:lnRef>
+          <a:fillRef idx="1">
+            <a:schemeClr val="accent1"/>
+          </a:fillRef>
+          <a:effectRef idx="0">
+            <a:schemeClr val="accent1"/>
+          </a:effectRef>
+          <a:fontRef idx="minor">
+            <a:schemeClr val="lt1"/>
+          </a:fontRef>
+        </p:style>
+        <p:txBody>
+          <a:bodyPr rtlCol="0" anchor="ctr"/>
+          <a:lstStyle/>
+          <a:p>
+            <a:pPr algn="ctr"/>
+            <a:r>
+              <a:rPr lang="en-US" dirty="0" smtClean="0"/>
+              <a:t>Database</a:t>
+            </a:r>
+            <a:endParaRPr lang="en-US" dirty="0"/>
+          </a:p>
+        </p:txBody>
+      </p:sp>
+      <p:sp>
+        <p:nvSpPr>
+          <p:cNvPr id="10" name="Flowchart: Multidocument 9"/>
+          <p:cNvSpPr/>
+          <p:nvPr/>
+        </p:nvSpPr>
+        <p:spPr>
+          <a:xfrm>
+            <a:off x="3836134" y="1984380"/>
+            <a:ext cx="1497875" cy="1169051"/>
+          </a:xfrm>
+          <a:prstGeom prst="flowChartMultidocument">
+            <a:avLst/>
+          </a:prstGeom>
+        </p:spPr>
+        <p:style>
+          <a:lnRef idx="2">
+            <a:schemeClr val="accent1">
+              <a:shade val="50000"/>
+            </a:schemeClr>
+          </a:lnRef>
+          <a:fillRef idx="1">
+            <a:schemeClr val="accent1"/>
+          </a:fillRef>
+          <a:effectRef idx="0">
+            <a:schemeClr val="accent1"/>
+          </a:effectRef>
+          <a:fontRef idx="minor">
+            <a:schemeClr val="lt1"/>
+          </a:fontRef>
+        </p:style>
+        <p:txBody>
+          <a:bodyPr rtlCol="0" anchor="ctr"/>
+          <a:lstStyle/>
+          <a:p>
+            <a:pPr algn="ctr"/>
+            <a:r>
+              <a:rPr lang="en-US" dirty="0" smtClean="0"/>
+              <a:t>Incoming Files</a:t>
+            </a:r>
+            <a:endParaRPr lang="en-US" dirty="0"/>
+          </a:p>
+        </p:txBody>
+      </p:sp>
+      <p:cxnSp>
+        <p:nvCxnSpPr>
+          <p:cNvPr id="11" name="Straight Arrow Connector 10"/>
+          <p:cNvCxnSpPr>
+            <a:stCxn id="10" idx="2"/>
+            <a:endCxn id="5" idx="0"/>
+          </p:cNvCxnSpPr>
+          <p:nvPr/>
+        </p:nvCxnSpPr>
+        <p:spPr>
+          <a:xfrm flipH="1">
+            <a:off x="4478845" y="3109159"/>
+            <a:ext cx="2069" cy="929786"/>
+          </a:xfrm>
+          <a:prstGeom prst="straightConnector1">
+            <a:avLst/>
+          </a:prstGeom>
+          <a:ln>
+            <a:tailEnd type="triangle"/>
+          </a:ln>
+        </p:spPr>
+        <p:style>
+          <a:lnRef idx="1">
+            <a:schemeClr val="accent1"/>
+          </a:lnRef>
+          <a:fillRef idx="0">
+            <a:schemeClr val="accent1"/>
+          </a:fillRef>
+          <a:effectRef idx="0">
+            <a:schemeClr val="accent1"/>
+          </a:effectRef>
+          <a:fontRef idx="minor">
+            <a:schemeClr val="tx1"/>
+          </a:fontRef>
+        </p:style>
+      </p:cxnSp>
+      <p:cxnSp>
+        <p:nvCxnSpPr>
+          <p:cNvPr id="12" name="Straight Arrow Connector 11"/>
+          <p:cNvCxnSpPr>
+            <a:stCxn id="5" idx="3"/>
+            <a:endCxn id="9" idx="2"/>
+          </p:cNvCxnSpPr>
+          <p:nvPr/>
+        </p:nvCxnSpPr>
+        <p:spPr>
+          <a:xfrm>
+            <a:off x="5085236" y="4505770"/>
+            <a:ext cx="1790628" cy="0"/>
+          </a:xfrm>
+          <a:prstGeom prst="straightConnector1">
+            <a:avLst/>
+          </a:prstGeom>
+          <a:ln>
+            <a:tailEnd type="triangle"/>
+          </a:ln>
+        </p:spPr>
+        <p:style>
+          <a:lnRef idx="1">
+            <a:schemeClr val="accent1"/>
+          </a:lnRef>
+          <a:fillRef idx="0">
+            <a:schemeClr val="accent1"/>
+          </a:fillRef>
+          <a:effectRef idx="0">
+            <a:schemeClr val="accent1"/>
+          </a:effectRef>
+          <a:fontRef idx="minor">
+            <a:schemeClr val="tx1"/>
+          </a:fontRef>
+        </p:style>
+      </p:cxnSp>
+      <p:cxnSp>
+        <p:nvCxnSpPr>
+          <p:cNvPr id="13" name="Straight Arrow Connector 12"/>
+          <p:cNvCxnSpPr>
+            <a:stCxn id="6" idx="2"/>
+            <a:endCxn id="9" idx="1"/>
+          </p:cNvCxnSpPr>
+          <p:nvPr/>
+        </p:nvCxnSpPr>
+        <p:spPr>
+          <a:xfrm>
+            <a:off x="7730780" y="3049629"/>
+            <a:ext cx="0" cy="928221"/>
+          </a:xfrm>
+          <a:prstGeom prst="straightConnector1">
+            <a:avLst/>
+          </a:prstGeom>
+          <a:ln>
+            <a:headEnd type="triangle"/>
+            <a:tailEnd type="triangle"/>
+          </a:ln>
+        </p:spPr>
+        <p:style>
+          <a:lnRef idx="1">
+            <a:schemeClr val="accent1"/>
+          </a:lnRef>
+          <a:fillRef idx="0">
+            <a:schemeClr val="accent1"/>
+          </a:fillRef>
+          <a:effectRef idx="0">
+            <a:schemeClr val="accent1"/>
+          </a:effectRef>
+          <a:fontRef idx="minor">
+            <a:schemeClr val="tx1"/>
+          </a:fontRef>
+        </p:style>
+      </p:cxnSp>
+      <p:cxnSp>
+        <p:nvCxnSpPr>
+          <p:cNvPr id="14" name="Straight Arrow Connector 13"/>
+          <p:cNvCxnSpPr>
+            <a:stCxn id="7" idx="1"/>
+            <a:endCxn id="9" idx="4"/>
+          </p:cNvCxnSpPr>
+          <p:nvPr/>
+        </p:nvCxnSpPr>
+        <p:spPr>
+          <a:xfrm flipH="1">
+            <a:off x="8585695" y="2588233"/>
+            <a:ext cx="1507458" cy="1917537"/>
+          </a:xfrm>
+          <a:prstGeom prst="straightConnector1">
+            <a:avLst/>
+          </a:prstGeom>
+          <a:ln>
+            <a:headEnd type="triangle"/>
+            <a:tailEnd type="triangle"/>
+          </a:ln>
+        </p:spPr>
+        <p:style>
+          <a:lnRef idx="1">
+            <a:schemeClr val="accent1"/>
+          </a:lnRef>
+          <a:fillRef idx="0">
+            <a:schemeClr val="accent1"/>
+          </a:fillRef>
+          <a:effectRef idx="0">
+            <a:schemeClr val="accent1"/>
+          </a:effectRef>
+          <a:fontRef idx="minor">
+            <a:schemeClr val="tx1"/>
+          </a:fontRef>
+        </p:style>
+      </p:cxnSp>
+      <p:cxnSp>
+        <p:nvCxnSpPr>
+          <p:cNvPr id="15" name="Straight Arrow Connector 14"/>
+          <p:cNvCxnSpPr>
+            <a:stCxn id="7" idx="2"/>
+            <a:endCxn id="8" idx="0"/>
+          </p:cNvCxnSpPr>
+          <p:nvPr/>
+        </p:nvCxnSpPr>
+        <p:spPr>
+          <a:xfrm flipH="1">
+            <a:off x="10699544" y="3055058"/>
+            <a:ext cx="1" cy="2281338"/>
+          </a:xfrm>
+          <a:prstGeom prst="straightConnector1">
+            <a:avLst/>
+          </a:prstGeom>
+          <a:ln>
+            <a:headEnd type="triangle"/>
+            <a:tailEnd type="triangle"/>
+          </a:ln>
+        </p:spPr>
+        <p:style>
+          <a:lnRef idx="1">
+            <a:schemeClr val="accent1"/>
+          </a:lnRef>
+          <a:fillRef idx="0">
+            <a:schemeClr val="accent1"/>
+          </a:fillRef>
+          <a:effectRef idx="0">
+            <a:schemeClr val="accent1"/>
+          </a:effectRef>
+          <a:fontRef idx="minor">
+            <a:schemeClr val="tx1"/>
+          </a:fontRef>
+        </p:style>
+      </p:cxnSp>
+      <p:sp>
+        <p:nvSpPr>
+          <p:cNvPr id="16" name="Flowchart: Multidocument 15"/>
+          <p:cNvSpPr/>
+          <p:nvPr/>
+        </p:nvSpPr>
+        <p:spPr>
+          <a:xfrm>
+            <a:off x="3621753" y="5587674"/>
+            <a:ext cx="1497875" cy="1169051"/>
+          </a:xfrm>
+          <a:prstGeom prst="flowChartMultidocument">
+            <a:avLst/>
+          </a:prstGeom>
+        </p:spPr>
+        <p:style>
+          <a:lnRef idx="2">
+            <a:schemeClr val="accent1">
+              <a:shade val="50000"/>
+            </a:schemeClr>
+          </a:lnRef>
+          <a:fillRef idx="1">
+            <a:schemeClr val="accent1"/>
+          </a:fillRef>
+          <a:effectRef idx="0">
+            <a:schemeClr val="accent1"/>
+          </a:effectRef>
+          <a:fontRef idx="minor">
+            <a:schemeClr val="lt1"/>
+          </a:fontRef>
+        </p:style>
+        <p:txBody>
+          <a:bodyPr rtlCol="0" anchor="ctr"/>
+          <a:lstStyle/>
+          <a:p>
+            <a:pPr algn="ctr"/>
+            <a:r>
+              <a:rPr lang="en-US" dirty="0" smtClean="0"/>
+              <a:t>Outgoing Files</a:t>
+            </a:r>
+            <a:endParaRPr lang="en-US" dirty="0"/>
+          </a:p>
+        </p:txBody>
+      </p:sp>
+      <p:cxnSp>
+        <p:nvCxnSpPr>
+          <p:cNvPr id="17" name="Straight Arrow Connector 16"/>
+          <p:cNvCxnSpPr>
+            <a:stCxn id="5" idx="2"/>
+            <a:endCxn id="16" idx="0"/>
+          </p:cNvCxnSpPr>
+          <p:nvPr/>
+        </p:nvCxnSpPr>
+        <p:spPr>
+          <a:xfrm flipH="1">
+            <a:off x="4473739" y="4972595"/>
+            <a:ext cx="5106" cy="615079"/>
+          </a:xfrm>
+          <a:prstGeom prst="straightConnector1">
+            <a:avLst/>
+          </a:prstGeom>
+          <a:ln>
+            <a:tailEnd type="triangle"/>
+          </a:ln>
+        </p:spPr>
+        <p:style>
+          <a:lnRef idx="1">
+            <a:schemeClr val="accent1"/>
+          </a:lnRef>
+          <a:fillRef idx="0">
+            <a:schemeClr val="accent1"/>
+          </a:fillRef>
+          <a:effectRef idx="0">
+            <a:schemeClr val="accent1"/>
+          </a:effectRef>
+          <a:fontRef idx="minor">
+            <a:schemeClr val="tx1"/>
+          </a:fontRef>
+        </p:style>
+      </p:cxnSp>
+      <p:sp>
+        <p:nvSpPr>
+          <p:cNvPr id="18" name="Cloud 17"/>
+          <p:cNvSpPr/>
+          <p:nvPr/>
+        </p:nvSpPr>
+        <p:spPr>
+          <a:xfrm>
+            <a:off x="434923" y="3897500"/>
+            <a:ext cx="1901904" cy="1216539"/>
+          </a:xfrm>
+          <a:prstGeom prst="cloud">
+            <a:avLst/>
+          </a:prstGeom>
+        </p:spPr>
+        <p:style>
+          <a:lnRef idx="2">
+            <a:schemeClr val="accent1">
+              <a:shade val="50000"/>
+            </a:schemeClr>
+          </a:lnRef>
+          <a:fillRef idx="1">
+            <a:schemeClr val="accent1"/>
+          </a:fillRef>
+          <a:effectRef idx="0">
+            <a:schemeClr val="accent1"/>
+          </a:effectRef>
+          <a:fontRef idx="minor">
+            <a:schemeClr val="lt1"/>
+          </a:fontRef>
+        </p:style>
+        <p:txBody>
+          <a:bodyPr rtlCol="0" anchor="ctr"/>
+          <a:lstStyle/>
+          <a:p>
+            <a:pPr algn="ctr"/>
+            <a:r>
+              <a:rPr lang="en-US" dirty="0" smtClean="0"/>
+              <a:t>Providers</a:t>
+            </a:r>
+            <a:endParaRPr lang="en-US" dirty="0"/>
+          </a:p>
+        </p:txBody>
+      </p:sp>
+      <p:cxnSp>
+        <p:nvCxnSpPr>
+          <p:cNvPr id="19" name="Straight Arrow Connector 18"/>
+          <p:cNvCxnSpPr>
+            <a:stCxn id="18" idx="3"/>
+            <a:endCxn id="10" idx="1"/>
+          </p:cNvCxnSpPr>
+          <p:nvPr/>
+        </p:nvCxnSpPr>
+        <p:spPr>
+          <a:xfrm flipV="1">
+            <a:off x="1385875" y="2568906"/>
+            <a:ext cx="2450259" cy="1398151"/>
+          </a:xfrm>
+          <a:prstGeom prst="straightConnector1">
+            <a:avLst/>
+          </a:prstGeom>
+          <a:ln>
+            <a:tailEnd type="triangle"/>
+          </a:ln>
+        </p:spPr>
+        <p:style>
+          <a:lnRef idx="1">
+            <a:schemeClr val="accent1"/>
+          </a:lnRef>
+          <a:fillRef idx="0">
+            <a:schemeClr val="accent1"/>
+          </a:fillRef>
+          <a:effectRef idx="0">
+            <a:schemeClr val="accent1"/>
+          </a:effectRef>
+          <a:fontRef idx="minor">
+            <a:schemeClr val="tx1"/>
+          </a:fontRef>
+        </p:style>
+      </p:cxnSp>
+      <p:cxnSp>
+        <p:nvCxnSpPr>
+          <p:cNvPr id="20" name="Straight Arrow Connector 19"/>
+          <p:cNvCxnSpPr>
+            <a:stCxn id="16" idx="1"/>
+            <a:endCxn id="18" idx="1"/>
+          </p:cNvCxnSpPr>
+          <p:nvPr/>
+        </p:nvCxnSpPr>
+        <p:spPr>
+          <a:xfrm flipH="1" flipV="1">
+            <a:off x="1385875" y="5112744"/>
+            <a:ext cx="2235878" cy="1059456"/>
+          </a:xfrm>
+          <a:prstGeom prst="straightConnector1">
+            <a:avLst/>
+          </a:prstGeom>
+          <a:ln>
+            <a:tailEnd type="triangle"/>
+          </a:ln>
+        </p:spPr>
+        <p:style>
+          <a:lnRef idx="1">
+            <a:schemeClr val="accent1"/>
+          </a:lnRef>
+          <a:fillRef idx="0">
+            <a:schemeClr val="accent1"/>
+          </a:fillRef>
+          <a:effectRef idx="0">
+            <a:schemeClr val="accent1"/>
+          </a:effectRef>
+          <a:fontRef idx="minor">
+            <a:schemeClr val="tx1"/>
+          </a:fontRef>
+        </p:style>
+      </p:cxnSp>
+      <p:pic>
+        <p:nvPicPr>
+          <p:cNvPr id="21" name="Picture 20"/>
+          <p:cNvPicPr>
+            <a:picLocks noChangeAspect="1"/>
+          </p:cNvPicPr>
+          <p:nvPr/>
+        </p:nvPicPr>
+        <p:blipFill>
+          <a:blip r:embed="rId2" cstate="print">
+            <a:extLst>
+              <a:ext uri="{28A0092B-C50C-407E-A947-70E740481C1C}">
+                <a14:useLocalDpi xmlns:a14="http://schemas.microsoft.com/office/drawing/2010/main" val="0"/>
+              </a:ext>
+            </a:extLst>
+          </a:blip>
+          <a:stretch>
+            <a:fillRect/>
+          </a:stretch>
+        </p:blipFill>
+        <p:spPr>
+          <a:xfrm>
+            <a:off x="9135291" y="292047"/>
+            <a:ext cx="2455817" cy="1381224"/>
+          </a:xfrm>
+          <a:prstGeom prst="rect">
+            <a:avLst/>
+          </a:prstGeom>
+        </p:spPr>
+      </p:pic>
+    </p:spTree>
+    <p:extLst>
+      <p:ext uri="{BB962C8B-B14F-4D97-AF65-F5344CB8AC3E}">
+        <p14:creationId xmlns:p14="http://schemas.microsoft.com/office/powerpoint/2010/main" val="2528745426"/>
+      </p:ext>
+    </p:extLst>
+  </p:cSld>
+  <p:clrMapOvr>
+    <a:masterClrMapping/>
+  </p:clrMapOvr>
+</p:sld>
+</file>
+
+<file path=ppt/slides/slide11.xml><?xml version="1.0" encoding="utf-8"?>
+<p:sld xmlns:a="http://schemas.openxmlformats.org/drawingml/2006/main" xmlns:r="http://schemas.openxmlformats.org/officeDocument/2006/relationships" xmlns:p="http://schemas.openxmlformats.org/presentationml/2006/main">
+  <p:cSld>
+    <p:spTree>
+      <p:nvGrpSpPr>
+        <p:cNvPr id="1" name=""/>
+        <p:cNvGrpSpPr/>
+        <p:nvPr/>
+      </p:nvGrpSpPr>
+      <p:grpSpPr>
+        <a:xfrm>
+          <a:off x="0" y="0"/>
+          <a:ext cx="0" cy="0"/>
+          <a:chOff x="0" y="0"/>
+          <a:chExt cx="0" cy="0"/>
+        </a:xfrm>
+      </p:grpSpPr>
+      <p:sp>
+        <p:nvSpPr>
+          <p:cNvPr id="2" name="Title 1"/>
+          <p:cNvSpPr>
+            <a:spLocks noGrp="1"/>
+          </p:cNvSpPr>
+          <p:nvPr>
+            <p:ph type="title"/>
+          </p:nvPr>
+        </p:nvSpPr>
+        <p:spPr/>
+        <p:txBody>
+          <a:bodyPr/>
+          <a:lstStyle/>
+          <a:p>
+            <a:r>
+              <a:rPr lang="en-US" dirty="0" smtClean="0"/>
               <a:t>Current Issues</a:t>
             </a:r>
             <a:endParaRPr lang="en-US" dirty="0"/>
@@ -3265,7 +4196,7 @@
 </p:sld>
 </file>
 
-<file path=ppt/slides/slide11.xml><?xml version="1.0" encoding="utf-8"?>
+<file path=ppt/slides/slide12.xml><?xml version="1.0" encoding="utf-8"?>
 <p:sld xmlns:a="http://schemas.openxmlformats.org/drawingml/2006/main" xmlns:r="http://schemas.openxmlformats.org/officeDocument/2006/relationships" xmlns:p="http://schemas.openxmlformats.org/presentationml/2006/main">
   <p:cSld>
     <p:spTree>
@@ -3299,15 +4230,7 @@
           <a:p>
             <a:r>
               <a:rPr lang="en-US" dirty="0" smtClean="0"/>
-              <a:t>Goals </a:t>
-            </a:r>
-            <a:r>
-              <a:rPr lang="en-US" dirty="0" smtClean="0"/>
-              <a:t>of </a:t>
-            </a:r>
-            <a:r>
-              <a:rPr lang="en-US" dirty="0" smtClean="0"/>
-              <a:t>Event-Driven System</a:t>
+              <a:t>Goals of Event-Driven System</a:t>
             </a:r>
             <a:endParaRPr lang="en-US" dirty="0"/>
           </a:p>
@@ -3438,7 +4361,7 @@
 </p:sld>
 </file>
 
-<file path=ppt/slides/slide12.xml><?xml version="1.0" encoding="utf-8"?>
+<file path=ppt/slides/slide13.xml><?xml version="1.0" encoding="utf-8"?>
 <p:sld xmlns:a="http://schemas.openxmlformats.org/drawingml/2006/main" xmlns:r="http://schemas.openxmlformats.org/officeDocument/2006/relationships" xmlns:p="http://schemas.openxmlformats.org/presentationml/2006/main">
   <p:cSld>
     <p:spTree>
@@ -3616,7 +4539,7 @@
 </p:sld>
 </file>
 
-<file path=ppt/slides/slide13.xml><?xml version="1.0" encoding="utf-8"?>
+<file path=ppt/slides/slide14.xml><?xml version="1.0" encoding="utf-8"?>
 <p:sld xmlns:a="http://schemas.openxmlformats.org/drawingml/2006/main" xmlns:r="http://schemas.openxmlformats.org/officeDocument/2006/relationships" xmlns:p="http://schemas.openxmlformats.org/presentationml/2006/main">
   <p:cSld>
     <p:spTree>
@@ -5043,11 +5966,7 @@
           <a:p>
             <a:r>
               <a:rPr lang="en-US" dirty="0" smtClean="0"/>
-              <a:t>Final </a:t>
-            </a:r>
-            <a:r>
-              <a:rPr lang="en-US" dirty="0" smtClean="0"/>
-              <a:t>Solution</a:t>
+              <a:t>Final Solution</a:t>
             </a:r>
             <a:endParaRPr lang="en-US" dirty="0"/>
           </a:p>
@@ -5096,82 +6015,6 @@
 </p:sld>
 </file>
 
-<file path=ppt/slides/slide14.xml><?xml version="1.0" encoding="utf-8"?>
-<p:sld xmlns:a="http://schemas.openxmlformats.org/drawingml/2006/main" xmlns:r="http://schemas.openxmlformats.org/officeDocument/2006/relationships" xmlns:p="http://schemas.openxmlformats.org/presentationml/2006/main">
-  <p:cSld>
-    <p:spTree>
-      <p:nvGrpSpPr>
-        <p:cNvPr id="1" name=""/>
-        <p:cNvGrpSpPr/>
-        <p:nvPr/>
-      </p:nvGrpSpPr>
-      <p:grpSpPr>
-        <a:xfrm>
-          <a:off x="0" y="0"/>
-          <a:ext cx="0" cy="0"/>
-          <a:chOff x="0" y="0"/>
-          <a:chExt cx="0" cy="0"/>
-        </a:xfrm>
-      </p:grpSpPr>
-      <p:sp>
-        <p:nvSpPr>
-          <p:cNvPr id="4" name="Title 3"/>
-          <p:cNvSpPr>
-            <a:spLocks noGrp="1"/>
-          </p:cNvSpPr>
-          <p:nvPr>
-            <p:ph type="title"/>
-          </p:nvPr>
-        </p:nvSpPr>
-        <p:spPr/>
-        <p:txBody>
-          <a:bodyPr/>
-          <a:lstStyle/>
-          <a:p>
-            <a:r>
-              <a:rPr lang="en-US" dirty="0" smtClean="0"/>
-              <a:t>Sprint 1</a:t>
-            </a:r>
-            <a:endParaRPr lang="en-US" dirty="0"/>
-          </a:p>
-        </p:txBody>
-      </p:sp>
-      <p:sp>
-        <p:nvSpPr>
-          <p:cNvPr id="5" name="Text Placeholder 4"/>
-          <p:cNvSpPr>
-            <a:spLocks noGrp="1"/>
-          </p:cNvSpPr>
-          <p:nvPr>
-            <p:ph type="body" idx="1"/>
-          </p:nvPr>
-        </p:nvSpPr>
-        <p:spPr/>
-        <p:txBody>
-          <a:bodyPr/>
-          <a:lstStyle/>
-          <a:p>
-            <a:r>
-              <a:rPr lang="en-US" dirty="0" smtClean="0"/>
-              <a:t>GOAL: Publish incoming requests to utilization management platform</a:t>
-            </a:r>
-            <a:endParaRPr lang="en-US" b="1" dirty="0"/>
-          </a:p>
-        </p:txBody>
-      </p:sp>
-    </p:spTree>
-    <p:extLst>
-      <p:ext uri="{BB962C8B-B14F-4D97-AF65-F5344CB8AC3E}">
-        <p14:creationId xmlns:p14="http://schemas.microsoft.com/office/powerpoint/2010/main" val="95073917"/>
-      </p:ext>
-    </p:extLst>
-  </p:cSld>
-  <p:clrMapOvr>
-    <a:masterClrMapping/>
-  </p:clrMapOvr>
-</p:sld>
-</file>
-
 <file path=ppt/slides/slide15.xml><?xml version="1.0" encoding="utf-8"?>
 <p:sld xmlns:a="http://schemas.openxmlformats.org/drawingml/2006/main" xmlns:r="http://schemas.openxmlformats.org/officeDocument/2006/relationships" xmlns:p="http://schemas.openxmlformats.org/presentationml/2006/main">
   <p:cSld>
@@ -5206,7 +6049,7 @@
           <a:p>
             <a:r>
               <a:rPr lang="en-US" dirty="0" smtClean="0"/>
-              <a:t>Provider Transfer Service</a:t>
+              <a:t>Sprint 1</a:t>
             </a:r>
             <a:endParaRPr lang="en-US" dirty="0"/>
           </a:p>
@@ -5214,69 +6057,31 @@
       </p:sp>
       <p:sp>
         <p:nvSpPr>
-          <p:cNvPr id="5" name="Content Placeholder 4"/>
-          <p:cNvSpPr>
-            <a:spLocks noGrp="1"/>
-          </p:cNvSpPr>
-          <p:nvPr>
-            <p:ph idx="1"/>
-          </p:nvPr>
-        </p:nvSpPr>
-        <p:spPr/>
-        <p:txBody>
-          <a:bodyPr>
-            <a:normAutofit lnSpcReduction="10000"/>
-          </a:bodyPr>
-          <a:lstStyle/>
-          <a:p>
-            <a:r>
-              <a:rPr lang="en-US" dirty="0" smtClean="0"/>
-              <a:t>For this exercise, simulates incoming requests for service from providers</a:t>
-            </a:r>
-          </a:p>
-          <a:p>
-            <a:endParaRPr lang="en-US" dirty="0" smtClean="0"/>
-          </a:p>
-          <a:p>
-            <a:r>
-              <a:rPr lang="en-US" strike="sngStrike" dirty="0" smtClean="0"/>
-              <a:t>Implemented as an ASP.NET Core 5.0 Web Service that generates and sends requests at a specified interval</a:t>
-            </a:r>
-          </a:p>
-          <a:p>
-            <a:pPr lvl="1"/>
-            <a:r>
-              <a:rPr lang="en-US" strike="sngStrike" dirty="0" smtClean="0"/>
-              <a:t>Hosted on an Azure App Service</a:t>
-            </a:r>
-          </a:p>
-          <a:p>
-            <a:endParaRPr lang="en-US" dirty="0" smtClean="0"/>
-          </a:p>
-          <a:p>
-            <a:r>
-              <a:rPr lang="en-US" dirty="0" smtClean="0"/>
-              <a:t>Requests are sent to a topic on the Azure Event Hub </a:t>
-            </a:r>
-            <a:r>
-              <a:rPr lang="en-US" i="1" dirty="0" err="1" smtClean="0"/>
-              <a:t>RequestReceived</a:t>
-            </a:r>
-            <a:r>
-              <a:rPr lang="en-US" dirty="0" smtClean="0"/>
-              <a:t> topic where they will be available to other components as an </a:t>
-            </a:r>
-            <a:r>
-              <a:rPr lang="en-US" b="1" i="1" dirty="0" smtClean="0"/>
-              <a:t>event stream</a:t>
-            </a:r>
+          <p:cNvPr id="5" name="Text Placeholder 4"/>
+          <p:cNvSpPr>
+            <a:spLocks noGrp="1"/>
+          </p:cNvSpPr>
+          <p:nvPr>
+            <p:ph type="body" idx="1"/>
+          </p:nvPr>
+        </p:nvSpPr>
+        <p:spPr/>
+        <p:txBody>
+          <a:bodyPr/>
+          <a:lstStyle/>
+          <a:p>
+            <a:r>
+              <a:rPr lang="en-US" dirty="0" smtClean="0"/>
+              <a:t>GOAL: Publish incoming requests to utilization management platform</a:t>
+            </a:r>
+            <a:endParaRPr lang="en-US" b="1" dirty="0"/>
           </a:p>
         </p:txBody>
       </p:sp>
     </p:spTree>
     <p:extLst>
       <p:ext uri="{BB962C8B-B14F-4D97-AF65-F5344CB8AC3E}">
-        <p14:creationId xmlns:p14="http://schemas.microsoft.com/office/powerpoint/2010/main" val="529645438"/>
+        <p14:creationId xmlns:p14="http://schemas.microsoft.com/office/powerpoint/2010/main" val="95073917"/>
       </p:ext>
     </p:extLst>
   </p:cSld>
@@ -5305,7 +6110,7 @@
       </p:grpSpPr>
       <p:sp>
         <p:nvSpPr>
-          <p:cNvPr id="2" name="Title 1"/>
+          <p:cNvPr id="4" name="Title 3"/>
           <p:cNvSpPr>
             <a:spLocks noGrp="1"/>
           </p:cNvSpPr>
@@ -5319,12 +6124,12 @@
           <a:lstStyle/>
           <a:p>
             <a:r>
-              <a:rPr lang="en-US" dirty="0" smtClean="0"/>
-              <a:t>User Story </a:t>
-            </a:r>
-            <a:r>
-              <a:rPr lang="en-US" dirty="0" smtClean="0"/>
-              <a:t>1-1</a:t>
+              <a:rPr lang="en-US" dirty="0" err="1" smtClean="0"/>
+              <a:t>ToDo</a:t>
+            </a:r>
+            <a:r>
+              <a:rPr lang="en-US" dirty="0" smtClean="0"/>
+              <a:t> </a:t>
             </a:r>
             <a:endParaRPr lang="en-US" dirty="0"/>
           </a:p>
@@ -5332,7 +6137,7 @@
       </p:sp>
       <p:sp>
         <p:nvSpPr>
-          <p:cNvPr id="3" name="Content Placeholder 2"/>
+          <p:cNvPr id="5" name="Content Placeholder 4"/>
           <p:cNvSpPr>
             <a:spLocks noGrp="1"/>
           </p:cNvSpPr>
@@ -5342,122 +6147,32 @@
         </p:nvSpPr>
         <p:spPr/>
         <p:txBody>
-          <a:bodyPr>
-            <a:normAutofit fontScale="62500" lnSpcReduction="20000"/>
-          </a:bodyPr>
-          <a:lstStyle/>
-          <a:p>
-            <a:pPr marL="0" indent="0">
-              <a:buNone/>
-            </a:pPr>
-            <a:r>
-              <a:rPr lang="en-US" dirty="0" smtClean="0"/>
-              <a:t>As a TAH developer, I need all incoming requests for service to be available to all current and future components of the utilization management platform so that I can implement the features provided by TAH.</a:t>
-            </a:r>
-          </a:p>
-          <a:p>
-            <a:pPr marL="0" indent="0">
-              <a:buNone/>
-            </a:pPr>
-            <a:endParaRPr lang="en-US" dirty="0" smtClean="0"/>
-          </a:p>
-          <a:p>
-            <a:pPr marL="0" indent="0">
-              <a:buNone/>
-            </a:pPr>
-            <a:r>
-              <a:rPr lang="en-US" dirty="0" smtClean="0"/>
-              <a:t>Acceptance Criteria</a:t>
-            </a:r>
-          </a:p>
-          <a:p>
-            <a:pPr marL="457200" indent="-457200">
-              <a:buFont typeface="+mj-lt"/>
-              <a:buAutoNum type="arabicPeriod"/>
-            </a:pPr>
-            <a:r>
-              <a:rPr lang="en-US" dirty="0" smtClean="0"/>
-              <a:t>Requests are available to current and future services within 10 seconds of arriving on the network</a:t>
-            </a:r>
-          </a:p>
-          <a:p>
-            <a:pPr marL="457200" indent="-457200">
-              <a:buFont typeface="+mj-lt"/>
-              <a:buAutoNum type="arabicPeriod"/>
-            </a:pPr>
-            <a:r>
-              <a:rPr lang="en-US" dirty="0" smtClean="0"/>
-              <a:t>Consumers must be able to receive the requests in the order they were received</a:t>
-            </a:r>
-          </a:p>
-          <a:p>
-            <a:pPr marL="457200" indent="-457200">
-              <a:buFont typeface="+mj-lt"/>
-              <a:buAutoNum type="arabicPeriod"/>
-            </a:pPr>
-            <a:r>
-              <a:rPr lang="en-US" dirty="0" smtClean="0"/>
-              <a:t>Consumers should be able to </a:t>
-            </a:r>
-          </a:p>
-          <a:p>
-            <a:pPr marL="731520" lvl="1" indent="-457200">
-              <a:buFont typeface="+mj-lt"/>
-              <a:buAutoNum type="alphaLcPeriod"/>
-            </a:pPr>
-            <a:r>
-              <a:rPr lang="en-US" dirty="0" smtClean="0"/>
-              <a:t>receive requests asynchronously</a:t>
-            </a:r>
-          </a:p>
-          <a:p>
-            <a:pPr marL="731520" lvl="1" indent="-457200">
-              <a:buFont typeface="+mj-lt"/>
-              <a:buAutoNum type="alphaLcPeriod"/>
-            </a:pPr>
-            <a:r>
-              <a:rPr lang="en-US" dirty="0" smtClean="0"/>
-              <a:t>replay previously received requests</a:t>
-            </a:r>
-          </a:p>
-          <a:p>
-            <a:pPr marL="457200" indent="-457200">
-              <a:buFont typeface="+mj-lt"/>
-              <a:buAutoNum type="arabicPeriod"/>
-            </a:pPr>
-            <a:r>
-              <a:rPr lang="en-US" dirty="0" smtClean="0"/>
-              <a:t>System must be able to receive up to 10,000 incoming requests per minute</a:t>
-            </a:r>
-          </a:p>
-          <a:p>
-            <a:pPr marL="0" indent="0">
-              <a:buNone/>
-            </a:pPr>
-            <a:endParaRPr lang="en-US" dirty="0" smtClean="0"/>
-          </a:p>
-          <a:p>
-            <a:pPr marL="0" indent="0">
-              <a:buNone/>
-            </a:pPr>
-            <a:r>
-              <a:rPr lang="en-US" dirty="0" smtClean="0"/>
-              <a:t>Implementation Notes</a:t>
-            </a:r>
-          </a:p>
-          <a:p>
-            <a:r>
-              <a:rPr lang="en-US" dirty="0" smtClean="0"/>
-              <a:t>We’ll simulate receiving requests by generating random requests</a:t>
-            </a:r>
-            <a:endParaRPr lang="en-US" dirty="0"/>
+          <a:bodyPr/>
+          <a:lstStyle/>
+          <a:p>
+            <a:r>
+              <a:rPr lang="en-US" dirty="0" smtClean="0"/>
+              <a:t>Consider </a:t>
+            </a:r>
+            <a:r>
+              <a:rPr lang="en-US" dirty="0"/>
+              <a:t>removing </a:t>
+            </a:r>
+            <a:r>
+              <a:rPr lang="en-US" dirty="0" err="1"/>
+              <a:t>batchSize</a:t>
+            </a:r>
+            <a:r>
+              <a:rPr lang="en-US" dirty="0"/>
+              <a:t> since we probably won't get to it</a:t>
+            </a:r>
           </a:p>
         </p:txBody>
       </p:sp>
     </p:spTree>
     <p:extLst>
       <p:ext uri="{BB962C8B-B14F-4D97-AF65-F5344CB8AC3E}">
-        <p14:creationId xmlns:p14="http://schemas.microsoft.com/office/powerpoint/2010/main" val="3634713497"/>
+        <p14:creationId xmlns:p14="http://schemas.microsoft.com/office/powerpoint/2010/main" val="2302783494"/>
       </p:ext>
     </p:extLst>
   </p:cSld>
@@ -5486,6 +6201,120 @@
       </p:grpSpPr>
       <p:sp>
         <p:nvSpPr>
+          <p:cNvPr id="4" name="Title 3"/>
+          <p:cNvSpPr>
+            <a:spLocks noGrp="1"/>
+          </p:cNvSpPr>
+          <p:nvPr>
+            <p:ph type="title"/>
+          </p:nvPr>
+        </p:nvSpPr>
+        <p:spPr/>
+        <p:txBody>
+          <a:bodyPr/>
+          <a:lstStyle/>
+          <a:p>
+            <a:r>
+              <a:rPr lang="en-US" dirty="0" smtClean="0"/>
+              <a:t>Provider Transfer Service</a:t>
+            </a:r>
+            <a:endParaRPr lang="en-US" dirty="0"/>
+          </a:p>
+        </p:txBody>
+      </p:sp>
+      <p:sp>
+        <p:nvSpPr>
+          <p:cNvPr id="5" name="Content Placeholder 4"/>
+          <p:cNvSpPr>
+            <a:spLocks noGrp="1"/>
+          </p:cNvSpPr>
+          <p:nvPr>
+            <p:ph idx="1"/>
+          </p:nvPr>
+        </p:nvSpPr>
+        <p:spPr/>
+        <p:txBody>
+          <a:bodyPr>
+            <a:normAutofit lnSpcReduction="10000"/>
+          </a:bodyPr>
+          <a:lstStyle/>
+          <a:p>
+            <a:r>
+              <a:rPr lang="en-US" dirty="0" smtClean="0"/>
+              <a:t>For this exercise, simulates incoming requests for service from providers</a:t>
+            </a:r>
+          </a:p>
+          <a:p>
+            <a:endParaRPr lang="en-US" dirty="0" smtClean="0"/>
+          </a:p>
+          <a:p>
+            <a:r>
+              <a:rPr lang="en-US" strike="sngStrike" dirty="0" smtClean="0"/>
+              <a:t>Implemented as an ASP.NET Core 5.0 Web Service that generates and sends requests at a specified interval</a:t>
+            </a:r>
+          </a:p>
+          <a:p>
+            <a:pPr lvl="1"/>
+            <a:r>
+              <a:rPr lang="en-US" strike="sngStrike" dirty="0" smtClean="0"/>
+              <a:t>Hosted on an Azure App Service</a:t>
+            </a:r>
+          </a:p>
+          <a:p>
+            <a:endParaRPr lang="en-US" dirty="0" smtClean="0"/>
+          </a:p>
+          <a:p>
+            <a:r>
+              <a:rPr lang="en-US" dirty="0" smtClean="0"/>
+              <a:t>Requests are sent to a topic on the Azure Event Hub </a:t>
+            </a:r>
+            <a:r>
+              <a:rPr lang="en-US" i="1" dirty="0" err="1" smtClean="0"/>
+              <a:t>RequestReceived</a:t>
+            </a:r>
+            <a:r>
+              <a:rPr lang="en-US" dirty="0" smtClean="0"/>
+              <a:t> topic where they will be available to other components as an </a:t>
+            </a:r>
+            <a:r>
+              <a:rPr lang="en-US" b="1" i="1" dirty="0" smtClean="0"/>
+              <a:t>event stream</a:t>
+            </a:r>
+          </a:p>
+        </p:txBody>
+      </p:sp>
+    </p:spTree>
+    <p:extLst>
+      <p:ext uri="{BB962C8B-B14F-4D97-AF65-F5344CB8AC3E}">
+        <p14:creationId xmlns:p14="http://schemas.microsoft.com/office/powerpoint/2010/main" val="529645438"/>
+      </p:ext>
+    </p:extLst>
+  </p:cSld>
+  <p:clrMapOvr>
+    <a:masterClrMapping/>
+  </p:clrMapOvr>
+</p:sld>
+</file>
+
+<file path=ppt/slides/slide18.xml><?xml version="1.0" encoding="utf-8"?>
+<p:sld xmlns:a="http://schemas.openxmlformats.org/drawingml/2006/main" xmlns:r="http://schemas.openxmlformats.org/officeDocument/2006/relationships" xmlns:p="http://schemas.openxmlformats.org/presentationml/2006/main">
+  <p:cSld>
+    <p:spTree>
+      <p:nvGrpSpPr>
+        <p:cNvPr id="1" name=""/>
+        <p:cNvGrpSpPr/>
+        <p:nvPr/>
+      </p:nvGrpSpPr>
+      <p:grpSpPr>
+        <a:xfrm>
+          <a:off x="0" y="0"/>
+          <a:ext cx="0" cy="0"/>
+          <a:chOff x="0" y="0"/>
+          <a:chExt cx="0" cy="0"/>
+        </a:xfrm>
+      </p:grpSpPr>
+      <p:sp>
+        <p:nvSpPr>
           <p:cNvPr id="2" name="Title 1"/>
           <p:cNvSpPr>
             <a:spLocks noGrp="1"/>
@@ -5501,15 +6330,184 @@
           <a:p>
             <a:r>
               <a:rPr lang="en-US" dirty="0" smtClean="0"/>
-              <a:t>User Story </a:t>
-            </a:r>
-            <a:r>
-              <a:rPr lang="en-US" dirty="0" smtClean="0"/>
-              <a:t>1-1: </a:t>
-            </a:r>
-            <a:r>
-              <a:rPr lang="en-US" dirty="0" smtClean="0"/>
-              <a:t>Design</a:t>
+              <a:t>User Story 1-1</a:t>
+            </a:r>
+            <a:endParaRPr lang="en-US" dirty="0"/>
+          </a:p>
+        </p:txBody>
+      </p:sp>
+      <p:sp>
+        <p:nvSpPr>
+          <p:cNvPr id="3" name="Content Placeholder 2"/>
+          <p:cNvSpPr>
+            <a:spLocks noGrp="1"/>
+          </p:cNvSpPr>
+          <p:nvPr>
+            <p:ph idx="1"/>
+          </p:nvPr>
+        </p:nvSpPr>
+        <p:spPr/>
+        <p:txBody>
+          <a:bodyPr>
+            <a:normAutofit fontScale="62500" lnSpcReduction="20000"/>
+          </a:bodyPr>
+          <a:lstStyle/>
+          <a:p>
+            <a:pPr marL="0" indent="0">
+              <a:buNone/>
+            </a:pPr>
+            <a:r>
+              <a:rPr lang="en-US" dirty="0" smtClean="0"/>
+              <a:t>As a TAH developer, I need all incoming requests for service to be available to all current and future components of the utilization management platform so that I can implement the features provided by TAH.</a:t>
+            </a:r>
+          </a:p>
+          <a:p>
+            <a:pPr marL="0" indent="0">
+              <a:buNone/>
+            </a:pPr>
+            <a:endParaRPr lang="en-US" dirty="0" smtClean="0"/>
+          </a:p>
+          <a:p>
+            <a:pPr marL="0" indent="0">
+              <a:buNone/>
+            </a:pPr>
+            <a:r>
+              <a:rPr lang="en-US" dirty="0" smtClean="0"/>
+              <a:t>Acceptance Criteria</a:t>
+            </a:r>
+          </a:p>
+          <a:p>
+            <a:pPr marL="457200" indent="-457200">
+              <a:buFont typeface="+mj-lt"/>
+              <a:buAutoNum type="arabicPeriod"/>
+            </a:pPr>
+            <a:r>
+              <a:rPr lang="en-US" dirty="0" smtClean="0"/>
+              <a:t>Requests are available to current and future services within 10 seconds of arriving on the network</a:t>
+            </a:r>
+          </a:p>
+          <a:p>
+            <a:pPr marL="457200" indent="-457200">
+              <a:buFont typeface="+mj-lt"/>
+              <a:buAutoNum type="arabicPeriod"/>
+            </a:pPr>
+            <a:r>
+              <a:rPr lang="en-US" dirty="0" smtClean="0"/>
+              <a:t>Consumers must be able to receive the requests in the order they were received</a:t>
+            </a:r>
+          </a:p>
+          <a:p>
+            <a:pPr marL="457200" indent="-457200">
+              <a:buFont typeface="+mj-lt"/>
+              <a:buAutoNum type="arabicPeriod"/>
+            </a:pPr>
+            <a:r>
+              <a:rPr lang="en-US" dirty="0" smtClean="0"/>
+              <a:t>Consumers should be able to </a:t>
+            </a:r>
+          </a:p>
+          <a:p>
+            <a:pPr marL="731520" lvl="1" indent="-457200">
+              <a:buFont typeface="+mj-lt"/>
+              <a:buAutoNum type="alphaLcPeriod"/>
+            </a:pPr>
+            <a:r>
+              <a:rPr lang="en-US" dirty="0" smtClean="0"/>
+              <a:t>receive requests asynchronously</a:t>
+            </a:r>
+          </a:p>
+          <a:p>
+            <a:pPr marL="731520" lvl="1" indent="-457200">
+              <a:buFont typeface="+mj-lt"/>
+              <a:buAutoNum type="alphaLcPeriod"/>
+            </a:pPr>
+            <a:r>
+              <a:rPr lang="en-US" dirty="0" smtClean="0"/>
+              <a:t>replay previously received requests</a:t>
+            </a:r>
+          </a:p>
+          <a:p>
+            <a:pPr marL="457200" indent="-457200">
+              <a:buFont typeface="+mj-lt"/>
+              <a:buAutoNum type="arabicPeriod"/>
+            </a:pPr>
+            <a:r>
+              <a:rPr lang="en-US" dirty="0" smtClean="0"/>
+              <a:t>System must be able to receive up to 10,000 incoming requests per minute</a:t>
+            </a:r>
+          </a:p>
+          <a:p>
+            <a:pPr marL="0" indent="0">
+              <a:buNone/>
+            </a:pPr>
+            <a:endParaRPr lang="en-US" dirty="0" smtClean="0"/>
+          </a:p>
+          <a:p>
+            <a:pPr marL="0" indent="0">
+              <a:buNone/>
+            </a:pPr>
+            <a:r>
+              <a:rPr lang="en-US" dirty="0" smtClean="0"/>
+              <a:t>Implementation Notes</a:t>
+            </a:r>
+          </a:p>
+          <a:p>
+            <a:r>
+              <a:rPr lang="en-US" dirty="0" smtClean="0"/>
+              <a:t>We’ll simulate receiving requests by generating random requests</a:t>
+            </a:r>
+            <a:endParaRPr lang="en-US" dirty="0"/>
+          </a:p>
+        </p:txBody>
+      </p:sp>
+    </p:spTree>
+    <p:extLst>
+      <p:ext uri="{BB962C8B-B14F-4D97-AF65-F5344CB8AC3E}">
+        <p14:creationId xmlns:p14="http://schemas.microsoft.com/office/powerpoint/2010/main" val="3634713497"/>
+      </p:ext>
+    </p:extLst>
+  </p:cSld>
+  <p:clrMapOvr>
+    <a:masterClrMapping/>
+  </p:clrMapOvr>
+</p:sld>
+</file>
+
+<file path=ppt/slides/slide19.xml><?xml version="1.0" encoding="utf-8"?>
+<p:sld xmlns:a="http://schemas.openxmlformats.org/drawingml/2006/main" xmlns:r="http://schemas.openxmlformats.org/officeDocument/2006/relationships" xmlns:p="http://schemas.openxmlformats.org/presentationml/2006/main">
+  <p:cSld>
+    <p:spTree>
+      <p:nvGrpSpPr>
+        <p:cNvPr id="1" name=""/>
+        <p:cNvGrpSpPr/>
+        <p:nvPr/>
+      </p:nvGrpSpPr>
+      <p:grpSpPr>
+        <a:xfrm>
+          <a:off x="0" y="0"/>
+          <a:ext cx="0" cy="0"/>
+          <a:chOff x="0" y="0"/>
+          <a:chExt cx="0" cy="0"/>
+        </a:xfrm>
+      </p:grpSpPr>
+      <p:sp>
+        <p:nvSpPr>
+          <p:cNvPr id="2" name="Title 1"/>
+          <p:cNvSpPr>
+            <a:spLocks noGrp="1"/>
+          </p:cNvSpPr>
+          <p:nvPr>
+            <p:ph type="title"/>
+          </p:nvPr>
+        </p:nvSpPr>
+        <p:spPr/>
+        <p:txBody>
+          <a:bodyPr/>
+          <a:lstStyle/>
+          <a:p>
+            <a:r>
+              <a:rPr lang="en-US" dirty="0" smtClean="0"/>
+              <a:t>User Story 1-1: Design</a:t>
             </a:r>
             <a:endParaRPr lang="en-US" dirty="0"/>
           </a:p>
@@ -5547,7 +6545,144 @@
 </p:sld>
 </file>
 
-<file path=ppt/slides/slide18.xml><?xml version="1.0" encoding="utf-8"?>
+<file path=ppt/slides/slide2.xml><?xml version="1.0" encoding="utf-8"?>
+<p:sld xmlns:a="http://schemas.openxmlformats.org/drawingml/2006/main" xmlns:r="http://schemas.openxmlformats.org/officeDocument/2006/relationships" xmlns:p="http://schemas.openxmlformats.org/presentationml/2006/main">
+  <p:cSld>
+    <p:spTree>
+      <p:nvGrpSpPr>
+        <p:cNvPr id="1" name=""/>
+        <p:cNvGrpSpPr/>
+        <p:nvPr/>
+      </p:nvGrpSpPr>
+      <p:grpSpPr>
+        <a:xfrm>
+          <a:off x="0" y="0"/>
+          <a:ext cx="0" cy="0"/>
+          <a:chOff x="0" y="0"/>
+          <a:chExt cx="0" cy="0"/>
+        </a:xfrm>
+      </p:grpSpPr>
+      <p:sp>
+        <p:nvSpPr>
+          <p:cNvPr id="2" name="Title 1"/>
+          <p:cNvSpPr>
+            <a:spLocks noGrp="1"/>
+          </p:cNvSpPr>
+          <p:nvPr>
+            <p:ph type="title"/>
+          </p:nvPr>
+        </p:nvSpPr>
+        <p:spPr/>
+        <p:txBody>
+          <a:bodyPr/>
+          <a:lstStyle/>
+          <a:p>
+            <a:r>
+              <a:rPr lang="en-US" dirty="0" smtClean="0"/>
+              <a:t>Pre-Work</a:t>
+            </a:r>
+            <a:endParaRPr lang="en-US" dirty="0"/>
+          </a:p>
+        </p:txBody>
+      </p:sp>
+      <p:sp>
+        <p:nvSpPr>
+          <p:cNvPr id="3" name="Content Placeholder 2"/>
+          <p:cNvSpPr>
+            <a:spLocks noGrp="1"/>
+          </p:cNvSpPr>
+          <p:nvPr>
+            <p:ph idx="1"/>
+          </p:nvPr>
+        </p:nvSpPr>
+        <p:spPr/>
+        <p:txBody>
+          <a:bodyPr>
+            <a:normAutofit fontScale="77500" lnSpcReduction="20000"/>
+          </a:bodyPr>
+          <a:lstStyle/>
+          <a:p>
+            <a:r>
+              <a:rPr lang="en-US" sz="3200" dirty="0" smtClean="0"/>
+              <a:t>Ensure you have an Azure Subscription</a:t>
+            </a:r>
+          </a:p>
+          <a:p>
+            <a:pPr lvl="1"/>
+            <a:r>
+              <a:rPr lang="en-US" sz="3000" dirty="0" smtClean="0">
+                <a:hlinkClick r:id="rId2"/>
+              </a:rPr>
+              <a:t>http://portal.azure.com</a:t>
+            </a:r>
+            <a:endParaRPr lang="en-US" sz="3000" dirty="0" smtClean="0"/>
+          </a:p>
+          <a:p>
+            <a:pPr lvl="1"/>
+            <a:r>
+              <a:rPr lang="en-US" sz="3000" dirty="0" smtClean="0"/>
+              <a:t>!!!Could be around $5 in charges to complete workshop, but there’s a $200 when you first signup and you may be eligible for an ongoing monthly Visual Studio credit.</a:t>
+            </a:r>
+          </a:p>
+          <a:p>
+            <a:endParaRPr lang="en-US" sz="3200" dirty="0" smtClean="0"/>
+          </a:p>
+          <a:p>
+            <a:r>
+              <a:rPr lang="en-US" sz="3200" dirty="0" smtClean="0"/>
+              <a:t>Ensure you have Visual Studio installed</a:t>
+            </a:r>
+          </a:p>
+          <a:p>
+            <a:pPr lvl="1"/>
+            <a:r>
+              <a:rPr lang="en-US" sz="2800" dirty="0" smtClean="0"/>
+              <a:t>Community version is fine</a:t>
+            </a:r>
+            <a:endParaRPr lang="en-US" sz="2800" dirty="0"/>
+          </a:p>
+          <a:p>
+            <a:endParaRPr lang="en-US" sz="3200" dirty="0" smtClean="0"/>
+          </a:p>
+          <a:p>
+            <a:r>
+              <a:rPr lang="en-US" sz="3200" dirty="0" smtClean="0"/>
+              <a:t>Clone </a:t>
+            </a:r>
+            <a:r>
+              <a:rPr lang="en-US" sz="3200" dirty="0" smtClean="0">
+                <a:hlinkClick r:id="rId3"/>
+              </a:rPr>
+              <a:t>https://github.com/scottctr/EdaWorkshop</a:t>
+            </a:r>
+            <a:endParaRPr lang="en-US" sz="3200" dirty="0"/>
+          </a:p>
+          <a:p>
+            <a:endParaRPr lang="en-US" sz="3200" dirty="0" smtClean="0"/>
+          </a:p>
+          <a:p>
+            <a:r>
+              <a:rPr lang="en-US" sz="3200" dirty="0" smtClean="0"/>
+              <a:t>Introduction to event-driven architecture article !!!</a:t>
+            </a:r>
+            <a:endParaRPr lang="en-US" sz="3200" dirty="0"/>
+          </a:p>
+        </p:txBody>
+      </p:sp>
+    </p:spTree>
+    <p:extLst>
+      <p:ext uri="{BB962C8B-B14F-4D97-AF65-F5344CB8AC3E}">
+        <p14:creationId xmlns:p14="http://schemas.microsoft.com/office/powerpoint/2010/main" val="2959648446"/>
+      </p:ext>
+    </p:extLst>
+  </p:cSld>
+  <p:clrMapOvr>
+    <a:masterClrMapping/>
+  </p:clrMapOvr>
+</p:sld>
+</file>
+
+<file path=ppt/slides/slide20.xml><?xml version="1.0" encoding="utf-8"?>
 <p:sld xmlns:a="http://schemas.openxmlformats.org/drawingml/2006/main" xmlns:r="http://schemas.openxmlformats.org/officeDocument/2006/relationships" xmlns:p="http://schemas.openxmlformats.org/presentationml/2006/main">
   <p:cSld>
     <p:spTree>
@@ -5739,409 +6874,6 @@
 </p:sld>
 </file>
 
-<file path=ppt/slides/slide19.xml><?xml version="1.0" encoding="utf-8"?>
-<p:sld xmlns:a="http://schemas.openxmlformats.org/drawingml/2006/main" xmlns:r="http://schemas.openxmlformats.org/officeDocument/2006/relationships" xmlns:p="http://schemas.openxmlformats.org/presentationml/2006/main">
-  <p:cSld>
-    <p:spTree>
-      <p:nvGrpSpPr>
-        <p:cNvPr id="1" name=""/>
-        <p:cNvGrpSpPr/>
-        <p:nvPr/>
-      </p:nvGrpSpPr>
-      <p:grpSpPr>
-        <a:xfrm>
-          <a:off x="0" y="0"/>
-          <a:ext cx="0" cy="0"/>
-          <a:chOff x="0" y="0"/>
-          <a:chExt cx="0" cy="0"/>
-        </a:xfrm>
-      </p:grpSpPr>
-      <p:sp>
-        <p:nvSpPr>
-          <p:cNvPr id="2" name="Title 1"/>
-          <p:cNvSpPr>
-            <a:spLocks noGrp="1"/>
-          </p:cNvSpPr>
-          <p:nvPr>
-            <p:ph type="title"/>
-          </p:nvPr>
-        </p:nvSpPr>
-        <p:spPr/>
-        <p:txBody>
-          <a:bodyPr/>
-          <a:lstStyle/>
-          <a:p>
-            <a:r>
-              <a:rPr lang="en-US" dirty="0" smtClean="0"/>
-              <a:t>Azure Function</a:t>
-            </a:r>
-            <a:endParaRPr lang="en-US" dirty="0"/>
-          </a:p>
-        </p:txBody>
-      </p:sp>
-      <p:sp>
-        <p:nvSpPr>
-          <p:cNvPr id="3" name="Content Placeholder 2"/>
-          <p:cNvSpPr>
-            <a:spLocks noGrp="1"/>
-          </p:cNvSpPr>
-          <p:nvPr>
-            <p:ph idx="1"/>
-          </p:nvPr>
-        </p:nvSpPr>
-        <p:spPr/>
-        <p:txBody>
-          <a:bodyPr>
-            <a:normAutofit fontScale="62500" lnSpcReduction="20000"/>
-          </a:bodyPr>
-          <a:lstStyle/>
-          <a:p>
-            <a:r>
-              <a:rPr lang="en-US" dirty="0" smtClean="0"/>
-              <a:t>Azure’s event-driven, </a:t>
-            </a:r>
-            <a:r>
-              <a:rPr lang="en-US" dirty="0" err="1" smtClean="0"/>
-              <a:t>serverless</a:t>
-            </a:r>
-            <a:r>
-              <a:rPr lang="en-US" dirty="0" smtClean="0"/>
-              <a:t> compute option</a:t>
-            </a:r>
-          </a:p>
-          <a:p>
-            <a:endParaRPr lang="en-US" dirty="0" smtClean="0"/>
-          </a:p>
-          <a:p>
-            <a:r>
-              <a:rPr lang="en-US" dirty="0" smtClean="0"/>
-              <a:t>Automatically scales – up to 200 parallel instances</a:t>
-            </a:r>
-          </a:p>
-          <a:p>
-            <a:endParaRPr lang="en-US" dirty="0" smtClean="0"/>
-          </a:p>
-          <a:p>
-            <a:r>
-              <a:rPr lang="en-US" dirty="0" smtClean="0"/>
-              <a:t>Possible triggers</a:t>
-            </a:r>
-          </a:p>
-          <a:p>
-            <a:pPr lvl="1"/>
-            <a:r>
-              <a:rPr lang="en-US" dirty="0" smtClean="0"/>
-              <a:t>HTTP call</a:t>
-            </a:r>
-          </a:p>
-          <a:p>
-            <a:pPr lvl="1"/>
-            <a:r>
-              <a:rPr lang="en-US" dirty="0" smtClean="0"/>
-              <a:t>Timer</a:t>
-            </a:r>
-          </a:p>
-          <a:p>
-            <a:pPr lvl="1"/>
-            <a:r>
-              <a:rPr lang="en-US" dirty="0" smtClean="0"/>
-              <a:t>Message arrived / event occurred</a:t>
-            </a:r>
-          </a:p>
-          <a:p>
-            <a:pPr lvl="1"/>
-            <a:r>
-              <a:rPr lang="en-US" dirty="0" smtClean="0"/>
-              <a:t>Database record created, updated, or deleted</a:t>
-            </a:r>
-          </a:p>
-          <a:p>
-            <a:pPr lvl="1"/>
-            <a:r>
-              <a:rPr lang="en-US" dirty="0" smtClean="0"/>
-              <a:t>BLOB created, updated, or deleted</a:t>
-            </a:r>
-          </a:p>
-          <a:p>
-            <a:endParaRPr lang="en-US" dirty="0" smtClean="0"/>
-          </a:p>
-          <a:p>
-            <a:r>
-              <a:rPr lang="en-US" dirty="0" smtClean="0"/>
-              <a:t>Most often used in consumption mode – only charged for used</a:t>
-            </a:r>
-          </a:p>
-          <a:p>
-            <a:pPr lvl="1"/>
-            <a:r>
-              <a:rPr lang="en-US" dirty="0" smtClean="0"/>
-              <a:t>Based on number of executions, execution time, and memory used</a:t>
-            </a:r>
-          </a:p>
-          <a:p>
-            <a:endParaRPr lang="en-US" dirty="0" smtClean="0"/>
-          </a:p>
-          <a:p>
-            <a:r>
-              <a:rPr lang="en-US" dirty="0" smtClean="0"/>
-              <a:t>Key terms</a:t>
-            </a:r>
-          </a:p>
-        </p:txBody>
-      </p:sp>
-    </p:spTree>
-    <p:extLst>
-      <p:ext uri="{BB962C8B-B14F-4D97-AF65-F5344CB8AC3E}">
-        <p14:creationId xmlns:p14="http://schemas.microsoft.com/office/powerpoint/2010/main" val="1071117519"/>
-      </p:ext>
-    </p:extLst>
-  </p:cSld>
-  <p:clrMapOvr>
-    <a:masterClrMapping/>
-  </p:clrMapOvr>
-</p:sld>
-</file>
-
-<file path=ppt/slides/slide2.xml><?xml version="1.0" encoding="utf-8"?>
-<p:sld xmlns:a="http://schemas.openxmlformats.org/drawingml/2006/main" xmlns:r="http://schemas.openxmlformats.org/officeDocument/2006/relationships" xmlns:p="http://schemas.openxmlformats.org/presentationml/2006/main">
-  <p:cSld>
-    <p:spTree>
-      <p:nvGrpSpPr>
-        <p:cNvPr id="1" name=""/>
-        <p:cNvGrpSpPr/>
-        <p:nvPr/>
-      </p:nvGrpSpPr>
-      <p:grpSpPr>
-        <a:xfrm>
-          <a:off x="0" y="0"/>
-          <a:ext cx="0" cy="0"/>
-          <a:chOff x="0" y="0"/>
-          <a:chExt cx="0" cy="0"/>
-        </a:xfrm>
-      </p:grpSpPr>
-      <p:sp>
-        <p:nvSpPr>
-          <p:cNvPr id="2" name="Title 1"/>
-          <p:cNvSpPr>
-            <a:spLocks noGrp="1"/>
-          </p:cNvSpPr>
-          <p:nvPr>
-            <p:ph type="title"/>
-          </p:nvPr>
-        </p:nvSpPr>
-        <p:spPr/>
-        <p:txBody>
-          <a:bodyPr/>
-          <a:lstStyle/>
-          <a:p>
-            <a:r>
-              <a:rPr lang="en-US" dirty="0" smtClean="0"/>
-              <a:t>Pre-Work</a:t>
-            </a:r>
-            <a:endParaRPr lang="en-US" dirty="0"/>
-          </a:p>
-        </p:txBody>
-      </p:sp>
-      <p:sp>
-        <p:nvSpPr>
-          <p:cNvPr id="3" name="Content Placeholder 2"/>
-          <p:cNvSpPr>
-            <a:spLocks noGrp="1"/>
-          </p:cNvSpPr>
-          <p:nvPr>
-            <p:ph idx="1"/>
-          </p:nvPr>
-        </p:nvSpPr>
-        <p:spPr/>
-        <p:txBody>
-          <a:bodyPr/>
-          <a:lstStyle/>
-          <a:p>
-            <a:r>
-              <a:rPr lang="en-US" sz="3200" dirty="0" smtClean="0"/>
-              <a:t>Ensure you have an Azure Subscription</a:t>
-            </a:r>
-          </a:p>
-          <a:p>
-            <a:pPr lvl="1"/>
-            <a:r>
-              <a:rPr lang="en-US" sz="3000" dirty="0" smtClean="0"/>
-              <a:t>http://portal.azure.com</a:t>
-            </a:r>
-          </a:p>
-          <a:p>
-            <a:endParaRPr lang="en-US" sz="3200" dirty="0" smtClean="0"/>
-          </a:p>
-          <a:p>
-            <a:r>
-              <a:rPr lang="en-US" sz="3200" dirty="0" smtClean="0"/>
-              <a:t>Clone https://github.com/scottctr/EdaWorkshop</a:t>
-            </a:r>
-            <a:endParaRPr lang="en-US" sz="3200" dirty="0"/>
-          </a:p>
-        </p:txBody>
-      </p:sp>
-    </p:spTree>
-    <p:extLst>
-      <p:ext uri="{BB962C8B-B14F-4D97-AF65-F5344CB8AC3E}">
-        <p14:creationId xmlns:p14="http://schemas.microsoft.com/office/powerpoint/2010/main" val="2959648446"/>
-      </p:ext>
-    </p:extLst>
-  </p:cSld>
-  <p:clrMapOvr>
-    <a:masterClrMapping/>
-  </p:clrMapOvr>
-</p:sld>
-</file>
-
-<file path=ppt/slides/slide20.xml><?xml version="1.0" encoding="utf-8"?>
-<p:sld xmlns:a="http://schemas.openxmlformats.org/drawingml/2006/main" xmlns:r="http://schemas.openxmlformats.org/officeDocument/2006/relationships" xmlns:p="http://schemas.openxmlformats.org/presentationml/2006/main">
-  <p:cSld>
-    <p:spTree>
-      <p:nvGrpSpPr>
-        <p:cNvPr id="1" name=""/>
-        <p:cNvGrpSpPr/>
-        <p:nvPr/>
-      </p:nvGrpSpPr>
-      <p:grpSpPr>
-        <a:xfrm>
-          <a:off x="0" y="0"/>
-          <a:ext cx="0" cy="0"/>
-          <a:chOff x="0" y="0"/>
-          <a:chExt cx="0" cy="0"/>
-        </a:xfrm>
-      </p:grpSpPr>
-      <p:sp>
-        <p:nvSpPr>
-          <p:cNvPr id="2" name="Title 1"/>
-          <p:cNvSpPr>
-            <a:spLocks noGrp="1"/>
-          </p:cNvSpPr>
-          <p:nvPr>
-            <p:ph type="title"/>
-          </p:nvPr>
-        </p:nvSpPr>
-        <p:spPr/>
-        <p:txBody>
-          <a:bodyPr/>
-          <a:lstStyle/>
-          <a:p>
-            <a:r>
-              <a:rPr lang="en-US" dirty="0"/>
-              <a:t>T</a:t>
-            </a:r>
-            <a:r>
-              <a:rPr lang="en-US" dirty="0" smtClean="0"/>
-              <a:t>ask </a:t>
-            </a:r>
-            <a:r>
-              <a:rPr lang="en-US" dirty="0" smtClean="0"/>
-              <a:t>1-1: </a:t>
-            </a:r>
-            <a:r>
-              <a:rPr lang="en-US" dirty="0" smtClean="0"/>
-              <a:t>Create Azure </a:t>
-            </a:r>
-            <a:r>
-              <a:rPr lang="en-US" dirty="0"/>
-              <a:t>E</a:t>
-            </a:r>
-            <a:r>
-              <a:rPr lang="en-US" dirty="0" smtClean="0"/>
-              <a:t>vent </a:t>
-            </a:r>
-            <a:r>
-              <a:rPr lang="en-US" dirty="0"/>
-              <a:t>H</a:t>
-            </a:r>
-            <a:r>
-              <a:rPr lang="en-US" dirty="0" smtClean="0"/>
-              <a:t>ub</a:t>
-            </a:r>
-            <a:endParaRPr lang="en-US" dirty="0"/>
-          </a:p>
-        </p:txBody>
-      </p:sp>
-      <p:sp>
-        <p:nvSpPr>
-          <p:cNvPr id="3" name="Content Placeholder 2"/>
-          <p:cNvSpPr>
-            <a:spLocks noGrp="1"/>
-          </p:cNvSpPr>
-          <p:nvPr>
-            <p:ph idx="1"/>
-          </p:nvPr>
-        </p:nvSpPr>
-        <p:spPr/>
-        <p:txBody>
-          <a:bodyPr/>
-          <a:lstStyle/>
-          <a:p>
-            <a:r>
-              <a:rPr lang="en-US" dirty="0" smtClean="0"/>
-              <a:t>Develop in Azure Portal</a:t>
-            </a:r>
-          </a:p>
-          <a:p>
-            <a:endParaRPr lang="en-US" dirty="0" smtClean="0"/>
-          </a:p>
-          <a:p>
-            <a:r>
-              <a:rPr lang="en-US" dirty="0" smtClean="0"/>
-              <a:t>Create Azure Hub Namespace</a:t>
-            </a:r>
-          </a:p>
-          <a:p>
-            <a:pPr lvl="1"/>
-            <a:r>
-              <a:rPr lang="en-US" dirty="0" smtClean="0"/>
-              <a:t>Name must globally unique (so we can’t all use the same name)</a:t>
-            </a:r>
-          </a:p>
-          <a:p>
-            <a:pPr lvl="1"/>
-            <a:r>
-              <a:rPr lang="en-US" dirty="0" smtClean="0"/>
-              <a:t>Pricing tier: Standard so we can have multiple </a:t>
-            </a:r>
-            <a:r>
-              <a:rPr lang="en-US" i="1" dirty="0" smtClean="0"/>
-              <a:t>consumer groups</a:t>
-            </a:r>
-          </a:p>
-          <a:p>
-            <a:endParaRPr lang="en-US" dirty="0" smtClean="0"/>
-          </a:p>
-          <a:p>
-            <a:r>
-              <a:rPr lang="en-US" dirty="0" smtClean="0"/>
-              <a:t>Create Azure Hub for received requests</a:t>
-            </a:r>
-          </a:p>
-          <a:p>
-            <a:endParaRPr lang="en-US" dirty="0" smtClean="0"/>
-          </a:p>
-          <a:p>
-            <a:r>
-              <a:rPr lang="en-US" dirty="0" smtClean="0"/>
-              <a:t>Create Shared Access Policy for publisher</a:t>
-            </a:r>
-          </a:p>
-        </p:txBody>
-      </p:sp>
-    </p:spTree>
-    <p:extLst>
-      <p:ext uri="{BB962C8B-B14F-4D97-AF65-F5344CB8AC3E}">
-        <p14:creationId xmlns:p14="http://schemas.microsoft.com/office/powerpoint/2010/main" val="1220435000"/>
-      </p:ext>
-    </p:extLst>
-  </p:cSld>
-  <p:clrMapOvr>
-    <a:masterClrMapping/>
-  </p:clrMapOvr>
-</p:sld>
-</file>
-
 <file path=ppt/slides/slide21.xml><?xml version="1.0" encoding="utf-8"?>
 <p:sld xmlns:a="http://schemas.openxmlformats.org/drawingml/2006/main" xmlns:r="http://schemas.openxmlformats.org/officeDocument/2006/relationships" xmlns:p="http://schemas.openxmlformats.org/presentationml/2006/main">
   <p:cSld>
@@ -6175,28 +6907,8 @@
           <a:lstStyle/>
           <a:p>
             <a:r>
-              <a:rPr lang="en-US" dirty="0"/>
-              <a:t>T</a:t>
-            </a:r>
-            <a:r>
-              <a:rPr lang="en-US" dirty="0" smtClean="0"/>
-              <a:t>ask </a:t>
-            </a:r>
-            <a:r>
-              <a:rPr lang="en-US" dirty="0" smtClean="0"/>
-              <a:t>1-2</a:t>
-            </a:r>
-            <a:r>
-              <a:rPr lang="en-US" dirty="0" smtClean="0"/>
-              <a:t>: Provider Transfer </a:t>
-            </a:r>
-            <a:r>
-              <a:rPr lang="en-US" dirty="0"/>
-              <a:t>S</a:t>
-            </a:r>
-            <a:r>
-              <a:rPr lang="en-US" dirty="0" smtClean="0"/>
-              <a:t>ervice</a:t>
+              <a:rPr lang="en-US" dirty="0" smtClean="0"/>
+              <a:t>Azure Function</a:t>
             </a:r>
             <a:endParaRPr lang="en-US" dirty="0"/>
           </a:p>
@@ -6215,13 +6927,21 @@
         <p:spPr/>
         <p:txBody>
           <a:bodyPr>
-            <a:normAutofit fontScale="92500" lnSpcReduction="20000"/>
+            <a:normAutofit fontScale="62500" lnSpcReduction="20000"/>
           </a:bodyPr>
           <a:lstStyle/>
           <a:p>
             <a:r>
               <a:rPr lang="en-US" dirty="0" smtClean="0"/>
-              <a:t>Simulate incoming requests by generating and sending randomly requests</a:t>
+              <a:t>Azure’s event-driven, </a:t>
+            </a:r>
+            <a:r>
+              <a:rPr lang="en-US" dirty="0" err="1" smtClean="0"/>
+              <a:t>serverless</a:t>
+            </a:r>
+            <a:r>
+              <a:rPr lang="en-US" dirty="0" smtClean="0"/>
+              <a:t> compute option</a:t>
             </a:r>
           </a:p>
           <a:p>
@@ -6230,7 +6950,7 @@
           <a:p>
             <a:r>
               <a:rPr lang="en-US" dirty="0" smtClean="0"/>
-              <a:t>Start with ThreeAmigosHealth.sln in Sprint1/Initial</a:t>
+              <a:t>Automatically scales – up to 200 parallel instances</a:t>
             </a:r>
           </a:p>
           <a:p>
@@ -6239,75 +6959,42 @@
           <a:p>
             <a:r>
               <a:rPr lang="en-US" dirty="0" smtClean="0"/>
-              <a:t>Add Azure Functions / </a:t>
-            </a:r>
-            <a:r>
-              <a:rPr lang="en-US" dirty="0" err="1" smtClean="0"/>
-              <a:t>c#</a:t>
-            </a:r>
-            <a:r>
-              <a:rPr lang="en-US" dirty="0" smtClean="0"/>
-              <a:t> with Timer Trigger</a:t>
+              <a:t>Possible triggers</a:t>
             </a:r>
           </a:p>
           <a:p>
             <a:pPr lvl="1"/>
             <a:r>
               <a:rPr lang="en-US" dirty="0" smtClean="0"/>
-              <a:t>Timer will send 1 or more requests each time it fires</a:t>
+              <a:t>HTTP call</a:t>
             </a:r>
           </a:p>
           <a:p>
             <a:pPr lvl="1"/>
             <a:r>
               <a:rPr lang="en-US" dirty="0" smtClean="0"/>
-              <a:t>Use </a:t>
-            </a:r>
-            <a:r>
-              <a:rPr lang="en-US" dirty="0" err="1" smtClean="0"/>
-              <a:t>EventHubProducerClient</a:t>
-            </a:r>
-            <a:r>
-              <a:rPr lang="en-US" dirty="0" smtClean="0"/>
-              <a:t> from </a:t>
-            </a:r>
-            <a:r>
-              <a:rPr lang="en-US" dirty="0" err="1" smtClean="0"/>
-              <a:t>Azure.Messaging.EventHubs</a:t>
-            </a:r>
-            <a:r>
-              <a:rPr lang="en-US" dirty="0" smtClean="0"/>
-              <a:t> nugget package</a:t>
-            </a:r>
-          </a:p>
-          <a:p>
-            <a:pPr lvl="2"/>
-            <a:r>
-              <a:rPr lang="en-US" dirty="0" smtClean="0"/>
-              <a:t>Requires </a:t>
-            </a:r>
-            <a:r>
-              <a:rPr lang="en-US" i="1" dirty="0" smtClean="0"/>
-              <a:t>Shared Access Policy </a:t>
-            </a:r>
-            <a:r>
-              <a:rPr lang="en-US" dirty="0" smtClean="0"/>
-              <a:t>connection string from received request hub</a:t>
+              <a:t>Timer</a:t>
             </a:r>
           </a:p>
           <a:p>
             <a:pPr lvl="1"/>
             <a:r>
               <a:rPr lang="en-US" dirty="0" smtClean="0"/>
-              <a:t>Business logic in </a:t>
-            </a:r>
-            <a:r>
-              <a:rPr lang="en-US" dirty="0" err="1" smtClean="0"/>
-              <a:t>BusinessLogic</a:t>
-            </a:r>
-            <a:r>
-              <a:rPr lang="en-US" dirty="0" smtClean="0"/>
-              <a:t> project in solution</a:t>
+              <a:t>Message arrived / event occurred</a:t>
+            </a:r>
+          </a:p>
+          <a:p>
+            <a:pPr lvl="1"/>
+            <a:r>
+              <a:rPr lang="en-US" dirty="0" smtClean="0"/>
+              <a:t>Database record created, updated, or deleted</a:t>
+            </a:r>
+          </a:p>
+          <a:p>
+            <a:pPr lvl="1"/>
+            <a:r>
+              <a:rPr lang="en-US" dirty="0" smtClean="0"/>
+              <a:t>BLOB created, updated, or deleted</a:t>
             </a:r>
           </a:p>
           <a:p>
@@ -6316,16 +7003,31 @@
           <a:p>
             <a:r>
               <a:rPr lang="en-US" dirty="0" smtClean="0"/>
-              <a:t>Publish to Azure</a:t>
-            </a:r>
-            <a:endParaRPr lang="en-US" dirty="0"/>
+              <a:t>Most often used in consumption mode – only charged for used</a:t>
+            </a:r>
+          </a:p>
+          <a:p>
+            <a:pPr lvl="1"/>
+            <a:r>
+              <a:rPr lang="en-US" dirty="0" smtClean="0"/>
+              <a:t>Based on number of executions, execution time, and memory used</a:t>
+            </a:r>
+          </a:p>
+          <a:p>
+            <a:endParaRPr lang="en-US" dirty="0" smtClean="0"/>
+          </a:p>
+          <a:p>
+            <a:r>
+              <a:rPr lang="en-US" dirty="0" smtClean="0"/>
+              <a:t>Key terms</a:t>
+            </a:r>
           </a:p>
         </p:txBody>
       </p:sp>
     </p:spTree>
     <p:extLst>
       <p:ext uri="{BB962C8B-B14F-4D97-AF65-F5344CB8AC3E}">
-        <p14:creationId xmlns:p14="http://schemas.microsoft.com/office/powerpoint/2010/main" val="3702653548"/>
+        <p14:creationId xmlns:p14="http://schemas.microsoft.com/office/powerpoint/2010/main" val="1071117519"/>
       </p:ext>
     </p:extLst>
   </p:cSld>
@@ -6368,8 +7070,28 @@
           <a:lstStyle/>
           <a:p>
             <a:r>
-              <a:rPr lang="en-US" dirty="0" smtClean="0"/>
-              <a:t>Sprint 1: Retrospective</a:t>
+              <a:rPr lang="en-US" dirty="0"/>
+              <a:t>T</a:t>
+            </a:r>
+            <a:r>
+              <a:rPr lang="en-US" dirty="0" smtClean="0"/>
+              <a:t>ask 1-1: Create Azure </a:t>
+            </a:r>
+            <a:r>
+              <a:rPr lang="en-US" dirty="0"/>
+              <a:t>E</a:t>
+            </a:r>
+            <a:r>
+              <a:rPr lang="en-US" dirty="0" smtClean="0"/>
+              <a:t>vent </a:t>
+            </a:r>
+            <a:r>
+              <a:rPr lang="en-US" dirty="0"/>
+              <a:t>H</a:t>
+            </a:r>
+            <a:r>
+              <a:rPr lang="en-US" dirty="0" smtClean="0"/>
+              <a:t>ub</a:t>
             </a:r>
             <a:endParaRPr lang="en-US" dirty="0"/>
           </a:p>
@@ -6387,21 +7109,39 @@
         </p:nvSpPr>
         <p:spPr/>
         <p:txBody>
-          <a:bodyPr>
-            <a:normAutofit fontScale="92500"/>
-          </a:bodyPr>
-          <a:lstStyle/>
-          <a:p>
-            <a:r>
-              <a:rPr lang="en-US" dirty="0" smtClean="0"/>
-              <a:t>We have the beginning of our utilization management platform</a:t>
+          <a:bodyPr/>
+          <a:lstStyle/>
+          <a:p>
+            <a:r>
+              <a:rPr lang="en-US" dirty="0" smtClean="0"/>
+              <a:t>Develop in Azure Portal</a:t>
+            </a:r>
+          </a:p>
+          <a:p>
+            <a:endParaRPr lang="en-US" dirty="0" smtClean="0"/>
+          </a:p>
+          <a:p>
+            <a:r>
+              <a:rPr lang="en-US" dirty="0" smtClean="0"/>
+              <a:t>Create Azure Hub Namespace</a:t>
             </a:r>
           </a:p>
           <a:p>
             <a:pPr lvl="1"/>
             <a:r>
               <a:rPr lang="en-US" dirty="0" smtClean="0"/>
-              <a:t>Incoming requests are available to any platform components</a:t>
+              <a:t>Name must globally unique (so we can’t all use the same name)</a:t>
+            </a:r>
+          </a:p>
+          <a:p>
+            <a:pPr lvl="1"/>
+            <a:r>
+              <a:rPr lang="en-US" dirty="0" smtClean="0"/>
+              <a:t>Pricing tier: Standard so we can have multiple </a:t>
+            </a:r>
+            <a:r>
+              <a:rPr lang="en-US" i="1" dirty="0" smtClean="0"/>
+              <a:t>consumer groups</a:t>
             </a:r>
           </a:p>
           <a:p>
@@ -6410,14 +7150,7 @@
           <a:p>
             <a:r>
               <a:rPr lang="en-US" dirty="0" smtClean="0"/>
-              <a:t>We are taking advantage of asynchronous messaging</a:t>
-            </a:r>
-          </a:p>
-          <a:p>
-            <a:pPr lvl="1"/>
-            <a:r>
-              <a:rPr lang="en-US" dirty="0" smtClean="0"/>
-              <a:t>Publishing requests with little concern for who will consume them or how many consumers there will be</a:t>
+              <a:t>Create Azure Hub for received requests</a:t>
             </a:r>
           </a:p>
           <a:p>
@@ -6426,17 +7159,7 @@
           <a:p>
             <a:r>
               <a:rPr lang="en-US" dirty="0" smtClean="0"/>
-              <a:t>Everything about the platform is scalable</a:t>
-            </a:r>
-          </a:p>
-          <a:p>
-            <a:pPr lvl="1"/>
-            <a:endParaRPr lang="en-US" dirty="0" smtClean="0"/>
-          </a:p>
-          <a:p>
-            <a:r>
-              <a:rPr lang="en-US" dirty="0" smtClean="0"/>
-              <a:t>Later exercises will demonstrate asynchronous messaging and scalability</a:t>
+              <a:t>Create Shared Access Policy for publisher</a:t>
             </a:r>
           </a:p>
         </p:txBody>
@@ -6444,7 +7167,7 @@
     </p:spTree>
     <p:extLst>
       <p:ext uri="{BB962C8B-B14F-4D97-AF65-F5344CB8AC3E}">
-        <p14:creationId xmlns:p14="http://schemas.microsoft.com/office/powerpoint/2010/main" val="1524408480"/>
+        <p14:creationId xmlns:p14="http://schemas.microsoft.com/office/powerpoint/2010/main" val="1220435000"/>
       </p:ext>
     </p:extLst>
   </p:cSld>
@@ -6473,6 +7196,310 @@
       </p:grpSpPr>
       <p:sp>
         <p:nvSpPr>
+          <p:cNvPr id="2" name="Title 1"/>
+          <p:cNvSpPr>
+            <a:spLocks noGrp="1"/>
+          </p:cNvSpPr>
+          <p:nvPr>
+            <p:ph type="title"/>
+          </p:nvPr>
+        </p:nvSpPr>
+        <p:spPr/>
+        <p:txBody>
+          <a:bodyPr/>
+          <a:lstStyle/>
+          <a:p>
+            <a:r>
+              <a:rPr lang="en-US" dirty="0"/>
+              <a:t>T</a:t>
+            </a:r>
+            <a:r>
+              <a:rPr lang="en-US" dirty="0" smtClean="0"/>
+              <a:t>ask 1-2: Provider Transfer </a:t>
+            </a:r>
+            <a:r>
+              <a:rPr lang="en-US" dirty="0"/>
+              <a:t>S</a:t>
+            </a:r>
+            <a:r>
+              <a:rPr lang="en-US" dirty="0" smtClean="0"/>
+              <a:t>ervice</a:t>
+            </a:r>
+            <a:endParaRPr lang="en-US" dirty="0"/>
+          </a:p>
+        </p:txBody>
+      </p:sp>
+      <p:sp>
+        <p:nvSpPr>
+          <p:cNvPr id="3" name="Content Placeholder 2"/>
+          <p:cNvSpPr>
+            <a:spLocks noGrp="1"/>
+          </p:cNvSpPr>
+          <p:nvPr>
+            <p:ph idx="1"/>
+          </p:nvPr>
+        </p:nvSpPr>
+        <p:spPr/>
+        <p:txBody>
+          <a:bodyPr>
+            <a:normAutofit fontScale="92500" lnSpcReduction="20000"/>
+          </a:bodyPr>
+          <a:lstStyle/>
+          <a:p>
+            <a:r>
+              <a:rPr lang="en-US" dirty="0" smtClean="0"/>
+              <a:t>Simulate incoming requests by generating and sending randomly requests</a:t>
+            </a:r>
+          </a:p>
+          <a:p>
+            <a:endParaRPr lang="en-US" dirty="0" smtClean="0"/>
+          </a:p>
+          <a:p>
+            <a:r>
+              <a:rPr lang="en-US" dirty="0" smtClean="0"/>
+              <a:t>Start with ThreeAmigosHealth.sln in Sprint1/Initial</a:t>
+            </a:r>
+          </a:p>
+          <a:p>
+            <a:endParaRPr lang="en-US" dirty="0" smtClean="0"/>
+          </a:p>
+          <a:p>
+            <a:r>
+              <a:rPr lang="en-US" dirty="0" smtClean="0"/>
+              <a:t>Add Azure Functions / </a:t>
+            </a:r>
+            <a:r>
+              <a:rPr lang="en-US" dirty="0" err="1" smtClean="0"/>
+              <a:t>c#</a:t>
+            </a:r>
+            <a:r>
+              <a:rPr lang="en-US" dirty="0" smtClean="0"/>
+              <a:t> with Timer Trigger</a:t>
+            </a:r>
+          </a:p>
+          <a:p>
+            <a:pPr lvl="1"/>
+            <a:r>
+              <a:rPr lang="en-US" dirty="0" smtClean="0"/>
+              <a:t>Timer will send 1 or more requests each time it fires</a:t>
+            </a:r>
+          </a:p>
+          <a:p>
+            <a:pPr lvl="1"/>
+            <a:r>
+              <a:rPr lang="en-US" dirty="0" smtClean="0"/>
+              <a:t>Use </a:t>
+            </a:r>
+            <a:r>
+              <a:rPr lang="en-US" dirty="0" err="1" smtClean="0"/>
+              <a:t>EventHubProducerClient</a:t>
+            </a:r>
+            <a:r>
+              <a:rPr lang="en-US" dirty="0" smtClean="0"/>
+              <a:t> from </a:t>
+            </a:r>
+            <a:r>
+              <a:rPr lang="en-US" dirty="0" err="1" smtClean="0"/>
+              <a:t>Azure.Messaging.EventHubs</a:t>
+            </a:r>
+            <a:r>
+              <a:rPr lang="en-US" dirty="0" smtClean="0"/>
+              <a:t> nugget package</a:t>
+            </a:r>
+          </a:p>
+          <a:p>
+            <a:pPr lvl="2"/>
+            <a:r>
+              <a:rPr lang="en-US" dirty="0" smtClean="0"/>
+              <a:t>Requires </a:t>
+            </a:r>
+            <a:r>
+              <a:rPr lang="en-US" i="1" dirty="0" smtClean="0"/>
+              <a:t>Shared Access Policy </a:t>
+            </a:r>
+            <a:r>
+              <a:rPr lang="en-US" dirty="0" smtClean="0"/>
+              <a:t>connection string from received request hub</a:t>
+            </a:r>
+          </a:p>
+          <a:p>
+            <a:pPr lvl="1"/>
+            <a:r>
+              <a:rPr lang="en-US" dirty="0" smtClean="0"/>
+              <a:t>Business logic in </a:t>
+            </a:r>
+            <a:r>
+              <a:rPr lang="en-US" dirty="0" err="1" smtClean="0"/>
+              <a:t>BusinessLogic</a:t>
+            </a:r>
+            <a:r>
+              <a:rPr lang="en-US" dirty="0" smtClean="0"/>
+              <a:t> project in solution</a:t>
+            </a:r>
+          </a:p>
+          <a:p>
+            <a:endParaRPr lang="en-US" dirty="0" smtClean="0"/>
+          </a:p>
+          <a:p>
+            <a:r>
+              <a:rPr lang="en-US" dirty="0" smtClean="0"/>
+              <a:t>Publish to Azure</a:t>
+            </a:r>
+            <a:endParaRPr lang="en-US" dirty="0"/>
+          </a:p>
+        </p:txBody>
+      </p:sp>
+    </p:spTree>
+    <p:extLst>
+      <p:ext uri="{BB962C8B-B14F-4D97-AF65-F5344CB8AC3E}">
+        <p14:creationId xmlns:p14="http://schemas.microsoft.com/office/powerpoint/2010/main" val="3702653548"/>
+      </p:ext>
+    </p:extLst>
+  </p:cSld>
+  <p:clrMapOvr>
+    <a:masterClrMapping/>
+  </p:clrMapOvr>
+</p:sld>
+</file>
+
+<file path=ppt/slides/slide24.xml><?xml version="1.0" encoding="utf-8"?>
+<p:sld xmlns:a="http://schemas.openxmlformats.org/drawingml/2006/main" xmlns:r="http://schemas.openxmlformats.org/officeDocument/2006/relationships" xmlns:p="http://schemas.openxmlformats.org/presentationml/2006/main">
+  <p:cSld>
+    <p:spTree>
+      <p:nvGrpSpPr>
+        <p:cNvPr id="1" name=""/>
+        <p:cNvGrpSpPr/>
+        <p:nvPr/>
+      </p:nvGrpSpPr>
+      <p:grpSpPr>
+        <a:xfrm>
+          <a:off x="0" y="0"/>
+          <a:ext cx="0" cy="0"/>
+          <a:chOff x="0" y="0"/>
+          <a:chExt cx="0" cy="0"/>
+        </a:xfrm>
+      </p:grpSpPr>
+      <p:sp>
+        <p:nvSpPr>
+          <p:cNvPr id="2" name="Title 1"/>
+          <p:cNvSpPr>
+            <a:spLocks noGrp="1"/>
+          </p:cNvSpPr>
+          <p:nvPr>
+            <p:ph type="title"/>
+          </p:nvPr>
+        </p:nvSpPr>
+        <p:spPr/>
+        <p:txBody>
+          <a:bodyPr/>
+          <a:lstStyle/>
+          <a:p>
+            <a:r>
+              <a:rPr lang="en-US" dirty="0" smtClean="0"/>
+              <a:t>Sprint 1: Retrospective</a:t>
+            </a:r>
+            <a:endParaRPr lang="en-US" dirty="0"/>
+          </a:p>
+        </p:txBody>
+      </p:sp>
+      <p:sp>
+        <p:nvSpPr>
+          <p:cNvPr id="3" name="Content Placeholder 2"/>
+          <p:cNvSpPr>
+            <a:spLocks noGrp="1"/>
+          </p:cNvSpPr>
+          <p:nvPr>
+            <p:ph idx="1"/>
+          </p:nvPr>
+        </p:nvSpPr>
+        <p:spPr/>
+        <p:txBody>
+          <a:bodyPr>
+            <a:normAutofit fontScale="92500"/>
+          </a:bodyPr>
+          <a:lstStyle/>
+          <a:p>
+            <a:r>
+              <a:rPr lang="en-US" dirty="0" smtClean="0"/>
+              <a:t>We have the beginning of our utilization management platform</a:t>
+            </a:r>
+          </a:p>
+          <a:p>
+            <a:pPr lvl="1"/>
+            <a:r>
+              <a:rPr lang="en-US" dirty="0" smtClean="0"/>
+              <a:t>Incoming requests are available to any platform components</a:t>
+            </a:r>
+          </a:p>
+          <a:p>
+            <a:endParaRPr lang="en-US" dirty="0" smtClean="0"/>
+          </a:p>
+          <a:p>
+            <a:r>
+              <a:rPr lang="en-US" dirty="0" smtClean="0"/>
+              <a:t>We are taking advantage of asynchronous messaging</a:t>
+            </a:r>
+          </a:p>
+          <a:p>
+            <a:pPr lvl="1"/>
+            <a:r>
+              <a:rPr lang="en-US" dirty="0" smtClean="0"/>
+              <a:t>Publishing requests with little concern for who will consume them or how many consumers there will be</a:t>
+            </a:r>
+          </a:p>
+          <a:p>
+            <a:endParaRPr lang="en-US" dirty="0" smtClean="0"/>
+          </a:p>
+          <a:p>
+            <a:r>
+              <a:rPr lang="en-US" dirty="0" smtClean="0"/>
+              <a:t>Everything about the platform is scalable</a:t>
+            </a:r>
+          </a:p>
+          <a:p>
+            <a:pPr lvl="1"/>
+            <a:endParaRPr lang="en-US" dirty="0" smtClean="0"/>
+          </a:p>
+          <a:p>
+            <a:r>
+              <a:rPr lang="en-US" dirty="0" smtClean="0"/>
+              <a:t>Later exercises will demonstrate asynchronous messaging and scalability</a:t>
+            </a:r>
+          </a:p>
+        </p:txBody>
+      </p:sp>
+    </p:spTree>
+    <p:extLst>
+      <p:ext uri="{BB962C8B-B14F-4D97-AF65-F5344CB8AC3E}">
+        <p14:creationId xmlns:p14="http://schemas.microsoft.com/office/powerpoint/2010/main" val="1524408480"/>
+      </p:ext>
+    </p:extLst>
+  </p:cSld>
+  <p:clrMapOvr>
+    <a:masterClrMapping/>
+  </p:clrMapOvr>
+</p:sld>
+</file>
+
+<file path=ppt/slides/slide25.xml><?xml version="1.0" encoding="utf-8"?>
+<p:sld xmlns:a="http://schemas.openxmlformats.org/drawingml/2006/main" xmlns:r="http://schemas.openxmlformats.org/officeDocument/2006/relationships" xmlns:p="http://schemas.openxmlformats.org/presentationml/2006/main">
+  <p:cSld>
+    <p:spTree>
+      <p:nvGrpSpPr>
+        <p:cNvPr id="1" name=""/>
+        <p:cNvGrpSpPr/>
+        <p:nvPr/>
+      </p:nvGrpSpPr>
+      <p:grpSpPr>
+        <a:xfrm>
+          <a:off x="0" y="0"/>
+          <a:ext cx="0" cy="0"/>
+          <a:chOff x="0" y="0"/>
+          <a:chExt cx="0" cy="0"/>
+        </a:xfrm>
+      </p:grpSpPr>
+      <p:sp>
+        <p:nvSpPr>
           <p:cNvPr id="4" name="Title 3"/>
           <p:cNvSpPr>
             <a:spLocks noGrp="1"/>
@@ -6530,7 +7557,83 @@
 </p:sld>
 </file>
 
-<file path=ppt/slides/slide24.xml><?xml version="1.0" encoding="utf-8"?>
+<file path=ppt/slides/slide26.xml><?xml version="1.0" encoding="utf-8"?>
+<p:sld xmlns:a="http://schemas.openxmlformats.org/drawingml/2006/main" xmlns:r="http://schemas.openxmlformats.org/officeDocument/2006/relationships" xmlns:p="http://schemas.openxmlformats.org/presentationml/2006/main">
+  <p:cSld>
+    <p:spTree>
+      <p:nvGrpSpPr>
+        <p:cNvPr id="1" name=""/>
+        <p:cNvGrpSpPr/>
+        <p:nvPr/>
+      </p:nvGrpSpPr>
+      <p:grpSpPr>
+        <a:xfrm>
+          <a:off x="0" y="0"/>
+          <a:ext cx="0" cy="0"/>
+          <a:chOff x="0" y="0"/>
+          <a:chExt cx="0" cy="0"/>
+        </a:xfrm>
+      </p:grpSpPr>
+      <p:sp>
+        <p:nvSpPr>
+          <p:cNvPr id="4" name="Title 3"/>
+          <p:cNvSpPr>
+            <a:spLocks noGrp="1"/>
+          </p:cNvSpPr>
+          <p:nvPr>
+            <p:ph type="title"/>
+          </p:nvPr>
+        </p:nvSpPr>
+        <p:spPr/>
+        <p:txBody>
+          <a:bodyPr/>
+          <a:lstStyle/>
+          <a:p>
+            <a:r>
+              <a:rPr lang="en-US" dirty="0" err="1" smtClean="0"/>
+              <a:t>ToDo</a:t>
+            </a:r>
+            <a:endParaRPr lang="en-US" dirty="0"/>
+          </a:p>
+        </p:txBody>
+      </p:sp>
+      <p:sp>
+        <p:nvSpPr>
+          <p:cNvPr id="5" name="Content Placeholder 4"/>
+          <p:cNvSpPr>
+            <a:spLocks noGrp="1"/>
+          </p:cNvSpPr>
+          <p:nvPr>
+            <p:ph idx="1"/>
+          </p:nvPr>
+        </p:nvSpPr>
+        <p:spPr/>
+        <p:txBody>
+          <a:bodyPr/>
+          <a:lstStyle/>
+          <a:p>
+            <a:r>
+              <a:rPr lang="en-US" dirty="0" smtClean="0"/>
+              <a:t>May want to discuss fact that trigger takes multiple events per call</a:t>
+            </a:r>
+            <a:endParaRPr lang="en-US" dirty="0"/>
+          </a:p>
+        </p:txBody>
+      </p:sp>
+    </p:spTree>
+    <p:extLst>
+      <p:ext uri="{BB962C8B-B14F-4D97-AF65-F5344CB8AC3E}">
+        <p14:creationId xmlns:p14="http://schemas.microsoft.com/office/powerpoint/2010/main" val="831522135"/>
+      </p:ext>
+    </p:extLst>
+  </p:cSld>
+  <p:clrMapOvr>
+    <a:masterClrMapping/>
+  </p:clrMapOvr>
+</p:sld>
+</file>
+
+<file path=ppt/slides/slide27.xml><?xml version="1.0" encoding="utf-8"?>
 <p:sld xmlns:a="http://schemas.openxmlformats.org/drawingml/2006/main" xmlns:r="http://schemas.openxmlformats.org/officeDocument/2006/relationships" xmlns:p="http://schemas.openxmlformats.org/presentationml/2006/main">
   <p:cSld>
     <p:spTree>
@@ -6838,663 +7941,6 @@
 </p:sld>
 </file>
 
-<file path=ppt/slides/slide25.xml><?xml version="1.0" encoding="utf-8"?>
-<p:sld xmlns:a="http://schemas.openxmlformats.org/drawingml/2006/main" xmlns:r="http://schemas.openxmlformats.org/officeDocument/2006/relationships" xmlns:p="http://schemas.openxmlformats.org/presentationml/2006/main">
-  <p:cSld>
-    <p:spTree>
-      <p:nvGrpSpPr>
-        <p:cNvPr id="1" name=""/>
-        <p:cNvGrpSpPr/>
-        <p:nvPr/>
-      </p:nvGrpSpPr>
-      <p:grpSpPr>
-        <a:xfrm>
-          <a:off x="0" y="0"/>
-          <a:ext cx="0" cy="0"/>
-          <a:chOff x="0" y="0"/>
-          <a:chExt cx="0" cy="0"/>
-        </a:xfrm>
-      </p:grpSpPr>
-      <p:sp>
-        <p:nvSpPr>
-          <p:cNvPr id="2" name="Title 1"/>
-          <p:cNvSpPr>
-            <a:spLocks noGrp="1"/>
-          </p:cNvSpPr>
-          <p:nvPr>
-            <p:ph type="title"/>
-          </p:nvPr>
-        </p:nvSpPr>
-        <p:spPr/>
-        <p:txBody>
-          <a:bodyPr/>
-          <a:lstStyle/>
-          <a:p>
-            <a:r>
-              <a:rPr lang="en-US" dirty="0" smtClean="0"/>
-              <a:t>Sprint 2: Summary</a:t>
-            </a:r>
-            <a:endParaRPr lang="en-US" dirty="0"/>
-          </a:p>
-        </p:txBody>
-      </p:sp>
-      <p:sp>
-        <p:nvSpPr>
-          <p:cNvPr id="3" name="Content Placeholder 2"/>
-          <p:cNvSpPr>
-            <a:spLocks noGrp="1"/>
-          </p:cNvSpPr>
-          <p:nvPr>
-            <p:ph idx="1"/>
-          </p:nvPr>
-        </p:nvSpPr>
-        <p:spPr/>
-        <p:txBody>
-          <a:bodyPr/>
-          <a:lstStyle/>
-          <a:p>
-            <a:r>
-              <a:rPr lang="en-US" dirty="0" smtClean="0"/>
-              <a:t>Azure Function App is an Azure </a:t>
-            </a:r>
-            <a:r>
-              <a:rPr lang="en-US" dirty="0" err="1" smtClean="0"/>
-              <a:t>serverless</a:t>
-            </a:r>
-            <a:r>
-              <a:rPr lang="en-US" dirty="0" smtClean="0"/>
-              <a:t> hosting option</a:t>
-            </a:r>
-          </a:p>
-          <a:p>
-            <a:pPr lvl="1"/>
-            <a:r>
-              <a:rPr lang="en-US" dirty="0" err="1" smtClean="0"/>
-              <a:t>Serverless</a:t>
-            </a:r>
-            <a:r>
-              <a:rPr lang="en-US" dirty="0" smtClean="0"/>
-              <a:t>: don’t have to procure or configure hardware</a:t>
-            </a:r>
-          </a:p>
-          <a:p>
-            <a:pPr lvl="1"/>
-            <a:r>
-              <a:rPr lang="en-US" dirty="0" smtClean="0"/>
-              <a:t>Consumption model: only charged for usage</a:t>
-            </a:r>
-          </a:p>
-          <a:p>
-            <a:pPr lvl="1"/>
-            <a:r>
-              <a:rPr lang="en-US" dirty="0" err="1" smtClean="0"/>
-              <a:t>Autoscales</a:t>
-            </a:r>
-            <a:r>
-              <a:rPr lang="en-US" dirty="0" smtClean="0"/>
-              <a:t> to meet demand</a:t>
-            </a:r>
-            <a:endParaRPr lang="en-US" dirty="0"/>
-          </a:p>
-        </p:txBody>
-      </p:sp>
-    </p:spTree>
-    <p:extLst>
-      <p:ext uri="{BB962C8B-B14F-4D97-AF65-F5344CB8AC3E}">
-        <p14:creationId xmlns:p14="http://schemas.microsoft.com/office/powerpoint/2010/main" val="1475141782"/>
-      </p:ext>
-    </p:extLst>
-  </p:cSld>
-  <p:clrMapOvr>
-    <a:masterClrMapping/>
-  </p:clrMapOvr>
-</p:sld>
-</file>
-
-<file path=ppt/slides/slide26.xml><?xml version="1.0" encoding="utf-8"?>
-<p:sld xmlns:a="http://schemas.openxmlformats.org/drawingml/2006/main" xmlns:r="http://schemas.openxmlformats.org/officeDocument/2006/relationships" xmlns:p="http://schemas.openxmlformats.org/presentationml/2006/main">
-  <p:cSld>
-    <p:spTree>
-      <p:nvGrpSpPr>
-        <p:cNvPr id="1" name=""/>
-        <p:cNvGrpSpPr/>
-        <p:nvPr/>
-      </p:nvGrpSpPr>
-      <p:grpSpPr>
-        <a:xfrm>
-          <a:off x="0" y="0"/>
-          <a:ext cx="0" cy="0"/>
-          <a:chOff x="0" y="0"/>
-          <a:chExt cx="0" cy="0"/>
-        </a:xfrm>
-      </p:grpSpPr>
-      <p:sp>
-        <p:nvSpPr>
-          <p:cNvPr id="4" name="Title 3"/>
-          <p:cNvSpPr>
-            <a:spLocks noGrp="1"/>
-          </p:cNvSpPr>
-          <p:nvPr>
-            <p:ph type="title"/>
-          </p:nvPr>
-        </p:nvSpPr>
-        <p:spPr/>
-        <p:txBody>
-          <a:bodyPr/>
-          <a:lstStyle/>
-          <a:p>
-            <a:r>
-              <a:rPr lang="en-US" dirty="0" smtClean="0"/>
-              <a:t>Sprint 3</a:t>
-            </a:r>
-            <a:endParaRPr lang="en-US" dirty="0"/>
-          </a:p>
-        </p:txBody>
-      </p:sp>
-      <p:sp>
-        <p:nvSpPr>
-          <p:cNvPr id="5" name="Text Placeholder 4"/>
-          <p:cNvSpPr>
-            <a:spLocks noGrp="1"/>
-          </p:cNvSpPr>
-          <p:nvPr>
-            <p:ph type="body" idx="1"/>
-          </p:nvPr>
-        </p:nvSpPr>
-        <p:spPr/>
-        <p:txBody>
-          <a:bodyPr/>
-          <a:lstStyle/>
-          <a:p>
-            <a:r>
-              <a:rPr lang="en-US" dirty="0" smtClean="0"/>
-              <a:t>Routing Service</a:t>
-            </a:r>
-            <a:endParaRPr lang="en-US" dirty="0"/>
-          </a:p>
-        </p:txBody>
-      </p:sp>
-    </p:spTree>
-    <p:extLst>
-      <p:ext uri="{BB962C8B-B14F-4D97-AF65-F5344CB8AC3E}">
-        <p14:creationId xmlns:p14="http://schemas.microsoft.com/office/powerpoint/2010/main" val="1305707053"/>
-      </p:ext>
-    </p:extLst>
-  </p:cSld>
-  <p:clrMapOvr>
-    <a:masterClrMapping/>
-  </p:clrMapOvr>
-</p:sld>
-</file>
-
-<file path=ppt/slides/slide27.xml><?xml version="1.0" encoding="utf-8"?>
-<p:sld xmlns:a="http://schemas.openxmlformats.org/drawingml/2006/main" xmlns:r="http://schemas.openxmlformats.org/officeDocument/2006/relationships" xmlns:p="http://schemas.openxmlformats.org/presentationml/2006/main">
-  <p:cSld>
-    <p:spTree>
-      <p:nvGrpSpPr>
-        <p:cNvPr id="1" name=""/>
-        <p:cNvGrpSpPr/>
-        <p:nvPr/>
-      </p:nvGrpSpPr>
-      <p:grpSpPr>
-        <a:xfrm>
-          <a:off x="0" y="0"/>
-          <a:ext cx="0" cy="0"/>
-          <a:chOff x="0" y="0"/>
-          <a:chExt cx="0" cy="0"/>
-        </a:xfrm>
-      </p:grpSpPr>
-      <p:sp>
-        <p:nvSpPr>
-          <p:cNvPr id="4" name="Title 3"/>
-          <p:cNvSpPr>
-            <a:spLocks noGrp="1"/>
-          </p:cNvSpPr>
-          <p:nvPr>
-            <p:ph type="title"/>
-          </p:nvPr>
-        </p:nvSpPr>
-        <p:spPr/>
-        <p:txBody>
-          <a:bodyPr/>
-          <a:lstStyle/>
-          <a:p>
-            <a:r>
-              <a:rPr lang="en-US" dirty="0" smtClean="0"/>
-              <a:t>Request Routing Service</a:t>
-            </a:r>
-            <a:endParaRPr lang="en-US" dirty="0"/>
-          </a:p>
-        </p:txBody>
-      </p:sp>
-      <p:sp>
-        <p:nvSpPr>
-          <p:cNvPr id="5" name="Content Placeholder 4"/>
-          <p:cNvSpPr>
-            <a:spLocks noGrp="1"/>
-          </p:cNvSpPr>
-          <p:nvPr>
-            <p:ph idx="1"/>
-          </p:nvPr>
-        </p:nvSpPr>
-        <p:spPr/>
-        <p:txBody>
-          <a:bodyPr>
-            <a:normAutofit fontScale="70000" lnSpcReduction="20000"/>
-          </a:bodyPr>
-          <a:lstStyle/>
-          <a:p>
-            <a:r>
-              <a:rPr lang="en-US" dirty="0" smtClean="0"/>
-              <a:t>When users request work, this service routes a request to the user based on user’s role, request type, request priority, and request status</a:t>
-            </a:r>
-          </a:p>
-          <a:p>
-            <a:endParaRPr lang="en-US" dirty="0" smtClean="0"/>
-          </a:p>
-          <a:p>
-            <a:r>
-              <a:rPr lang="en-US" dirty="0" smtClean="0"/>
-              <a:t>Also maintains the state of each request as they are received and worked by users</a:t>
-            </a:r>
-          </a:p>
-          <a:p>
-            <a:pPr lvl="1"/>
-            <a:r>
-              <a:rPr lang="en-US" dirty="0" smtClean="0"/>
-              <a:t>Needs review</a:t>
-            </a:r>
-          </a:p>
-          <a:p>
-            <a:pPr lvl="1"/>
-            <a:r>
-              <a:rPr lang="en-US" dirty="0" smtClean="0"/>
-              <a:t>Assigned to user</a:t>
-            </a:r>
-          </a:p>
-          <a:p>
-            <a:pPr lvl="1"/>
-            <a:r>
-              <a:rPr lang="en-US" dirty="0" smtClean="0"/>
-              <a:t>Needs additional documentation???</a:t>
-            </a:r>
-          </a:p>
-          <a:p>
-            <a:pPr lvl="1"/>
-            <a:r>
-              <a:rPr lang="en-US" dirty="0" smtClean="0"/>
-              <a:t>Approved</a:t>
-            </a:r>
-          </a:p>
-          <a:p>
-            <a:pPr lvl="1"/>
-            <a:r>
-              <a:rPr lang="en-US" dirty="0" smtClean="0"/>
-              <a:t>Denied</a:t>
-            </a:r>
-          </a:p>
-          <a:p>
-            <a:pPr lvl="1"/>
-            <a:endParaRPr lang="en-US" dirty="0" smtClean="0"/>
-          </a:p>
-          <a:p>
-            <a:r>
-              <a:rPr lang="en-US" dirty="0" smtClean="0"/>
-              <a:t>Receives incoming requests for service from the </a:t>
-            </a:r>
-            <a:r>
-              <a:rPr lang="en-US" i="1" dirty="0" err="1" smtClean="0"/>
-              <a:t>RequestNotApproved</a:t>
-            </a:r>
-            <a:r>
-              <a:rPr lang="en-US" dirty="0" smtClean="0"/>
-              <a:t> topic</a:t>
-            </a:r>
-          </a:p>
-          <a:p>
-            <a:pPr lvl="1"/>
-            <a:r>
-              <a:rPr lang="en-US" dirty="0" smtClean="0"/>
-              <a:t>Auto approved request don’t need routing so this service doesn’t need to subscribe to those</a:t>
-            </a:r>
-          </a:p>
-          <a:p>
-            <a:pPr lvl="1"/>
-            <a:endParaRPr lang="en-US" dirty="0" smtClean="0"/>
-          </a:p>
-          <a:p>
-            <a:r>
-              <a:rPr lang="en-US" dirty="0" smtClean="0"/>
-              <a:t>Implemented as an </a:t>
-            </a:r>
-            <a:r>
-              <a:rPr lang="en-US" dirty="0" err="1" smtClean="0"/>
-              <a:t>Asp.Net</a:t>
-            </a:r>
-            <a:r>
-              <a:rPr lang="en-US" dirty="0" smtClean="0"/>
-              <a:t> Core Web API deployed as an Azure App Service</a:t>
-            </a:r>
-          </a:p>
-          <a:p>
-            <a:pPr lvl="1"/>
-            <a:r>
-              <a:rPr lang="en-US" dirty="0" smtClean="0"/>
-              <a:t>For this workshop, requests will only be stored in memory. Normally the requests would be saved to persistent storage, such as Cosmos DB or Azure SQL</a:t>
-            </a:r>
-          </a:p>
-          <a:p>
-            <a:pPr lvl="1"/>
-            <a:endParaRPr lang="en-US" dirty="0" smtClean="0"/>
-          </a:p>
-        </p:txBody>
-      </p:sp>
-      <p:sp>
-        <p:nvSpPr>
-          <p:cNvPr id="6" name="Rectangle 5"/>
-          <p:cNvSpPr/>
-          <p:nvPr/>
-        </p:nvSpPr>
-        <p:spPr>
-          <a:xfrm>
-            <a:off x="8611985" y="477981"/>
-            <a:ext cx="3108959" cy="2664229"/>
-          </a:xfrm>
-          <a:prstGeom prst="rect">
-            <a:avLst/>
-          </a:prstGeom>
-          <a:solidFill>
-            <a:srgbClr val="FFFF00"/>
-          </a:solidFill>
-        </p:spPr>
-        <p:style>
-          <a:lnRef idx="2">
-            <a:schemeClr val="accent1">
-              <a:shade val="50000"/>
-            </a:schemeClr>
-          </a:lnRef>
-          <a:fillRef idx="1">
-            <a:schemeClr val="accent1"/>
-          </a:fillRef>
-          <a:effectRef idx="0">
-            <a:schemeClr val="accent1"/>
-          </a:effectRef>
-          <a:fontRef idx="minor">
-            <a:schemeClr val="lt1"/>
-          </a:fontRef>
-        </p:style>
-        <p:txBody>
-          <a:bodyPr rtlCol="0" anchor="t" anchorCtr="0"/>
-          <a:lstStyle/>
-          <a:p>
-            <a:r>
-              <a:rPr lang="en-US" sz="1100" dirty="0" smtClean="0">
-                <a:solidFill>
-                  <a:schemeClr val="tx1"/>
-                </a:solidFill>
-              </a:rPr>
-              <a:t>Prep</a:t>
-            </a:r>
-          </a:p>
-          <a:p>
-            <a:pPr marL="285750" indent="-285750">
-              <a:buFontTx/>
-              <a:buChar char="-"/>
-            </a:pPr>
-            <a:r>
-              <a:rPr lang="en-US" sz="1100" dirty="0" smtClean="0">
-                <a:solidFill>
-                  <a:schemeClr val="tx1"/>
-                </a:solidFill>
-              </a:rPr>
-              <a:t>Request class from generator</a:t>
-            </a:r>
-          </a:p>
-          <a:p>
-            <a:pPr marL="285750" indent="-285750">
-              <a:buFontTx/>
-              <a:buChar char="-"/>
-            </a:pPr>
-            <a:r>
-              <a:rPr lang="en-US" sz="1100" dirty="0" smtClean="0">
-                <a:solidFill>
-                  <a:schemeClr val="tx1"/>
-                </a:solidFill>
-              </a:rPr>
-              <a:t>Router class</a:t>
-            </a:r>
-          </a:p>
-          <a:p>
-            <a:pPr marL="285750" indent="-285750">
-              <a:buFontTx/>
-              <a:buChar char="-"/>
-            </a:pPr>
-            <a:r>
-              <a:rPr lang="en-US" sz="1100" dirty="0" smtClean="0">
-                <a:solidFill>
-                  <a:schemeClr val="tx1"/>
-                </a:solidFill>
-              </a:rPr>
-              <a:t>Get stats by specialty and state???</a:t>
-            </a:r>
-          </a:p>
-          <a:p>
-            <a:pPr marL="285750" indent="-285750">
-              <a:buFontTx/>
-              <a:buChar char="-"/>
-            </a:pPr>
-            <a:endParaRPr lang="en-US" sz="1100" dirty="0">
-              <a:solidFill>
-                <a:schemeClr val="tx1"/>
-              </a:solidFill>
-            </a:endParaRPr>
-          </a:p>
-          <a:p>
-            <a:r>
-              <a:rPr lang="en-US" sz="1100" dirty="0" smtClean="0">
-                <a:solidFill>
-                  <a:schemeClr val="tx1"/>
-                </a:solidFill>
-              </a:rPr>
-              <a:t>In class</a:t>
-            </a:r>
-          </a:p>
-          <a:p>
-            <a:pPr marL="171450" indent="-171450">
-              <a:buFontTx/>
-              <a:buChar char="-"/>
-            </a:pPr>
-            <a:r>
-              <a:rPr lang="en-US" sz="1100" dirty="0" smtClean="0">
-                <a:solidFill>
-                  <a:schemeClr val="tx1"/>
-                </a:solidFill>
-              </a:rPr>
-              <a:t>1. Create Web API in VS</a:t>
-            </a:r>
-          </a:p>
-          <a:p>
-            <a:pPr marL="171450" indent="-171450">
-              <a:buFontTx/>
-              <a:buChar char="-"/>
-            </a:pPr>
-            <a:r>
-              <a:rPr lang="en-US" sz="1100" dirty="0" smtClean="0">
-                <a:solidFill>
-                  <a:schemeClr val="tx1"/>
-                </a:solidFill>
-              </a:rPr>
-              <a:t>1. Subscribe to </a:t>
-            </a:r>
-            <a:r>
-              <a:rPr lang="en-US" sz="1100" dirty="0" err="1" smtClean="0">
-                <a:solidFill>
-                  <a:schemeClr val="tx1"/>
-                </a:solidFill>
-              </a:rPr>
-              <a:t>NotApproved</a:t>
-            </a:r>
-            <a:r>
-              <a:rPr lang="en-US" sz="1100" dirty="0" smtClean="0">
-                <a:solidFill>
-                  <a:schemeClr val="tx1"/>
-                </a:solidFill>
-              </a:rPr>
-              <a:t> topic/</a:t>
-            </a:r>
-            <a:r>
-              <a:rPr lang="en-US" sz="1100" dirty="0" err="1" smtClean="0">
-                <a:solidFill>
-                  <a:schemeClr val="tx1"/>
-                </a:solidFill>
-              </a:rPr>
-              <a:t>c#</a:t>
-            </a:r>
-            <a:endParaRPr lang="en-US" sz="1100" dirty="0" smtClean="0">
-              <a:solidFill>
-                <a:schemeClr val="tx1"/>
-              </a:solidFill>
-            </a:endParaRPr>
-          </a:p>
-          <a:p>
-            <a:pPr marL="171450" indent="-171450">
-              <a:buFontTx/>
-              <a:buChar char="-"/>
-            </a:pPr>
-            <a:r>
-              <a:rPr lang="en-US" sz="1100" dirty="0" smtClean="0">
-                <a:solidFill>
-                  <a:schemeClr val="tx1"/>
-                </a:solidFill>
-              </a:rPr>
-              <a:t>1. Store requests in memory</a:t>
-            </a:r>
-          </a:p>
-          <a:p>
-            <a:pPr marL="171450" indent="-171450">
-              <a:buFontTx/>
-              <a:buChar char="-"/>
-            </a:pPr>
-            <a:r>
-              <a:rPr lang="en-US" sz="1100" dirty="0" smtClean="0">
-                <a:solidFill>
-                  <a:schemeClr val="tx1"/>
-                </a:solidFill>
-              </a:rPr>
-              <a:t>1. Deploy to Azure app service</a:t>
-            </a:r>
-          </a:p>
-          <a:p>
-            <a:pPr marL="171450" indent="-171450">
-              <a:buFontTx/>
-              <a:buChar char="-"/>
-            </a:pPr>
-            <a:r>
-              <a:rPr lang="en-US" sz="1100" dirty="0" smtClean="0">
-                <a:solidFill>
-                  <a:schemeClr val="tx1"/>
-                </a:solidFill>
-              </a:rPr>
-              <a:t>2. Subscribe to request command queue</a:t>
-            </a:r>
-          </a:p>
-          <a:p>
-            <a:pPr marL="171450" indent="-171450">
-              <a:buFontTx/>
-              <a:buChar char="-"/>
-            </a:pPr>
-            <a:r>
-              <a:rPr lang="en-US" sz="1100" dirty="0" smtClean="0">
-                <a:solidFill>
-                  <a:schemeClr val="tx1"/>
-                </a:solidFill>
-              </a:rPr>
-              <a:t>2. Get request from router class</a:t>
-            </a:r>
-          </a:p>
-          <a:p>
-            <a:pPr marL="171450" indent="-171450">
-              <a:buFontTx/>
-              <a:buChar char="-"/>
-            </a:pPr>
-            <a:r>
-              <a:rPr lang="en-US" sz="1100" dirty="0" smtClean="0">
-                <a:solidFill>
-                  <a:schemeClr val="tx1"/>
-                </a:solidFill>
-              </a:rPr>
-              <a:t>2. Send request via </a:t>
-            </a:r>
-            <a:r>
-              <a:rPr lang="en-US" sz="1100" dirty="0" err="1" smtClean="0">
-                <a:solidFill>
-                  <a:schemeClr val="tx1"/>
-                </a:solidFill>
-              </a:rPr>
-              <a:t>SignalR</a:t>
-            </a:r>
-            <a:endParaRPr lang="en-US" sz="1100" dirty="0" smtClean="0">
-              <a:solidFill>
-                <a:schemeClr val="tx1"/>
-              </a:solidFill>
-            </a:endParaRPr>
-          </a:p>
-          <a:p>
-            <a:pPr marL="171450" indent="-171450">
-              <a:buFontTx/>
-              <a:buChar char="-"/>
-            </a:pPr>
-            <a:r>
-              <a:rPr lang="en-US" sz="1100" dirty="0" smtClean="0">
-                <a:solidFill>
-                  <a:schemeClr val="tx1"/>
-                </a:solidFill>
-              </a:rPr>
-              <a:t>2. Re-</a:t>
-            </a:r>
-            <a:r>
-              <a:rPr lang="en-US" sz="1100" dirty="0" err="1" smtClean="0">
-                <a:solidFill>
-                  <a:schemeClr val="tx1"/>
-                </a:solidFill>
-              </a:rPr>
-              <a:t>dDeploy</a:t>
-            </a:r>
-            <a:r>
-              <a:rPr lang="en-US" sz="1100" dirty="0" smtClean="0">
-                <a:solidFill>
-                  <a:schemeClr val="tx1"/>
-                </a:solidFill>
-              </a:rPr>
-              <a:t> to Azure app service</a:t>
-            </a:r>
-          </a:p>
-          <a:p>
-            <a:pPr marL="285750" indent="-285750">
-              <a:buFontTx/>
-              <a:buChar char="-"/>
-            </a:pPr>
-            <a:endParaRPr lang="en-US" dirty="0">
-              <a:solidFill>
-                <a:schemeClr val="tx1"/>
-              </a:solidFill>
-            </a:endParaRPr>
-          </a:p>
-        </p:txBody>
-      </p:sp>
-    </p:spTree>
-    <p:extLst>
-      <p:ext uri="{BB962C8B-B14F-4D97-AF65-F5344CB8AC3E}">
-        <p14:creationId xmlns:p14="http://schemas.microsoft.com/office/powerpoint/2010/main" val="589235019"/>
-      </p:ext>
-    </p:extLst>
-  </p:cSld>
-  <p:clrMapOvr>
-    <a:masterClrMapping/>
-  </p:clrMapOvr>
-</p:sld>
-</file>
-
 <file path=ppt/slides/slide28.xml><?xml version="1.0" encoding="utf-8"?>
 <p:sld xmlns:a="http://schemas.openxmlformats.org/drawingml/2006/main" xmlns:r="http://schemas.openxmlformats.org/officeDocument/2006/relationships" xmlns:p="http://schemas.openxmlformats.org/presentationml/2006/main">
   <p:cSld>
@@ -7529,7 +7975,7 @@
           <a:p>
             <a:r>
               <a:rPr lang="en-US" dirty="0" smtClean="0"/>
-              <a:t>User Interface Application</a:t>
+              <a:t>Sprint 2: Summary</a:t>
             </a:r>
             <a:endParaRPr lang="en-US" dirty="0"/>
           </a:p>
@@ -7547,291 +7993,58 @@
         </p:nvSpPr>
         <p:spPr/>
         <p:txBody>
-          <a:bodyPr>
-            <a:normAutofit fontScale="85000" lnSpcReduction="20000"/>
-          </a:bodyPr>
-          <a:lstStyle/>
-          <a:p>
-            <a:r>
-              <a:rPr lang="en-US" dirty="0" smtClean="0"/>
-              <a:t>Allows users to retrieve requests needing a decision based on their specialty</a:t>
-            </a:r>
-          </a:p>
-          <a:p>
-            <a:endParaRPr lang="en-US" dirty="0" smtClean="0"/>
-          </a:p>
-          <a:p>
-            <a:r>
-              <a:rPr lang="en-US" dirty="0" smtClean="0"/>
-              <a:t>Users can</a:t>
+          <a:bodyPr/>
+          <a:lstStyle/>
+          <a:p>
+            <a:r>
+              <a:rPr lang="en-US" dirty="0" smtClean="0"/>
+              <a:t>Azure Function App is an Azure </a:t>
+            </a:r>
+            <a:r>
+              <a:rPr lang="en-US" dirty="0" err="1" smtClean="0"/>
+              <a:t>serverless</a:t>
+            </a:r>
+            <a:r>
+              <a:rPr lang="en-US" dirty="0" smtClean="0"/>
+              <a:t> hosting option</a:t>
             </a:r>
           </a:p>
           <a:p>
             <a:pPr lvl="1"/>
             <a:r>
-              <a:rPr lang="en-US" dirty="0" smtClean="0"/>
-              <a:t>Approve a request</a:t>
+              <a:rPr lang="en-US" dirty="0" err="1" smtClean="0"/>
+              <a:t>Serverless</a:t>
+            </a:r>
+            <a:r>
+              <a:rPr lang="en-US" dirty="0" smtClean="0"/>
+              <a:t>: don’t have to procure or configure hardware</a:t>
             </a:r>
           </a:p>
           <a:p>
             <a:pPr lvl="1"/>
             <a:r>
               <a:rPr lang="en-US" dirty="0" smtClean="0"/>
-              <a:t>Deny a request</a:t>
+              <a:t>Consumption model: only charged for usage</a:t>
             </a:r>
           </a:p>
           <a:p>
             <a:pPr lvl="1"/>
             <a:r>
-              <a:rPr lang="en-US" dirty="0" smtClean="0"/>
-              <a:t>Request additional information</a:t>
-            </a:r>
-          </a:p>
-          <a:p>
-            <a:endParaRPr lang="en-US" dirty="0" smtClean="0"/>
-          </a:p>
-          <a:p>
-            <a:r>
-              <a:rPr lang="en-US" dirty="0" smtClean="0"/>
-              <a:t>???Includes dashboard so users can track requests by specialty and status</a:t>
-            </a:r>
-          </a:p>
-          <a:p>
-            <a:endParaRPr lang="en-US" dirty="0" smtClean="0"/>
-          </a:p>
-          <a:p>
-            <a:r>
-              <a:rPr lang="en-US" dirty="0" smtClean="0"/>
-              <a:t>??? User is notified of changes to requests they’ve recently touched???</a:t>
-            </a:r>
-          </a:p>
-          <a:p>
-            <a:endParaRPr lang="en-US" dirty="0" smtClean="0"/>
-          </a:p>
-          <a:p>
-            <a:r>
-              <a:rPr lang="en-US" dirty="0" smtClean="0"/>
-              <a:t>Implemented as </a:t>
-            </a:r>
-            <a:r>
               <a:rPr lang="en-US" dirty="0" err="1" smtClean="0"/>
-              <a:t>Blazor</a:t>
-            </a:r>
-            <a:r>
-              <a:rPr lang="en-US" dirty="0" smtClean="0"/>
-              <a:t> ??? Application and deployed as ???</a:t>
-            </a:r>
-          </a:p>
-        </p:txBody>
-      </p:sp>
-      <p:sp>
-        <p:nvSpPr>
-          <p:cNvPr id="4" name="Rectangle 3"/>
-          <p:cNvSpPr/>
-          <p:nvPr/>
-        </p:nvSpPr>
-        <p:spPr>
-          <a:xfrm>
-            <a:off x="9368444" y="0"/>
-            <a:ext cx="2676698" cy="2137202"/>
-          </a:xfrm>
-          <a:prstGeom prst="rect">
-            <a:avLst/>
-          </a:prstGeom>
-          <a:solidFill>
-            <a:srgbClr val="FFFF00"/>
-          </a:solidFill>
-        </p:spPr>
-        <p:style>
-          <a:lnRef idx="2">
-            <a:schemeClr val="accent1">
-              <a:shade val="50000"/>
-            </a:schemeClr>
-          </a:lnRef>
-          <a:fillRef idx="1">
-            <a:schemeClr val="accent1"/>
-          </a:fillRef>
-          <a:effectRef idx="0">
-            <a:schemeClr val="accent1"/>
-          </a:effectRef>
-          <a:fontRef idx="minor">
-            <a:schemeClr val="lt1"/>
-          </a:fontRef>
-        </p:style>
-        <p:txBody>
-          <a:bodyPr rtlCol="0" anchor="t" anchorCtr="0"/>
-          <a:lstStyle/>
-          <a:p>
-            <a:r>
-              <a:rPr lang="en-US" sz="1050" dirty="0" smtClean="0">
-                <a:solidFill>
-                  <a:schemeClr val="tx1"/>
-                </a:solidFill>
-              </a:rPr>
-              <a:t>Prep</a:t>
-            </a:r>
-          </a:p>
-          <a:p>
-            <a:pPr marL="285750" indent="-285750">
-              <a:buFontTx/>
-              <a:buChar char="-"/>
-            </a:pPr>
-            <a:r>
-              <a:rPr lang="en-US" sz="1050" dirty="0" smtClean="0">
-                <a:solidFill>
-                  <a:schemeClr val="tx1"/>
-                </a:solidFill>
-              </a:rPr>
-              <a:t>Shell application</a:t>
-            </a:r>
-          </a:p>
-          <a:p>
-            <a:pPr marL="742950" lvl="1" indent="-285750">
-              <a:buFontTx/>
-              <a:buChar char="-"/>
-            </a:pPr>
-            <a:r>
-              <a:rPr lang="en-US" sz="1050" dirty="0" smtClean="0">
-                <a:solidFill>
-                  <a:schemeClr val="tx1"/>
-                </a:solidFill>
-              </a:rPr>
-              <a:t>Login / select specialty</a:t>
-            </a:r>
-          </a:p>
-          <a:p>
-            <a:pPr marL="285750" indent="-285750">
-              <a:buFontTx/>
-              <a:buChar char="-"/>
-            </a:pPr>
-            <a:r>
-              <a:rPr lang="en-US" sz="1050" dirty="0" smtClean="0">
-                <a:solidFill>
-                  <a:schemeClr val="tx1"/>
-                </a:solidFill>
-              </a:rPr>
-              <a:t>View request</a:t>
-            </a:r>
-          </a:p>
-          <a:p>
-            <a:pPr marL="285750" indent="-285750">
-              <a:buFontTx/>
-              <a:buChar char="-"/>
-            </a:pPr>
-            <a:r>
-              <a:rPr lang="en-US" sz="1050" dirty="0" smtClean="0">
-                <a:solidFill>
-                  <a:schemeClr val="tx1"/>
-                </a:solidFill>
-              </a:rPr>
-              <a:t>Approve / deny / more info</a:t>
-            </a:r>
-          </a:p>
-          <a:p>
-            <a:pPr marL="285750" indent="-285750">
-              <a:buFontTx/>
-              <a:buChar char="-"/>
-            </a:pPr>
-            <a:r>
-              <a:rPr lang="en-US" sz="1050" dirty="0" smtClean="0">
-                <a:solidFill>
-                  <a:schemeClr val="tx1"/>
-                </a:solidFill>
-              </a:rPr>
-              <a:t>Dashboard???</a:t>
-            </a:r>
-          </a:p>
-          <a:p>
-            <a:pPr marL="285750" indent="-285750">
-              <a:buFontTx/>
-              <a:buChar char="-"/>
-            </a:pPr>
-            <a:endParaRPr lang="en-US" sz="1050" dirty="0">
-              <a:solidFill>
-                <a:schemeClr val="tx1"/>
-              </a:solidFill>
-            </a:endParaRPr>
-          </a:p>
-          <a:p>
-            <a:r>
-              <a:rPr lang="en-US" sz="1050" dirty="0" smtClean="0">
-                <a:solidFill>
-                  <a:schemeClr val="tx1"/>
-                </a:solidFill>
-              </a:rPr>
-              <a:t>In class</a:t>
-            </a:r>
-          </a:p>
-          <a:p>
-            <a:pPr marL="171450" indent="-171450">
-              <a:buFontTx/>
-              <a:buChar char="-"/>
-            </a:pPr>
-            <a:r>
-              <a:rPr lang="en-US" sz="1050" dirty="0" smtClean="0">
-                <a:solidFill>
-                  <a:schemeClr val="tx1"/>
-                </a:solidFill>
-              </a:rPr>
-              <a:t>Send request for request to queue</a:t>
-            </a:r>
-          </a:p>
-          <a:p>
-            <a:pPr marL="171450" indent="-171450">
-              <a:buFontTx/>
-              <a:buChar char="-"/>
-            </a:pPr>
-            <a:r>
-              <a:rPr lang="en-US" sz="1050" dirty="0" smtClean="0">
-                <a:solidFill>
-                  <a:schemeClr val="tx1"/>
-                </a:solidFill>
-              </a:rPr>
-              <a:t>Send updated requests to topic</a:t>
-            </a:r>
-          </a:p>
-          <a:p>
-            <a:pPr marL="628650" lvl="1" indent="-171450">
-              <a:buFontTx/>
-              <a:buChar char="-"/>
-            </a:pPr>
-            <a:r>
-              <a:rPr lang="en-US" sz="1050" dirty="0" smtClean="0">
-                <a:solidFill>
-                  <a:schemeClr val="tx1"/>
-                </a:solidFill>
-              </a:rPr>
-              <a:t>Need more info???</a:t>
-            </a:r>
-          </a:p>
-          <a:p>
-            <a:pPr marL="628650" lvl="1" indent="-171450">
-              <a:buFontTx/>
-              <a:buChar char="-"/>
-            </a:pPr>
-            <a:endParaRPr lang="en-US" sz="1050" dirty="0" smtClean="0">
-              <a:solidFill>
-                <a:schemeClr val="tx1"/>
-              </a:solidFill>
-            </a:endParaRPr>
-          </a:p>
-          <a:p>
-            <a:pPr marL="285750" indent="-285750">
-              <a:buFontTx/>
-              <a:buChar char="-"/>
-            </a:pPr>
-            <a:endParaRPr lang="en-US" dirty="0">
-              <a:solidFill>
-                <a:schemeClr val="tx1"/>
-              </a:solidFill>
-            </a:endParaRPr>
+              <a:t>Autoscales</a:t>
+            </a:r>
+            <a:r>
+              <a:rPr lang="en-US" dirty="0" smtClean="0"/>
+              <a:t> to meet demand</a:t>
+            </a:r>
+            <a:endParaRPr lang="en-US" dirty="0"/>
           </a:p>
         </p:txBody>
       </p:sp>
     </p:spTree>
     <p:extLst>
       <p:ext uri="{BB962C8B-B14F-4D97-AF65-F5344CB8AC3E}">
-        <p14:creationId xmlns:p14="http://schemas.microsoft.com/office/powerpoint/2010/main" val="2842918892"/>
+        <p14:creationId xmlns:p14="http://schemas.microsoft.com/office/powerpoint/2010/main" val="1475141782"/>
       </p:ext>
     </p:extLst>
   </p:cSld>
@@ -7875,7 +8088,7 @@
           <a:p>
             <a:r>
               <a:rPr lang="en-US" dirty="0" smtClean="0"/>
-              <a:t>Sprint 4</a:t>
+              <a:t>Sprint 3</a:t>
             </a:r>
             <a:endParaRPr lang="en-US" dirty="0"/>
           </a:p>
@@ -7898,7 +8111,7 @@
           <a:p>
             <a:r>
               <a:rPr lang="en-US" dirty="0" smtClean="0"/>
-              <a:t>UI for Manual Decisions</a:t>
+              <a:t>Routing Service</a:t>
             </a:r>
             <a:endParaRPr lang="en-US" dirty="0"/>
           </a:p>
@@ -7907,7 +8120,7 @@
     </p:spTree>
     <p:extLst>
       <p:ext uri="{BB962C8B-B14F-4D97-AF65-F5344CB8AC3E}">
-        <p14:creationId xmlns:p14="http://schemas.microsoft.com/office/powerpoint/2010/main" val="3811699319"/>
+        <p14:creationId xmlns:p14="http://schemas.microsoft.com/office/powerpoint/2010/main" val="1305707053"/>
       </p:ext>
     </p:extLst>
   </p:cSld>
@@ -8050,8 +8263,8 @@
           <a:lstStyle/>
           <a:p>
             <a:r>
-              <a:rPr lang="en-US" dirty="0" smtClean="0"/>
-              <a:t>To Do</a:t>
+              <a:rPr lang="en-US" dirty="0" err="1" smtClean="0"/>
+              <a:t>ToDo</a:t>
             </a:r>
             <a:endParaRPr lang="en-US" dirty="0"/>
           </a:p>
@@ -8074,33 +8287,41 @@
           <a:p>
             <a:r>
               <a:rPr lang="en-US" dirty="0" smtClean="0"/>
-              <a:t>Starting point</a:t>
+              <a:t>Have Routing Service </a:t>
+            </a:r>
+            <a:r>
+              <a:rPr lang="en-US" dirty="0"/>
+              <a:t>completely pre-packaged</a:t>
             </a:r>
           </a:p>
           <a:p>
             <a:pPr lvl="1"/>
             <a:r>
               <a:rPr lang="en-US" dirty="0" smtClean="0"/>
-              <a:t>UI with a hard-coded, but dynamic request</a:t>
+              <a:t>Help </a:t>
+            </a:r>
+            <a:r>
+              <a:rPr lang="en-US" dirty="0"/>
+              <a:t>students deploy</a:t>
             </a:r>
           </a:p>
           <a:p>
             <a:pPr lvl="1"/>
-            <a:endParaRPr lang="en-US" dirty="0"/>
-          </a:p>
-          <a:p>
-            <a:r>
-              <a:rPr lang="en-US" dirty="0" smtClean="0"/>
-              <a:t>Walk </a:t>
-            </a:r>
-            <a:endParaRPr lang="en-US" dirty="0"/>
+            <a:r>
+              <a:rPr lang="en-US" dirty="0" smtClean="0"/>
+              <a:t>Talk </a:t>
+            </a:r>
+            <a:r>
+              <a:rPr lang="en-US" dirty="0"/>
+              <a:t>through logic and key points</a:t>
+            </a:r>
           </a:p>
         </p:txBody>
       </p:sp>
     </p:spTree>
     <p:extLst>
       <p:ext uri="{BB962C8B-B14F-4D97-AF65-F5344CB8AC3E}">
-        <p14:creationId xmlns:p14="http://schemas.microsoft.com/office/powerpoint/2010/main" val="3643911036"/>
+        <p14:creationId xmlns:p14="http://schemas.microsoft.com/office/powerpoint/2010/main" val="860384324"/>
       </p:ext>
     </p:extLst>
   </p:cSld>
@@ -8129,7 +8350,7 @@
       </p:grpSpPr>
       <p:sp>
         <p:nvSpPr>
-          <p:cNvPr id="2" name="Title 1"/>
+          <p:cNvPr id="4" name="Title 3"/>
           <p:cNvSpPr>
             <a:spLocks noGrp="1"/>
           </p:cNvSpPr>
@@ -8144,15 +8365,7 @@
           <a:p>
             <a:r>
               <a:rPr lang="en-US" dirty="0" smtClean="0"/>
-              <a:t>User Story </a:t>
-            </a:r>
-            <a:r>
-              <a:rPr lang="en-US" dirty="0"/>
-              <a:t>4</a:t>
-            </a:r>
-            <a:r>
-              <a:rPr lang="en-US" dirty="0" smtClean="0"/>
-              <a:t>-1</a:t>
+              <a:t>Request Routing Service</a:t>
             </a:r>
             <a:endParaRPr lang="en-US" dirty="0"/>
           </a:p>
@@ -8160,7 +8373,7 @@
       </p:sp>
       <p:sp>
         <p:nvSpPr>
-          <p:cNvPr id="3" name="Content Placeholder 2"/>
+          <p:cNvPr id="5" name="Content Placeholder 4"/>
           <p:cNvSpPr>
             <a:spLocks noGrp="1"/>
           </p:cNvSpPr>
@@ -8171,82 +8384,412 @@
         <p:spPr/>
         <p:txBody>
           <a:bodyPr>
-            <a:normAutofit/>
+            <a:normAutofit fontScale="70000" lnSpcReduction="20000"/>
           </a:bodyPr>
           <a:lstStyle/>
           <a:p>
-            <a:pPr marL="0" indent="0">
-              <a:buNone/>
+            <a:r>
+              <a:rPr lang="en-US" dirty="0" smtClean="0"/>
+              <a:t>When users request work, this service routes a request to the user based on user’s role, request type, request priority, and request status</a:t>
+            </a:r>
+          </a:p>
+          <a:p>
+            <a:endParaRPr lang="en-US" dirty="0" smtClean="0"/>
+          </a:p>
+          <a:p>
+            <a:r>
+              <a:rPr lang="en-US" dirty="0" smtClean="0"/>
+              <a:t>Also maintains the state of each request as they are received and worked by users</a:t>
+            </a:r>
+          </a:p>
+          <a:p>
+            <a:pPr lvl="1"/>
+            <a:r>
+              <a:rPr lang="en-US" dirty="0" smtClean="0"/>
+              <a:t>Needs review</a:t>
+            </a:r>
+          </a:p>
+          <a:p>
+            <a:pPr lvl="1"/>
+            <a:r>
+              <a:rPr lang="en-US" dirty="0" smtClean="0"/>
+              <a:t>Assigned to user</a:t>
+            </a:r>
+          </a:p>
+          <a:p>
+            <a:pPr lvl="1"/>
+            <a:r>
+              <a:rPr lang="en-US" dirty="0" smtClean="0"/>
+              <a:t>Needs additional documentation???</a:t>
+            </a:r>
+          </a:p>
+          <a:p>
+            <a:pPr lvl="1"/>
+            <a:r>
+              <a:rPr lang="en-US" dirty="0" smtClean="0"/>
+              <a:t>Approved</a:t>
+            </a:r>
+          </a:p>
+          <a:p>
+            <a:pPr lvl="1"/>
+            <a:r>
+              <a:rPr lang="en-US" dirty="0" smtClean="0"/>
+              <a:t>Denied</a:t>
+            </a:r>
+          </a:p>
+          <a:p>
+            <a:pPr lvl="1"/>
+            <a:endParaRPr lang="en-US" dirty="0" smtClean="0"/>
+          </a:p>
+          <a:p>
+            <a:r>
+              <a:rPr lang="en-US" dirty="0" smtClean="0"/>
+              <a:t>Receives incoming requests for service from the </a:t>
+            </a:r>
+            <a:r>
+              <a:rPr lang="en-US" i="1" dirty="0" err="1" smtClean="0"/>
+              <a:t>RequestNotApproved</a:t>
+            </a:r>
+            <a:r>
+              <a:rPr lang="en-US" dirty="0" smtClean="0"/>
+              <a:t> topic</a:t>
+            </a:r>
+          </a:p>
+          <a:p>
+            <a:pPr lvl="1"/>
+            <a:r>
+              <a:rPr lang="en-US" dirty="0" smtClean="0"/>
+              <a:t>Auto approved request don’t need routing so this service doesn’t need to subscribe to those</a:t>
+            </a:r>
+          </a:p>
+          <a:p>
+            <a:pPr lvl="1"/>
+            <a:endParaRPr lang="en-US" dirty="0" smtClean="0"/>
+          </a:p>
+          <a:p>
+            <a:r>
+              <a:rPr lang="en-US" dirty="0" smtClean="0"/>
+              <a:t>Implemented as an </a:t>
+            </a:r>
+            <a:r>
+              <a:rPr lang="en-US" dirty="0" err="1" smtClean="0"/>
+              <a:t>Asp.Net</a:t>
+            </a:r>
+            <a:r>
+              <a:rPr lang="en-US" dirty="0" smtClean="0"/>
+              <a:t> Core Web API deployed as an Azure App Service</a:t>
+            </a:r>
+          </a:p>
+          <a:p>
+            <a:pPr lvl="1"/>
+            <a:r>
+              <a:rPr lang="en-US" dirty="0" smtClean="0"/>
+              <a:t>For this workshop, requests will only be stored in memory. Normally the requests would be saved to persistent storage, such as Cosmos DB or Azure SQL</a:t>
+            </a:r>
+          </a:p>
+          <a:p>
+            <a:pPr lvl="1"/>
+            <a:endParaRPr lang="en-US" dirty="0" smtClean="0"/>
+          </a:p>
+        </p:txBody>
+      </p:sp>
+      <p:sp>
+        <p:nvSpPr>
+          <p:cNvPr id="6" name="Rectangle 5"/>
+          <p:cNvSpPr/>
+          <p:nvPr/>
+        </p:nvSpPr>
+        <p:spPr>
+          <a:xfrm>
+            <a:off x="8611985" y="477981"/>
+            <a:ext cx="3108959" cy="2664229"/>
+          </a:xfrm>
+          <a:prstGeom prst="rect">
+            <a:avLst/>
+          </a:prstGeom>
+          <a:solidFill>
+            <a:srgbClr val="FFFF00"/>
+          </a:solidFill>
+        </p:spPr>
+        <p:style>
+          <a:lnRef idx="2">
+            <a:schemeClr val="accent1">
+              <a:shade val="50000"/>
+            </a:schemeClr>
+          </a:lnRef>
+          <a:fillRef idx="1">
+            <a:schemeClr val="accent1"/>
+          </a:fillRef>
+          <a:effectRef idx="0">
+            <a:schemeClr val="accent1"/>
+          </a:effectRef>
+          <a:fontRef idx="minor">
+            <a:schemeClr val="lt1"/>
+          </a:fontRef>
+        </p:style>
+        <p:txBody>
+          <a:bodyPr rtlCol="0" anchor="t" anchorCtr="0"/>
+          <a:lstStyle/>
+          <a:p>
+            <a:r>
+              <a:rPr lang="en-US" sz="1100" dirty="0" smtClean="0">
+                <a:solidFill>
+                  <a:schemeClr val="tx1"/>
+                </a:solidFill>
+              </a:rPr>
+              <a:t>Prep</a:t>
+            </a:r>
+          </a:p>
+          <a:p>
+            <a:pPr marL="285750" indent="-285750">
+              <a:buFontTx/>
+              <a:buChar char="-"/>
             </a:pPr>
             <a:r>
-              <a:rPr lang="en-US" dirty="0" smtClean="0"/>
-              <a:t>As a TAH </a:t>
-            </a:r>
-            <a:r>
-              <a:rPr lang="en-US" dirty="0" smtClean="0"/>
-              <a:t>physician</a:t>
-            </a:r>
-            <a:r>
-              <a:rPr lang="en-US" dirty="0" smtClean="0"/>
-              <a:t>, I need to be able to view requests that have not been automatically approved so that I can determine if they should be approved or not.</a:t>
-            </a:r>
-          </a:p>
-          <a:p>
-            <a:pPr marL="0" indent="0">
-              <a:buNone/>
+              <a:rPr lang="en-US" sz="1100" dirty="0" smtClean="0">
+                <a:solidFill>
+                  <a:schemeClr val="tx1"/>
+                </a:solidFill>
+              </a:rPr>
+              <a:t>Request class from generator</a:t>
+            </a:r>
+          </a:p>
+          <a:p>
+            <a:pPr marL="285750" indent="-285750">
+              <a:buFontTx/>
+              <a:buChar char="-"/>
             </a:pPr>
-            <a:endParaRPr lang="en-US" dirty="0" smtClean="0"/>
-          </a:p>
-          <a:p>
-            <a:pPr marL="0" indent="0">
-              <a:buNone/>
+            <a:r>
+              <a:rPr lang="en-US" sz="1100" dirty="0" smtClean="0">
+                <a:solidFill>
+                  <a:schemeClr val="tx1"/>
+                </a:solidFill>
+              </a:rPr>
+              <a:t>Router class</a:t>
+            </a:r>
+          </a:p>
+          <a:p>
+            <a:pPr marL="285750" indent="-285750">
+              <a:buFontTx/>
+              <a:buChar char="-"/>
             </a:pPr>
             <a:r>
-              <a:rPr lang="en-US" dirty="0" smtClean="0"/>
-              <a:t>Acceptance </a:t>
-            </a:r>
-            <a:r>
-              <a:rPr lang="en-US" dirty="0" smtClean="0"/>
-              <a:t>Criteria</a:t>
-            </a:r>
-          </a:p>
-          <a:p>
-            <a:pPr marL="457200" indent="-457200">
-              <a:buFont typeface="+mj-lt"/>
-              <a:buAutoNum type="arabicPeriod"/>
+              <a:rPr lang="en-US" sz="1100" dirty="0" smtClean="0">
+                <a:solidFill>
+                  <a:schemeClr val="tx1"/>
+                </a:solidFill>
+              </a:rPr>
+              <a:t>Get stats by specialty and state???</a:t>
+            </a:r>
+          </a:p>
+          <a:p>
+            <a:pPr marL="285750" indent="-285750">
+              <a:buFontTx/>
+              <a:buChar char="-"/>
             </a:pPr>
-            <a:r>
-              <a:rPr lang="en-US" dirty="0" smtClean="0"/>
-              <a:t>Retrieve a request that has not been automatically approved</a:t>
-            </a:r>
-          </a:p>
-          <a:p>
-            <a:pPr marL="457200" indent="-457200">
-              <a:buFont typeface="+mj-lt"/>
-              <a:buAutoNum type="arabicPeriod"/>
+            <a:endParaRPr lang="en-US" sz="1100" dirty="0">
+              <a:solidFill>
+                <a:schemeClr val="tx1"/>
+              </a:solidFill>
+            </a:endParaRPr>
+          </a:p>
+          <a:p>
+            <a:r>
+              <a:rPr lang="en-US" sz="1100" dirty="0" smtClean="0">
+                <a:solidFill>
+                  <a:schemeClr val="tx1"/>
+                </a:solidFill>
+              </a:rPr>
+              <a:t>In class</a:t>
+            </a:r>
+          </a:p>
+          <a:p>
+            <a:pPr marL="171450" indent="-171450">
+              <a:buFontTx/>
+              <a:buChar char="-"/>
             </a:pPr>
             <a:r>
-              <a:rPr lang="en-US" dirty="0" smtClean="0"/>
-              <a:t>View request details</a:t>
-            </a:r>
-          </a:p>
-          <a:p>
-            <a:pPr marL="457200" indent="-457200">
-              <a:buFont typeface="+mj-lt"/>
-              <a:buAutoNum type="arabicPeriod"/>
+              <a:rPr lang="en-US" sz="1100" dirty="0" smtClean="0">
+                <a:solidFill>
+                  <a:schemeClr val="tx1"/>
+                </a:solidFill>
+              </a:rPr>
+              <a:t>1. Create Web API in VS</a:t>
+            </a:r>
+          </a:p>
+          <a:p>
+            <a:pPr marL="171450" indent="-171450">
+              <a:buFontTx/>
+              <a:buChar char="-"/>
             </a:pPr>
             <a:r>
-              <a:rPr lang="en-US" dirty="0" smtClean="0"/>
-              <a:t>Approve or disapprove the request</a:t>
-            </a:r>
-            <a:endParaRPr lang="en-US" dirty="0" smtClean="0"/>
+              <a:rPr lang="en-US" sz="1100" dirty="0" smtClean="0">
+                <a:solidFill>
+                  <a:schemeClr val="tx1"/>
+                </a:solidFill>
+              </a:rPr>
+              <a:t>1. Subscribe to </a:t>
+            </a:r>
+            <a:r>
+              <a:rPr lang="en-US" sz="1100" dirty="0" err="1" smtClean="0">
+                <a:solidFill>
+                  <a:schemeClr val="tx1"/>
+                </a:solidFill>
+              </a:rPr>
+              <a:t>NotApproved</a:t>
+            </a:r>
+            <a:r>
+              <a:rPr lang="en-US" sz="1100" dirty="0" smtClean="0">
+                <a:solidFill>
+                  <a:schemeClr val="tx1"/>
+                </a:solidFill>
+              </a:rPr>
+              <a:t> topic/</a:t>
+            </a:r>
+            <a:r>
+              <a:rPr lang="en-US" sz="1100" dirty="0" err="1" smtClean="0">
+                <a:solidFill>
+                  <a:schemeClr val="tx1"/>
+                </a:solidFill>
+              </a:rPr>
+              <a:t>c#</a:t>
+            </a:r>
+            <a:endParaRPr lang="en-US" sz="1100" dirty="0" smtClean="0">
+              <a:solidFill>
+                <a:schemeClr val="tx1"/>
+              </a:solidFill>
+            </a:endParaRPr>
+          </a:p>
+          <a:p>
+            <a:pPr marL="171450" indent="-171450">
+              <a:buFontTx/>
+              <a:buChar char="-"/>
+            </a:pPr>
+            <a:r>
+              <a:rPr lang="en-US" sz="1100" dirty="0" smtClean="0">
+                <a:solidFill>
+                  <a:schemeClr val="tx1"/>
+                </a:solidFill>
+              </a:rPr>
+              <a:t>1. Store requests in memory</a:t>
+            </a:r>
+          </a:p>
+          <a:p>
+            <a:pPr marL="171450" indent="-171450">
+              <a:buFontTx/>
+              <a:buChar char="-"/>
+            </a:pPr>
+            <a:r>
+              <a:rPr lang="en-US" sz="1100" dirty="0" smtClean="0">
+                <a:solidFill>
+                  <a:schemeClr val="tx1"/>
+                </a:solidFill>
+              </a:rPr>
+              <a:t>1. Deploy to Azure app service</a:t>
+            </a:r>
+          </a:p>
+          <a:p>
+            <a:pPr marL="171450" indent="-171450">
+              <a:buFontTx/>
+              <a:buChar char="-"/>
+            </a:pPr>
+            <a:r>
+              <a:rPr lang="en-US" sz="1100" dirty="0" smtClean="0">
+                <a:solidFill>
+                  <a:schemeClr val="tx1"/>
+                </a:solidFill>
+              </a:rPr>
+              <a:t>2. Subscribe to request command queue</a:t>
+            </a:r>
+          </a:p>
+          <a:p>
+            <a:pPr marL="171450" indent="-171450">
+              <a:buFontTx/>
+              <a:buChar char="-"/>
+            </a:pPr>
+            <a:r>
+              <a:rPr lang="en-US" sz="1100" dirty="0" smtClean="0">
+                <a:solidFill>
+                  <a:schemeClr val="tx1"/>
+                </a:solidFill>
+              </a:rPr>
+              <a:t>2. Get request from router class</a:t>
+            </a:r>
+          </a:p>
+          <a:p>
+            <a:pPr marL="171450" indent="-171450">
+              <a:buFontTx/>
+              <a:buChar char="-"/>
+            </a:pPr>
+            <a:r>
+              <a:rPr lang="en-US" sz="1100" dirty="0" smtClean="0">
+                <a:solidFill>
+                  <a:schemeClr val="tx1"/>
+                </a:solidFill>
+              </a:rPr>
+              <a:t>2. Send request via </a:t>
+            </a:r>
+            <a:r>
+              <a:rPr lang="en-US" sz="1100" dirty="0" err="1" smtClean="0">
+                <a:solidFill>
+                  <a:schemeClr val="tx1"/>
+                </a:solidFill>
+              </a:rPr>
+              <a:t>SignalR</a:t>
+            </a:r>
+            <a:endParaRPr lang="en-US" sz="1100" dirty="0" smtClean="0">
+              <a:solidFill>
+                <a:schemeClr val="tx1"/>
+              </a:solidFill>
+            </a:endParaRPr>
+          </a:p>
+          <a:p>
+            <a:pPr marL="171450" indent="-171450">
+              <a:buFontTx/>
+              <a:buChar char="-"/>
+            </a:pPr>
+            <a:r>
+              <a:rPr lang="en-US" sz="1100" dirty="0" smtClean="0">
+                <a:solidFill>
+                  <a:schemeClr val="tx1"/>
+                </a:solidFill>
+              </a:rPr>
+              <a:t>2. Re-</a:t>
+            </a:r>
+            <a:r>
+              <a:rPr lang="en-US" sz="1100" dirty="0" err="1" smtClean="0">
+                <a:solidFill>
+                  <a:schemeClr val="tx1"/>
+                </a:solidFill>
+              </a:rPr>
+              <a:t>dDeploy</a:t>
+            </a:r>
+            <a:r>
+              <a:rPr lang="en-US" sz="1100" dirty="0" smtClean="0">
+                <a:solidFill>
+                  <a:schemeClr val="tx1"/>
+                </a:solidFill>
+              </a:rPr>
+              <a:t> to Azure app service</a:t>
+            </a:r>
+          </a:p>
+          <a:p>
+            <a:pPr marL="285750" indent="-285750">
+              <a:buFontTx/>
+              <a:buChar char="-"/>
+            </a:pPr>
+            <a:endParaRPr lang="en-US" dirty="0">
+              <a:solidFill>
+                <a:schemeClr val="tx1"/>
+              </a:solidFill>
+            </a:endParaRPr>
           </a:p>
         </p:txBody>
       </p:sp>
     </p:spTree>
     <p:extLst>
       <p:ext uri="{BB962C8B-B14F-4D97-AF65-F5344CB8AC3E}">
-        <p14:creationId xmlns:p14="http://schemas.microsoft.com/office/powerpoint/2010/main" val="3081871758"/>
+        <p14:creationId xmlns:p14="http://schemas.microsoft.com/office/powerpoint/2010/main" val="589235019"/>
       </p:ext>
     </p:extLst>
   </p:cSld>
@@ -8289,12 +8832,8 @@
           <a:lstStyle/>
           <a:p>
             <a:r>
-              <a:rPr lang="en-US" dirty="0"/>
-              <a:t>User Story </a:t>
-            </a:r>
-            <a:r>
-              <a:rPr lang="en-US" dirty="0" smtClean="0"/>
-              <a:t>4-1: Current Status</a:t>
+              <a:rPr lang="en-US" dirty="0" smtClean="0"/>
+              <a:t>User Interface Application</a:t>
             </a:r>
             <a:endParaRPr lang="en-US" dirty="0"/>
           </a:p>
@@ -8313,38 +8852,70 @@
         <p:spPr/>
         <p:txBody>
           <a:bodyPr>
-            <a:normAutofit/>
+            <a:normAutofit fontScale="85000" lnSpcReduction="20000"/>
           </a:bodyPr>
           <a:lstStyle/>
           <a:p>
             <a:r>
               <a:rPr lang="en-US" dirty="0" smtClean="0"/>
-              <a:t>UI already exists</a:t>
-            </a:r>
-            <a:r>
-              <a:rPr lang="en-US" dirty="0"/>
-              <a:t> </a:t>
-            </a:r>
-            <a:r>
-              <a:rPr lang="en-US" dirty="0" smtClean="0"/>
-              <a:t>with the ability to view a static request for service. </a:t>
+              <a:t>Allows users to retrieve requests needing a decision based on their specialty</a:t>
+            </a:r>
+          </a:p>
+          <a:p>
+            <a:endParaRPr lang="en-US" dirty="0" smtClean="0"/>
+          </a:p>
+          <a:p>
+            <a:r>
+              <a:rPr lang="en-US" dirty="0" smtClean="0"/>
+              <a:t>Users can</a:t>
             </a:r>
           </a:p>
           <a:p>
             <a:pPr lvl="1"/>
             <a:r>
               <a:rPr lang="en-US" dirty="0" smtClean="0"/>
-              <a:t>It does not have the ability to retrieve a request from the routing service.</a:t>
+              <a:t>Approve a request</a:t>
             </a:r>
           </a:p>
           <a:p>
             <a:pPr lvl="1"/>
+            <a:r>
+              <a:rPr lang="en-US" dirty="0" smtClean="0"/>
+              <a:t>Deny a request</a:t>
+            </a:r>
+          </a:p>
+          <a:p>
+            <a:pPr lvl="1"/>
+            <a:r>
+              <a:rPr lang="en-US" dirty="0" smtClean="0"/>
+              <a:t>Request additional information</a:t>
+            </a:r>
+          </a:p>
+          <a:p>
             <a:endParaRPr lang="en-US" dirty="0" smtClean="0"/>
           </a:p>
           <a:p>
             <a:r>
               <a:rPr lang="en-US" dirty="0" smtClean="0"/>
-              <a:t>UI developed in </a:t>
+              <a:t>???Includes dashboard so users can track requests by specialty and status</a:t>
+            </a:r>
+          </a:p>
+          <a:p>
+            <a:endParaRPr lang="en-US" dirty="0" smtClean="0"/>
+          </a:p>
+          <a:p>
+            <a:r>
+              <a:rPr lang="en-US" dirty="0" smtClean="0"/>
+              <a:t>??? User is notified of changes to requests they’ve recently touched???</a:t>
+            </a:r>
+          </a:p>
+          <a:p>
+            <a:endParaRPr lang="en-US" dirty="0" smtClean="0"/>
+          </a:p>
+          <a:p>
+            <a:r>
+              <a:rPr lang="en-US" dirty="0" smtClean="0"/>
+              <a:t>Implemented as </a:t>
             </a:r>
             <a:r>
               <a:rPr lang="en-US" dirty="0" err="1" smtClean="0"/>
@@ -8352,40 +8923,219 @@
             </a:r>
             <a:r>
               <a:rPr lang="en-US" dirty="0" smtClean="0"/>
-              <a:t>, but </a:t>
-            </a:r>
-            <a:r>
-              <a:rPr lang="en-US" dirty="0" err="1" smtClean="0"/>
-              <a:t>Blazor</a:t>
-            </a:r>
-            <a:r>
-              <a:rPr lang="en-US" dirty="0" smtClean="0"/>
-              <a:t> knowledge not required. </a:t>
-            </a:r>
-          </a:p>
-          <a:p>
-            <a:pPr lvl="1"/>
-            <a:r>
-              <a:rPr lang="en-US" dirty="0" err="1" smtClean="0"/>
-              <a:t>Blazor</a:t>
-            </a:r>
-            <a:r>
-              <a:rPr lang="en-US" dirty="0" smtClean="0"/>
-              <a:t> is a Microsoft ASP.NET tool for creating web UIs with C# instead of JavaScript, but can easily call JavaScript APIs and libraries.</a:t>
-            </a:r>
-          </a:p>
-          <a:p>
-            <a:pPr marL="0" indent="0">
-              <a:buNone/>
+              <a:t> ??? Application and deployed as ???</a:t>
+            </a:r>
+          </a:p>
+        </p:txBody>
+      </p:sp>
+      <p:sp>
+        <p:nvSpPr>
+          <p:cNvPr id="4" name="Rectangle 3"/>
+          <p:cNvSpPr/>
+          <p:nvPr/>
+        </p:nvSpPr>
+        <p:spPr>
+          <a:xfrm>
+            <a:off x="9368444" y="0"/>
+            <a:ext cx="2676698" cy="2137202"/>
+          </a:xfrm>
+          <a:prstGeom prst="rect">
+            <a:avLst/>
+          </a:prstGeom>
+          <a:solidFill>
+            <a:srgbClr val="FFFF00"/>
+          </a:solidFill>
+        </p:spPr>
+        <p:style>
+          <a:lnRef idx="2">
+            <a:schemeClr val="accent1">
+              <a:shade val="50000"/>
+            </a:schemeClr>
+          </a:lnRef>
+          <a:fillRef idx="1">
+            <a:schemeClr val="accent1"/>
+          </a:fillRef>
+          <a:effectRef idx="0">
+            <a:schemeClr val="accent1"/>
+          </a:effectRef>
+          <a:fontRef idx="minor">
+            <a:schemeClr val="lt1"/>
+          </a:fontRef>
+        </p:style>
+        <p:txBody>
+          <a:bodyPr rtlCol="0" anchor="t" anchorCtr="0"/>
+          <a:lstStyle/>
+          <a:p>
+            <a:r>
+              <a:rPr lang="en-US" sz="1050" dirty="0" smtClean="0">
+                <a:solidFill>
+                  <a:schemeClr val="tx1"/>
+                </a:solidFill>
+              </a:rPr>
+              <a:t>Prep</a:t>
+            </a:r>
+          </a:p>
+          <a:p>
+            <a:pPr marL="285750" indent="-285750">
+              <a:buFontTx/>
+              <a:buChar char="-"/>
             </a:pPr>
-            <a:endParaRPr lang="en-US" dirty="0" smtClean="0"/>
+            <a:r>
+              <a:rPr lang="en-US" sz="1050" dirty="0" smtClean="0">
+                <a:solidFill>
+                  <a:schemeClr val="tx1"/>
+                </a:solidFill>
+              </a:rPr>
+              <a:t>Shell application</a:t>
+            </a:r>
+          </a:p>
+          <a:p>
+            <a:pPr marL="742950" lvl="1" indent="-285750">
+              <a:buFontTx/>
+              <a:buChar char="-"/>
+            </a:pPr>
+            <a:r>
+              <a:rPr lang="en-US" sz="1050" dirty="0" smtClean="0">
+                <a:solidFill>
+                  <a:schemeClr val="tx1"/>
+                </a:solidFill>
+              </a:rPr>
+              <a:t>Login / select specialty</a:t>
+            </a:r>
+          </a:p>
+          <a:p>
+            <a:pPr marL="285750" indent="-285750">
+              <a:buFontTx/>
+              <a:buChar char="-"/>
+            </a:pPr>
+            <a:r>
+              <a:rPr lang="en-US" sz="1050" dirty="0" smtClean="0">
+                <a:solidFill>
+                  <a:schemeClr val="tx1"/>
+                </a:solidFill>
+              </a:rPr>
+              <a:t>View request</a:t>
+            </a:r>
+          </a:p>
+          <a:p>
+            <a:pPr marL="285750" indent="-285750">
+              <a:buFontTx/>
+              <a:buChar char="-"/>
+            </a:pPr>
+            <a:r>
+              <a:rPr lang="en-US" sz="1050" dirty="0" smtClean="0">
+                <a:solidFill>
+                  <a:schemeClr val="tx1"/>
+                </a:solidFill>
+              </a:rPr>
+              <a:t>Approve / deny / more info</a:t>
+            </a:r>
+          </a:p>
+          <a:p>
+            <a:pPr marL="285750" indent="-285750">
+              <a:buFontTx/>
+              <a:buChar char="-"/>
+            </a:pPr>
+            <a:r>
+              <a:rPr lang="en-US" sz="1050" dirty="0" smtClean="0">
+                <a:solidFill>
+                  <a:schemeClr val="tx1"/>
+                </a:solidFill>
+              </a:rPr>
+              <a:t>Dashboard???</a:t>
+            </a:r>
+          </a:p>
+          <a:p>
+            <a:pPr marL="285750" indent="-285750">
+              <a:buFontTx/>
+              <a:buChar char="-"/>
+            </a:pPr>
+            <a:endParaRPr lang="en-US" sz="1050" dirty="0">
+              <a:solidFill>
+                <a:schemeClr val="tx1"/>
+              </a:solidFill>
+            </a:endParaRPr>
+          </a:p>
+          <a:p>
+            <a:r>
+              <a:rPr lang="en-US" sz="1050" dirty="0" smtClean="0">
+                <a:solidFill>
+                  <a:schemeClr val="tx1"/>
+                </a:solidFill>
+              </a:rPr>
+              <a:t>In class</a:t>
+            </a:r>
+          </a:p>
+          <a:p>
+            <a:pPr marL="171450" indent="-171450">
+              <a:buFontTx/>
+              <a:buChar char="-"/>
+            </a:pPr>
+            <a:r>
+              <a:rPr lang="en-US" sz="1050" dirty="0" smtClean="0">
+                <a:solidFill>
+                  <a:schemeClr val="tx1"/>
+                </a:solidFill>
+              </a:rPr>
+              <a:t>Send request for request to queue</a:t>
+            </a:r>
+          </a:p>
+          <a:p>
+            <a:pPr marL="171450" indent="-171450">
+              <a:buFontTx/>
+              <a:buChar char="-"/>
+            </a:pPr>
+            <a:r>
+              <a:rPr lang="en-US" sz="1050" dirty="0" smtClean="0">
+                <a:solidFill>
+                  <a:schemeClr val="tx1"/>
+                </a:solidFill>
+              </a:rPr>
+              <a:t>Send updated requests to topic</a:t>
+            </a:r>
+          </a:p>
+          <a:p>
+            <a:pPr marL="628650" lvl="1" indent="-171450">
+              <a:buFontTx/>
+              <a:buChar char="-"/>
+            </a:pPr>
+            <a:r>
+              <a:rPr lang="en-US" sz="1050" dirty="0" smtClean="0">
+                <a:solidFill>
+                  <a:schemeClr val="tx1"/>
+                </a:solidFill>
+              </a:rPr>
+              <a:t>Need more info???</a:t>
+            </a:r>
+          </a:p>
+          <a:p>
+            <a:pPr marL="628650" lvl="1" indent="-171450">
+              <a:buFontTx/>
+              <a:buChar char="-"/>
+            </a:pPr>
+            <a:endParaRPr lang="en-US" sz="1050" dirty="0" smtClean="0">
+              <a:solidFill>
+                <a:schemeClr val="tx1"/>
+              </a:solidFill>
+            </a:endParaRPr>
+          </a:p>
+          <a:p>
+            <a:pPr marL="285750" indent="-285750">
+              <a:buFontTx/>
+              <a:buChar char="-"/>
+            </a:pPr>
+            <a:endParaRPr lang="en-US" dirty="0">
+              <a:solidFill>
+                <a:schemeClr val="tx1"/>
+              </a:solidFill>
+            </a:endParaRPr>
           </a:p>
         </p:txBody>
       </p:sp>
     </p:spTree>
     <p:extLst>
       <p:ext uri="{BB962C8B-B14F-4D97-AF65-F5344CB8AC3E}">
-        <p14:creationId xmlns:p14="http://schemas.microsoft.com/office/powerpoint/2010/main" val="1987503314"/>
+        <p14:creationId xmlns:p14="http://schemas.microsoft.com/office/powerpoint/2010/main" val="2842918892"/>
       </p:ext>
     </p:extLst>
   </p:cSld>
@@ -8414,6 +9164,496 @@
       </p:grpSpPr>
       <p:sp>
         <p:nvSpPr>
+          <p:cNvPr id="4" name="Title 3"/>
+          <p:cNvSpPr>
+            <a:spLocks noGrp="1"/>
+          </p:cNvSpPr>
+          <p:nvPr>
+            <p:ph type="title"/>
+          </p:nvPr>
+        </p:nvSpPr>
+        <p:spPr/>
+        <p:txBody>
+          <a:bodyPr/>
+          <a:lstStyle/>
+          <a:p>
+            <a:r>
+              <a:rPr lang="en-US" dirty="0" smtClean="0"/>
+              <a:t>Sprint 4</a:t>
+            </a:r>
+            <a:endParaRPr lang="en-US" dirty="0"/>
+          </a:p>
+        </p:txBody>
+      </p:sp>
+      <p:sp>
+        <p:nvSpPr>
+          <p:cNvPr id="5" name="Text Placeholder 4"/>
+          <p:cNvSpPr>
+            <a:spLocks noGrp="1"/>
+          </p:cNvSpPr>
+          <p:nvPr>
+            <p:ph type="body" idx="1"/>
+          </p:nvPr>
+        </p:nvSpPr>
+        <p:spPr/>
+        <p:txBody>
+          <a:bodyPr/>
+          <a:lstStyle/>
+          <a:p>
+            <a:r>
+              <a:rPr lang="en-US" dirty="0" smtClean="0"/>
+              <a:t>UI for Manual Decisions</a:t>
+            </a:r>
+            <a:endParaRPr lang="en-US" dirty="0"/>
+          </a:p>
+        </p:txBody>
+      </p:sp>
+    </p:spTree>
+    <p:extLst>
+      <p:ext uri="{BB962C8B-B14F-4D97-AF65-F5344CB8AC3E}">
+        <p14:creationId xmlns:p14="http://schemas.microsoft.com/office/powerpoint/2010/main" val="3811699319"/>
+      </p:ext>
+    </p:extLst>
+  </p:cSld>
+  <p:clrMapOvr>
+    <a:masterClrMapping/>
+  </p:clrMapOvr>
+</p:sld>
+</file>
+
+<file path=ppt/slides/slide34.xml><?xml version="1.0" encoding="utf-8"?>
+<p:sld xmlns:a="http://schemas.openxmlformats.org/drawingml/2006/main" xmlns:r="http://schemas.openxmlformats.org/officeDocument/2006/relationships" xmlns:p="http://schemas.openxmlformats.org/presentationml/2006/main">
+  <p:cSld>
+    <p:spTree>
+      <p:nvGrpSpPr>
+        <p:cNvPr id="1" name=""/>
+        <p:cNvGrpSpPr/>
+        <p:nvPr/>
+      </p:nvGrpSpPr>
+      <p:grpSpPr>
+        <a:xfrm>
+          <a:off x="0" y="0"/>
+          <a:ext cx="0" cy="0"/>
+          <a:chOff x="0" y="0"/>
+          <a:chExt cx="0" cy="0"/>
+        </a:xfrm>
+      </p:grpSpPr>
+      <p:sp>
+        <p:nvSpPr>
+          <p:cNvPr id="4" name="Title 3"/>
+          <p:cNvSpPr>
+            <a:spLocks noGrp="1"/>
+          </p:cNvSpPr>
+          <p:nvPr>
+            <p:ph type="title"/>
+          </p:nvPr>
+        </p:nvSpPr>
+        <p:spPr/>
+        <p:txBody>
+          <a:bodyPr/>
+          <a:lstStyle/>
+          <a:p>
+            <a:r>
+              <a:rPr lang="en-US" dirty="0" smtClean="0"/>
+              <a:t>To Do</a:t>
+            </a:r>
+            <a:endParaRPr lang="en-US" dirty="0"/>
+          </a:p>
+        </p:txBody>
+      </p:sp>
+      <p:sp>
+        <p:nvSpPr>
+          <p:cNvPr id="5" name="Content Placeholder 4"/>
+          <p:cNvSpPr>
+            <a:spLocks noGrp="1"/>
+          </p:cNvSpPr>
+          <p:nvPr>
+            <p:ph idx="1"/>
+          </p:nvPr>
+        </p:nvSpPr>
+        <p:spPr/>
+        <p:txBody>
+          <a:bodyPr>
+            <a:normAutofit lnSpcReduction="10000"/>
+          </a:bodyPr>
+          <a:lstStyle/>
+          <a:p>
+            <a:r>
+              <a:rPr lang="en-US" smtClean="0"/>
+              <a:t>Get </a:t>
+            </a:r>
+            <a:r>
+              <a:rPr lang="en-US" dirty="0" smtClean="0"/>
+              <a:t>request</a:t>
+            </a:r>
+          </a:p>
+          <a:p>
+            <a:pPr lvl="1"/>
+            <a:r>
+              <a:rPr lang="en-US" dirty="0" smtClean="0"/>
+              <a:t>Handle no current request</a:t>
+            </a:r>
+          </a:p>
+          <a:p>
+            <a:r>
+              <a:rPr lang="en-US" dirty="0" smtClean="0"/>
+              <a:t>Approve / Disapprove</a:t>
+            </a:r>
+          </a:p>
+          <a:p>
+            <a:r>
+              <a:rPr lang="en-US" dirty="0" smtClean="0"/>
+              <a:t>Clean Login Screen</a:t>
+            </a:r>
+          </a:p>
+          <a:p>
+            <a:r>
+              <a:rPr lang="en-US" dirty="0" smtClean="0"/>
+              <a:t>Starting point</a:t>
+            </a:r>
+          </a:p>
+          <a:p>
+            <a:pPr lvl="1"/>
+            <a:r>
+              <a:rPr lang="en-US" dirty="0" smtClean="0"/>
+              <a:t>UI with a hard-coded, but dynamic request</a:t>
+            </a:r>
+          </a:p>
+          <a:p>
+            <a:pPr lvl="1"/>
+            <a:r>
+              <a:rPr lang="en-US" dirty="0" smtClean="0"/>
+              <a:t>Disabled dashboard</a:t>
+            </a:r>
+            <a:endParaRPr lang="en-US" dirty="0"/>
+          </a:p>
+          <a:p>
+            <a:r>
+              <a:rPr lang="en-US" dirty="0" smtClean="0"/>
+              <a:t>Stats for manually approved/disapproved</a:t>
+            </a:r>
+          </a:p>
+          <a:p>
+            <a:pPr lvl="1"/>
+            <a:r>
+              <a:rPr lang="en-US" dirty="0" smtClean="0"/>
+              <a:t>Assigned?</a:t>
+            </a:r>
+            <a:endParaRPr lang="en-US" dirty="0"/>
+          </a:p>
+          <a:p>
+            <a:r>
+              <a:rPr lang="en-US" dirty="0" smtClean="0"/>
+              <a:t>Make stats viewable from decision screen</a:t>
+            </a:r>
+            <a:endParaRPr lang="en-US" dirty="0"/>
+          </a:p>
+        </p:txBody>
+      </p:sp>
+    </p:spTree>
+    <p:extLst>
+      <p:ext uri="{BB962C8B-B14F-4D97-AF65-F5344CB8AC3E}">
+        <p14:creationId xmlns:p14="http://schemas.microsoft.com/office/powerpoint/2010/main" val="3643911036"/>
+      </p:ext>
+    </p:extLst>
+  </p:cSld>
+  <p:clrMapOvr>
+    <a:masterClrMapping/>
+  </p:clrMapOvr>
+</p:sld>
+</file>
+
+<file path=ppt/slides/slide35.xml><?xml version="1.0" encoding="utf-8"?>
+<p:sld xmlns:a="http://schemas.openxmlformats.org/drawingml/2006/main" xmlns:r="http://schemas.openxmlformats.org/officeDocument/2006/relationships" xmlns:p="http://schemas.openxmlformats.org/presentationml/2006/main">
+  <p:cSld>
+    <p:spTree>
+      <p:nvGrpSpPr>
+        <p:cNvPr id="1" name=""/>
+        <p:cNvGrpSpPr/>
+        <p:nvPr/>
+      </p:nvGrpSpPr>
+      <p:grpSpPr>
+        <a:xfrm>
+          <a:off x="0" y="0"/>
+          <a:ext cx="0" cy="0"/>
+          <a:chOff x="0" y="0"/>
+          <a:chExt cx="0" cy="0"/>
+        </a:xfrm>
+      </p:grpSpPr>
+      <p:sp>
+        <p:nvSpPr>
+          <p:cNvPr id="2" name="Title 1"/>
+          <p:cNvSpPr>
+            <a:spLocks noGrp="1"/>
+          </p:cNvSpPr>
+          <p:nvPr>
+            <p:ph type="title"/>
+          </p:nvPr>
+        </p:nvSpPr>
+        <p:spPr/>
+        <p:txBody>
+          <a:bodyPr/>
+          <a:lstStyle/>
+          <a:p>
+            <a:r>
+              <a:rPr lang="en-US" dirty="0" smtClean="0"/>
+              <a:t>User Story </a:t>
+            </a:r>
+            <a:r>
+              <a:rPr lang="en-US" dirty="0"/>
+              <a:t>4</a:t>
+            </a:r>
+            <a:r>
+              <a:rPr lang="en-US" dirty="0" smtClean="0"/>
+              <a:t>-1</a:t>
+            </a:r>
+            <a:endParaRPr lang="en-US" dirty="0"/>
+          </a:p>
+        </p:txBody>
+      </p:sp>
+      <p:sp>
+        <p:nvSpPr>
+          <p:cNvPr id="3" name="Content Placeholder 2"/>
+          <p:cNvSpPr>
+            <a:spLocks noGrp="1"/>
+          </p:cNvSpPr>
+          <p:nvPr>
+            <p:ph idx="1"/>
+          </p:nvPr>
+        </p:nvSpPr>
+        <p:spPr/>
+        <p:txBody>
+          <a:bodyPr>
+            <a:normAutofit/>
+          </a:bodyPr>
+          <a:lstStyle/>
+          <a:p>
+            <a:pPr marL="0" indent="0">
+              <a:buNone/>
+            </a:pPr>
+            <a:r>
+              <a:rPr lang="en-US" dirty="0" smtClean="0"/>
+              <a:t>As a TAH physician, I need to be able to view requests that have not been automatically approved so that I can determine if they should be approved or not.</a:t>
+            </a:r>
+          </a:p>
+          <a:p>
+            <a:pPr marL="0" indent="0">
+              <a:buNone/>
+            </a:pPr>
+            <a:endParaRPr lang="en-US" dirty="0" smtClean="0"/>
+          </a:p>
+          <a:p>
+            <a:pPr marL="0" indent="0">
+              <a:buNone/>
+            </a:pPr>
+            <a:r>
+              <a:rPr lang="en-US" dirty="0" smtClean="0"/>
+              <a:t>Acceptance Criteria</a:t>
+            </a:r>
+          </a:p>
+          <a:p>
+            <a:pPr marL="457200" indent="-457200">
+              <a:buFont typeface="+mj-lt"/>
+              <a:buAutoNum type="arabicPeriod"/>
+            </a:pPr>
+            <a:r>
+              <a:rPr lang="en-US" dirty="0" smtClean="0"/>
+              <a:t>Retrieve a request that has not been automatically approved</a:t>
+            </a:r>
+          </a:p>
+          <a:p>
+            <a:pPr marL="457200" indent="-457200">
+              <a:buFont typeface="+mj-lt"/>
+              <a:buAutoNum type="arabicPeriod"/>
+            </a:pPr>
+            <a:r>
+              <a:rPr lang="en-US" dirty="0" smtClean="0"/>
+              <a:t>View request details</a:t>
+            </a:r>
+          </a:p>
+          <a:p>
+            <a:pPr marL="457200" indent="-457200">
+              <a:buFont typeface="+mj-lt"/>
+              <a:buAutoNum type="arabicPeriod"/>
+            </a:pPr>
+            <a:r>
+              <a:rPr lang="en-US" dirty="0" smtClean="0"/>
+              <a:t>Approve or disapprove the request</a:t>
+            </a:r>
+          </a:p>
+        </p:txBody>
+      </p:sp>
+    </p:spTree>
+    <p:extLst>
+      <p:ext uri="{BB962C8B-B14F-4D97-AF65-F5344CB8AC3E}">
+        <p14:creationId xmlns:p14="http://schemas.microsoft.com/office/powerpoint/2010/main" val="3081871758"/>
+      </p:ext>
+    </p:extLst>
+  </p:cSld>
+  <p:clrMapOvr>
+    <a:masterClrMapping/>
+  </p:clrMapOvr>
+</p:sld>
+</file>
+
+<file path=ppt/slides/slide36.xml><?xml version="1.0" encoding="utf-8"?>
+<p:sld xmlns:a="http://schemas.openxmlformats.org/drawingml/2006/main" xmlns:r="http://schemas.openxmlformats.org/officeDocument/2006/relationships" xmlns:p="http://schemas.openxmlformats.org/presentationml/2006/main">
+  <p:cSld>
+    <p:spTree>
+      <p:nvGrpSpPr>
+        <p:cNvPr id="1" name=""/>
+        <p:cNvGrpSpPr/>
+        <p:nvPr/>
+      </p:nvGrpSpPr>
+      <p:grpSpPr>
+        <a:xfrm>
+          <a:off x="0" y="0"/>
+          <a:ext cx="0" cy="0"/>
+          <a:chOff x="0" y="0"/>
+          <a:chExt cx="0" cy="0"/>
+        </a:xfrm>
+      </p:grpSpPr>
+      <p:sp>
+        <p:nvSpPr>
+          <p:cNvPr id="2" name="Title 1"/>
+          <p:cNvSpPr>
+            <a:spLocks noGrp="1"/>
+          </p:cNvSpPr>
+          <p:nvPr>
+            <p:ph type="title"/>
+          </p:nvPr>
+        </p:nvSpPr>
+        <p:spPr/>
+        <p:txBody>
+          <a:bodyPr/>
+          <a:lstStyle/>
+          <a:p>
+            <a:r>
+              <a:rPr lang="en-US" dirty="0"/>
+              <a:t>User Story </a:t>
+            </a:r>
+            <a:r>
+              <a:rPr lang="en-US" dirty="0" smtClean="0"/>
+              <a:t>4-1: Current Status</a:t>
+            </a:r>
+            <a:endParaRPr lang="en-US" dirty="0"/>
+          </a:p>
+        </p:txBody>
+      </p:sp>
+      <p:sp>
+        <p:nvSpPr>
+          <p:cNvPr id="3" name="Content Placeholder 2"/>
+          <p:cNvSpPr>
+            <a:spLocks noGrp="1"/>
+          </p:cNvSpPr>
+          <p:nvPr>
+            <p:ph idx="1"/>
+          </p:nvPr>
+        </p:nvSpPr>
+        <p:spPr/>
+        <p:txBody>
+          <a:bodyPr>
+            <a:normAutofit/>
+          </a:bodyPr>
+          <a:lstStyle/>
+          <a:p>
+            <a:r>
+              <a:rPr lang="en-US" dirty="0" smtClean="0"/>
+              <a:t>UI already exists</a:t>
+            </a:r>
+            <a:r>
+              <a:rPr lang="en-US" dirty="0"/>
+              <a:t> </a:t>
+            </a:r>
+            <a:r>
+              <a:rPr lang="en-US" dirty="0" smtClean="0"/>
+              <a:t>with the ability to view a static request for service. </a:t>
+            </a:r>
+          </a:p>
+          <a:p>
+            <a:pPr lvl="1"/>
+            <a:r>
+              <a:rPr lang="en-US" dirty="0" smtClean="0"/>
+              <a:t>It does not have the ability to retrieve a request from the routing service.</a:t>
+            </a:r>
+          </a:p>
+          <a:p>
+            <a:pPr lvl="1"/>
+            <a:endParaRPr lang="en-US" dirty="0" smtClean="0"/>
+          </a:p>
+          <a:p>
+            <a:r>
+              <a:rPr lang="en-US" dirty="0" smtClean="0"/>
+              <a:t>UI developed in </a:t>
+            </a:r>
+            <a:r>
+              <a:rPr lang="en-US" dirty="0" err="1" smtClean="0"/>
+              <a:t>Blazor</a:t>
+            </a:r>
+            <a:r>
+              <a:rPr lang="en-US" dirty="0" smtClean="0"/>
+              <a:t>, but </a:t>
+            </a:r>
+            <a:r>
+              <a:rPr lang="en-US" dirty="0" err="1" smtClean="0"/>
+              <a:t>Blazor</a:t>
+            </a:r>
+            <a:r>
+              <a:rPr lang="en-US" dirty="0" smtClean="0"/>
+              <a:t> knowledge not required. </a:t>
+            </a:r>
+          </a:p>
+          <a:p>
+            <a:pPr lvl="1"/>
+            <a:r>
+              <a:rPr lang="en-US" dirty="0" err="1" smtClean="0"/>
+              <a:t>Blazor</a:t>
+            </a:r>
+            <a:r>
+              <a:rPr lang="en-US" dirty="0" smtClean="0"/>
+              <a:t> is a Microsoft ASP.NET tool for creating web UIs with C# instead of JavaScript, but can easily call JavaScript APIs and libraries.</a:t>
+            </a:r>
+          </a:p>
+          <a:p>
+            <a:pPr marL="0" indent="0">
+              <a:buNone/>
+            </a:pPr>
+            <a:endParaRPr lang="en-US" dirty="0" smtClean="0"/>
+          </a:p>
+        </p:txBody>
+      </p:sp>
+    </p:spTree>
+    <p:extLst>
+      <p:ext uri="{BB962C8B-B14F-4D97-AF65-F5344CB8AC3E}">
+        <p14:creationId xmlns:p14="http://schemas.microsoft.com/office/powerpoint/2010/main" val="1987503314"/>
+      </p:ext>
+    </p:extLst>
+  </p:cSld>
+  <p:clrMapOvr>
+    <a:masterClrMapping/>
+  </p:clrMapOvr>
+</p:sld>
+</file>
+
+<file path=ppt/slides/slide37.xml><?xml version="1.0" encoding="utf-8"?>
+<p:sld xmlns:a="http://schemas.openxmlformats.org/drawingml/2006/main" xmlns:r="http://schemas.openxmlformats.org/officeDocument/2006/relationships" xmlns:p="http://schemas.openxmlformats.org/presentationml/2006/main">
+  <p:cSld>
+    <p:spTree>
+      <p:nvGrpSpPr>
+        <p:cNvPr id="1" name=""/>
+        <p:cNvGrpSpPr/>
+        <p:nvPr/>
+      </p:nvGrpSpPr>
+      <p:grpSpPr>
+        <a:xfrm>
+          <a:off x="0" y="0"/>
+          <a:ext cx="0" cy="0"/>
+          <a:chOff x="0" y="0"/>
+          <a:chExt cx="0" cy="0"/>
+        </a:xfrm>
+      </p:grpSpPr>
+      <p:sp>
+        <p:nvSpPr>
           <p:cNvPr id="2" name="Title 1"/>
           <p:cNvSpPr>
             <a:spLocks noGrp="1"/>
@@ -8495,7 +9735,7 @@
 </p:sld>
 </file>
 
-<file path=ppt/slides/slide34.xml><?xml version="1.0" encoding="utf-8"?>
+<file path=ppt/slides/slide38.xml><?xml version="1.0" encoding="utf-8"?>
 <p:sld xmlns:a="http://schemas.openxmlformats.org/drawingml/2006/main" xmlns:r="http://schemas.openxmlformats.org/officeDocument/2006/relationships" xmlns:p="http://schemas.openxmlformats.org/presentationml/2006/main">
   <p:cSld>
     <p:spTree>
@@ -8609,505 +9849,6 @@
 </p:sld>
 </file>
 
-<file path=ppt/slides/slide35.xml><?xml version="1.0" encoding="utf-8"?>
-<p:sld xmlns:a="http://schemas.openxmlformats.org/drawingml/2006/main" xmlns:r="http://schemas.openxmlformats.org/officeDocument/2006/relationships" xmlns:p="http://schemas.openxmlformats.org/presentationml/2006/main">
-  <p:cSld>
-    <p:spTree>
-      <p:nvGrpSpPr>
-        <p:cNvPr id="1" name=""/>
-        <p:cNvGrpSpPr/>
-        <p:nvPr/>
-      </p:nvGrpSpPr>
-      <p:grpSpPr>
-        <a:xfrm>
-          <a:off x="0" y="0"/>
-          <a:ext cx="0" cy="0"/>
-          <a:chOff x="0" y="0"/>
-          <a:chExt cx="0" cy="0"/>
-        </a:xfrm>
-      </p:grpSpPr>
-      <p:sp>
-        <p:nvSpPr>
-          <p:cNvPr id="2" name="Title 1"/>
-          <p:cNvSpPr>
-            <a:spLocks noGrp="1"/>
-          </p:cNvSpPr>
-          <p:nvPr>
-            <p:ph type="title"/>
-          </p:nvPr>
-        </p:nvSpPr>
-        <p:spPr/>
-        <p:txBody>
-          <a:bodyPr/>
-          <a:lstStyle/>
-          <a:p>
-            <a:r>
-              <a:rPr lang="en-US" dirty="0"/>
-              <a:t>User Story </a:t>
-            </a:r>
-            <a:r>
-              <a:rPr lang="en-US" dirty="0" smtClean="0"/>
-              <a:t>4-1: Design Details</a:t>
-            </a:r>
-            <a:endParaRPr lang="en-US" dirty="0"/>
-          </a:p>
-        </p:txBody>
-      </p:sp>
-      <p:sp>
-        <p:nvSpPr>
-          <p:cNvPr id="3" name="Content Placeholder 2"/>
-          <p:cNvSpPr>
-            <a:spLocks noGrp="1"/>
-          </p:cNvSpPr>
-          <p:nvPr>
-            <p:ph idx="1"/>
-          </p:nvPr>
-        </p:nvSpPr>
-        <p:spPr/>
-        <p:txBody>
-          <a:bodyPr>
-            <a:normAutofit/>
-          </a:bodyPr>
-          <a:lstStyle/>
-          <a:p>
-            <a:r>
-              <a:rPr lang="en-US" dirty="0" smtClean="0"/>
-              <a:t>Just as we’re doing with service-to-service communications, we’re going to use </a:t>
-            </a:r>
-            <a:r>
-              <a:rPr lang="en-US" dirty="0" err="1" smtClean="0"/>
-              <a:t>async</a:t>
-            </a:r>
-            <a:r>
-              <a:rPr lang="en-US" dirty="0" smtClean="0"/>
-              <a:t> messaging to make a request from the UI to retrieve a request for the user.</a:t>
-            </a:r>
-          </a:p>
-          <a:p>
-            <a:pPr lvl="1"/>
-            <a:r>
-              <a:rPr lang="en-US" dirty="0" smtClean="0"/>
-              <a:t>Send a </a:t>
-            </a:r>
-            <a:r>
-              <a:rPr lang="en-US" i="1" dirty="0" smtClean="0"/>
-              <a:t>command</a:t>
-            </a:r>
-            <a:r>
-              <a:rPr lang="en-US" dirty="0" smtClean="0"/>
-              <a:t> to a new Azure Hub called </a:t>
-            </a:r>
-            <a:r>
-              <a:rPr lang="en-US" i="1" dirty="0" err="1" smtClean="0"/>
-              <a:t>getRequest</a:t>
-            </a:r>
-            <a:r>
-              <a:rPr lang="en-US" dirty="0" smtClean="0"/>
-              <a:t> to get the next request for the current user from the Routing Service. </a:t>
-            </a:r>
-          </a:p>
-          <a:p>
-            <a:pPr lvl="1"/>
-            <a:r>
-              <a:rPr lang="en-US" dirty="0" smtClean="0"/>
-              <a:t>The response will come on another new Hub called </a:t>
-            </a:r>
-            <a:r>
-              <a:rPr lang="en-US" i="1" dirty="0" err="1" smtClean="0"/>
-              <a:t>requestAssigned</a:t>
-            </a:r>
-            <a:r>
-              <a:rPr lang="en-US" dirty="0" smtClean="0"/>
-              <a:t>.</a:t>
-            </a:r>
-          </a:p>
-          <a:p>
-            <a:endParaRPr lang="en-US" dirty="0" smtClean="0"/>
-          </a:p>
-          <a:p>
-            <a:r>
-              <a:rPr lang="en-US" dirty="0" smtClean="0"/>
-              <a:t>When the user makes a decision on a request, we’ll send an event to the </a:t>
-            </a:r>
-            <a:r>
-              <a:rPr lang="en-US" i="1" dirty="0" err="1" smtClean="0"/>
-              <a:t>requestDecided</a:t>
-            </a:r>
-            <a:r>
-              <a:rPr lang="en-US" dirty="0"/>
-              <a:t> </a:t>
-            </a:r>
-            <a:r>
-              <a:rPr lang="en-US" dirty="0" smtClean="0"/>
-              <a:t>we’re already using from the Auto Approval service.</a:t>
-            </a:r>
-          </a:p>
-        </p:txBody>
-      </p:sp>
-    </p:spTree>
-    <p:extLst>
-      <p:ext uri="{BB962C8B-B14F-4D97-AF65-F5344CB8AC3E}">
-        <p14:creationId xmlns:p14="http://schemas.microsoft.com/office/powerpoint/2010/main" val="3247998469"/>
-      </p:ext>
-    </p:extLst>
-  </p:cSld>
-  <p:clrMapOvr>
-    <a:masterClrMapping/>
-  </p:clrMapOvr>
-</p:sld>
-</file>
-
-<file path=ppt/slides/slide36.xml><?xml version="1.0" encoding="utf-8"?>
-<p:sld xmlns:a="http://schemas.openxmlformats.org/drawingml/2006/main" xmlns:r="http://schemas.openxmlformats.org/officeDocument/2006/relationships" xmlns:p="http://schemas.openxmlformats.org/presentationml/2006/main">
-  <p:cSld>
-    <p:spTree>
-      <p:nvGrpSpPr>
-        <p:cNvPr id="1" name=""/>
-        <p:cNvGrpSpPr/>
-        <p:nvPr/>
-      </p:nvGrpSpPr>
-      <p:grpSpPr>
-        <a:xfrm>
-          <a:off x="0" y="0"/>
-          <a:ext cx="0" cy="0"/>
-          <a:chOff x="0" y="0"/>
-          <a:chExt cx="0" cy="0"/>
-        </a:xfrm>
-      </p:grpSpPr>
-      <p:sp>
-        <p:nvSpPr>
-          <p:cNvPr id="2" name="Title 1"/>
-          <p:cNvSpPr>
-            <a:spLocks noGrp="1"/>
-          </p:cNvSpPr>
-          <p:nvPr>
-            <p:ph type="title"/>
-          </p:nvPr>
-        </p:nvSpPr>
-        <p:spPr/>
-        <p:txBody>
-          <a:bodyPr/>
-          <a:lstStyle/>
-          <a:p>
-            <a:r>
-              <a:rPr lang="en-US" dirty="0"/>
-              <a:t>T</a:t>
-            </a:r>
-            <a:r>
-              <a:rPr lang="en-US" dirty="0" smtClean="0"/>
-              <a:t>ask </a:t>
-            </a:r>
-            <a:r>
-              <a:rPr lang="en-US" dirty="0"/>
-              <a:t>4</a:t>
-            </a:r>
-            <a:r>
-              <a:rPr lang="en-US" dirty="0" smtClean="0"/>
-              <a:t>-1: </a:t>
-            </a:r>
-            <a:r>
-              <a:rPr lang="en-US" dirty="0" smtClean="0"/>
-              <a:t>Create Azure </a:t>
-            </a:r>
-            <a:r>
-              <a:rPr lang="en-US" dirty="0"/>
-              <a:t>E</a:t>
-            </a:r>
-            <a:r>
-              <a:rPr lang="en-US" dirty="0" smtClean="0"/>
-              <a:t>vent </a:t>
-            </a:r>
-            <a:r>
-              <a:rPr lang="en-US" dirty="0"/>
-              <a:t>H</a:t>
-            </a:r>
-            <a:r>
-              <a:rPr lang="en-US" dirty="0" smtClean="0"/>
-              <a:t>ub</a:t>
-            </a:r>
-            <a:endParaRPr lang="en-US" dirty="0"/>
-          </a:p>
-        </p:txBody>
-      </p:sp>
-      <p:sp>
-        <p:nvSpPr>
-          <p:cNvPr id="3" name="Content Placeholder 2"/>
-          <p:cNvSpPr>
-            <a:spLocks noGrp="1"/>
-          </p:cNvSpPr>
-          <p:nvPr>
-            <p:ph idx="1"/>
-          </p:nvPr>
-        </p:nvSpPr>
-        <p:spPr/>
-        <p:txBody>
-          <a:bodyPr/>
-          <a:lstStyle/>
-          <a:p>
-            <a:r>
-              <a:rPr lang="en-US" i="1" dirty="0" smtClean="0"/>
-              <a:t>Similar to Task 1-1</a:t>
-            </a:r>
-            <a:endParaRPr lang="en-US" i="1" dirty="0" smtClean="0"/>
-          </a:p>
-          <a:p>
-            <a:endParaRPr lang="en-US" dirty="0" smtClean="0"/>
-          </a:p>
-          <a:p>
-            <a:r>
-              <a:rPr lang="en-US" dirty="0" smtClean="0"/>
-              <a:t>Create </a:t>
-            </a:r>
-            <a:r>
-              <a:rPr lang="en-US" i="1" dirty="0" err="1" smtClean="0"/>
-              <a:t>getRequest</a:t>
-            </a:r>
-            <a:r>
-              <a:rPr lang="en-US" dirty="0" smtClean="0"/>
-              <a:t> Azure hub</a:t>
-            </a:r>
-            <a:endParaRPr lang="en-US" dirty="0" smtClean="0"/>
-          </a:p>
-          <a:p>
-            <a:endParaRPr lang="en-US" dirty="0" smtClean="0"/>
-          </a:p>
-          <a:p>
-            <a:r>
-              <a:rPr lang="en-US" dirty="0" smtClean="0"/>
-              <a:t>Create Shared Access Policy for publisher</a:t>
-            </a:r>
-          </a:p>
-        </p:txBody>
-      </p:sp>
-    </p:spTree>
-    <p:extLst>
-      <p:ext uri="{BB962C8B-B14F-4D97-AF65-F5344CB8AC3E}">
-        <p14:creationId xmlns:p14="http://schemas.microsoft.com/office/powerpoint/2010/main" val="2266380328"/>
-      </p:ext>
-    </p:extLst>
-  </p:cSld>
-  <p:clrMapOvr>
-    <a:masterClrMapping/>
-  </p:clrMapOvr>
-</p:sld>
-</file>
-
-<file path=ppt/slides/slide37.xml><?xml version="1.0" encoding="utf-8"?>
-<p:sld xmlns:a="http://schemas.openxmlformats.org/drawingml/2006/main" xmlns:r="http://schemas.openxmlformats.org/officeDocument/2006/relationships" xmlns:p="http://schemas.openxmlformats.org/presentationml/2006/main">
-  <p:cSld>
-    <p:spTree>
-      <p:nvGrpSpPr>
-        <p:cNvPr id="1" name=""/>
-        <p:cNvGrpSpPr/>
-        <p:nvPr/>
-      </p:nvGrpSpPr>
-      <p:grpSpPr>
-        <a:xfrm>
-          <a:off x="0" y="0"/>
-          <a:ext cx="0" cy="0"/>
-          <a:chOff x="0" y="0"/>
-          <a:chExt cx="0" cy="0"/>
-        </a:xfrm>
-      </p:grpSpPr>
-      <p:sp>
-        <p:nvSpPr>
-          <p:cNvPr id="2" name="Title 1"/>
-          <p:cNvSpPr>
-            <a:spLocks noGrp="1"/>
-          </p:cNvSpPr>
-          <p:nvPr>
-            <p:ph type="title"/>
-          </p:nvPr>
-        </p:nvSpPr>
-        <p:spPr/>
-        <p:txBody>
-          <a:bodyPr/>
-          <a:lstStyle/>
-          <a:p>
-            <a:r>
-              <a:rPr lang="en-US" dirty="0"/>
-              <a:t>T</a:t>
-            </a:r>
-            <a:r>
-              <a:rPr lang="en-US" dirty="0" smtClean="0"/>
-              <a:t>ask </a:t>
-            </a:r>
-            <a:r>
-              <a:rPr lang="en-US" dirty="0" smtClean="0"/>
-              <a:t>4</a:t>
-            </a:r>
-            <a:r>
-              <a:rPr lang="en-US" dirty="0" smtClean="0"/>
-              <a:t>-2: Update UI to Get Next Request</a:t>
-            </a:r>
-            <a:endParaRPr lang="en-US" dirty="0"/>
-          </a:p>
-        </p:txBody>
-      </p:sp>
-      <p:sp>
-        <p:nvSpPr>
-          <p:cNvPr id="3" name="Content Placeholder 2"/>
-          <p:cNvSpPr>
-            <a:spLocks noGrp="1"/>
-          </p:cNvSpPr>
-          <p:nvPr>
-            <p:ph idx="1"/>
-          </p:nvPr>
-        </p:nvSpPr>
-        <p:spPr/>
-        <p:txBody>
-          <a:bodyPr/>
-          <a:lstStyle/>
-          <a:p>
-            <a:r>
-              <a:rPr lang="en-US" dirty="0" smtClean="0"/>
-              <a:t>Install </a:t>
-            </a:r>
-            <a:r>
-              <a:rPr lang="en-US" dirty="0" err="1" smtClean="0"/>
-              <a:t>Azure.Messaging.EventHubs.Producer</a:t>
-            </a:r>
-            <a:r>
-              <a:rPr lang="en-US" smtClean="0"/>
-              <a:t> </a:t>
-            </a:r>
-            <a:endParaRPr lang="en-US"/>
-          </a:p>
-          <a:p>
-            <a:endParaRPr lang="en-US" dirty="0" smtClean="0"/>
-          </a:p>
-        </p:txBody>
-      </p:sp>
-    </p:spTree>
-    <p:extLst>
-      <p:ext uri="{BB962C8B-B14F-4D97-AF65-F5344CB8AC3E}">
-        <p14:creationId xmlns:p14="http://schemas.microsoft.com/office/powerpoint/2010/main" val="3789345674"/>
-      </p:ext>
-    </p:extLst>
-  </p:cSld>
-  <p:clrMapOvr>
-    <a:masterClrMapping/>
-  </p:clrMapOvr>
-</p:sld>
-</file>
-
-<file path=ppt/slides/slide38.xml><?xml version="1.0" encoding="utf-8"?>
-<p:sld xmlns:a="http://schemas.openxmlformats.org/drawingml/2006/main" xmlns:r="http://schemas.openxmlformats.org/officeDocument/2006/relationships" xmlns:p="http://schemas.openxmlformats.org/presentationml/2006/main">
-  <p:cSld>
-    <p:spTree>
-      <p:nvGrpSpPr>
-        <p:cNvPr id="1" name=""/>
-        <p:cNvGrpSpPr/>
-        <p:nvPr/>
-      </p:nvGrpSpPr>
-      <p:grpSpPr>
-        <a:xfrm>
-          <a:off x="0" y="0"/>
-          <a:ext cx="0" cy="0"/>
-          <a:chOff x="0" y="0"/>
-          <a:chExt cx="0" cy="0"/>
-        </a:xfrm>
-      </p:grpSpPr>
-      <p:sp>
-        <p:nvSpPr>
-          <p:cNvPr id="2" name="Title 1"/>
-          <p:cNvSpPr>
-            <a:spLocks noGrp="1"/>
-          </p:cNvSpPr>
-          <p:nvPr>
-            <p:ph type="title"/>
-          </p:nvPr>
-        </p:nvSpPr>
-        <p:spPr/>
-        <p:txBody>
-          <a:bodyPr/>
-          <a:lstStyle/>
-          <a:p>
-            <a:r>
-              <a:rPr lang="en-US" dirty="0"/>
-              <a:t>T</a:t>
-            </a:r>
-            <a:r>
-              <a:rPr lang="en-US" dirty="0" smtClean="0"/>
-              <a:t>ask </a:t>
-            </a:r>
-            <a:r>
-              <a:rPr lang="en-US" dirty="0" smtClean="0"/>
-              <a:t>4</a:t>
-            </a:r>
-            <a:r>
-              <a:rPr lang="en-US" dirty="0" smtClean="0"/>
-              <a:t>-3: </a:t>
-            </a:r>
-            <a:r>
-              <a:rPr lang="en-US" dirty="0" smtClean="0"/>
-              <a:t>Create </a:t>
-            </a:r>
-            <a:r>
-              <a:rPr lang="en-US" i="1" dirty="0" err="1" smtClean="0"/>
-              <a:t>requestAssigned</a:t>
-            </a:r>
-            <a:r>
-              <a:rPr lang="en-US" dirty="0" smtClean="0"/>
-              <a:t> Hub</a:t>
-            </a:r>
-            <a:endParaRPr lang="en-US" dirty="0"/>
-          </a:p>
-        </p:txBody>
-      </p:sp>
-      <p:sp>
-        <p:nvSpPr>
-          <p:cNvPr id="3" name="Content Placeholder 2"/>
-          <p:cNvSpPr>
-            <a:spLocks noGrp="1"/>
-          </p:cNvSpPr>
-          <p:nvPr>
-            <p:ph idx="1"/>
-          </p:nvPr>
-        </p:nvSpPr>
-        <p:spPr/>
-        <p:txBody>
-          <a:bodyPr/>
-          <a:lstStyle/>
-          <a:p>
-            <a:r>
-              <a:rPr lang="en-US" dirty="0" smtClean="0"/>
-              <a:t>Create </a:t>
-            </a:r>
-            <a:r>
-              <a:rPr lang="en-US" i="1" dirty="0" err="1" smtClean="0"/>
-              <a:t>requestAssigned</a:t>
-            </a:r>
-            <a:r>
-              <a:rPr lang="en-US" dirty="0" smtClean="0"/>
-              <a:t> Azure hub</a:t>
-            </a:r>
-            <a:endParaRPr lang="en-US" dirty="0" smtClean="0"/>
-          </a:p>
-          <a:p>
-            <a:endParaRPr lang="en-US" dirty="0" smtClean="0"/>
-          </a:p>
-          <a:p>
-            <a:r>
-              <a:rPr lang="en-US" dirty="0" smtClean="0"/>
-              <a:t>Create Shared Access Policy for publisher</a:t>
-            </a:r>
-          </a:p>
-        </p:txBody>
-      </p:sp>
-    </p:spTree>
-    <p:extLst>
-      <p:ext uri="{BB962C8B-B14F-4D97-AF65-F5344CB8AC3E}">
-        <p14:creationId xmlns:p14="http://schemas.microsoft.com/office/powerpoint/2010/main" val="1412090588"/>
-      </p:ext>
-    </p:extLst>
-  </p:cSld>
-  <p:clrMapOvr>
-    <a:masterClrMapping/>
-  </p:clrMapOvr>
-</p:sld>
-</file>
-
 <file path=ppt/slides/slide39.xml><?xml version="1.0" encoding="utf-8"?>
 <p:sld xmlns:a="http://schemas.openxmlformats.org/drawingml/2006/main" xmlns:r="http://schemas.openxmlformats.org/officeDocument/2006/relationships" xmlns:p="http://schemas.openxmlformats.org/presentationml/2006/main">
   <p:cSld>
@@ -9142,19 +9883,11 @@
           <a:p>
             <a:r>
               <a:rPr lang="en-US" dirty="0"/>
-              <a:t>T</a:t>
-            </a:r>
-            <a:r>
-              <a:rPr lang="en-US" dirty="0" smtClean="0"/>
-              <a:t>ask </a:t>
-            </a:r>
-            <a:r>
-              <a:rPr lang="en-US" dirty="0" smtClean="0"/>
-              <a:t>4</a:t>
-            </a:r>
-            <a:r>
-              <a:rPr lang="en-US" dirty="0" smtClean="0"/>
-              <a:t>-4: Update UI to Display Assigned Request</a:t>
+              <a:t>User Story </a:t>
+            </a:r>
+            <a:r>
+              <a:rPr lang="en-US" dirty="0" smtClean="0"/>
+              <a:t>4-1: Design Details</a:t>
             </a:r>
             <a:endParaRPr lang="en-US" dirty="0"/>
           </a:p>
@@ -9172,17 +9905,89 @@
         </p:nvSpPr>
         <p:spPr/>
         <p:txBody>
-          <a:bodyPr/>
-          <a:lstStyle/>
+          <a:bodyPr>
+            <a:normAutofit/>
+          </a:bodyPr>
+          <a:lstStyle/>
+          <a:p>
+            <a:r>
+              <a:rPr lang="en-US" dirty="0" smtClean="0"/>
+              <a:t>Just as we’re doing with service-to-service communications, we’re going to use </a:t>
+            </a:r>
+            <a:r>
+              <a:rPr lang="en-US" dirty="0" err="1" smtClean="0"/>
+              <a:t>async</a:t>
+            </a:r>
+            <a:r>
+              <a:rPr lang="en-US" dirty="0" smtClean="0"/>
+              <a:t> messaging to make a request from the UI to retrieve a request for the user.</a:t>
+            </a:r>
+          </a:p>
+          <a:p>
+            <a:pPr lvl="1"/>
+            <a:r>
+              <a:rPr lang="en-US" dirty="0" smtClean="0"/>
+              <a:t>Send a </a:t>
+            </a:r>
+            <a:r>
+              <a:rPr lang="en-US" i="1" dirty="0" smtClean="0"/>
+              <a:t>command</a:t>
+            </a:r>
+            <a:r>
+              <a:rPr lang="en-US" dirty="0" smtClean="0"/>
+              <a:t> to a new Azure Hub called </a:t>
+            </a:r>
+            <a:r>
+              <a:rPr lang="en-US" i="1" dirty="0" err="1" smtClean="0"/>
+              <a:t>getRequest</a:t>
+            </a:r>
+            <a:r>
+              <a:rPr lang="en-US" dirty="0" smtClean="0"/>
+              <a:t> to get the next request for the current user from the Routing Service. </a:t>
+            </a:r>
+          </a:p>
+          <a:p>
+            <a:pPr lvl="1"/>
+            <a:r>
+              <a:rPr lang="en-US" dirty="0" smtClean="0"/>
+              <a:t>The response will come on another new Hub called </a:t>
+            </a:r>
+            <a:r>
+              <a:rPr lang="en-US" i="1" dirty="0" err="1" smtClean="0"/>
+              <a:t>requestAssigned</a:t>
+            </a:r>
+            <a:r>
+              <a:rPr lang="en-US" dirty="0" smtClean="0"/>
+              <a:t>.</a:t>
+            </a:r>
+          </a:p>
           <a:p>
             <a:endParaRPr lang="en-US" dirty="0" smtClean="0"/>
+          </a:p>
+          <a:p>
+            <a:r>
+              <a:rPr lang="en-US" dirty="0" smtClean="0"/>
+              <a:t>When the user makes a decision on a request, we’ll send an event to the </a:t>
+            </a:r>
+            <a:r>
+              <a:rPr lang="en-US" i="1" dirty="0" err="1" smtClean="0"/>
+              <a:t>requestDecided</a:t>
+            </a:r>
+            <a:r>
+              <a:rPr lang="en-US" dirty="0"/>
+              <a:t> </a:t>
+            </a:r>
+            <a:r>
+              <a:rPr lang="en-US" dirty="0" smtClean="0"/>
+              <a:t>we’re already using from the Auto Approval service.</a:t>
+            </a:r>
           </a:p>
         </p:txBody>
       </p:sp>
     </p:spTree>
     <p:extLst>
       <p:ext uri="{BB962C8B-B14F-4D97-AF65-F5344CB8AC3E}">
-        <p14:creationId xmlns:p14="http://schemas.microsoft.com/office/powerpoint/2010/main" val="235141703"/>
+        <p14:creationId xmlns:p14="http://schemas.microsoft.com/office/powerpoint/2010/main" val="3247998469"/>
       </p:ext>
     </p:extLst>
   </p:cSld>
@@ -9226,7 +10031,7 @@
           <a:p>
             <a:r>
               <a:rPr lang="en-US" dirty="0" smtClean="0"/>
-              <a:t>What are we going to learn?</a:t>
+              <a:t>Who Are We?</a:t>
             </a:r>
             <a:endParaRPr lang="en-US" dirty="0"/>
           </a:p>
@@ -9249,25 +10054,33 @@
           <a:p>
             <a:r>
               <a:rPr lang="en-US" dirty="0" smtClean="0"/>
-              <a:t>Event-driven architecture (EDA) design concepts</a:t>
-            </a:r>
-          </a:p>
-          <a:p>
-            <a:endParaRPr lang="en-US" dirty="0" smtClean="0"/>
-          </a:p>
-          <a:p>
-            <a:r>
-              <a:rPr lang="en-US" dirty="0" smtClean="0"/>
-              <a:t>How to use EDA to improve your solutions</a:t>
-            </a:r>
-          </a:p>
-          <a:p>
-            <a:endParaRPr lang="en-US" dirty="0" smtClean="0"/>
-          </a:p>
-          <a:p>
-            <a:r>
-              <a:rPr lang="en-US" dirty="0" smtClean="0"/>
-              <a:t>How to implement an EDA solution on Azure</a:t>
+              <a:t>Developers using event-driven architecture</a:t>
+            </a:r>
+          </a:p>
+          <a:p>
+            <a:endParaRPr lang="en-US" dirty="0"/>
+          </a:p>
+          <a:p>
+            <a:r>
+              <a:rPr lang="en-US" dirty="0" smtClean="0"/>
+              <a:t>Impressed with improvements over other architectures and want to help spread the word</a:t>
+            </a:r>
+          </a:p>
+          <a:p>
+            <a:pPr lvl="1"/>
+            <a:r>
+              <a:rPr lang="en-US" dirty="0" smtClean="0"/>
+              <a:t>Selfishly: The more we “raise the bar” the more new and interesting stuff we can move on to</a:t>
+            </a:r>
+          </a:p>
+          <a:p>
+            <a:pPr lvl="1"/>
+            <a:endParaRPr lang="en-US" dirty="0"/>
+          </a:p>
+          <a:p>
+            <a:r>
+              <a:rPr lang="en-US" dirty="0" smtClean="0"/>
+              <a:t>Worked with a few NSS graduates and glad to be a part of that wonderful organization as well</a:t>
             </a:r>
             <a:endParaRPr lang="en-US" dirty="0"/>
           </a:p>
@@ -9276,7 +10089,7 @@
     </p:spTree>
     <p:extLst>
       <p:ext uri="{BB962C8B-B14F-4D97-AF65-F5344CB8AC3E}">
-        <p14:creationId xmlns:p14="http://schemas.microsoft.com/office/powerpoint/2010/main" val="171633761"/>
+        <p14:creationId xmlns:p14="http://schemas.microsoft.com/office/powerpoint/2010/main" val="2823603788"/>
       </p:ext>
     </p:extLst>
   </p:cSld>
@@ -9319,8 +10132,12 @@
           <a:lstStyle/>
           <a:p>
             <a:r>
-              <a:rPr lang="en-US" dirty="0" smtClean="0"/>
-              <a:t>Sprint </a:t>
+              <a:rPr lang="en-US" dirty="0"/>
+              <a:t>T</a:t>
+            </a:r>
+            <a:r>
+              <a:rPr lang="en-US" dirty="0" smtClean="0"/>
+              <a:t>ask </a:t>
             </a:r>
             <a:r>
               <a:rPr lang="en-US" dirty="0"/>
@@ -9328,11 +10145,23 @@
             </a:r>
             <a:r>
               <a:rPr lang="en-US" dirty="0" smtClean="0"/>
-              <a:t>: </a:t>
-            </a:r>
-            <a:r>
-              <a:rPr lang="en-US" dirty="0" smtClean="0"/>
-              <a:t>Retrospective</a:t>
+              <a:t>-1: Create Azure </a:t>
+            </a:r>
+            <a:r>
+              <a:rPr lang="en-US" dirty="0"/>
+              <a:t>E</a:t>
+            </a:r>
+            <a:r>
+              <a:rPr lang="en-US" dirty="0" smtClean="0"/>
+              <a:t>vent </a:t>
+            </a:r>
+            <a:r>
+              <a:rPr lang="en-US" dirty="0"/>
+              <a:t>H</a:t>
+            </a:r>
+            <a:r>
+              <a:rPr lang="en-US" dirty="0" smtClean="0"/>
+              <a:t>ub</a:t>
             </a:r>
             <a:endParaRPr lang="en-US" dirty="0"/>
           </a:p>
@@ -9350,69 +10179,46 @@
         </p:nvSpPr>
         <p:spPr/>
         <p:txBody>
-          <a:bodyPr>
-            <a:normAutofit fontScale="85000" lnSpcReduction="20000"/>
-          </a:bodyPr>
-          <a:lstStyle/>
-          <a:p>
-            <a:r>
-              <a:rPr lang="en-US" dirty="0" smtClean="0"/>
-              <a:t>We now have an end-to-end solution for managing requests for health-care services.</a:t>
-            </a:r>
-          </a:p>
-          <a:p>
-            <a:endParaRPr lang="en-US" dirty="0"/>
-          </a:p>
-          <a:p>
-            <a:r>
-              <a:rPr lang="en-US" dirty="0"/>
-              <a:t>A</a:t>
-            </a:r>
-            <a:r>
-              <a:rPr lang="en-US" dirty="0" smtClean="0"/>
-              <a:t>synchronous messaging can be used with the UI, just as it is for service-to-service communications.</a:t>
-            </a:r>
-          </a:p>
-          <a:p>
-            <a:endParaRPr lang="en-US" dirty="0"/>
-          </a:p>
-          <a:p>
-            <a:r>
-              <a:rPr lang="en-US" dirty="0" smtClean="0"/>
-              <a:t>Asynchronous messaging can include requests and responses in addition to event notifications.</a:t>
-            </a:r>
-          </a:p>
-          <a:p>
-            <a:pPr lvl="1"/>
-            <a:r>
-              <a:rPr lang="en-US" dirty="0" smtClean="0"/>
-              <a:t>In comparison to real-time request/response, such as HTTP, managing expected responses requires a different approach</a:t>
-            </a:r>
-          </a:p>
-          <a:p>
-            <a:pPr lvl="1"/>
-            <a:endParaRPr lang="en-US" dirty="0"/>
-          </a:p>
-          <a:p>
-            <a:r>
-              <a:rPr lang="en-US" dirty="0" smtClean="0"/>
-              <a:t>There can be multiple publishers of a single event.</a:t>
-            </a:r>
-          </a:p>
-          <a:p>
-            <a:pPr lvl="1"/>
-            <a:r>
-              <a:rPr lang="en-US" dirty="0" smtClean="0"/>
-              <a:t>Consider a field to identify publisher</a:t>
-            </a:r>
+          <a:bodyPr/>
+          <a:lstStyle/>
+          <a:p>
+            <a:r>
+              <a:rPr lang="en-US" i="1" dirty="0" smtClean="0"/>
+              <a:t>Similar to Task 1-1</a:t>
+            </a:r>
+          </a:p>
+          <a:p>
             <a:endParaRPr lang="en-US" dirty="0" smtClean="0"/>
+          </a:p>
+          <a:p>
+            <a:r>
+              <a:rPr lang="en-US" dirty="0" smtClean="0"/>
+              <a:t>Create </a:t>
+            </a:r>
+            <a:r>
+              <a:rPr lang="en-US" i="1" dirty="0" err="1" smtClean="0"/>
+              <a:t>getRequest</a:t>
+            </a:r>
+            <a:r>
+              <a:rPr lang="en-US" dirty="0" smtClean="0"/>
+              <a:t> Azure hub</a:t>
+            </a:r>
+          </a:p>
+          <a:p>
+            <a:endParaRPr lang="en-US" dirty="0" smtClean="0"/>
+          </a:p>
+          <a:p>
+            <a:r>
+              <a:rPr lang="en-US" dirty="0" smtClean="0"/>
+              <a:t>Create Shared Access Policy for publisher</a:t>
+            </a:r>
           </a:p>
         </p:txBody>
       </p:sp>
     </p:spTree>
     <p:extLst>
       <p:ext uri="{BB962C8B-B14F-4D97-AF65-F5344CB8AC3E}">
-        <p14:creationId xmlns:p14="http://schemas.microsoft.com/office/powerpoint/2010/main" val="2605596683"/>
+        <p14:creationId xmlns:p14="http://schemas.microsoft.com/office/powerpoint/2010/main" val="2266380328"/>
       </p:ext>
     </p:extLst>
   </p:cSld>
@@ -9455,8 +10261,12 @@
           <a:lstStyle/>
           <a:p>
             <a:r>
-              <a:rPr lang="en-US" dirty="0" smtClean="0"/>
-              <a:t>Azure App Service</a:t>
+              <a:rPr lang="en-US" dirty="0"/>
+              <a:t>T</a:t>
+            </a:r>
+            <a:r>
+              <a:rPr lang="en-US" dirty="0" smtClean="0"/>
+              <a:t>ask 4-2: Update UI to Get Next Request</a:t>
             </a:r>
             <a:endParaRPr lang="en-US" dirty="0"/>
           </a:p>
@@ -9474,85 +10284,32 @@
         </p:nvSpPr>
         <p:spPr/>
         <p:txBody>
-          <a:bodyPr>
-            <a:normAutofit lnSpcReduction="10000"/>
-          </a:bodyPr>
-          <a:lstStyle/>
-          <a:p>
-            <a:r>
-              <a:rPr lang="en-US" dirty="0" smtClean="0"/>
-              <a:t>Azure’s PaaS option for hosting applications and containers</a:t>
-            </a:r>
+          <a:bodyPr/>
+          <a:lstStyle/>
+          <a:p>
+            <a:r>
+              <a:rPr lang="en-US" dirty="0" smtClean="0"/>
+              <a:t>Install </a:t>
+            </a:r>
+            <a:r>
+              <a:rPr lang="en-US" dirty="0" err="1" smtClean="0"/>
+              <a:t>Azure.Messaging.EventHubs.Producer</a:t>
+            </a:r>
+            <a:r>
+              <a:rPr lang="en-US" smtClean="0"/>
+              <a:t> </a:t>
+            </a:r>
+            <a:endParaRPr lang="en-US"/>
           </a:p>
           <a:p>
             <a:endParaRPr lang="en-US" dirty="0" smtClean="0"/>
-          </a:p>
-          <a:p>
-            <a:r>
-              <a:rPr lang="en-US" dirty="0" smtClean="0"/>
-              <a:t>Key terms</a:t>
-            </a:r>
-          </a:p>
-          <a:p>
-            <a:pPr lvl="1"/>
-            <a:r>
-              <a:rPr lang="en-US" dirty="0" smtClean="0"/>
-              <a:t>App Service Plan</a:t>
-            </a:r>
-          </a:p>
-          <a:p>
-            <a:pPr lvl="1"/>
-            <a:endParaRPr lang="en-US" dirty="0" smtClean="0"/>
-          </a:p>
-          <a:p>
-            <a:r>
-              <a:rPr lang="en-US" dirty="0" smtClean="0"/>
-              <a:t>Features</a:t>
-            </a:r>
-          </a:p>
-          <a:p>
-            <a:pPr lvl="1"/>
-            <a:r>
-              <a:rPr lang="en-US" dirty="0" smtClean="0"/>
-              <a:t>Reliable</a:t>
-            </a:r>
-          </a:p>
-          <a:p>
-            <a:pPr lvl="1"/>
-            <a:r>
-              <a:rPr lang="en-US" dirty="0" smtClean="0"/>
-              <a:t>Scalable</a:t>
-            </a:r>
-          </a:p>
-          <a:p>
-            <a:pPr lvl="1"/>
-            <a:r>
-              <a:rPr lang="en-US" dirty="0" smtClean="0"/>
-              <a:t>CI/CI integration</a:t>
-            </a:r>
-          </a:p>
-          <a:p>
-            <a:pPr lvl="1"/>
-            <a:r>
-              <a:rPr lang="en-US" dirty="0" smtClean="0"/>
-              <a:t>Great integration for </a:t>
-            </a:r>
-            <a:r>
-              <a:rPr lang="en-US" dirty="0" err="1" smtClean="0"/>
-              <a:t>ASP.Net</a:t>
-            </a:r>
-            <a:r>
-              <a:rPr lang="en-US" dirty="0" smtClean="0"/>
-              <a:t> applications</a:t>
-            </a:r>
-            <a:endParaRPr lang="en-US" dirty="0"/>
           </a:p>
         </p:txBody>
       </p:sp>
     </p:spTree>
     <p:extLst>
       <p:ext uri="{BB962C8B-B14F-4D97-AF65-F5344CB8AC3E}">
-        <p14:creationId xmlns:p14="http://schemas.microsoft.com/office/powerpoint/2010/main" val="3900644337"/>
+        <p14:creationId xmlns:p14="http://schemas.microsoft.com/office/powerpoint/2010/main" val="3789345674"/>
       </p:ext>
     </p:extLst>
   </p:cSld>
@@ -9595,8 +10352,20 @@
           <a:lstStyle/>
           <a:p>
             <a:r>
-              <a:rPr lang="en-US" dirty="0" smtClean="0"/>
-              <a:t>Sprint 3: Summary</a:t>
+              <a:rPr lang="en-US" dirty="0"/>
+              <a:t>T</a:t>
+            </a:r>
+            <a:r>
+              <a:rPr lang="en-US" dirty="0" smtClean="0"/>
+              <a:t>ask 4-3: Create </a:t>
+            </a:r>
+            <a:r>
+              <a:rPr lang="en-US" i="1" dirty="0" err="1" smtClean="0"/>
+              <a:t>requestAssigned</a:t>
+            </a:r>
+            <a:r>
+              <a:rPr lang="en-US" dirty="0" smtClean="0"/>
+              <a:t> Hub</a:t>
             </a:r>
             <a:endParaRPr lang="en-US" dirty="0"/>
           </a:p>
@@ -9619,49 +10388,32 @@
           <a:p>
             <a:r>
               <a:rPr lang="en-US" dirty="0" smtClean="0"/>
-              <a:t>Infrastructure as a Service (IaaS) vs Platform as a Service (PaaS)</a:t>
-            </a:r>
-          </a:p>
-          <a:p>
-            <a:pPr lvl="1"/>
-            <a:r>
-              <a:rPr lang="en-US" dirty="0" smtClean="0"/>
-              <a:t>Azure App Plan and Azure App services are PaaS options</a:t>
-            </a:r>
-          </a:p>
-          <a:p>
-            <a:pPr lvl="1"/>
-            <a:r>
-              <a:rPr lang="en-US" dirty="0" smtClean="0"/>
-              <a:t>Instantiating Virtual Machines is IaaS alternative to PaaS</a:t>
-            </a:r>
-          </a:p>
-          <a:p>
-            <a:pPr lvl="1"/>
-            <a:r>
-              <a:rPr lang="en-US" dirty="0" smtClean="0"/>
-              <a:t>Neither option requires difficult procurement process</a:t>
+              <a:t>Create </a:t>
+            </a:r>
+            <a:r>
+              <a:rPr lang="en-US" i="1" dirty="0" err="1" smtClean="0"/>
+              <a:t>requestAssigned</a:t>
+            </a:r>
+            <a:r>
+              <a:rPr lang="en-US" dirty="0" smtClean="0"/>
+              <a:t> Azure hub</a:t>
             </a:r>
           </a:p>
           <a:p>
             <a:endParaRPr lang="en-US" dirty="0" smtClean="0"/>
           </a:p>
           <a:p>
-            <a:endParaRPr lang="en-US" dirty="0" smtClean="0"/>
-          </a:p>
-          <a:p>
-            <a:r>
-              <a:rPr lang="en-US" dirty="0" smtClean="0"/>
-              <a:t>Request / response pattern</a:t>
-            </a:r>
-            <a:endParaRPr lang="en-US" dirty="0"/>
+            <a:r>
+              <a:rPr lang="en-US" dirty="0" smtClean="0"/>
+              <a:t>Create Shared Access Policy for publisher</a:t>
+            </a:r>
           </a:p>
         </p:txBody>
       </p:sp>
     </p:spTree>
     <p:extLst>
       <p:ext uri="{BB962C8B-B14F-4D97-AF65-F5344CB8AC3E}">
-        <p14:creationId xmlns:p14="http://schemas.microsoft.com/office/powerpoint/2010/main" val="397920848"/>
+        <p14:creationId xmlns:p14="http://schemas.microsoft.com/office/powerpoint/2010/main" val="1412090588"/>
       </p:ext>
     </p:extLst>
   </p:cSld>
@@ -9704,6 +10456,462 @@
           <a:lstStyle/>
           <a:p>
             <a:r>
+              <a:rPr lang="en-US" dirty="0"/>
+              <a:t>T</a:t>
+            </a:r>
+            <a:r>
+              <a:rPr lang="en-US" dirty="0" smtClean="0"/>
+              <a:t>ask 4-4: Update UI to Display Assigned Request</a:t>
+            </a:r>
+            <a:endParaRPr lang="en-US" dirty="0"/>
+          </a:p>
+        </p:txBody>
+      </p:sp>
+      <p:sp>
+        <p:nvSpPr>
+          <p:cNvPr id="3" name="Content Placeholder 2"/>
+          <p:cNvSpPr>
+            <a:spLocks noGrp="1"/>
+          </p:cNvSpPr>
+          <p:nvPr>
+            <p:ph idx="1"/>
+          </p:nvPr>
+        </p:nvSpPr>
+        <p:spPr/>
+        <p:txBody>
+          <a:bodyPr/>
+          <a:lstStyle/>
+          <a:p>
+            <a:endParaRPr lang="en-US" dirty="0" smtClean="0"/>
+          </a:p>
+        </p:txBody>
+      </p:sp>
+    </p:spTree>
+    <p:extLst>
+      <p:ext uri="{BB962C8B-B14F-4D97-AF65-F5344CB8AC3E}">
+        <p14:creationId xmlns:p14="http://schemas.microsoft.com/office/powerpoint/2010/main" val="235141703"/>
+      </p:ext>
+    </p:extLst>
+  </p:cSld>
+  <p:clrMapOvr>
+    <a:masterClrMapping/>
+  </p:clrMapOvr>
+</p:sld>
+</file>
+
+<file path=ppt/slides/slide44.xml><?xml version="1.0" encoding="utf-8"?>
+<p:sld xmlns:a="http://schemas.openxmlformats.org/drawingml/2006/main" xmlns:r="http://schemas.openxmlformats.org/officeDocument/2006/relationships" xmlns:p="http://schemas.openxmlformats.org/presentationml/2006/main">
+  <p:cSld>
+    <p:spTree>
+      <p:nvGrpSpPr>
+        <p:cNvPr id="1" name=""/>
+        <p:cNvGrpSpPr/>
+        <p:nvPr/>
+      </p:nvGrpSpPr>
+      <p:grpSpPr>
+        <a:xfrm>
+          <a:off x="0" y="0"/>
+          <a:ext cx="0" cy="0"/>
+          <a:chOff x="0" y="0"/>
+          <a:chExt cx="0" cy="0"/>
+        </a:xfrm>
+      </p:grpSpPr>
+      <p:sp>
+        <p:nvSpPr>
+          <p:cNvPr id="2" name="Title 1"/>
+          <p:cNvSpPr>
+            <a:spLocks noGrp="1"/>
+          </p:cNvSpPr>
+          <p:nvPr>
+            <p:ph type="title"/>
+          </p:nvPr>
+        </p:nvSpPr>
+        <p:spPr/>
+        <p:txBody>
+          <a:bodyPr/>
+          <a:lstStyle/>
+          <a:p>
+            <a:r>
+              <a:rPr lang="en-US" dirty="0" smtClean="0"/>
+              <a:t>Sprint </a:t>
+            </a:r>
+            <a:r>
+              <a:rPr lang="en-US" dirty="0"/>
+              <a:t>4</a:t>
+            </a:r>
+            <a:r>
+              <a:rPr lang="en-US" dirty="0" smtClean="0"/>
+              <a:t>: Retrospective</a:t>
+            </a:r>
+            <a:endParaRPr lang="en-US" dirty="0"/>
+          </a:p>
+        </p:txBody>
+      </p:sp>
+      <p:sp>
+        <p:nvSpPr>
+          <p:cNvPr id="3" name="Content Placeholder 2"/>
+          <p:cNvSpPr>
+            <a:spLocks noGrp="1"/>
+          </p:cNvSpPr>
+          <p:nvPr>
+            <p:ph idx="1"/>
+          </p:nvPr>
+        </p:nvSpPr>
+        <p:spPr/>
+        <p:txBody>
+          <a:bodyPr>
+            <a:normAutofit fontScale="85000" lnSpcReduction="20000"/>
+          </a:bodyPr>
+          <a:lstStyle/>
+          <a:p>
+            <a:r>
+              <a:rPr lang="en-US" dirty="0" smtClean="0"/>
+              <a:t>We now have an end-to-end solution for managing requests for health-care services.</a:t>
+            </a:r>
+          </a:p>
+          <a:p>
+            <a:endParaRPr lang="en-US" dirty="0"/>
+          </a:p>
+          <a:p>
+            <a:r>
+              <a:rPr lang="en-US" dirty="0"/>
+              <a:t>A</a:t>
+            </a:r>
+            <a:r>
+              <a:rPr lang="en-US" dirty="0" smtClean="0"/>
+              <a:t>synchronous messaging can be used with the UI, just as it is for service-to-service communications.</a:t>
+            </a:r>
+          </a:p>
+          <a:p>
+            <a:endParaRPr lang="en-US" dirty="0"/>
+          </a:p>
+          <a:p>
+            <a:r>
+              <a:rPr lang="en-US" dirty="0" smtClean="0"/>
+              <a:t>Asynchronous messaging can include requests and responses in addition to event notifications.</a:t>
+            </a:r>
+          </a:p>
+          <a:p>
+            <a:pPr lvl="1"/>
+            <a:r>
+              <a:rPr lang="en-US" dirty="0" smtClean="0"/>
+              <a:t>In comparison to real-time request/response, such as HTTP, managing expected responses requires a different approach</a:t>
+            </a:r>
+          </a:p>
+          <a:p>
+            <a:pPr lvl="1"/>
+            <a:endParaRPr lang="en-US" dirty="0"/>
+          </a:p>
+          <a:p>
+            <a:r>
+              <a:rPr lang="en-US" dirty="0" smtClean="0"/>
+              <a:t>There can be multiple publishers of a single event.</a:t>
+            </a:r>
+          </a:p>
+          <a:p>
+            <a:pPr lvl="1"/>
+            <a:r>
+              <a:rPr lang="en-US" dirty="0" smtClean="0"/>
+              <a:t>Consider a field to identify publisher</a:t>
+            </a:r>
+          </a:p>
+        </p:txBody>
+      </p:sp>
+    </p:spTree>
+    <p:extLst>
+      <p:ext uri="{BB962C8B-B14F-4D97-AF65-F5344CB8AC3E}">
+        <p14:creationId xmlns:p14="http://schemas.microsoft.com/office/powerpoint/2010/main" val="2605596683"/>
+      </p:ext>
+    </p:extLst>
+  </p:cSld>
+  <p:clrMapOvr>
+    <a:masterClrMapping/>
+  </p:clrMapOvr>
+</p:sld>
+</file>
+
+<file path=ppt/slides/slide45.xml><?xml version="1.0" encoding="utf-8"?>
+<p:sld xmlns:a="http://schemas.openxmlformats.org/drawingml/2006/main" xmlns:r="http://schemas.openxmlformats.org/officeDocument/2006/relationships" xmlns:p="http://schemas.openxmlformats.org/presentationml/2006/main">
+  <p:cSld>
+    <p:spTree>
+      <p:nvGrpSpPr>
+        <p:cNvPr id="1" name=""/>
+        <p:cNvGrpSpPr/>
+        <p:nvPr/>
+      </p:nvGrpSpPr>
+      <p:grpSpPr>
+        <a:xfrm>
+          <a:off x="0" y="0"/>
+          <a:ext cx="0" cy="0"/>
+          <a:chOff x="0" y="0"/>
+          <a:chExt cx="0" cy="0"/>
+        </a:xfrm>
+      </p:grpSpPr>
+      <p:sp>
+        <p:nvSpPr>
+          <p:cNvPr id="2" name="Title 1"/>
+          <p:cNvSpPr>
+            <a:spLocks noGrp="1"/>
+          </p:cNvSpPr>
+          <p:nvPr>
+            <p:ph type="title"/>
+          </p:nvPr>
+        </p:nvSpPr>
+        <p:spPr/>
+        <p:txBody>
+          <a:bodyPr/>
+          <a:lstStyle/>
+          <a:p>
+            <a:r>
+              <a:rPr lang="en-US" dirty="0" smtClean="0"/>
+              <a:t>Azure App Service</a:t>
+            </a:r>
+            <a:endParaRPr lang="en-US" dirty="0"/>
+          </a:p>
+        </p:txBody>
+      </p:sp>
+      <p:sp>
+        <p:nvSpPr>
+          <p:cNvPr id="3" name="Content Placeholder 2"/>
+          <p:cNvSpPr>
+            <a:spLocks noGrp="1"/>
+          </p:cNvSpPr>
+          <p:nvPr>
+            <p:ph idx="1"/>
+          </p:nvPr>
+        </p:nvSpPr>
+        <p:spPr/>
+        <p:txBody>
+          <a:bodyPr>
+            <a:normAutofit lnSpcReduction="10000"/>
+          </a:bodyPr>
+          <a:lstStyle/>
+          <a:p>
+            <a:r>
+              <a:rPr lang="en-US" dirty="0" smtClean="0"/>
+              <a:t>Azure’s PaaS option for hosting applications and containers</a:t>
+            </a:r>
+          </a:p>
+          <a:p>
+            <a:endParaRPr lang="en-US" dirty="0" smtClean="0"/>
+          </a:p>
+          <a:p>
+            <a:r>
+              <a:rPr lang="en-US" dirty="0" smtClean="0"/>
+              <a:t>Key terms</a:t>
+            </a:r>
+          </a:p>
+          <a:p>
+            <a:pPr lvl="1"/>
+            <a:r>
+              <a:rPr lang="en-US" dirty="0" smtClean="0"/>
+              <a:t>App Service Plan</a:t>
+            </a:r>
+          </a:p>
+          <a:p>
+            <a:pPr lvl="1"/>
+            <a:endParaRPr lang="en-US" dirty="0" smtClean="0"/>
+          </a:p>
+          <a:p>
+            <a:r>
+              <a:rPr lang="en-US" dirty="0" smtClean="0"/>
+              <a:t>Features</a:t>
+            </a:r>
+          </a:p>
+          <a:p>
+            <a:pPr lvl="1"/>
+            <a:r>
+              <a:rPr lang="en-US" dirty="0" smtClean="0"/>
+              <a:t>Reliable</a:t>
+            </a:r>
+          </a:p>
+          <a:p>
+            <a:pPr lvl="1"/>
+            <a:r>
+              <a:rPr lang="en-US" dirty="0" smtClean="0"/>
+              <a:t>Scalable</a:t>
+            </a:r>
+          </a:p>
+          <a:p>
+            <a:pPr lvl="1"/>
+            <a:r>
+              <a:rPr lang="en-US" dirty="0" smtClean="0"/>
+              <a:t>CI/CI integration</a:t>
+            </a:r>
+          </a:p>
+          <a:p>
+            <a:pPr lvl="1"/>
+            <a:r>
+              <a:rPr lang="en-US" dirty="0" smtClean="0"/>
+              <a:t>Great integration for </a:t>
+            </a:r>
+            <a:r>
+              <a:rPr lang="en-US" dirty="0" err="1" smtClean="0"/>
+              <a:t>ASP.Net</a:t>
+            </a:r>
+            <a:r>
+              <a:rPr lang="en-US" dirty="0" smtClean="0"/>
+              <a:t> applications</a:t>
+            </a:r>
+            <a:endParaRPr lang="en-US" dirty="0"/>
+          </a:p>
+        </p:txBody>
+      </p:sp>
+    </p:spTree>
+    <p:extLst>
+      <p:ext uri="{BB962C8B-B14F-4D97-AF65-F5344CB8AC3E}">
+        <p14:creationId xmlns:p14="http://schemas.microsoft.com/office/powerpoint/2010/main" val="3900644337"/>
+      </p:ext>
+    </p:extLst>
+  </p:cSld>
+  <p:clrMapOvr>
+    <a:masterClrMapping/>
+  </p:clrMapOvr>
+</p:sld>
+</file>
+
+<file path=ppt/slides/slide46.xml><?xml version="1.0" encoding="utf-8"?>
+<p:sld xmlns:a="http://schemas.openxmlformats.org/drawingml/2006/main" xmlns:r="http://schemas.openxmlformats.org/officeDocument/2006/relationships" xmlns:p="http://schemas.openxmlformats.org/presentationml/2006/main">
+  <p:cSld>
+    <p:spTree>
+      <p:nvGrpSpPr>
+        <p:cNvPr id="1" name=""/>
+        <p:cNvGrpSpPr/>
+        <p:nvPr/>
+      </p:nvGrpSpPr>
+      <p:grpSpPr>
+        <a:xfrm>
+          <a:off x="0" y="0"/>
+          <a:ext cx="0" cy="0"/>
+          <a:chOff x="0" y="0"/>
+          <a:chExt cx="0" cy="0"/>
+        </a:xfrm>
+      </p:grpSpPr>
+      <p:sp>
+        <p:nvSpPr>
+          <p:cNvPr id="2" name="Title 1"/>
+          <p:cNvSpPr>
+            <a:spLocks noGrp="1"/>
+          </p:cNvSpPr>
+          <p:nvPr>
+            <p:ph type="title"/>
+          </p:nvPr>
+        </p:nvSpPr>
+        <p:spPr/>
+        <p:txBody>
+          <a:bodyPr/>
+          <a:lstStyle/>
+          <a:p>
+            <a:r>
+              <a:rPr lang="en-US" dirty="0" smtClean="0"/>
+              <a:t>Sprint 3: Summary</a:t>
+            </a:r>
+            <a:endParaRPr lang="en-US" dirty="0"/>
+          </a:p>
+        </p:txBody>
+      </p:sp>
+      <p:sp>
+        <p:nvSpPr>
+          <p:cNvPr id="3" name="Content Placeholder 2"/>
+          <p:cNvSpPr>
+            <a:spLocks noGrp="1"/>
+          </p:cNvSpPr>
+          <p:nvPr>
+            <p:ph idx="1"/>
+          </p:nvPr>
+        </p:nvSpPr>
+        <p:spPr/>
+        <p:txBody>
+          <a:bodyPr/>
+          <a:lstStyle/>
+          <a:p>
+            <a:r>
+              <a:rPr lang="en-US" dirty="0" smtClean="0"/>
+              <a:t>Infrastructure as a Service (IaaS) vs Platform as a Service (PaaS)</a:t>
+            </a:r>
+          </a:p>
+          <a:p>
+            <a:pPr lvl="1"/>
+            <a:r>
+              <a:rPr lang="en-US" dirty="0" smtClean="0"/>
+              <a:t>Azure App Plan and Azure App services are PaaS options</a:t>
+            </a:r>
+          </a:p>
+          <a:p>
+            <a:pPr lvl="1"/>
+            <a:r>
+              <a:rPr lang="en-US" dirty="0" smtClean="0"/>
+              <a:t>Instantiating Virtual Machines is IaaS alternative to PaaS</a:t>
+            </a:r>
+          </a:p>
+          <a:p>
+            <a:pPr lvl="1"/>
+            <a:r>
+              <a:rPr lang="en-US" dirty="0" smtClean="0"/>
+              <a:t>Neither option requires difficult procurement process</a:t>
+            </a:r>
+          </a:p>
+          <a:p>
+            <a:endParaRPr lang="en-US" dirty="0" smtClean="0"/>
+          </a:p>
+          <a:p>
+            <a:endParaRPr lang="en-US" dirty="0" smtClean="0"/>
+          </a:p>
+          <a:p>
+            <a:r>
+              <a:rPr lang="en-US" dirty="0" smtClean="0"/>
+              <a:t>Request / response pattern</a:t>
+            </a:r>
+            <a:endParaRPr lang="en-US" dirty="0"/>
+          </a:p>
+        </p:txBody>
+      </p:sp>
+    </p:spTree>
+    <p:extLst>
+      <p:ext uri="{BB962C8B-B14F-4D97-AF65-F5344CB8AC3E}">
+        <p14:creationId xmlns:p14="http://schemas.microsoft.com/office/powerpoint/2010/main" val="397920848"/>
+      </p:ext>
+    </p:extLst>
+  </p:cSld>
+  <p:clrMapOvr>
+    <a:masterClrMapping/>
+  </p:clrMapOvr>
+</p:sld>
+</file>
+
+<file path=ppt/slides/slide47.xml><?xml version="1.0" encoding="utf-8"?>
+<p:sld xmlns:a="http://schemas.openxmlformats.org/drawingml/2006/main" xmlns:r="http://schemas.openxmlformats.org/officeDocument/2006/relationships" xmlns:p="http://schemas.openxmlformats.org/presentationml/2006/main">
+  <p:cSld>
+    <p:spTree>
+      <p:nvGrpSpPr>
+        <p:cNvPr id="1" name=""/>
+        <p:cNvGrpSpPr/>
+        <p:nvPr/>
+      </p:nvGrpSpPr>
+      <p:grpSpPr>
+        <a:xfrm>
+          <a:off x="0" y="0"/>
+          <a:ext cx="0" cy="0"/>
+          <a:chOff x="0" y="0"/>
+          <a:chExt cx="0" cy="0"/>
+        </a:xfrm>
+      </p:grpSpPr>
+      <p:sp>
+        <p:nvSpPr>
+          <p:cNvPr id="2" name="Title 1"/>
+          <p:cNvSpPr>
+            <a:spLocks noGrp="1"/>
+          </p:cNvSpPr>
+          <p:nvPr>
+            <p:ph type="title"/>
+          </p:nvPr>
+        </p:nvSpPr>
+        <p:spPr/>
+        <p:txBody>
+          <a:bodyPr/>
+          <a:lstStyle/>
+          <a:p>
+            <a:r>
               <a:rPr lang="en-US" dirty="0" smtClean="0"/>
               <a:t>Sprint 5</a:t>
             </a:r>
@@ -9747,7 +10955,7 @@
 </p:sld>
 </file>
 
-<file path=ppt/slides/slide44.xml><?xml version="1.0" encoding="utf-8"?>
+<file path=ppt/slides/slide48.xml><?xml version="1.0" encoding="utf-8"?>
 <p:sld xmlns:a="http://schemas.openxmlformats.org/drawingml/2006/main" xmlns:r="http://schemas.openxmlformats.org/officeDocument/2006/relationships" xmlns:p="http://schemas.openxmlformats.org/presentationml/2006/main">
   <p:cSld>
     <p:spTree>
@@ -10036,7 +11244,7 @@
 </p:sld>
 </file>
 
-<file path=ppt/slides/slide45.xml><?xml version="1.0" encoding="utf-8"?>
+<file path=ppt/slides/slide49.xml><?xml version="1.0" encoding="utf-8"?>
 <p:sld xmlns:a="http://schemas.openxmlformats.org/drawingml/2006/main" xmlns:r="http://schemas.openxmlformats.org/officeDocument/2006/relationships" xmlns:p="http://schemas.openxmlformats.org/presentationml/2006/main">
   <p:cSld>
     <p:spTree>
@@ -10102,272 +11310,6 @@
     <p:extLst>
       <p:ext uri="{BB962C8B-B14F-4D97-AF65-F5344CB8AC3E}">
         <p14:creationId xmlns:p14="http://schemas.microsoft.com/office/powerpoint/2010/main" val="2417712017"/>
-      </p:ext>
-    </p:extLst>
-  </p:cSld>
-  <p:clrMapOvr>
-    <a:masterClrMapping/>
-  </p:clrMapOvr>
-</p:sld>
-</file>
-
-<file path=ppt/slides/slide46.xml><?xml version="1.0" encoding="utf-8"?>
-<p:sld xmlns:a="http://schemas.openxmlformats.org/drawingml/2006/main" xmlns:r="http://schemas.openxmlformats.org/officeDocument/2006/relationships" xmlns:p="http://schemas.openxmlformats.org/presentationml/2006/main">
-  <p:cSld>
-    <p:spTree>
-      <p:nvGrpSpPr>
-        <p:cNvPr id="1" name=""/>
-        <p:cNvGrpSpPr/>
-        <p:nvPr/>
-      </p:nvGrpSpPr>
-      <p:grpSpPr>
-        <a:xfrm>
-          <a:off x="0" y="0"/>
-          <a:ext cx="0" cy="0"/>
-          <a:chOff x="0" y="0"/>
-          <a:chExt cx="0" cy="0"/>
-        </a:xfrm>
-      </p:grpSpPr>
-      <p:sp>
-        <p:nvSpPr>
-          <p:cNvPr id="2" name="Title 1"/>
-          <p:cNvSpPr>
-            <a:spLocks noGrp="1"/>
-          </p:cNvSpPr>
-          <p:nvPr>
-            <p:ph type="title"/>
-          </p:nvPr>
-        </p:nvSpPr>
-        <p:spPr/>
-        <p:txBody>
-          <a:bodyPr/>
-          <a:lstStyle/>
-          <a:p>
-            <a:r>
-              <a:rPr lang="en-US" dirty="0" smtClean="0"/>
-              <a:t>Demo Scalability</a:t>
-            </a:r>
-            <a:endParaRPr lang="en-US" dirty="0"/>
-          </a:p>
-        </p:txBody>
-      </p:sp>
-      <p:sp>
-        <p:nvSpPr>
-          <p:cNvPr id="3" name="Content Placeholder 2"/>
-          <p:cNvSpPr>
-            <a:spLocks noGrp="1"/>
-          </p:cNvSpPr>
-          <p:nvPr>
-            <p:ph idx="1"/>
-          </p:nvPr>
-        </p:nvSpPr>
-        <p:spPr/>
-        <p:txBody>
-          <a:bodyPr/>
-          <a:lstStyle/>
-          <a:p>
-            <a:r>
-              <a:rPr lang="en-US" dirty="0" smtClean="0"/>
-              <a:t>Adjust timer on Intake Service</a:t>
-            </a:r>
-          </a:p>
-          <a:p>
-            <a:endParaRPr lang="en-US" dirty="0" smtClean="0"/>
-          </a:p>
-          <a:p>
-            <a:r>
-              <a:rPr lang="en-US" dirty="0" smtClean="0"/>
-              <a:t>Setup auto scaling on Routing Service</a:t>
-            </a:r>
-          </a:p>
-          <a:p>
-            <a:pPr lvl="1"/>
-            <a:r>
-              <a:rPr lang="en-US" dirty="0" smtClean="0"/>
-              <a:t>???Use </a:t>
-            </a:r>
-            <a:r>
-              <a:rPr lang="en-US" dirty="0" err="1" smtClean="0"/>
-              <a:t>Task.Delay</a:t>
-            </a:r>
-            <a:r>
-              <a:rPr lang="en-US" dirty="0" smtClean="0"/>
-              <a:t>(variable) on Routing Service to simulate load</a:t>
-            </a:r>
-          </a:p>
-          <a:p>
-            <a:pPr lvl="1"/>
-            <a:endParaRPr lang="en-US" dirty="0" smtClean="0"/>
-          </a:p>
-          <a:p>
-            <a:r>
-              <a:rPr lang="en-US" dirty="0" smtClean="0"/>
-              <a:t>??? Show how instances grow from 1 to 2???</a:t>
-            </a:r>
-            <a:endParaRPr lang="en-US" dirty="0"/>
-          </a:p>
-        </p:txBody>
-      </p:sp>
-    </p:spTree>
-    <p:extLst>
-      <p:ext uri="{BB962C8B-B14F-4D97-AF65-F5344CB8AC3E}">
-        <p14:creationId xmlns:p14="http://schemas.microsoft.com/office/powerpoint/2010/main" val="3274211829"/>
-      </p:ext>
-    </p:extLst>
-  </p:cSld>
-  <p:clrMapOvr>
-    <a:masterClrMapping/>
-  </p:clrMapOvr>
-</p:sld>
-</file>
-
-<file path=ppt/slides/slide47.xml><?xml version="1.0" encoding="utf-8"?>
-<p:sld xmlns:a="http://schemas.openxmlformats.org/drawingml/2006/main" xmlns:r="http://schemas.openxmlformats.org/officeDocument/2006/relationships" xmlns:p="http://schemas.openxmlformats.org/presentationml/2006/main">
-  <p:cSld>
-    <p:spTree>
-      <p:nvGrpSpPr>
-        <p:cNvPr id="1" name=""/>
-        <p:cNvGrpSpPr/>
-        <p:nvPr/>
-      </p:nvGrpSpPr>
-      <p:grpSpPr>
-        <a:xfrm>
-          <a:off x="0" y="0"/>
-          <a:ext cx="0" cy="0"/>
-          <a:chOff x="0" y="0"/>
-          <a:chExt cx="0" cy="0"/>
-        </a:xfrm>
-      </p:grpSpPr>
-      <p:sp>
-        <p:nvSpPr>
-          <p:cNvPr id="4" name="Title 3"/>
-          <p:cNvSpPr>
-            <a:spLocks noGrp="1"/>
-          </p:cNvSpPr>
-          <p:nvPr>
-            <p:ph type="title"/>
-          </p:nvPr>
-        </p:nvSpPr>
-        <p:spPr/>
-        <p:txBody>
-          <a:bodyPr/>
-          <a:lstStyle/>
-          <a:p>
-            <a:r>
-              <a:rPr lang="en-US" dirty="0" smtClean="0"/>
-              <a:t>Wrap Up</a:t>
-            </a:r>
-            <a:endParaRPr lang="en-US" dirty="0"/>
-          </a:p>
-        </p:txBody>
-      </p:sp>
-      <p:sp>
-        <p:nvSpPr>
-          <p:cNvPr id="5" name="Text Placeholder 4"/>
-          <p:cNvSpPr>
-            <a:spLocks noGrp="1"/>
-          </p:cNvSpPr>
-          <p:nvPr>
-            <p:ph type="body" idx="1"/>
-          </p:nvPr>
-        </p:nvSpPr>
-        <p:spPr/>
-        <p:txBody>
-          <a:bodyPr/>
-          <a:lstStyle/>
-          <a:p>
-            <a:endParaRPr lang="en-US"/>
-          </a:p>
-        </p:txBody>
-      </p:sp>
-    </p:spTree>
-    <p:extLst>
-      <p:ext uri="{BB962C8B-B14F-4D97-AF65-F5344CB8AC3E}">
-        <p14:creationId xmlns:p14="http://schemas.microsoft.com/office/powerpoint/2010/main" val="298873927"/>
-      </p:ext>
-    </p:extLst>
-  </p:cSld>
-  <p:clrMapOvr>
-    <a:masterClrMapping/>
-  </p:clrMapOvr>
-</p:sld>
-</file>
-
-<file path=ppt/slides/slide48.xml><?xml version="1.0" encoding="utf-8"?>
-<p:sld xmlns:a="http://schemas.openxmlformats.org/drawingml/2006/main" xmlns:r="http://schemas.openxmlformats.org/officeDocument/2006/relationships" xmlns:p="http://schemas.openxmlformats.org/presentationml/2006/main">
-  <p:cSld>
-    <p:spTree>
-      <p:nvGrpSpPr>
-        <p:cNvPr id="1" name=""/>
-        <p:cNvGrpSpPr/>
-        <p:nvPr/>
-      </p:nvGrpSpPr>
-      <p:grpSpPr>
-        <a:xfrm>
-          <a:off x="0" y="0"/>
-          <a:ext cx="0" cy="0"/>
-          <a:chOff x="0" y="0"/>
-          <a:chExt cx="0" cy="0"/>
-        </a:xfrm>
-      </p:grpSpPr>
-      <p:sp>
-        <p:nvSpPr>
-          <p:cNvPr id="4" name="Title 3"/>
-          <p:cNvSpPr>
-            <a:spLocks noGrp="1"/>
-          </p:cNvSpPr>
-          <p:nvPr>
-            <p:ph type="title"/>
-          </p:nvPr>
-        </p:nvSpPr>
-        <p:spPr/>
-        <p:txBody>
-          <a:bodyPr/>
-          <a:lstStyle/>
-          <a:p>
-            <a:r>
-              <a:rPr lang="en-US" dirty="0" smtClean="0"/>
-              <a:t>Cleanup Azure Resources</a:t>
-            </a:r>
-            <a:endParaRPr lang="en-US" dirty="0"/>
-          </a:p>
-        </p:txBody>
-      </p:sp>
-      <p:sp>
-        <p:nvSpPr>
-          <p:cNvPr id="5" name="Content Placeholder 4"/>
-          <p:cNvSpPr>
-            <a:spLocks noGrp="1"/>
-          </p:cNvSpPr>
-          <p:nvPr>
-            <p:ph idx="1"/>
-          </p:nvPr>
-        </p:nvSpPr>
-        <p:spPr/>
-        <p:txBody>
-          <a:bodyPr/>
-          <a:lstStyle/>
-          <a:p>
-            <a:r>
-              <a:rPr lang="en-US" dirty="0" smtClean="0"/>
-              <a:t>Don’t want to leave this resources running because they will cost you, but we can export scripts that you can reapply later if you might want to work on this more later</a:t>
-            </a:r>
-          </a:p>
-          <a:p>
-            <a:endParaRPr lang="en-US" dirty="0" smtClean="0"/>
-          </a:p>
-          <a:p>
-            <a:r>
-              <a:rPr lang="en-US" dirty="0" smtClean="0"/>
-              <a:t>Delete resources</a:t>
-            </a:r>
-          </a:p>
-        </p:txBody>
-      </p:sp>
-    </p:spTree>
-    <p:extLst>
-      <p:ext uri="{BB962C8B-B14F-4D97-AF65-F5344CB8AC3E}">
-        <p14:creationId xmlns:p14="http://schemas.microsoft.com/office/powerpoint/2010/main" val="3733458452"/>
       </p:ext>
     </p:extLst>
   </p:cSld>
@@ -10396,7 +11338,7 @@
       </p:grpSpPr>
       <p:sp>
         <p:nvSpPr>
-          <p:cNvPr id="2" name="Title 1"/>
+          <p:cNvPr id="4" name="Title 3"/>
           <p:cNvSpPr>
             <a:spLocks noGrp="1"/>
           </p:cNvSpPr>
@@ -10411,7 +11353,7 @@
           <a:p>
             <a:r>
               <a:rPr lang="en-US" dirty="0" smtClean="0"/>
-              <a:t>How are we going to learn?</a:t>
+              <a:t>What are we going to learn?</a:t>
             </a:r>
             <a:endParaRPr lang="en-US" dirty="0"/>
           </a:p>
@@ -10419,7 +11361,7 @@
       </p:sp>
       <p:sp>
         <p:nvSpPr>
-          <p:cNvPr id="3" name="Content Placeholder 2"/>
+          <p:cNvPr id="5" name="Content Placeholder 4"/>
           <p:cNvSpPr>
             <a:spLocks noGrp="1"/>
           </p:cNvSpPr>
@@ -10434,7 +11376,7 @@
           <a:p>
             <a:r>
               <a:rPr lang="en-US" dirty="0" smtClean="0"/>
-              <a:t>Start by looking at issues with traditional systems</a:t>
+              <a:t>Event-driven architecture (EDA) design concepts</a:t>
             </a:r>
           </a:p>
           <a:p>
@@ -10443,7 +11385,7 @@
           <a:p>
             <a:r>
               <a:rPr lang="en-US" dirty="0" smtClean="0"/>
-              <a:t>Define goals for an improved system</a:t>
+              <a:t>How to use EDA to improve your solutions</a:t>
             </a:r>
           </a:p>
           <a:p>
@@ -10452,31 +11394,7 @@
           <a:p>
             <a:r>
               <a:rPr lang="en-US" dirty="0" smtClean="0"/>
-              <a:t>Walk through EDA solution design</a:t>
-            </a:r>
-          </a:p>
-          <a:p>
-            <a:pPr lvl="1"/>
-            <a:r>
-              <a:rPr lang="en-US" dirty="0" smtClean="0"/>
-              <a:t>Introduce key terms and concepts</a:t>
-            </a:r>
-          </a:p>
-          <a:p>
-            <a:pPr lvl="1"/>
-            <a:endParaRPr lang="en-US" dirty="0" smtClean="0"/>
-          </a:p>
-          <a:p>
-            <a:r>
-              <a:rPr lang="en-US" dirty="0" smtClean="0"/>
-              <a:t>Implement EDA solution on Azure</a:t>
-            </a:r>
-          </a:p>
-          <a:p>
-            <a:pPr lvl="1"/>
-            <a:r>
-              <a:rPr lang="en-US" dirty="0" smtClean="0"/>
-              <a:t>More key terms and concepts</a:t>
+              <a:t>How to implement an EDA solution on Azure</a:t>
             </a:r>
             <a:endParaRPr lang="en-US" dirty="0"/>
           </a:p>
@@ -10485,7 +11403,489 @@
     </p:spTree>
     <p:extLst>
       <p:ext uri="{BB962C8B-B14F-4D97-AF65-F5344CB8AC3E}">
-        <p14:creationId xmlns:p14="http://schemas.microsoft.com/office/powerpoint/2010/main" val="2914333481"/>
+        <p14:creationId xmlns:p14="http://schemas.microsoft.com/office/powerpoint/2010/main" val="171633761"/>
+      </p:ext>
+    </p:extLst>
+  </p:cSld>
+  <p:clrMapOvr>
+    <a:masterClrMapping/>
+  </p:clrMapOvr>
+</p:sld>
+</file>
+
+<file path=ppt/slides/slide50.xml><?xml version="1.0" encoding="utf-8"?>
+<p:sld xmlns:a="http://schemas.openxmlformats.org/drawingml/2006/main" xmlns:r="http://schemas.openxmlformats.org/officeDocument/2006/relationships" xmlns:p="http://schemas.openxmlformats.org/presentationml/2006/main">
+  <p:cSld>
+    <p:spTree>
+      <p:nvGrpSpPr>
+        <p:cNvPr id="1" name=""/>
+        <p:cNvGrpSpPr/>
+        <p:nvPr/>
+      </p:nvGrpSpPr>
+      <p:grpSpPr>
+        <a:xfrm>
+          <a:off x="0" y="0"/>
+          <a:ext cx="0" cy="0"/>
+          <a:chOff x="0" y="0"/>
+          <a:chExt cx="0" cy="0"/>
+        </a:xfrm>
+      </p:grpSpPr>
+      <p:sp>
+        <p:nvSpPr>
+          <p:cNvPr id="2" name="Title 1"/>
+          <p:cNvSpPr>
+            <a:spLocks noGrp="1"/>
+          </p:cNvSpPr>
+          <p:nvPr>
+            <p:ph type="title"/>
+          </p:nvPr>
+        </p:nvSpPr>
+        <p:spPr/>
+        <p:txBody>
+          <a:bodyPr/>
+          <a:lstStyle/>
+          <a:p>
+            <a:r>
+              <a:rPr lang="en-US" dirty="0" smtClean="0"/>
+              <a:t>Demo Scalability</a:t>
+            </a:r>
+            <a:endParaRPr lang="en-US" dirty="0"/>
+          </a:p>
+        </p:txBody>
+      </p:sp>
+      <p:sp>
+        <p:nvSpPr>
+          <p:cNvPr id="3" name="Content Placeholder 2"/>
+          <p:cNvSpPr>
+            <a:spLocks noGrp="1"/>
+          </p:cNvSpPr>
+          <p:nvPr>
+            <p:ph idx="1"/>
+          </p:nvPr>
+        </p:nvSpPr>
+        <p:spPr/>
+        <p:txBody>
+          <a:bodyPr/>
+          <a:lstStyle/>
+          <a:p>
+            <a:r>
+              <a:rPr lang="en-US" dirty="0" smtClean="0"/>
+              <a:t>Adjust timer on Intake Service</a:t>
+            </a:r>
+          </a:p>
+          <a:p>
+            <a:endParaRPr lang="en-US" dirty="0" smtClean="0"/>
+          </a:p>
+          <a:p>
+            <a:r>
+              <a:rPr lang="en-US" dirty="0" smtClean="0"/>
+              <a:t>Setup auto scaling on Routing Service</a:t>
+            </a:r>
+          </a:p>
+          <a:p>
+            <a:pPr lvl="1"/>
+            <a:r>
+              <a:rPr lang="en-US" dirty="0" smtClean="0"/>
+              <a:t>???Use </a:t>
+            </a:r>
+            <a:r>
+              <a:rPr lang="en-US" dirty="0" err="1" smtClean="0"/>
+              <a:t>Task.Delay</a:t>
+            </a:r>
+            <a:r>
+              <a:rPr lang="en-US" dirty="0" smtClean="0"/>
+              <a:t>(variable) on Routing Service to simulate load</a:t>
+            </a:r>
+          </a:p>
+          <a:p>
+            <a:pPr lvl="1"/>
+            <a:endParaRPr lang="en-US" dirty="0" smtClean="0"/>
+          </a:p>
+          <a:p>
+            <a:r>
+              <a:rPr lang="en-US" dirty="0" smtClean="0"/>
+              <a:t>??? Show how instances grow from 1 to 2???</a:t>
+            </a:r>
+            <a:endParaRPr lang="en-US" dirty="0"/>
+          </a:p>
+        </p:txBody>
+      </p:sp>
+    </p:spTree>
+    <p:extLst>
+      <p:ext uri="{BB962C8B-B14F-4D97-AF65-F5344CB8AC3E}">
+        <p14:creationId xmlns:p14="http://schemas.microsoft.com/office/powerpoint/2010/main" val="3274211829"/>
+      </p:ext>
+    </p:extLst>
+  </p:cSld>
+  <p:clrMapOvr>
+    <a:masterClrMapping/>
+  </p:clrMapOvr>
+</p:sld>
+</file>
+
+<file path=ppt/slides/slide51.xml><?xml version="1.0" encoding="utf-8"?>
+<p:sld xmlns:a="http://schemas.openxmlformats.org/drawingml/2006/main" xmlns:r="http://schemas.openxmlformats.org/officeDocument/2006/relationships" xmlns:p="http://schemas.openxmlformats.org/presentationml/2006/main">
+  <p:cSld>
+    <p:spTree>
+      <p:nvGrpSpPr>
+        <p:cNvPr id="1" name=""/>
+        <p:cNvGrpSpPr/>
+        <p:nvPr/>
+      </p:nvGrpSpPr>
+      <p:grpSpPr>
+        <a:xfrm>
+          <a:off x="0" y="0"/>
+          <a:ext cx="0" cy="0"/>
+          <a:chOff x="0" y="0"/>
+          <a:chExt cx="0" cy="0"/>
+        </a:xfrm>
+      </p:grpSpPr>
+      <p:sp>
+        <p:nvSpPr>
+          <p:cNvPr id="4" name="Title 3"/>
+          <p:cNvSpPr>
+            <a:spLocks noGrp="1"/>
+          </p:cNvSpPr>
+          <p:nvPr>
+            <p:ph type="title"/>
+          </p:nvPr>
+        </p:nvSpPr>
+        <p:spPr/>
+        <p:txBody>
+          <a:bodyPr/>
+          <a:lstStyle/>
+          <a:p>
+            <a:r>
+              <a:rPr lang="en-US" dirty="0" smtClean="0"/>
+              <a:t>Wrap Up</a:t>
+            </a:r>
+            <a:endParaRPr lang="en-US" dirty="0"/>
+          </a:p>
+        </p:txBody>
+      </p:sp>
+      <p:sp>
+        <p:nvSpPr>
+          <p:cNvPr id="5" name="Text Placeholder 4"/>
+          <p:cNvSpPr>
+            <a:spLocks noGrp="1"/>
+          </p:cNvSpPr>
+          <p:nvPr>
+            <p:ph type="body" idx="1"/>
+          </p:nvPr>
+        </p:nvSpPr>
+        <p:spPr/>
+        <p:txBody>
+          <a:bodyPr/>
+          <a:lstStyle/>
+          <a:p>
+            <a:endParaRPr lang="en-US"/>
+          </a:p>
+        </p:txBody>
+      </p:sp>
+    </p:spTree>
+    <p:extLst>
+      <p:ext uri="{BB962C8B-B14F-4D97-AF65-F5344CB8AC3E}">
+        <p14:creationId xmlns:p14="http://schemas.microsoft.com/office/powerpoint/2010/main" val="298873927"/>
+      </p:ext>
+    </p:extLst>
+  </p:cSld>
+  <p:clrMapOvr>
+    <a:masterClrMapping/>
+  </p:clrMapOvr>
+</p:sld>
+</file>
+
+<file path=ppt/slides/slide52.xml><?xml version="1.0" encoding="utf-8"?>
+<p:sld xmlns:a="http://schemas.openxmlformats.org/drawingml/2006/main" xmlns:r="http://schemas.openxmlformats.org/officeDocument/2006/relationships" xmlns:p="http://schemas.openxmlformats.org/presentationml/2006/main">
+  <p:cSld>
+    <p:spTree>
+      <p:nvGrpSpPr>
+        <p:cNvPr id="1" name=""/>
+        <p:cNvGrpSpPr/>
+        <p:nvPr/>
+      </p:nvGrpSpPr>
+      <p:grpSpPr>
+        <a:xfrm>
+          <a:off x="0" y="0"/>
+          <a:ext cx="0" cy="0"/>
+          <a:chOff x="0" y="0"/>
+          <a:chExt cx="0" cy="0"/>
+        </a:xfrm>
+      </p:grpSpPr>
+      <p:sp>
+        <p:nvSpPr>
+          <p:cNvPr id="4" name="Title 3"/>
+          <p:cNvSpPr>
+            <a:spLocks noGrp="1"/>
+          </p:cNvSpPr>
+          <p:nvPr>
+            <p:ph type="title"/>
+          </p:nvPr>
+        </p:nvSpPr>
+        <p:spPr/>
+        <p:txBody>
+          <a:bodyPr/>
+          <a:lstStyle/>
+          <a:p>
+            <a:r>
+              <a:rPr lang="en-US" dirty="0" smtClean="0"/>
+              <a:t>Cleanup Azure Resources</a:t>
+            </a:r>
+            <a:endParaRPr lang="en-US" dirty="0"/>
+          </a:p>
+        </p:txBody>
+      </p:sp>
+      <p:sp>
+        <p:nvSpPr>
+          <p:cNvPr id="5" name="Content Placeholder 4"/>
+          <p:cNvSpPr>
+            <a:spLocks noGrp="1"/>
+          </p:cNvSpPr>
+          <p:nvPr>
+            <p:ph idx="1"/>
+          </p:nvPr>
+        </p:nvSpPr>
+        <p:spPr/>
+        <p:txBody>
+          <a:bodyPr/>
+          <a:lstStyle/>
+          <a:p>
+            <a:r>
+              <a:rPr lang="en-US" dirty="0" smtClean="0"/>
+              <a:t>Don’t want to leave this resources running because they will cost you, but we can export scripts that you can reapply later if you might want to work on this more later</a:t>
+            </a:r>
+          </a:p>
+          <a:p>
+            <a:endParaRPr lang="en-US" dirty="0" smtClean="0"/>
+          </a:p>
+          <a:p>
+            <a:r>
+              <a:rPr lang="en-US" dirty="0" smtClean="0"/>
+              <a:t>Delete resources</a:t>
+            </a:r>
+          </a:p>
+        </p:txBody>
+      </p:sp>
+    </p:spTree>
+    <p:extLst>
+      <p:ext uri="{BB962C8B-B14F-4D97-AF65-F5344CB8AC3E}">
+        <p14:creationId xmlns:p14="http://schemas.microsoft.com/office/powerpoint/2010/main" val="3733458452"/>
+      </p:ext>
+    </p:extLst>
+  </p:cSld>
+  <p:clrMapOvr>
+    <a:masterClrMapping/>
+  </p:clrMapOvr>
+</p:sld>
+</file>
+
+<file path=ppt/slides/slide53.xml><?xml version="1.0" encoding="utf-8"?>
+<p:sld xmlns:a="http://schemas.openxmlformats.org/drawingml/2006/main" xmlns:r="http://schemas.openxmlformats.org/officeDocument/2006/relationships" xmlns:p="http://schemas.openxmlformats.org/presentationml/2006/main">
+  <p:cSld>
+    <p:spTree>
+      <p:nvGrpSpPr>
+        <p:cNvPr id="1" name=""/>
+        <p:cNvGrpSpPr/>
+        <p:nvPr/>
+      </p:nvGrpSpPr>
+      <p:grpSpPr>
+        <a:xfrm>
+          <a:off x="0" y="0"/>
+          <a:ext cx="0" cy="0"/>
+          <a:chOff x="0" y="0"/>
+          <a:chExt cx="0" cy="0"/>
+        </a:xfrm>
+      </p:grpSpPr>
+      <p:sp>
+        <p:nvSpPr>
+          <p:cNvPr id="2" name="Title 1"/>
+          <p:cNvSpPr>
+            <a:spLocks noGrp="1"/>
+          </p:cNvSpPr>
+          <p:nvPr>
+            <p:ph type="title"/>
+          </p:nvPr>
+        </p:nvSpPr>
+        <p:spPr/>
+        <p:txBody>
+          <a:bodyPr/>
+          <a:lstStyle/>
+          <a:p>
+            <a:r>
+              <a:rPr lang="en-US" dirty="0" smtClean="0"/>
+              <a:t>What Have We Learned?</a:t>
+            </a:r>
+            <a:endParaRPr lang="en-US" dirty="0"/>
+          </a:p>
+        </p:txBody>
+      </p:sp>
+      <p:sp>
+        <p:nvSpPr>
+          <p:cNvPr id="3" name="Content Placeholder 2"/>
+          <p:cNvSpPr>
+            <a:spLocks noGrp="1"/>
+          </p:cNvSpPr>
+          <p:nvPr>
+            <p:ph idx="1"/>
+          </p:nvPr>
+        </p:nvSpPr>
+        <p:spPr/>
+        <p:txBody>
+          <a:bodyPr/>
+          <a:lstStyle/>
+          <a:p>
+            <a:endParaRPr lang="en-US"/>
+          </a:p>
+        </p:txBody>
+      </p:sp>
+    </p:spTree>
+    <p:extLst>
+      <p:ext uri="{BB962C8B-B14F-4D97-AF65-F5344CB8AC3E}">
+        <p14:creationId xmlns:p14="http://schemas.microsoft.com/office/powerpoint/2010/main" val="4036846334"/>
+      </p:ext>
+    </p:extLst>
+  </p:cSld>
+  <p:clrMapOvr>
+    <a:masterClrMapping/>
+  </p:clrMapOvr>
+</p:sld>
+</file>
+
+<file path=ppt/slides/slide54.xml><?xml version="1.0" encoding="utf-8"?>
+<p:sld xmlns:a="http://schemas.openxmlformats.org/drawingml/2006/main" xmlns:r="http://schemas.openxmlformats.org/officeDocument/2006/relationships" xmlns:p="http://schemas.openxmlformats.org/presentationml/2006/main">
+  <p:cSld>
+    <p:spTree>
+      <p:nvGrpSpPr>
+        <p:cNvPr id="1" name=""/>
+        <p:cNvGrpSpPr/>
+        <p:nvPr/>
+      </p:nvGrpSpPr>
+      <p:grpSpPr>
+        <a:xfrm>
+          <a:off x="0" y="0"/>
+          <a:ext cx="0" cy="0"/>
+          <a:chOff x="0" y="0"/>
+          <a:chExt cx="0" cy="0"/>
+        </a:xfrm>
+      </p:grpSpPr>
+      <p:sp>
+        <p:nvSpPr>
+          <p:cNvPr id="2" name="Title 1"/>
+          <p:cNvSpPr>
+            <a:spLocks noGrp="1"/>
+          </p:cNvSpPr>
+          <p:nvPr>
+            <p:ph type="title"/>
+          </p:nvPr>
+        </p:nvSpPr>
+        <p:spPr/>
+        <p:txBody>
+          <a:bodyPr/>
+          <a:lstStyle/>
+          <a:p>
+            <a:r>
+              <a:rPr lang="en-US" dirty="0" smtClean="0"/>
+              <a:t>Limitations</a:t>
+            </a:r>
+            <a:endParaRPr lang="en-US" dirty="0"/>
+          </a:p>
+        </p:txBody>
+      </p:sp>
+      <p:sp>
+        <p:nvSpPr>
+          <p:cNvPr id="3" name="Content Placeholder 2"/>
+          <p:cNvSpPr>
+            <a:spLocks noGrp="1"/>
+          </p:cNvSpPr>
+          <p:nvPr>
+            <p:ph idx="1"/>
+          </p:nvPr>
+        </p:nvSpPr>
+        <p:spPr/>
+        <p:txBody>
+          <a:bodyPr/>
+          <a:lstStyle/>
+          <a:p>
+            <a:endParaRPr lang="en-US"/>
+          </a:p>
+        </p:txBody>
+      </p:sp>
+    </p:spTree>
+    <p:extLst>
+      <p:ext uri="{BB962C8B-B14F-4D97-AF65-F5344CB8AC3E}">
+        <p14:creationId xmlns:p14="http://schemas.microsoft.com/office/powerpoint/2010/main" val="3148072076"/>
+      </p:ext>
+    </p:extLst>
+  </p:cSld>
+  <p:clrMapOvr>
+    <a:masterClrMapping/>
+  </p:clrMapOvr>
+</p:sld>
+</file>
+
+<file path=ppt/slides/slide55.xml><?xml version="1.0" encoding="utf-8"?>
+<p:sld xmlns:a="http://schemas.openxmlformats.org/drawingml/2006/main" xmlns:r="http://schemas.openxmlformats.org/officeDocument/2006/relationships" xmlns:p="http://schemas.openxmlformats.org/presentationml/2006/main">
+  <p:cSld>
+    <p:spTree>
+      <p:nvGrpSpPr>
+        <p:cNvPr id="1" name=""/>
+        <p:cNvGrpSpPr/>
+        <p:nvPr/>
+      </p:nvGrpSpPr>
+      <p:grpSpPr>
+        <a:xfrm>
+          <a:off x="0" y="0"/>
+          <a:ext cx="0" cy="0"/>
+          <a:chOff x="0" y="0"/>
+          <a:chExt cx="0" cy="0"/>
+        </a:xfrm>
+      </p:grpSpPr>
+      <p:sp>
+        <p:nvSpPr>
+          <p:cNvPr id="2" name="Title 1"/>
+          <p:cNvSpPr>
+            <a:spLocks noGrp="1"/>
+          </p:cNvSpPr>
+          <p:nvPr>
+            <p:ph type="title"/>
+          </p:nvPr>
+        </p:nvSpPr>
+        <p:spPr/>
+        <p:txBody>
+          <a:bodyPr/>
+          <a:lstStyle/>
+          <a:p>
+            <a:r>
+              <a:rPr lang="en-US" dirty="0" smtClean="0"/>
+              <a:t>Contact Us</a:t>
+            </a:r>
+            <a:endParaRPr lang="en-US" dirty="0"/>
+          </a:p>
+        </p:txBody>
+      </p:sp>
+      <p:sp>
+        <p:nvSpPr>
+          <p:cNvPr id="3" name="Content Placeholder 2"/>
+          <p:cNvSpPr>
+            <a:spLocks noGrp="1"/>
+          </p:cNvSpPr>
+          <p:nvPr>
+            <p:ph idx="1"/>
+          </p:nvPr>
+        </p:nvSpPr>
+        <p:spPr/>
+        <p:txBody>
+          <a:bodyPr/>
+          <a:lstStyle/>
+          <a:p>
+            <a:endParaRPr lang="en-US"/>
+          </a:p>
+        </p:txBody>
+      </p:sp>
+    </p:spTree>
+    <p:extLst>
+      <p:ext uri="{BB962C8B-B14F-4D97-AF65-F5344CB8AC3E}">
+        <p14:creationId xmlns:p14="http://schemas.microsoft.com/office/powerpoint/2010/main" val="2405532528"/>
       </p:ext>
     </p:extLst>
   </p:cSld>
@@ -10529,7 +11929,7 @@
           <a:p>
             <a:r>
               <a:rPr lang="en-US" dirty="0" smtClean="0"/>
-              <a:t>What are we going to build?</a:t>
+              <a:t>How are we going to learn?</a:t>
             </a:r>
             <a:endParaRPr lang="en-US" dirty="0"/>
           </a:p>
@@ -10550,14 +11950,60 @@
           <a:bodyPr/>
           <a:lstStyle/>
           <a:p>
-            <a:endParaRPr lang="en-US"/>
+            <a:r>
+              <a:rPr lang="en-US" dirty="0" smtClean="0"/>
+              <a:t>Start by looking at issues with traditional systems</a:t>
+            </a:r>
+          </a:p>
+          <a:p>
+            <a:endParaRPr lang="en-US" dirty="0" smtClean="0"/>
+          </a:p>
+          <a:p>
+            <a:r>
+              <a:rPr lang="en-US" dirty="0" smtClean="0"/>
+              <a:t>Define goals for an improved system</a:t>
+            </a:r>
+          </a:p>
+          <a:p>
+            <a:endParaRPr lang="en-US" dirty="0" smtClean="0"/>
+          </a:p>
+          <a:p>
+            <a:r>
+              <a:rPr lang="en-US" dirty="0" smtClean="0"/>
+              <a:t>Walk through EDA solution design</a:t>
+            </a:r>
+          </a:p>
+          <a:p>
+            <a:pPr lvl="1"/>
+            <a:r>
+              <a:rPr lang="en-US" dirty="0" smtClean="0"/>
+              <a:t>Introduce key terms and concepts</a:t>
+            </a:r>
+          </a:p>
+          <a:p>
+            <a:pPr lvl="1"/>
+            <a:endParaRPr lang="en-US" dirty="0" smtClean="0"/>
+          </a:p>
+          <a:p>
+            <a:r>
+              <a:rPr lang="en-US" dirty="0" smtClean="0"/>
+              <a:t>Implement EDA solution on Azure</a:t>
+            </a:r>
+          </a:p>
+          <a:p>
+            <a:pPr lvl="1"/>
+            <a:r>
+              <a:rPr lang="en-US" dirty="0" smtClean="0"/>
+              <a:t>More key terms and concepts</a:t>
+            </a:r>
+            <a:endParaRPr lang="en-US" dirty="0"/>
           </a:p>
         </p:txBody>
       </p:sp>
     </p:spTree>
     <p:extLst>
       <p:ext uri="{BB962C8B-B14F-4D97-AF65-F5344CB8AC3E}">
-        <p14:creationId xmlns:p14="http://schemas.microsoft.com/office/powerpoint/2010/main" val="118318861"/>
+        <p14:creationId xmlns:p14="http://schemas.microsoft.com/office/powerpoint/2010/main" val="2914333481"/>
       </p:ext>
     </p:extLst>
   </p:cSld>
@@ -10586,6 +12032,78 @@
       </p:grpSpPr>
       <p:sp>
         <p:nvSpPr>
+          <p:cNvPr id="2" name="Title 1"/>
+          <p:cNvSpPr>
+            <a:spLocks noGrp="1"/>
+          </p:cNvSpPr>
+          <p:nvPr>
+            <p:ph type="title"/>
+          </p:nvPr>
+        </p:nvSpPr>
+        <p:spPr/>
+        <p:txBody>
+          <a:bodyPr/>
+          <a:lstStyle/>
+          <a:p>
+            <a:r>
+              <a:rPr lang="en-US" dirty="0" smtClean="0"/>
+              <a:t>What are we going to build?</a:t>
+            </a:r>
+            <a:endParaRPr lang="en-US" dirty="0"/>
+          </a:p>
+        </p:txBody>
+      </p:sp>
+      <p:sp>
+        <p:nvSpPr>
+          <p:cNvPr id="3" name="Content Placeholder 2"/>
+          <p:cNvSpPr>
+            <a:spLocks noGrp="1"/>
+          </p:cNvSpPr>
+          <p:nvPr>
+            <p:ph idx="1"/>
+          </p:nvPr>
+        </p:nvSpPr>
+        <p:spPr/>
+        <p:txBody>
+          <a:bodyPr/>
+          <a:lstStyle/>
+          <a:p>
+            <a:endParaRPr lang="en-US"/>
+          </a:p>
+        </p:txBody>
+      </p:sp>
+    </p:spTree>
+    <p:extLst>
+      <p:ext uri="{BB962C8B-B14F-4D97-AF65-F5344CB8AC3E}">
+        <p14:creationId xmlns:p14="http://schemas.microsoft.com/office/powerpoint/2010/main" val="118318861"/>
+      </p:ext>
+    </p:extLst>
+  </p:cSld>
+  <p:clrMapOvr>
+    <a:masterClrMapping/>
+  </p:clrMapOvr>
+</p:sld>
+</file>
+
+<file path=ppt/slides/slide8.xml><?xml version="1.0" encoding="utf-8"?>
+<p:sld xmlns:a="http://schemas.openxmlformats.org/drawingml/2006/main" xmlns:r="http://schemas.openxmlformats.org/officeDocument/2006/relationships" xmlns:p="http://schemas.openxmlformats.org/presentationml/2006/main">
+  <p:cSld>
+    <p:spTree>
+      <p:nvGrpSpPr>
+        <p:cNvPr id="1" name=""/>
+        <p:cNvGrpSpPr/>
+        <p:nvPr/>
+      </p:nvGrpSpPr>
+      <p:grpSpPr>
+        <a:xfrm>
+          <a:off x="0" y="0"/>
+          <a:ext cx="0" cy="0"/>
+          <a:chOff x="0" y="0"/>
+          <a:chExt cx="0" cy="0"/>
+        </a:xfrm>
+      </p:grpSpPr>
+      <p:sp>
+        <p:nvSpPr>
           <p:cNvPr id="4" name="Title 3"/>
           <p:cNvSpPr>
             <a:spLocks noGrp="1"/>
@@ -10639,7 +12157,7 @@
 </p:sld>
 </file>
 
-<file path=ppt/slides/slide8.xml><?xml version="1.0" encoding="utf-8"?>
+<file path=ppt/slides/slide9.xml><?xml version="1.0" encoding="utf-8"?>
 <p:sld xmlns:a="http://schemas.openxmlformats.org/drawingml/2006/main" xmlns:r="http://schemas.openxmlformats.org/officeDocument/2006/relationships" xmlns:p="http://schemas.openxmlformats.org/presentationml/2006/main">
   <p:cSld>
     <p:spTree>
@@ -10756,930 +12274,6 @@
     <p:extLst>
       <p:ext uri="{BB962C8B-B14F-4D97-AF65-F5344CB8AC3E}">
         <p14:creationId xmlns:p14="http://schemas.microsoft.com/office/powerpoint/2010/main" val="3679408379"/>
-      </p:ext>
-    </p:extLst>
-  </p:cSld>
-  <p:clrMapOvr>
-    <a:masterClrMapping/>
-  </p:clrMapOvr>
-</p:sld>
-</file>
-
-<file path=ppt/slides/slide9.xml><?xml version="1.0" encoding="utf-8"?>
-<p:sld xmlns:a="http://schemas.openxmlformats.org/drawingml/2006/main" xmlns:r="http://schemas.openxmlformats.org/officeDocument/2006/relationships" xmlns:p="http://schemas.openxmlformats.org/presentationml/2006/main">
-  <p:cSld>
-    <p:spTree>
-      <p:nvGrpSpPr>
-        <p:cNvPr id="1" name=""/>
-        <p:cNvGrpSpPr/>
-        <p:nvPr/>
-      </p:nvGrpSpPr>
-      <p:grpSpPr>
-        <a:xfrm>
-          <a:off x="0" y="0"/>
-          <a:ext cx="0" cy="0"/>
-          <a:chOff x="0" y="0"/>
-          <a:chExt cx="0" cy="0"/>
-        </a:xfrm>
-      </p:grpSpPr>
-      <p:sp>
-        <p:nvSpPr>
-          <p:cNvPr id="2" name="Title 1"/>
-          <p:cNvSpPr>
-            <a:spLocks noGrp="1"/>
-          </p:cNvSpPr>
-          <p:nvPr>
-            <p:ph type="title"/>
-          </p:nvPr>
-        </p:nvSpPr>
-        <p:spPr/>
-        <p:txBody>
-          <a:bodyPr/>
-          <a:lstStyle/>
-          <a:p>
-            <a:r>
-              <a:rPr lang="en-US" dirty="0" smtClean="0"/>
-              <a:t>Current Solution</a:t>
-            </a:r>
-            <a:endParaRPr lang="en-US" dirty="0"/>
-          </a:p>
-        </p:txBody>
-      </p:sp>
-      <p:sp>
-        <p:nvSpPr>
-          <p:cNvPr id="4" name="Content Placeholder 2"/>
-          <p:cNvSpPr txBox="1">
-            <a:spLocks/>
-          </p:cNvSpPr>
-          <p:nvPr/>
-        </p:nvSpPr>
-        <p:spPr>
-          <a:xfrm>
-            <a:off x="1069848" y="2121408"/>
-            <a:ext cx="10058400" cy="4050792"/>
-          </a:xfrm>
-          <a:prstGeom prst="rect">
-            <a:avLst/>
-          </a:prstGeom>
-        </p:spPr>
-        <p:txBody>
-          <a:bodyPr vert="horz" lIns="91440" tIns="45720" rIns="91440" bIns="45720" rtlCol="0">
-            <a:normAutofit/>
-          </a:bodyPr>
-          <a:lstStyle>
-            <a:lvl1pPr marL="228600" indent="-228600" algn="l" defTabSz="914400" rtl="0" eaLnBrk="1" latinLnBrk="0" hangingPunct="1">
-              <a:lnSpc>
-                <a:spcPct val="90000"/>
-              </a:lnSpc>
-              <a:spcBef>
-                <a:spcPts val="1000"/>
-              </a:spcBef>
-              <a:buFont typeface="Arial" panose="020B0604020202020204" pitchFamily="34" charset="0"/>
-              <a:buChar char="•"/>
-              <a:defRPr sz="2800" kern="1200">
-                <a:solidFill>
-                  <a:schemeClr val="tx1"/>
-                </a:solidFill>
-                <a:latin typeface="+mn-lt"/>
-                <a:ea typeface="+mn-ea"/>
-                <a:cs typeface="+mn-cs"/>
-              </a:defRPr>
-            </a:lvl1pPr>
-            <a:lvl2pPr marL="685800" indent="-228600" algn="l" defTabSz="914400" rtl="0" eaLnBrk="1" latinLnBrk="0" hangingPunct="1">
-              <a:lnSpc>
-                <a:spcPct val="90000"/>
-              </a:lnSpc>
-              <a:spcBef>
-                <a:spcPts val="500"/>
-              </a:spcBef>
-              <a:buFont typeface="Arial" panose="020B0604020202020204" pitchFamily="34" charset="0"/>
-              <a:buChar char="•"/>
-              <a:defRPr sz="2400" kern="1200">
-                <a:solidFill>
-                  <a:schemeClr val="tx1"/>
-                </a:solidFill>
-                <a:latin typeface="+mn-lt"/>
-                <a:ea typeface="+mn-ea"/>
-                <a:cs typeface="+mn-cs"/>
-              </a:defRPr>
-            </a:lvl2pPr>
-            <a:lvl3pPr marL="1143000" indent="-228600" algn="l" defTabSz="914400" rtl="0" eaLnBrk="1" latinLnBrk="0" hangingPunct="1">
-              <a:lnSpc>
-                <a:spcPct val="90000"/>
-              </a:lnSpc>
-              <a:spcBef>
-                <a:spcPts val="500"/>
-              </a:spcBef>
-              <a:buFont typeface="Arial" panose="020B0604020202020204" pitchFamily="34" charset="0"/>
-              <a:buChar char="•"/>
-              <a:defRPr sz="2000" kern="1200">
-                <a:solidFill>
-                  <a:schemeClr val="tx1"/>
-                </a:solidFill>
-                <a:latin typeface="+mn-lt"/>
-                <a:ea typeface="+mn-ea"/>
-                <a:cs typeface="+mn-cs"/>
-              </a:defRPr>
-            </a:lvl3pPr>
-            <a:lvl4pPr marL="1600200" indent="-228600" algn="l" defTabSz="914400" rtl="0" eaLnBrk="1" latinLnBrk="0" hangingPunct="1">
-              <a:lnSpc>
-                <a:spcPct val="90000"/>
-              </a:lnSpc>
-              <a:spcBef>
-                <a:spcPts val="500"/>
-              </a:spcBef>
-              <a:buFont typeface="Arial" panose="020B0604020202020204" pitchFamily="34" charset="0"/>
-              <a:buChar char="•"/>
-              <a:defRPr sz="1800" kern="1200">
-                <a:solidFill>
-                  <a:schemeClr val="tx1"/>
-                </a:solidFill>
-                <a:latin typeface="+mn-lt"/>
-                <a:ea typeface="+mn-ea"/>
-                <a:cs typeface="+mn-cs"/>
-              </a:defRPr>
-            </a:lvl4pPr>
-            <a:lvl5pPr marL="2057400" indent="-228600" algn="l" defTabSz="914400" rtl="0" eaLnBrk="1" latinLnBrk="0" hangingPunct="1">
-              <a:lnSpc>
-                <a:spcPct val="90000"/>
-              </a:lnSpc>
-              <a:spcBef>
-                <a:spcPts val="500"/>
-              </a:spcBef>
-              <a:buFont typeface="Arial" panose="020B0604020202020204" pitchFamily="34" charset="0"/>
-              <a:buChar char="•"/>
-              <a:defRPr sz="1800" kern="1200">
-                <a:solidFill>
-                  <a:schemeClr val="tx1"/>
-                </a:solidFill>
-                <a:latin typeface="+mn-lt"/>
-                <a:ea typeface="+mn-ea"/>
-                <a:cs typeface="+mn-cs"/>
-              </a:defRPr>
-            </a:lvl5pPr>
-            <a:lvl6pPr marL="2514600" indent="-228600" algn="l" defTabSz="914400" rtl="0" eaLnBrk="1" latinLnBrk="0" hangingPunct="1">
-              <a:lnSpc>
-                <a:spcPct val="90000"/>
-              </a:lnSpc>
-              <a:spcBef>
-                <a:spcPts val="500"/>
-              </a:spcBef>
-              <a:buFont typeface="Arial" panose="020B0604020202020204" pitchFamily="34" charset="0"/>
-              <a:buChar char="•"/>
-              <a:defRPr sz="1800" kern="1200">
-                <a:solidFill>
-                  <a:schemeClr val="tx1"/>
-                </a:solidFill>
-                <a:latin typeface="+mn-lt"/>
-                <a:ea typeface="+mn-ea"/>
-                <a:cs typeface="+mn-cs"/>
-              </a:defRPr>
-            </a:lvl6pPr>
-            <a:lvl7pPr marL="2971800" indent="-228600" algn="l" defTabSz="914400" rtl="0" eaLnBrk="1" latinLnBrk="0" hangingPunct="1">
-              <a:lnSpc>
-                <a:spcPct val="90000"/>
-              </a:lnSpc>
-              <a:spcBef>
-                <a:spcPts val="500"/>
-              </a:spcBef>
-              <a:buFont typeface="Arial" panose="020B0604020202020204" pitchFamily="34" charset="0"/>
-              <a:buChar char="•"/>
-              <a:defRPr sz="1800" kern="1200">
-                <a:solidFill>
-                  <a:schemeClr val="tx1"/>
-                </a:solidFill>
-                <a:latin typeface="+mn-lt"/>
-                <a:ea typeface="+mn-ea"/>
-                <a:cs typeface="+mn-cs"/>
-              </a:defRPr>
-            </a:lvl7pPr>
-            <a:lvl8pPr marL="3429000" indent="-228600" algn="l" defTabSz="914400" rtl="0" eaLnBrk="1" latinLnBrk="0" hangingPunct="1">
-              <a:lnSpc>
-                <a:spcPct val="90000"/>
-              </a:lnSpc>
-              <a:spcBef>
-                <a:spcPts val="500"/>
-              </a:spcBef>
-              <a:buFont typeface="Arial" panose="020B0604020202020204" pitchFamily="34" charset="0"/>
-              <a:buChar char="•"/>
-              <a:defRPr sz="1800" kern="1200">
-                <a:solidFill>
-                  <a:schemeClr val="tx1"/>
-                </a:solidFill>
-                <a:latin typeface="+mn-lt"/>
-                <a:ea typeface="+mn-ea"/>
-                <a:cs typeface="+mn-cs"/>
-              </a:defRPr>
-            </a:lvl8pPr>
-            <a:lvl9pPr marL="3886200" indent="-228600" algn="l" defTabSz="914400" rtl="0" eaLnBrk="1" latinLnBrk="0" hangingPunct="1">
-              <a:lnSpc>
-                <a:spcPct val="90000"/>
-              </a:lnSpc>
-              <a:spcBef>
-                <a:spcPts val="500"/>
-              </a:spcBef>
-              <a:buFont typeface="Arial" panose="020B0604020202020204" pitchFamily="34" charset="0"/>
-              <a:buChar char="•"/>
-              <a:defRPr sz="1800" kern="1200">
-                <a:solidFill>
-                  <a:schemeClr val="tx1"/>
-                </a:solidFill>
-                <a:latin typeface="+mn-lt"/>
-                <a:ea typeface="+mn-ea"/>
-                <a:cs typeface="+mn-cs"/>
-              </a:defRPr>
-            </a:lvl9pPr>
-          </a:lstStyle>
-          <a:p>
-            <a:pPr marL="0" indent="0">
-              <a:buFont typeface="Arial" panose="020B0604020202020204" pitchFamily="34" charset="0"/>
-              <a:buNone/>
-            </a:pPr>
-            <a:r>
-              <a:rPr lang="en-US" smtClean="0"/>
-              <a:t> </a:t>
-            </a:r>
-            <a:endParaRPr lang="en-US" dirty="0"/>
-          </a:p>
-        </p:txBody>
-      </p:sp>
-      <p:sp>
-        <p:nvSpPr>
-          <p:cNvPr id="5" name="Rectangle 4"/>
-          <p:cNvSpPr/>
-          <p:nvPr/>
-        </p:nvSpPr>
-        <p:spPr>
-          <a:xfrm>
-            <a:off x="3872453" y="4038945"/>
-            <a:ext cx="1212783" cy="933650"/>
-          </a:xfrm>
-          <a:prstGeom prst="rect">
-            <a:avLst/>
-          </a:prstGeom>
-        </p:spPr>
-        <p:style>
-          <a:lnRef idx="2">
-            <a:schemeClr val="accent1">
-              <a:shade val="50000"/>
-            </a:schemeClr>
-          </a:lnRef>
-          <a:fillRef idx="1">
-            <a:schemeClr val="accent1"/>
-          </a:fillRef>
-          <a:effectRef idx="0">
-            <a:schemeClr val="accent1"/>
-          </a:effectRef>
-          <a:fontRef idx="minor">
-            <a:schemeClr val="lt1"/>
-          </a:fontRef>
-        </p:style>
-        <p:txBody>
-          <a:bodyPr rtlCol="0" anchor="ctr"/>
-          <a:lstStyle/>
-          <a:p>
-            <a:pPr algn="ctr"/>
-            <a:r>
-              <a:rPr lang="en-US" dirty="0" smtClean="0"/>
-              <a:t>Provider Transfer Service</a:t>
-            </a:r>
-            <a:endParaRPr lang="en-US" dirty="0"/>
-          </a:p>
-        </p:txBody>
-      </p:sp>
-      <p:sp>
-        <p:nvSpPr>
-          <p:cNvPr id="6" name="Rectangle 5"/>
-          <p:cNvSpPr/>
-          <p:nvPr/>
-        </p:nvSpPr>
-        <p:spPr>
-          <a:xfrm>
-            <a:off x="7124388" y="2115979"/>
-            <a:ext cx="1212783" cy="933650"/>
-          </a:xfrm>
-          <a:prstGeom prst="rect">
-            <a:avLst/>
-          </a:prstGeom>
-        </p:spPr>
-        <p:style>
-          <a:lnRef idx="2">
-            <a:schemeClr val="accent1">
-              <a:shade val="50000"/>
-            </a:schemeClr>
-          </a:lnRef>
-          <a:fillRef idx="1">
-            <a:schemeClr val="accent1"/>
-          </a:fillRef>
-          <a:effectRef idx="0">
-            <a:schemeClr val="accent1"/>
-          </a:effectRef>
-          <a:fontRef idx="minor">
-            <a:schemeClr val="lt1"/>
-          </a:fontRef>
-        </p:style>
-        <p:txBody>
-          <a:bodyPr rtlCol="0" anchor="ctr"/>
-          <a:lstStyle/>
-          <a:p>
-            <a:pPr algn="ctr"/>
-            <a:r>
-              <a:rPr lang="en-US" dirty="0" smtClean="0"/>
-              <a:t>Auto Approval Service</a:t>
-            </a:r>
-            <a:endParaRPr lang="en-US" dirty="0"/>
-          </a:p>
-        </p:txBody>
-      </p:sp>
-      <p:sp>
-        <p:nvSpPr>
-          <p:cNvPr id="7" name="Rectangle 6"/>
-          <p:cNvSpPr/>
-          <p:nvPr/>
-        </p:nvSpPr>
-        <p:spPr>
-          <a:xfrm>
-            <a:off x="10093153" y="2121408"/>
-            <a:ext cx="1212783" cy="933650"/>
-          </a:xfrm>
-          <a:prstGeom prst="rect">
-            <a:avLst/>
-          </a:prstGeom>
-        </p:spPr>
-        <p:style>
-          <a:lnRef idx="2">
-            <a:schemeClr val="accent1">
-              <a:shade val="50000"/>
-            </a:schemeClr>
-          </a:lnRef>
-          <a:fillRef idx="1">
-            <a:schemeClr val="accent1"/>
-          </a:fillRef>
-          <a:effectRef idx="0">
-            <a:schemeClr val="accent1"/>
-          </a:effectRef>
-          <a:fontRef idx="minor">
-            <a:schemeClr val="lt1"/>
-          </a:fontRef>
-        </p:style>
-        <p:txBody>
-          <a:bodyPr rtlCol="0" anchor="ctr"/>
-          <a:lstStyle/>
-          <a:p>
-            <a:pPr algn="ctr"/>
-            <a:r>
-              <a:rPr lang="en-US" dirty="0" smtClean="0"/>
-              <a:t>Routing Service</a:t>
-            </a:r>
-            <a:endParaRPr lang="en-US" dirty="0"/>
-          </a:p>
-        </p:txBody>
-      </p:sp>
-      <p:sp>
-        <p:nvSpPr>
-          <p:cNvPr id="8" name="Rectangle 7"/>
-          <p:cNvSpPr/>
-          <p:nvPr/>
-        </p:nvSpPr>
-        <p:spPr>
-          <a:xfrm>
-            <a:off x="10093152" y="5336396"/>
-            <a:ext cx="1212783" cy="933650"/>
-          </a:xfrm>
-          <a:prstGeom prst="rect">
-            <a:avLst/>
-          </a:prstGeom>
-        </p:spPr>
-        <p:style>
-          <a:lnRef idx="2">
-            <a:schemeClr val="accent1">
-              <a:shade val="50000"/>
-            </a:schemeClr>
-          </a:lnRef>
-          <a:fillRef idx="1">
-            <a:schemeClr val="accent1"/>
-          </a:fillRef>
-          <a:effectRef idx="0">
-            <a:schemeClr val="accent1"/>
-          </a:effectRef>
-          <a:fontRef idx="minor">
-            <a:schemeClr val="lt1"/>
-          </a:fontRef>
-        </p:style>
-        <p:txBody>
-          <a:bodyPr rtlCol="0" anchor="ctr"/>
-          <a:lstStyle/>
-          <a:p>
-            <a:pPr algn="ctr"/>
-            <a:r>
-              <a:rPr lang="en-US" dirty="0" smtClean="0"/>
-              <a:t>User Interface</a:t>
-            </a:r>
-            <a:endParaRPr lang="en-US" dirty="0"/>
-          </a:p>
-        </p:txBody>
-      </p:sp>
-      <p:sp>
-        <p:nvSpPr>
-          <p:cNvPr id="9" name="Can 8"/>
-          <p:cNvSpPr/>
-          <p:nvPr/>
-        </p:nvSpPr>
-        <p:spPr>
-          <a:xfrm>
-            <a:off x="6875864" y="3977850"/>
-            <a:ext cx="1709831" cy="1055840"/>
-          </a:xfrm>
-          <a:prstGeom prst="can">
-            <a:avLst/>
-          </a:prstGeom>
-        </p:spPr>
-        <p:style>
-          <a:lnRef idx="2">
-            <a:schemeClr val="accent1">
-              <a:shade val="50000"/>
-            </a:schemeClr>
-          </a:lnRef>
-          <a:fillRef idx="1">
-            <a:schemeClr val="accent1"/>
-          </a:fillRef>
-          <a:effectRef idx="0">
-            <a:schemeClr val="accent1"/>
-          </a:effectRef>
-          <a:fontRef idx="minor">
-            <a:schemeClr val="lt1"/>
-          </a:fontRef>
-        </p:style>
-        <p:txBody>
-          <a:bodyPr rtlCol="0" anchor="ctr"/>
-          <a:lstStyle/>
-          <a:p>
-            <a:pPr algn="ctr"/>
-            <a:r>
-              <a:rPr lang="en-US" dirty="0" smtClean="0"/>
-              <a:t>Database</a:t>
-            </a:r>
-            <a:endParaRPr lang="en-US" dirty="0"/>
-          </a:p>
-        </p:txBody>
-      </p:sp>
-      <p:sp>
-        <p:nvSpPr>
-          <p:cNvPr id="10" name="Flowchart: Multidocument 9"/>
-          <p:cNvSpPr/>
-          <p:nvPr/>
-        </p:nvSpPr>
-        <p:spPr>
-          <a:xfrm>
-            <a:off x="3836134" y="1984380"/>
-            <a:ext cx="1497875" cy="1169051"/>
-          </a:xfrm>
-          <a:prstGeom prst="flowChartMultidocument">
-            <a:avLst/>
-          </a:prstGeom>
-        </p:spPr>
-        <p:style>
-          <a:lnRef idx="2">
-            <a:schemeClr val="accent1">
-              <a:shade val="50000"/>
-            </a:schemeClr>
-          </a:lnRef>
-          <a:fillRef idx="1">
-            <a:schemeClr val="accent1"/>
-          </a:fillRef>
-          <a:effectRef idx="0">
-            <a:schemeClr val="accent1"/>
-          </a:effectRef>
-          <a:fontRef idx="minor">
-            <a:schemeClr val="lt1"/>
-          </a:fontRef>
-        </p:style>
-        <p:txBody>
-          <a:bodyPr rtlCol="0" anchor="ctr"/>
-          <a:lstStyle/>
-          <a:p>
-            <a:pPr algn="ctr"/>
-            <a:r>
-              <a:rPr lang="en-US" dirty="0" smtClean="0"/>
-              <a:t>Incoming Files</a:t>
-            </a:r>
-            <a:endParaRPr lang="en-US" dirty="0"/>
-          </a:p>
-        </p:txBody>
-      </p:sp>
-      <p:cxnSp>
-        <p:nvCxnSpPr>
-          <p:cNvPr id="11" name="Straight Arrow Connector 10"/>
-          <p:cNvCxnSpPr>
-            <a:stCxn id="10" idx="2"/>
-            <a:endCxn id="5" idx="0"/>
-          </p:cNvCxnSpPr>
-          <p:nvPr/>
-        </p:nvCxnSpPr>
-        <p:spPr>
-          <a:xfrm flipH="1">
-            <a:off x="4478845" y="3109159"/>
-            <a:ext cx="2069" cy="929786"/>
-          </a:xfrm>
-          <a:prstGeom prst="straightConnector1">
-            <a:avLst/>
-          </a:prstGeom>
-          <a:ln>
-            <a:tailEnd type="triangle"/>
-          </a:ln>
-        </p:spPr>
-        <p:style>
-          <a:lnRef idx="1">
-            <a:schemeClr val="accent1"/>
-          </a:lnRef>
-          <a:fillRef idx="0">
-            <a:schemeClr val="accent1"/>
-          </a:fillRef>
-          <a:effectRef idx="0">
-            <a:schemeClr val="accent1"/>
-          </a:effectRef>
-          <a:fontRef idx="minor">
-            <a:schemeClr val="tx1"/>
-          </a:fontRef>
-        </p:style>
-      </p:cxnSp>
-      <p:cxnSp>
-        <p:nvCxnSpPr>
-          <p:cNvPr id="12" name="Straight Arrow Connector 11"/>
-          <p:cNvCxnSpPr>
-            <a:stCxn id="5" idx="3"/>
-            <a:endCxn id="9" idx="2"/>
-          </p:cNvCxnSpPr>
-          <p:nvPr/>
-        </p:nvCxnSpPr>
-        <p:spPr>
-          <a:xfrm>
-            <a:off x="5085236" y="4505770"/>
-            <a:ext cx="1790628" cy="0"/>
-          </a:xfrm>
-          <a:prstGeom prst="straightConnector1">
-            <a:avLst/>
-          </a:prstGeom>
-          <a:ln>
-            <a:tailEnd type="triangle"/>
-          </a:ln>
-        </p:spPr>
-        <p:style>
-          <a:lnRef idx="1">
-            <a:schemeClr val="accent1"/>
-          </a:lnRef>
-          <a:fillRef idx="0">
-            <a:schemeClr val="accent1"/>
-          </a:fillRef>
-          <a:effectRef idx="0">
-            <a:schemeClr val="accent1"/>
-          </a:effectRef>
-          <a:fontRef idx="minor">
-            <a:schemeClr val="tx1"/>
-          </a:fontRef>
-        </p:style>
-      </p:cxnSp>
-      <p:cxnSp>
-        <p:nvCxnSpPr>
-          <p:cNvPr id="13" name="Straight Arrow Connector 12"/>
-          <p:cNvCxnSpPr>
-            <a:stCxn id="6" idx="2"/>
-            <a:endCxn id="9" idx="1"/>
-          </p:cNvCxnSpPr>
-          <p:nvPr/>
-        </p:nvCxnSpPr>
-        <p:spPr>
-          <a:xfrm>
-            <a:off x="7730780" y="3049629"/>
-            <a:ext cx="0" cy="928221"/>
-          </a:xfrm>
-          <a:prstGeom prst="straightConnector1">
-            <a:avLst/>
-          </a:prstGeom>
-          <a:ln>
-            <a:headEnd type="triangle"/>
-            <a:tailEnd type="triangle"/>
-          </a:ln>
-        </p:spPr>
-        <p:style>
-          <a:lnRef idx="1">
-            <a:schemeClr val="accent1"/>
-          </a:lnRef>
-          <a:fillRef idx="0">
-            <a:schemeClr val="accent1"/>
-          </a:fillRef>
-          <a:effectRef idx="0">
-            <a:schemeClr val="accent1"/>
-          </a:effectRef>
-          <a:fontRef idx="minor">
-            <a:schemeClr val="tx1"/>
-          </a:fontRef>
-        </p:style>
-      </p:cxnSp>
-      <p:cxnSp>
-        <p:nvCxnSpPr>
-          <p:cNvPr id="14" name="Straight Arrow Connector 13"/>
-          <p:cNvCxnSpPr>
-            <a:stCxn id="7" idx="1"/>
-            <a:endCxn id="9" idx="4"/>
-          </p:cNvCxnSpPr>
-          <p:nvPr/>
-        </p:nvCxnSpPr>
-        <p:spPr>
-          <a:xfrm flipH="1">
-            <a:off x="8585695" y="2588233"/>
-            <a:ext cx="1507458" cy="1917537"/>
-          </a:xfrm>
-          <a:prstGeom prst="straightConnector1">
-            <a:avLst/>
-          </a:prstGeom>
-          <a:ln>
-            <a:headEnd type="triangle"/>
-            <a:tailEnd type="triangle"/>
-          </a:ln>
-        </p:spPr>
-        <p:style>
-          <a:lnRef idx="1">
-            <a:schemeClr val="accent1"/>
-          </a:lnRef>
-          <a:fillRef idx="0">
-            <a:schemeClr val="accent1"/>
-          </a:fillRef>
-          <a:effectRef idx="0">
-            <a:schemeClr val="accent1"/>
-          </a:effectRef>
-          <a:fontRef idx="minor">
-            <a:schemeClr val="tx1"/>
-          </a:fontRef>
-        </p:style>
-      </p:cxnSp>
-      <p:cxnSp>
-        <p:nvCxnSpPr>
-          <p:cNvPr id="15" name="Straight Arrow Connector 14"/>
-          <p:cNvCxnSpPr>
-            <a:stCxn id="7" idx="2"/>
-            <a:endCxn id="8" idx="0"/>
-          </p:cNvCxnSpPr>
-          <p:nvPr/>
-        </p:nvCxnSpPr>
-        <p:spPr>
-          <a:xfrm flipH="1">
-            <a:off x="10699544" y="3055058"/>
-            <a:ext cx="1" cy="2281338"/>
-          </a:xfrm>
-          <a:prstGeom prst="straightConnector1">
-            <a:avLst/>
-          </a:prstGeom>
-          <a:ln>
-            <a:headEnd type="triangle"/>
-            <a:tailEnd type="triangle"/>
-          </a:ln>
-        </p:spPr>
-        <p:style>
-          <a:lnRef idx="1">
-            <a:schemeClr val="accent1"/>
-          </a:lnRef>
-          <a:fillRef idx="0">
-            <a:schemeClr val="accent1"/>
-          </a:fillRef>
-          <a:effectRef idx="0">
-            <a:schemeClr val="accent1"/>
-          </a:effectRef>
-          <a:fontRef idx="minor">
-            <a:schemeClr val="tx1"/>
-          </a:fontRef>
-        </p:style>
-      </p:cxnSp>
-      <p:sp>
-        <p:nvSpPr>
-          <p:cNvPr id="16" name="Flowchart: Multidocument 15"/>
-          <p:cNvSpPr/>
-          <p:nvPr/>
-        </p:nvSpPr>
-        <p:spPr>
-          <a:xfrm>
-            <a:off x="3621753" y="5587674"/>
-            <a:ext cx="1497875" cy="1169051"/>
-          </a:xfrm>
-          <a:prstGeom prst="flowChartMultidocument">
-            <a:avLst/>
-          </a:prstGeom>
-        </p:spPr>
-        <p:style>
-          <a:lnRef idx="2">
-            <a:schemeClr val="accent1">
-              <a:shade val="50000"/>
-            </a:schemeClr>
-          </a:lnRef>
-          <a:fillRef idx="1">
-            <a:schemeClr val="accent1"/>
-          </a:fillRef>
-          <a:effectRef idx="0">
-            <a:schemeClr val="accent1"/>
-          </a:effectRef>
-          <a:fontRef idx="minor">
-            <a:schemeClr val="lt1"/>
-          </a:fontRef>
-        </p:style>
-        <p:txBody>
-          <a:bodyPr rtlCol="0" anchor="ctr"/>
-          <a:lstStyle/>
-          <a:p>
-            <a:pPr algn="ctr"/>
-            <a:r>
-              <a:rPr lang="en-US" dirty="0" smtClean="0"/>
-              <a:t>Outgoing Files</a:t>
-            </a:r>
-            <a:endParaRPr lang="en-US" dirty="0"/>
-          </a:p>
-        </p:txBody>
-      </p:sp>
-      <p:cxnSp>
-        <p:nvCxnSpPr>
-          <p:cNvPr id="17" name="Straight Arrow Connector 16"/>
-          <p:cNvCxnSpPr>
-            <a:stCxn id="5" idx="2"/>
-            <a:endCxn id="16" idx="0"/>
-          </p:cNvCxnSpPr>
-          <p:nvPr/>
-        </p:nvCxnSpPr>
-        <p:spPr>
-          <a:xfrm flipH="1">
-            <a:off x="4473739" y="4972595"/>
-            <a:ext cx="5106" cy="615079"/>
-          </a:xfrm>
-          <a:prstGeom prst="straightConnector1">
-            <a:avLst/>
-          </a:prstGeom>
-          <a:ln>
-            <a:tailEnd type="triangle"/>
-          </a:ln>
-        </p:spPr>
-        <p:style>
-          <a:lnRef idx="1">
-            <a:schemeClr val="accent1"/>
-          </a:lnRef>
-          <a:fillRef idx="0">
-            <a:schemeClr val="accent1"/>
-          </a:fillRef>
-          <a:effectRef idx="0">
-            <a:schemeClr val="accent1"/>
-          </a:effectRef>
-          <a:fontRef idx="minor">
-            <a:schemeClr val="tx1"/>
-          </a:fontRef>
-        </p:style>
-      </p:cxnSp>
-      <p:sp>
-        <p:nvSpPr>
-          <p:cNvPr id="18" name="Cloud 17"/>
-          <p:cNvSpPr/>
-          <p:nvPr/>
-        </p:nvSpPr>
-        <p:spPr>
-          <a:xfrm>
-            <a:off x="434923" y="3897500"/>
-            <a:ext cx="1901904" cy="1216539"/>
-          </a:xfrm>
-          <a:prstGeom prst="cloud">
-            <a:avLst/>
-          </a:prstGeom>
-        </p:spPr>
-        <p:style>
-          <a:lnRef idx="2">
-            <a:schemeClr val="accent1">
-              <a:shade val="50000"/>
-            </a:schemeClr>
-          </a:lnRef>
-          <a:fillRef idx="1">
-            <a:schemeClr val="accent1"/>
-          </a:fillRef>
-          <a:effectRef idx="0">
-            <a:schemeClr val="accent1"/>
-          </a:effectRef>
-          <a:fontRef idx="minor">
-            <a:schemeClr val="lt1"/>
-          </a:fontRef>
-        </p:style>
-        <p:txBody>
-          <a:bodyPr rtlCol="0" anchor="ctr"/>
-          <a:lstStyle/>
-          <a:p>
-            <a:pPr algn="ctr"/>
-            <a:r>
-              <a:rPr lang="en-US" dirty="0" smtClean="0"/>
-              <a:t>Providers</a:t>
-            </a:r>
-            <a:endParaRPr lang="en-US" dirty="0"/>
-          </a:p>
-        </p:txBody>
-      </p:sp>
-      <p:cxnSp>
-        <p:nvCxnSpPr>
-          <p:cNvPr id="19" name="Straight Arrow Connector 18"/>
-          <p:cNvCxnSpPr>
-            <a:stCxn id="18" idx="3"/>
-            <a:endCxn id="10" idx="1"/>
-          </p:cNvCxnSpPr>
-          <p:nvPr/>
-        </p:nvCxnSpPr>
-        <p:spPr>
-          <a:xfrm flipV="1">
-            <a:off x="1385875" y="2568906"/>
-            <a:ext cx="2450259" cy="1398151"/>
-          </a:xfrm>
-          <a:prstGeom prst="straightConnector1">
-            <a:avLst/>
-          </a:prstGeom>
-          <a:ln>
-            <a:tailEnd type="triangle"/>
-          </a:ln>
-        </p:spPr>
-        <p:style>
-          <a:lnRef idx="1">
-            <a:schemeClr val="accent1"/>
-          </a:lnRef>
-          <a:fillRef idx="0">
-            <a:schemeClr val="accent1"/>
-          </a:fillRef>
-          <a:effectRef idx="0">
-            <a:schemeClr val="accent1"/>
-          </a:effectRef>
-          <a:fontRef idx="minor">
-            <a:schemeClr val="tx1"/>
-          </a:fontRef>
-        </p:style>
-      </p:cxnSp>
-      <p:cxnSp>
-        <p:nvCxnSpPr>
-          <p:cNvPr id="20" name="Straight Arrow Connector 19"/>
-          <p:cNvCxnSpPr>
-            <a:stCxn id="16" idx="1"/>
-            <a:endCxn id="18" idx="1"/>
-          </p:cNvCxnSpPr>
-          <p:nvPr/>
-        </p:nvCxnSpPr>
-        <p:spPr>
-          <a:xfrm flipH="1" flipV="1">
-            <a:off x="1385875" y="5112744"/>
-            <a:ext cx="2235878" cy="1059456"/>
-          </a:xfrm>
-          <a:prstGeom prst="straightConnector1">
-            <a:avLst/>
-          </a:prstGeom>
-          <a:ln>
-            <a:tailEnd type="triangle"/>
-          </a:ln>
-        </p:spPr>
-        <p:style>
-          <a:lnRef idx="1">
-            <a:schemeClr val="accent1"/>
-          </a:lnRef>
-          <a:fillRef idx="0">
-            <a:schemeClr val="accent1"/>
-          </a:fillRef>
-          <a:effectRef idx="0">
-            <a:schemeClr val="accent1"/>
-          </a:effectRef>
-          <a:fontRef idx="minor">
-            <a:schemeClr val="tx1"/>
-          </a:fontRef>
-        </p:style>
-      </p:cxnSp>
-      <p:pic>
-        <p:nvPicPr>
-          <p:cNvPr id="21" name="Picture 20"/>
-          <p:cNvPicPr>
-            <a:picLocks noChangeAspect="1"/>
-          </p:cNvPicPr>
-          <p:nvPr/>
-        </p:nvPicPr>
-        <p:blipFill>
-          <a:blip r:embed="rId2" cstate="print">
-            <a:extLst>
-              <a:ext uri="{28A0092B-C50C-407E-A947-70E740481C1C}">
-                <a14:useLocalDpi xmlns:a14="http://schemas.microsoft.com/office/drawing/2010/main" val="0"/>
-              </a:ext>
-            </a:extLst>
-          </a:blip>
-          <a:stretch>
-            <a:fillRect/>
-          </a:stretch>
-        </p:blipFill>
-        <p:spPr>
-          <a:xfrm>
-            <a:off x="9135291" y="292047"/>
-            <a:ext cx="2455817" cy="1381224"/>
-          </a:xfrm>
-          <a:prstGeom prst="rect">
-            <a:avLst/>
-          </a:prstGeom>
-        </p:spPr>
-      </p:pic>
-    </p:spTree>
-    <p:extLst>
-      <p:ext uri="{BB962C8B-B14F-4D97-AF65-F5344CB8AC3E}">
-        <p14:creationId xmlns:p14="http://schemas.microsoft.com/office/powerpoint/2010/main" val="2528745426"/>
       </p:ext>
     </p:extLst>
   </p:cSld>

--- a/EventDrivenArchitectureWorkshop.pptx
+++ b/EventDrivenArchitectureWorkshop.pptx
@@ -6598,7 +6598,7 @@
         <p:spPr/>
         <p:txBody>
           <a:bodyPr>
-            <a:normAutofit fontScale="77500" lnSpcReduction="20000"/>
+            <a:normAutofit fontScale="70000" lnSpcReduction="20000"/>
           </a:bodyPr>
           <a:lstStyle/>
           <a:p>
@@ -6663,9 +6663,34 @@
           <a:p>
             <a:r>
               <a:rPr lang="en-US" sz="3200" dirty="0" smtClean="0"/>
-              <a:t>Introduction to event-driven architecture article !!!</a:t>
-            </a:r>
-            <a:endParaRPr lang="en-US" sz="3200" dirty="0"/>
+              <a:t>Introduction to event-driven architecture </a:t>
+            </a:r>
+            <a:r>
+              <a:rPr lang="en-US" sz="3200" dirty="0" smtClean="0"/>
+              <a:t>article</a:t>
+            </a:r>
+          </a:p>
+          <a:p>
+            <a:pPr lvl="1"/>
+            <a:r>
+              <a:rPr lang="en-US" sz="2800">
+                <a:hlinkClick r:id="rId4"/>
+              </a:rPr>
+              <a:t>https://</a:t>
+            </a:r>
+            <a:r>
+              <a:rPr lang="en-US" sz="2800">
+                <a:hlinkClick r:id="rId4"/>
+              </a:rPr>
+              <a:t>developer.ibm.com/articles/advantages-of-an-event-driven-architecture</a:t>
+            </a:r>
+            <a:r>
+              <a:rPr lang="en-US" sz="2800" smtClean="0">
+                <a:hlinkClick r:id="rId4"/>
+              </a:rPr>
+              <a:t>/</a:t>
+            </a:r>
+            <a:endParaRPr lang="en-US" sz="2800" smtClean="0"/>
           </a:p>
         </p:txBody>
       </p:sp>
